--- a/slides.pptx
+++ b/slides.pptx
@@ -9155,7 +9155,7 @@
             <a:tbl>
               <a:tblPr>
                 <a:noFill/>
-                <a:tableStyleId>{84600B35-519F-4616-B607-074E80C8BFAB}</a:tableStyleId>
+                <a:tableStyleId>{308B290A-8617-43D6-AB54-6A3C6322F276}</a:tableStyleId>
               </a:tblPr>
               <a:tblGrid>
                 <a:gridCol w="764400"/>
@@ -9850,7 +9850,7 @@
             <a:tbl>
               <a:tblPr>
                 <a:noFill/>
-                <a:tableStyleId>{84600B35-519F-4616-B607-074E80C8BFAB}</a:tableStyleId>
+                <a:tableStyleId>{308B290A-8617-43D6-AB54-6A3C6322F276}</a:tableStyleId>
               </a:tblPr>
               <a:tblGrid>
                 <a:gridCol w="394725"/>
@@ -10168,7 +10168,7 @@
             <a:tbl>
               <a:tblPr>
                 <a:noFill/>
-                <a:tableStyleId>{84600B35-519F-4616-B607-074E80C8BFAB}</a:tableStyleId>
+                <a:tableStyleId>{308B290A-8617-43D6-AB54-6A3C6322F276}</a:tableStyleId>
               </a:tblPr>
               <a:tblGrid>
                 <a:gridCol w="463500"/>
@@ -10434,7 +10434,7 @@
             <a:tbl>
               <a:tblPr>
                 <a:noFill/>
-                <a:tableStyleId>{84600B35-519F-4616-B607-074E80C8BFAB}</a:tableStyleId>
+                <a:tableStyleId>{308B290A-8617-43D6-AB54-6A3C6322F276}</a:tableStyleId>
               </a:tblPr>
               <a:tblGrid>
                 <a:gridCol w="1195950"/>
@@ -12212,7 +12212,7 @@
             <a:tbl>
               <a:tblPr>
                 <a:noFill/>
-                <a:tableStyleId>{84600B35-519F-4616-B607-074E80C8BFAB}</a:tableStyleId>
+                <a:tableStyleId>{308B290A-8617-43D6-AB54-6A3C6322F276}</a:tableStyleId>
               </a:tblPr>
               <a:tblGrid>
                 <a:gridCol w="1808500"/>
@@ -13477,7 +13477,7 @@
                 <a:cs typeface="Courier New"/>
                 <a:sym typeface="Courier New"/>
               </a:rPr>
-              <a:t>  "publisher_txt_en":"New York,",</a:t>
+              <a:t>  "publisher_s":"New York,",</a:t>
             </a:r>
             <a:endParaRPr sz="1400">
               <a:latin typeface="Courier New"/>
@@ -13507,7 +13507,7 @@
                 <a:cs typeface="Courier New"/>
                 <a:sym typeface="Courier New"/>
               </a:rPr>
-              <a:t>  "subjects_txts_en":["Geography"]</a:t>
+              <a:t>  "subjects_ss":["Geography", “Fluid mechanics”]</a:t>
             </a:r>
             <a:endParaRPr sz="1400">
               <a:latin typeface="Courier New"/>
@@ -13633,7 +13633,7 @@
           <p:nvPr/>
         </p:nvGraphicFramePr>
         <p:xfrm>
-          <a:off x="364325" y="1299964"/>
+          <a:off x="364325" y="1108293"/>
           <a:ext cx="3000000" cy="3000000"/>
         </p:xfrm>
         <a:graphic>
@@ -13641,15 +13641,15 @@
             <a:tbl>
               <a:tblPr>
                 <a:noFill/>
-                <a:tableStyleId>{84600B35-519F-4616-B607-074E80C8BFAB}</a:tableStyleId>
+                <a:tableStyleId>{308B290A-8617-43D6-AB54-6A3C6322F276}</a:tableStyleId>
               </a:tblPr>
               <a:tblGrid>
                 <a:gridCol w="1701050"/>
-                <a:gridCol w="1868675"/>
-                <a:gridCol w="2535275"/>
+                <a:gridCol w="2260900"/>
+                <a:gridCol w="2143050"/>
                 <a:gridCol w="1649775"/>
               </a:tblGrid>
-              <a:tr h="796350">
+              <a:tr h="400900">
                 <a:tc>
                   <a:txBody>
                     <a:bodyPr/>
@@ -13665,10 +13665,10 @@
                         <a:buNone/>
                       </a:pPr>
                       <a:r>
-                        <a:rPr b="1" lang="en"/>
-                        <a:t>Field in source data</a:t>
+                        <a:rPr b="1" lang="en" sz="1200"/>
+                        <a:t>Field in data</a:t>
                       </a:r>
-                      <a:endParaRPr b="1"/>
+                      <a:endParaRPr b="1" sz="1200"/>
                     </a:p>
                   </a:txBody>
                   <a:tcPr marT="91425" marB="91425" marR="91425" marL="91425"/>
@@ -13691,16 +13691,16 @@
                         <a:buNone/>
                       </a:pPr>
                       <a:r>
-                        <a:rPr b="1" lang="en">
+                        <a:rPr b="1" lang="en" sz="1200">
                           <a:solidFill>
-                            <a:schemeClr val="dk2"/>
+                            <a:schemeClr val="dk1"/>
                           </a:solidFill>
                         </a:rPr>
                         <a:t>Schema</a:t>
                       </a:r>
-                      <a:endParaRPr b="1">
+                      <a:endParaRPr b="1" sz="1200">
                         <a:solidFill>
-                          <a:schemeClr val="dk2"/>
+                          <a:schemeClr val="dk1"/>
                         </a:solidFill>
                       </a:endParaRPr>
                     </a:p>
@@ -13722,10 +13722,10 @@
                         <a:buNone/>
                       </a:pPr>
                       <a:r>
-                        <a:rPr b="1" lang="en"/>
+                        <a:rPr b="1" lang="en" sz="1200"/>
                         <a:t>Action</a:t>
                       </a:r>
-                      <a:endParaRPr b="1"/>
+                      <a:endParaRPr b="1" sz="1200"/>
                     </a:p>
                   </a:txBody>
                   <a:tcPr marT="91425" marB="91425" marR="91425" marL="91425"/>
@@ -13745,16 +13745,16 @@
                         <a:buNone/>
                       </a:pPr>
                       <a:r>
-                        <a:rPr b="1" lang="en"/>
-                        <a:t>Resulting field type</a:t>
+                        <a:rPr b="1" lang="en" sz="1200"/>
+                        <a:t>Resulting field</a:t>
                       </a:r>
-                      <a:endParaRPr b="1"/>
+                      <a:endParaRPr b="1" sz="1200"/>
                     </a:p>
                   </a:txBody>
                   <a:tcPr marT="91425" marB="91425" marR="91425" marL="91425"/>
                 </a:tc>
               </a:tr>
-              <a:tr h="396200">
+              <a:tr h="576825">
                 <a:tc>
                   <a:txBody>
                     <a:bodyPr/>
@@ -13770,7 +13770,7 @@
                         <a:buNone/>
                       </a:pPr>
                       <a:r>
-                        <a:rPr lang="en">
+                        <a:rPr lang="en" sz="1200">
                           <a:solidFill>
                             <a:schemeClr val="dk1"/>
                           </a:solidFill>
@@ -13781,7 +13781,7 @@
                         </a:rPr>
                         <a:t>id</a:t>
                       </a:r>
-                      <a:endParaRPr>
+                      <a:endParaRPr sz="1200">
                         <a:solidFill>
                           <a:schemeClr val="dk1"/>
                         </a:solidFill>
@@ -13812,7 +13812,7 @@
                         <a:buNone/>
                       </a:pPr>
                       <a:r>
-                        <a:rPr lang="en">
+                        <a:rPr lang="en" sz="1200">
                           <a:solidFill>
                             <a:schemeClr val="dk1"/>
                           </a:solidFill>
@@ -13820,7 +13820,7 @@
                         <a:t>Matches </a:t>
                       </a:r>
                       <a:r>
-                        <a:rPr lang="en">
+                        <a:rPr lang="en" sz="1200">
                           <a:solidFill>
                             <a:schemeClr val="dk1"/>
                           </a:solidFill>
@@ -13832,14 +13832,14 @@
                         <a:t>id</a:t>
                       </a:r>
                       <a:r>
-                        <a:rPr lang="en">
+                        <a:rPr lang="en" sz="1200">
                           <a:solidFill>
                             <a:schemeClr val="dk1"/>
                           </a:solidFill>
                         </a:rPr>
                         <a:t> field defined as string</a:t>
                       </a:r>
-                      <a:endParaRPr>
+                      <a:endParaRPr sz="1200">
                         <a:solidFill>
                           <a:schemeClr val="dk1"/>
                         </a:solidFill>
@@ -13863,14 +13863,14 @@
                         <a:buNone/>
                       </a:pPr>
                       <a:r>
-                        <a:rPr lang="en">
+                        <a:rPr lang="en" sz="1200">
                           <a:solidFill>
                             <a:schemeClr val="dk1"/>
                           </a:solidFill>
                         </a:rPr>
                         <a:t>Saves value</a:t>
                       </a:r>
-                      <a:endParaRPr>
+                      <a:endParaRPr sz="1200">
                         <a:solidFill>
                           <a:schemeClr val="dk1"/>
                         </a:solidFill>
@@ -13894,7 +13894,7 @@
                         <a:buNone/>
                       </a:pPr>
                       <a:r>
-                        <a:rPr lang="en">
+                        <a:rPr lang="en" sz="1200">
                           <a:solidFill>
                             <a:schemeClr val="dk1"/>
                           </a:solidFill>
@@ -13905,7 +13905,7 @@
                         </a:rPr>
                         <a:t>string</a:t>
                       </a:r>
-                      <a:endParaRPr>
+                      <a:endParaRPr sz="1200">
                         <a:solidFill>
                           <a:schemeClr val="dk1"/>
                         </a:solidFill>
@@ -13919,7 +13919,7 @@
                   <a:tcPr marT="91425" marB="91425" marR="91425" marL="91425"/>
                 </a:tc>
               </a:tr>
-              <a:tr h="641575">
+              <a:tr h="731900">
                 <a:tc>
                   <a:txBody>
                     <a:bodyPr/>
@@ -13935,7 +13935,7 @@
                         <a:buNone/>
                       </a:pPr>
                       <a:r>
-                        <a:rPr lang="en">
+                        <a:rPr lang="en" sz="1200">
                           <a:solidFill>
                             <a:schemeClr val="dk1"/>
                           </a:solidFill>
@@ -13946,7 +13946,7 @@
                         </a:rPr>
                         <a:t>author_txt_en</a:t>
                       </a:r>
-                      <a:endParaRPr>
+                      <a:endParaRPr sz="1200">
                         <a:solidFill>
                           <a:schemeClr val="dk1"/>
                         </a:solidFill>
@@ -13969,7 +13969,7 @@
                       <a:r>
                         <a:t/>
                       </a:r>
-                      <a:endParaRPr>
+                      <a:endParaRPr sz="1200">
                         <a:solidFill>
                           <a:schemeClr val="dk1"/>
                         </a:solidFill>
@@ -14000,7 +14000,7 @@
                         <a:buNone/>
                       </a:pPr>
                       <a:r>
-                        <a:rPr lang="en">
+                        <a:rPr lang="en" sz="1200">
                           <a:solidFill>
                             <a:schemeClr val="dk1"/>
                           </a:solidFill>
@@ -14008,7 +14008,7 @@
                         <a:t>Matches </a:t>
                       </a:r>
                       <a:r>
-                        <a:rPr lang="en">
+                        <a:rPr lang="en" sz="1200">
                           <a:solidFill>
                             <a:schemeClr val="dk1"/>
                           </a:solidFill>
@@ -14020,14 +14020,14 @@
                         <a:t>*_txt_en</a:t>
                       </a:r>
                       <a:r>
-                        <a:rPr lang="en">
+                        <a:rPr lang="en" sz="1200">
                           <a:solidFill>
                             <a:schemeClr val="dk1"/>
                           </a:solidFill>
                         </a:rPr>
-                        <a:t> dynamic field defined</a:t>
+                        <a:t> dynamic field</a:t>
                       </a:r>
-                      <a:endParaRPr>
+                      <a:endParaRPr sz="1200">
                         <a:solidFill>
                           <a:schemeClr val="dk1"/>
                         </a:solidFill>
@@ -14051,7 +14051,7 @@
                         <a:buNone/>
                       </a:pPr>
                       <a:r>
-                        <a:rPr lang="en">
+                        <a:rPr lang="en" sz="1200">
                           <a:solidFill>
                             <a:schemeClr val="dk1"/>
                           </a:solidFill>
@@ -14059,7 +14059,7 @@
                         <a:t>Creates field </a:t>
                       </a:r>
                       <a:r>
-                        <a:rPr lang="en">
+                        <a:rPr lang="en" sz="1200">
                           <a:solidFill>
                             <a:schemeClr val="dk1"/>
                           </a:solidFill>
@@ -14071,14 +14071,14 @@
                         <a:t>author_txt_en </a:t>
                       </a:r>
                       <a:r>
-                        <a:rPr lang="en">
+                        <a:rPr lang="en" sz="1200">
                           <a:solidFill>
                             <a:schemeClr val="dk1"/>
                           </a:solidFill>
                         </a:rPr>
                         <a:t>and saves value</a:t>
                       </a:r>
-                      <a:endParaRPr>
+                      <a:endParaRPr sz="1200">
                         <a:solidFill>
                           <a:schemeClr val="dk1"/>
                         </a:solidFill>
@@ -14102,7 +14102,7 @@
                         <a:buNone/>
                       </a:pPr>
                       <a:r>
-                        <a:rPr lang="en">
+                        <a:rPr lang="en" sz="1200">
                           <a:latin typeface="Courier New"/>
                           <a:ea typeface="Courier New"/>
                           <a:cs typeface="Courier New"/>
@@ -14110,7 +14110,7 @@
                         </a:rPr>
                         <a:t>text_en</a:t>
                       </a:r>
-                      <a:endParaRPr>
+                      <a:endParaRPr sz="1200">
                         <a:latin typeface="Courier New"/>
                         <a:ea typeface="Courier New"/>
                         <a:cs typeface="Courier New"/>
@@ -14121,7 +14121,7 @@
                   <a:tcPr marT="91425" marB="91425" marR="91425" marL="91425"/>
                 </a:tc>
               </a:tr>
-              <a:tr h="1036275">
+              <a:tr h="982800">
                 <a:tc>
                   <a:txBody>
                     <a:bodyPr/>
@@ -14137,7 +14137,7 @@
                         <a:buNone/>
                       </a:pPr>
                       <a:r>
-                        <a:rPr lang="en">
+                        <a:rPr lang="en" sz="1200">
                           <a:solidFill>
                             <a:schemeClr val="dk1"/>
                           </a:solidFill>
@@ -14148,7 +14148,7 @@
                         </a:rPr>
                         <a:t>authors_other_txts_en</a:t>
                       </a:r>
-                      <a:endParaRPr>
+                      <a:endParaRPr sz="1200">
                         <a:solidFill>
                           <a:schemeClr val="dk1"/>
                         </a:solidFill>
@@ -14179,7 +14179,7 @@
                         <a:buNone/>
                       </a:pPr>
                       <a:r>
-                        <a:rPr lang="en">
+                        <a:rPr lang="en" sz="1200">
                           <a:solidFill>
                             <a:schemeClr val="dk1"/>
                           </a:solidFill>
@@ -14187,7 +14187,7 @@
                         <a:t>Does </a:t>
                       </a:r>
                       <a:r>
-                        <a:rPr i="1" lang="en">
+                        <a:rPr i="1" lang="en" sz="1200">
                           <a:solidFill>
                             <a:schemeClr val="dk1"/>
                           </a:solidFill>
@@ -14195,14 +14195,14 @@
                         <a:t>not</a:t>
                       </a:r>
                       <a:r>
-                        <a:rPr lang="en">
+                        <a:rPr lang="en" sz="1200">
                           <a:solidFill>
                             <a:schemeClr val="dk1"/>
                           </a:solidFill>
                         </a:rPr>
-                        <a:t> match any dynamic field defined</a:t>
+                        <a:t> match any dynamic field</a:t>
                       </a:r>
-                      <a:endParaRPr>
+                      <a:endParaRPr sz="1200">
                         <a:solidFill>
                           <a:schemeClr val="dk1"/>
                         </a:solidFill>
@@ -14226,7 +14226,7 @@
                         <a:buNone/>
                       </a:pPr>
                       <a:r>
-                        <a:rPr lang="en">
+                        <a:rPr lang="en" sz="1200">
                           <a:solidFill>
                             <a:schemeClr val="dk1"/>
                           </a:solidFill>
@@ -14234,7 +14234,7 @@
                         <a:t>Creates </a:t>
                       </a:r>
                       <a:r>
-                        <a:rPr lang="en">
+                        <a:rPr lang="en" sz="1200">
                           <a:solidFill>
                             <a:schemeClr val="dk1"/>
                           </a:solidFill>
@@ -14246,7 +14246,7 @@
                         <a:t>a</a:t>
                       </a:r>
                       <a:r>
-                        <a:rPr lang="en">
+                        <a:rPr lang="en" sz="1200">
                           <a:solidFill>
                             <a:schemeClr val="dk1"/>
                           </a:solidFill>
@@ -14258,7 +14258,7 @@
                         <a:t>uthors_other_txts_en</a:t>
                       </a:r>
                       <a:r>
-                        <a:rPr lang="en">
+                        <a:rPr lang="en" sz="1200">
                           <a:solidFill>
                             <a:schemeClr val="dk1"/>
                           </a:solidFill>
@@ -14266,14 +14266,14 @@
                         <a:t> field (guesses the type), </a:t>
                       </a:r>
                       <a:r>
-                        <a:rPr lang="en">
+                        <a:rPr lang="en" sz="1200">
                           <a:solidFill>
                             <a:schemeClr val="dk1"/>
                           </a:solidFill>
                         </a:rPr>
                         <a:t>and saves value</a:t>
                       </a:r>
-                      <a:endParaRPr>
+                      <a:endParaRPr sz="1200">
                         <a:solidFill>
                           <a:schemeClr val="dk1"/>
                         </a:solidFill>
@@ -14297,7 +14297,7 @@
                         <a:buNone/>
                       </a:pPr>
                       <a:r>
-                        <a:rPr lang="en">
+                        <a:rPr lang="en" sz="1200">
                           <a:latin typeface="Courier New"/>
                           <a:ea typeface="Courier New"/>
                           <a:cs typeface="Courier New"/>
@@ -14305,7 +14305,7 @@
                         </a:rPr>
                         <a:t>text_general</a:t>
                       </a:r>
-                      <a:endParaRPr>
+                      <a:endParaRPr sz="1200">
                         <a:latin typeface="Courier New"/>
                         <a:ea typeface="Courier New"/>
                         <a:cs typeface="Courier New"/>
@@ -14316,25 +14316,42 @@
                   <a:tcPr marT="91425" marB="91425" marR="91425" marL="91425"/>
                 </a:tc>
               </a:tr>
-              <a:tr h="396200">
+              <a:tr h="570250">
                 <a:tc>
                   <a:txBody>
                     <a:bodyPr/>
                     <a:lstStyle/>
                     <a:p>
                       <a:pPr indent="0" lvl="0" marL="0" rtl="0" algn="l">
+                        <a:lnSpc>
+                          <a:spcPct val="75000"/>
+                        </a:lnSpc>
                         <a:spcBef>
                           <a:spcPts val="0"/>
                         </a:spcBef>
                         <a:spcAft>
-                          <a:spcPts val="0"/>
+                          <a:spcPts val="1200"/>
                         </a:spcAft>
+                        <a:buClr>
+                          <a:schemeClr val="dk1"/>
+                        </a:buClr>
+                        <a:buSzPts val="275"/>
+                        <a:buFont typeface="Arial"/>
                         <a:buNone/>
                       </a:pPr>
                       <a:r>
-                        <a:t/>
+                        <a:rPr lang="en" sz="1200">
+                          <a:solidFill>
+                            <a:schemeClr val="dk2"/>
+                          </a:solidFill>
+                          <a:latin typeface="Courier New"/>
+                          <a:ea typeface="Courier New"/>
+                          <a:cs typeface="Courier New"/>
+                          <a:sym typeface="Courier New"/>
+                        </a:rPr>
+                        <a:t>publisher_s</a:t>
                       </a:r>
-                      <a:endParaRPr/>
+                      <a:endParaRPr sz="1200"/>
                     </a:p>
                   </a:txBody>
                   <a:tcPr marT="91425" marB="91425" marR="91425" marL="91425"/>
@@ -14354,12 +14371,42 @@
                         <a:spcAft>
                           <a:spcPts val="1200"/>
                         </a:spcAft>
+                        <a:buClr>
+                          <a:schemeClr val="dk1"/>
+                        </a:buClr>
+                        <a:buSzPts val="1100"/>
+                        <a:buFont typeface="Arial"/>
                         <a:buNone/>
                       </a:pPr>
                       <a:r>
-                        <a:t/>
+                        <a:rPr lang="en" sz="1200">
+                          <a:solidFill>
+                            <a:schemeClr val="dk1"/>
+                          </a:solidFill>
+                        </a:rPr>
+                        <a:t>Matches </a:t>
                       </a:r>
-                      <a:endParaRPr>
+                      <a:r>
+                        <a:rPr lang="en" sz="1200">
+                          <a:solidFill>
+                            <a:schemeClr val="dk1"/>
+                          </a:solidFill>
+                          <a:latin typeface="Courier New"/>
+                          <a:ea typeface="Courier New"/>
+                          <a:cs typeface="Courier New"/>
+                          <a:sym typeface="Courier New"/>
+                        </a:rPr>
+                        <a:t>*_s</a:t>
+                      </a:r>
+                      <a:r>
+                        <a:rPr lang="en" sz="1200">
+                          <a:solidFill>
+                            <a:schemeClr val="dk1"/>
+                          </a:solidFill>
+                        </a:rPr>
+                        <a:t> dynamic field </a:t>
+                      </a:r>
+                      <a:endParaRPr sz="1200">
                         <a:solidFill>
                           <a:schemeClr val="dk2"/>
                         </a:solidFill>
@@ -14387,9 +14434,226 @@
                         <a:buNone/>
                       </a:pPr>
                       <a:r>
-                        <a:t/>
+                        <a:rPr lang="en" sz="1200"/>
+                        <a:t>Creates field </a:t>
                       </a:r>
-                      <a:endParaRPr/>
+                      <a:r>
+                        <a:rPr lang="en" sz="1200">
+                          <a:solidFill>
+                            <a:schemeClr val="dk2"/>
+                          </a:solidFill>
+                          <a:latin typeface="Courier New"/>
+                          <a:ea typeface="Courier New"/>
+                          <a:cs typeface="Courier New"/>
+                          <a:sym typeface="Courier New"/>
+                        </a:rPr>
+                        <a:t>publisher_s</a:t>
+                      </a:r>
+                      <a:endParaRPr sz="1200"/>
+                    </a:p>
+                  </a:txBody>
+                  <a:tcPr marT="91425" marB="91425" marR="91425" marL="91425"/>
+                </a:tc>
+                <a:tc>
+                  <a:txBody>
+                    <a:bodyPr/>
+                    <a:lstStyle/>
+                    <a:p>
+                      <a:pPr indent="0" lvl="0" marL="0" rtl="0" algn="l">
+                        <a:spcBef>
+                          <a:spcPts val="0"/>
+                        </a:spcBef>
+                        <a:spcAft>
+                          <a:spcPts val="0"/>
+                        </a:spcAft>
+                        <a:buClr>
+                          <a:schemeClr val="dk1"/>
+                        </a:buClr>
+                        <a:buSzPts val="1100"/>
+                        <a:buFont typeface="Arial"/>
+                        <a:buNone/>
+                      </a:pPr>
+                      <a:r>
+                        <a:rPr lang="en" sz="1200">
+                          <a:solidFill>
+                            <a:schemeClr val="dk1"/>
+                          </a:solidFill>
+                          <a:latin typeface="Courier New"/>
+                          <a:ea typeface="Courier New"/>
+                          <a:cs typeface="Courier New"/>
+                          <a:sym typeface="Courier New"/>
+                        </a:rPr>
+                        <a:t>s</a:t>
+                      </a:r>
+                      <a:r>
+                        <a:rPr lang="en" sz="1200">
+                          <a:solidFill>
+                            <a:schemeClr val="dk1"/>
+                          </a:solidFill>
+                          <a:latin typeface="Courier New"/>
+                          <a:ea typeface="Courier New"/>
+                          <a:cs typeface="Courier New"/>
+                          <a:sym typeface="Courier New"/>
+                        </a:rPr>
+                        <a:t>tring </a:t>
+                      </a:r>
+                      <a:endParaRPr sz="1200"/>
+                    </a:p>
+                  </a:txBody>
+                  <a:tcPr marT="91425" marB="91425" marR="91425" marL="91425"/>
+                </a:tc>
+              </a:tr>
+              <a:tr h="416775">
+                <a:tc>
+                  <a:txBody>
+                    <a:bodyPr/>
+                    <a:lstStyle/>
+                    <a:p>
+                      <a:pPr indent="0" lvl="0" marL="0" rtl="0" algn="l">
+                        <a:lnSpc>
+                          <a:spcPct val="75000"/>
+                        </a:lnSpc>
+                        <a:spcBef>
+                          <a:spcPts val="0"/>
+                        </a:spcBef>
+                        <a:spcAft>
+                          <a:spcPts val="1200"/>
+                        </a:spcAft>
+                        <a:buClr>
+                          <a:schemeClr val="dk1"/>
+                        </a:buClr>
+                        <a:buSzPts val="275"/>
+                        <a:buFont typeface="Arial"/>
+                        <a:buNone/>
+                      </a:pPr>
+                      <a:r>
+                        <a:rPr lang="en" sz="1200">
+                          <a:solidFill>
+                            <a:schemeClr val="dk2"/>
+                          </a:solidFill>
+                          <a:latin typeface="Courier New"/>
+                          <a:ea typeface="Courier New"/>
+                          <a:cs typeface="Courier New"/>
+                          <a:sym typeface="Courier New"/>
+                        </a:rPr>
+                        <a:t>subjects_ss</a:t>
+                      </a:r>
+                      <a:endParaRPr sz="1200">
+                        <a:solidFill>
+                          <a:schemeClr val="dk2"/>
+                        </a:solidFill>
+                        <a:latin typeface="Courier New"/>
+                        <a:ea typeface="Courier New"/>
+                        <a:cs typeface="Courier New"/>
+                        <a:sym typeface="Courier New"/>
+                      </a:endParaRPr>
+                    </a:p>
+                  </a:txBody>
+                  <a:tcPr marT="91425" marB="91425" marR="91425" marL="91425"/>
+                </a:tc>
+                <a:tc>
+                  <a:txBody>
+                    <a:bodyPr/>
+                    <a:lstStyle/>
+                    <a:p>
+                      <a:pPr indent="0" lvl="0" marL="0" rtl="0" algn="l">
+                        <a:lnSpc>
+                          <a:spcPct val="115000"/>
+                        </a:lnSpc>
+                        <a:spcBef>
+                          <a:spcPts val="0"/>
+                        </a:spcBef>
+                        <a:spcAft>
+                          <a:spcPts val="1200"/>
+                        </a:spcAft>
+                        <a:buClr>
+                          <a:schemeClr val="dk1"/>
+                        </a:buClr>
+                        <a:buSzPts val="1100"/>
+                        <a:buFont typeface="Arial"/>
+                        <a:buNone/>
+                      </a:pPr>
+                      <a:r>
+                        <a:rPr lang="en" sz="1200">
+                          <a:solidFill>
+                            <a:schemeClr val="dk1"/>
+                          </a:solidFill>
+                        </a:rPr>
+                        <a:t>Matches </a:t>
+                      </a:r>
+                      <a:r>
+                        <a:rPr lang="en" sz="1200">
+                          <a:solidFill>
+                            <a:schemeClr val="dk1"/>
+                          </a:solidFill>
+                          <a:latin typeface="Courier New"/>
+                          <a:ea typeface="Courier New"/>
+                          <a:cs typeface="Courier New"/>
+                          <a:sym typeface="Courier New"/>
+                        </a:rPr>
+                        <a:t>*_ss </a:t>
+                      </a:r>
+                      <a:r>
+                        <a:rPr lang="en" sz="1200">
+                          <a:solidFill>
+                            <a:schemeClr val="dk1"/>
+                          </a:solidFill>
+                        </a:rPr>
+                        <a:t> dynamic field</a:t>
+                      </a:r>
+                      <a:endParaRPr sz="1200">
+                        <a:solidFill>
+                          <a:schemeClr val="dk2"/>
+                        </a:solidFill>
+                        <a:latin typeface="Courier New"/>
+                        <a:ea typeface="Courier New"/>
+                        <a:cs typeface="Courier New"/>
+                        <a:sym typeface="Courier New"/>
+                      </a:endParaRPr>
+                    </a:p>
+                  </a:txBody>
+                  <a:tcPr marT="91425" marB="91425" marR="91425" marL="91425"/>
+                </a:tc>
+                <a:tc>
+                  <a:txBody>
+                    <a:bodyPr/>
+                    <a:lstStyle/>
+                    <a:p>
+                      <a:pPr indent="0" lvl="0" marL="0" rtl="0" algn="l">
+                        <a:spcBef>
+                          <a:spcPts val="0"/>
+                        </a:spcBef>
+                        <a:spcAft>
+                          <a:spcPts val="0"/>
+                        </a:spcAft>
+                        <a:buClr>
+                          <a:schemeClr val="dk1"/>
+                        </a:buClr>
+                        <a:buSzPts val="1100"/>
+                        <a:buFont typeface="Arial"/>
+                        <a:buNone/>
+                      </a:pPr>
+                      <a:r>
+                        <a:rPr lang="en" sz="1200">
+                          <a:solidFill>
+                            <a:schemeClr val="dk1"/>
+                          </a:solidFill>
+                        </a:rPr>
+                        <a:t>Creates field </a:t>
+                      </a:r>
+                      <a:r>
+                        <a:rPr lang="en" sz="1200">
+                          <a:solidFill>
+                            <a:schemeClr val="dk2"/>
+                          </a:solidFill>
+                          <a:latin typeface="Courier New"/>
+                          <a:ea typeface="Courier New"/>
+                          <a:cs typeface="Courier New"/>
+                          <a:sym typeface="Courier New"/>
+                        </a:rPr>
+                        <a:t>subjects_ss</a:t>
+                      </a:r>
+                      <a:endParaRPr sz="1200"/>
                     </a:p>
                   </a:txBody>
                   <a:tcPr marT="91425" marB="91425" marR="91425" marL="91425"/>
@@ -14409,9 +14673,34 @@
                         <a:buNone/>
                       </a:pPr>
                       <a:r>
-                        <a:t/>
+                        <a:rPr lang="en" sz="1200">
+                          <a:solidFill>
+                            <a:schemeClr val="dk1"/>
+                          </a:solidFill>
+                          <a:latin typeface="Courier New"/>
+                          <a:ea typeface="Courier New"/>
+                          <a:cs typeface="Courier New"/>
+                          <a:sym typeface="Courier New"/>
+                        </a:rPr>
+                        <a:t>S</a:t>
                       </a:r>
-                      <a:endParaRPr/>
+                      <a:r>
+                        <a:rPr lang="en" sz="1200">
+                          <a:solidFill>
+                            <a:schemeClr val="dk1"/>
+                          </a:solidFill>
+                          <a:latin typeface="Courier New"/>
+                          <a:ea typeface="Courier New"/>
+                          <a:cs typeface="Courier New"/>
+                          <a:sym typeface="Courier New"/>
+                        </a:rPr>
+                        <a:t>tring (multi-value)</a:t>
+                      </a:r>
+                      <a:r>
+                        <a:rPr lang="en" sz="1200"/>
+                        <a:t> </a:t>
+                      </a:r>
+                      <a:endParaRPr sz="1200"/>
                     </a:p>
                   </a:txBody>
                   <a:tcPr marT="91425" marB="91425" marR="91425" marL="91425"/>
@@ -14606,7 +14895,7 @@
             </a:pPr>
             <a:r>
               <a:rPr lang="en" sz="1433"/>
-              <a:t>Customizing the subject field </a:t>
+              <a:t>Customizing the subject field (optional)</a:t>
             </a:r>
             <a:endParaRPr sz="1433"/>
           </a:p>
@@ -14636,7 +14925,7 @@
             </a:r>
             <a:r>
               <a:rPr lang="en" sz="1433"/>
-              <a:t> field (copyField)</a:t>
+              <a:t> field </a:t>
             </a:r>
             <a:endParaRPr sz="1433"/>
           </a:p>
@@ -15620,23 +15909,6 @@
             <a:endParaRPr/>
           </a:p>
           <a:p>
-            <a:pPr indent="-317500" lvl="1" marL="914400" rtl="0" algn="l">
-              <a:spcBef>
-                <a:spcPts val="0"/>
-              </a:spcBef>
-              <a:spcAft>
-                <a:spcPts val="0"/>
-              </a:spcAft>
-              <a:buSzPts val="1400"/>
-              <a:buChar char="○"/>
-            </a:pPr>
-            <a:r>
-              <a:rPr lang="en"/>
-              <a:t>Good if you know what you are after</a:t>
-            </a:r>
-            <a:endParaRPr/>
-          </a:p>
-          <a:p>
             <a:pPr indent="-342900" lvl="0" marL="457200" rtl="0" algn="l">
               <a:spcBef>
                 <a:spcPts val="0"/>
@@ -16897,15 +17169,11 @@
             </a:pPr>
             <a:r>
               <a:rPr lang="en" sz="1380"/>
-              <a:t>Another product like Solr that also uses Lucene, </a:t>
+              <a:t>Another product like Solr that also uses Lucene, i</a:t>
             </a:r>
             <a:r>
               <a:rPr lang="en" sz="1380"/>
-              <a:t>not from ASF, w</a:t>
-            </a:r>
-            <a:r>
-              <a:rPr lang="en" sz="1380"/>
-              <a:t>eird licensing</a:t>
+              <a:t>ncreasingly popular</a:t>
             </a:r>
             <a:endParaRPr sz="1380"/>
           </a:p>
@@ -16925,7 +17193,11 @@
             </a:pPr>
             <a:r>
               <a:rPr lang="en" sz="1380"/>
-              <a:t>Increasingly popular</a:t>
+              <a:t>N</a:t>
+            </a:r>
+            <a:r>
+              <a:rPr lang="en" sz="1380"/>
+              <a:t>ot from ASF, weird license, not entirely open-source</a:t>
             </a:r>
             <a:endParaRPr sz="1380"/>
           </a:p>
@@ -18294,6 +18566,285 @@
 </file>
 
 <file path=ppt/theme/theme1.xml><?xml version="1.0" encoding="utf-8"?>
+<a:theme xmlns:a="http://schemas.openxmlformats.org/drawingml/2006/main" xmlns:r="http://schemas.openxmlformats.org/officeDocument/2006/relationships">
+  <a:themeElements>
+    <a:clrScheme name="Default">
+      <a:dk1>
+        <a:srgbClr val="000000"/>
+      </a:dk1>
+      <a:lt1>
+        <a:srgbClr val="FFFFFF"/>
+      </a:lt1>
+      <a:dk2>
+        <a:srgbClr val="158158"/>
+      </a:dk2>
+      <a:lt2>
+        <a:srgbClr val="F3F3F3"/>
+      </a:lt2>
+      <a:accent1>
+        <a:srgbClr val="058DC7"/>
+      </a:accent1>
+      <a:accent2>
+        <a:srgbClr val="50B432"/>
+      </a:accent2>
+      <a:accent3>
+        <a:srgbClr val="ED561B"/>
+      </a:accent3>
+      <a:accent4>
+        <a:srgbClr val="EDEF00"/>
+      </a:accent4>
+      <a:accent5>
+        <a:srgbClr val="24CBE5"/>
+      </a:accent5>
+      <a:accent6>
+        <a:srgbClr val="64E572"/>
+      </a:accent6>
+      <a:hlink>
+        <a:srgbClr val="2200CC"/>
+      </a:hlink>
+      <a:folHlink>
+        <a:srgbClr val="551A8B"/>
+      </a:folHlink>
+    </a:clrScheme>
+    <a:fontScheme name="Office">
+      <a:majorFont>
+        <a:latin typeface="Arial"/>
+        <a:ea typeface=""/>
+        <a:cs typeface=""/>
+        <a:font script="Jpan" typeface="ＭＳ Ｐゴシック"/>
+        <a:font script="Hang" typeface="맑은 고딕"/>
+        <a:font script="Hans" typeface="宋体"/>
+        <a:font script="Hant" typeface="新細明體"/>
+        <a:font script="Arab" typeface="Times New Roman"/>
+        <a:font script="Hebr" typeface="Times New Roman"/>
+        <a:font script="Thai" typeface="Angsana New"/>
+        <a:font script="Ethi" typeface="Nyala"/>
+        <a:font script="Beng" typeface="Vrinda"/>
+        <a:font script="Gujr" typeface="Shruti"/>
+        <a:font script="Khmr" typeface="MoolBoran"/>
+        <a:font script="Knda" typeface="Tunga"/>
+        <a:font script="Guru" typeface="Raavi"/>
+        <a:font script="Cans" typeface="Euphemia"/>
+        <a:font script="Cher" typeface="Plantagenet Cherokee"/>
+        <a:font script="Yiii" typeface="Microsoft Yi Baiti"/>
+        <a:font script="Tibt" typeface="Microsoft Himalaya"/>
+        <a:font script="Thaa" typeface="MV Boli"/>
+        <a:font script="Deva" typeface="Mangal"/>
+        <a:font script="Telu" typeface="Gautami"/>
+        <a:font script="Taml" typeface="Latha"/>
+        <a:font script="Syrc" typeface="Estrangelo Edessa"/>
+        <a:font script="Orya" typeface="Kalinga"/>
+        <a:font script="Mlym" typeface="Kartika"/>
+        <a:font script="Laoo" typeface="DokChampa"/>
+        <a:font script="Sinh" typeface="Iskoola Pota"/>
+        <a:font script="Mong" typeface="Mongolian Baiti"/>
+        <a:font script="Viet" typeface="Times New Roman"/>
+        <a:font script="Uigh" typeface="Microsoft Uighur"/>
+        <a:font script="Geor" typeface="Sylfaen"/>
+      </a:majorFont>
+      <a:minorFont>
+        <a:latin typeface="Arial"/>
+        <a:ea typeface=""/>
+        <a:cs typeface=""/>
+        <a:font script="Jpan" typeface="ＭＳ Ｐゴシック"/>
+        <a:font script="Hang" typeface="맑은 고딕"/>
+        <a:font script="Hans" typeface="宋体"/>
+        <a:font script="Hant" typeface="新細明體"/>
+        <a:font script="Arab" typeface="Arial"/>
+        <a:font script="Hebr" typeface="Arial"/>
+        <a:font script="Thai" typeface="Cordia New"/>
+        <a:font script="Ethi" typeface="Nyala"/>
+        <a:font script="Beng" typeface="Vrinda"/>
+        <a:font script="Gujr" typeface="Shruti"/>
+        <a:font script="Khmr" typeface="DaunPenh"/>
+        <a:font script="Knda" typeface="Tunga"/>
+        <a:font script="Guru" typeface="Raavi"/>
+        <a:font script="Cans" typeface="Euphemia"/>
+        <a:font script="Cher" typeface="Plantagenet Cherokee"/>
+        <a:font script="Yiii" typeface="Microsoft Yi Baiti"/>
+        <a:font script="Tibt" typeface="Microsoft Himalaya"/>
+        <a:font script="Thaa" typeface="MV Boli"/>
+        <a:font script="Deva" typeface="Mangal"/>
+        <a:font script="Telu" typeface="Gautami"/>
+        <a:font script="Taml" typeface="Latha"/>
+        <a:font script="Syrc" typeface="Estrangelo Edessa"/>
+        <a:font script="Orya" typeface="Kalinga"/>
+        <a:font script="Mlym" typeface="Kartika"/>
+        <a:font script="Laoo" typeface="DokChampa"/>
+        <a:font script="Sinh" typeface="Iskoola Pota"/>
+        <a:font script="Mong" typeface="Mongolian Baiti"/>
+        <a:font script="Viet" typeface="Arial"/>
+        <a:font script="Uigh" typeface="Microsoft Uighur"/>
+        <a:font script="Geor" typeface="Sylfaen"/>
+      </a:minorFont>
+    </a:fontScheme>
+    <a:fmtScheme name="Office">
+      <a:fillStyleLst>
+        <a:solidFill>
+          <a:schemeClr val="phClr"/>
+        </a:solidFill>
+        <a:gradFill rotWithShape="1">
+          <a:gsLst>
+            <a:gs pos="0">
+              <a:schemeClr val="phClr">
+                <a:tint val="50000"/>
+                <a:satMod val="300000"/>
+              </a:schemeClr>
+            </a:gs>
+            <a:gs pos="35000">
+              <a:schemeClr val="phClr">
+                <a:tint val="37000"/>
+                <a:satMod val="300000"/>
+              </a:schemeClr>
+            </a:gs>
+            <a:gs pos="100000">
+              <a:schemeClr val="phClr">
+                <a:tint val="15000"/>
+                <a:satMod val="350000"/>
+              </a:schemeClr>
+            </a:gs>
+          </a:gsLst>
+          <a:lin ang="16200000" scaled="1"/>
+        </a:gradFill>
+        <a:gradFill rotWithShape="1">
+          <a:gsLst>
+            <a:gs pos="0">
+              <a:schemeClr val="phClr">
+                <a:tint val="100000"/>
+                <a:shade val="100000"/>
+                <a:satMod val="130000"/>
+              </a:schemeClr>
+            </a:gs>
+            <a:gs pos="100000">
+              <a:schemeClr val="phClr">
+                <a:tint val="50000"/>
+                <a:shade val="100000"/>
+                <a:satMod val="350000"/>
+              </a:schemeClr>
+            </a:gs>
+          </a:gsLst>
+          <a:lin ang="16200000" scaled="0"/>
+        </a:gradFill>
+      </a:fillStyleLst>
+      <a:lnStyleLst>
+        <a:ln w="9525" cap="flat" cmpd="sng" algn="ctr">
+          <a:solidFill>
+            <a:schemeClr val="phClr">
+              <a:shade val="95000"/>
+              <a:satMod val="105000"/>
+            </a:schemeClr>
+          </a:solidFill>
+          <a:prstDash val="solid"/>
+        </a:ln>
+        <a:ln w="25400" cap="flat" cmpd="sng" algn="ctr">
+          <a:solidFill>
+            <a:schemeClr val="phClr"/>
+          </a:solidFill>
+          <a:prstDash val="solid"/>
+        </a:ln>
+        <a:ln w="38100" cap="flat" cmpd="sng" algn="ctr">
+          <a:solidFill>
+            <a:schemeClr val="phClr"/>
+          </a:solidFill>
+          <a:prstDash val="solid"/>
+        </a:ln>
+      </a:lnStyleLst>
+      <a:effectStyleLst>
+        <a:effectStyle>
+          <a:effectLst>
+            <a:outerShdw blurRad="40000" dist="20000" dir="5400000" rotWithShape="0">
+              <a:srgbClr val="000000">
+                <a:alpha val="38000"/>
+              </a:srgbClr>
+            </a:outerShdw>
+          </a:effectLst>
+        </a:effectStyle>
+        <a:effectStyle>
+          <a:effectLst>
+            <a:outerShdw blurRad="40000" dist="23000" dir="5400000" rotWithShape="0">
+              <a:srgbClr val="000000">
+                <a:alpha val="35000"/>
+              </a:srgbClr>
+            </a:outerShdw>
+          </a:effectLst>
+        </a:effectStyle>
+        <a:effectStyle>
+          <a:effectLst>
+            <a:outerShdw blurRad="40000" dist="23000" dir="5400000" rotWithShape="0">
+              <a:srgbClr val="000000">
+                <a:alpha val="35000"/>
+              </a:srgbClr>
+            </a:outerShdw>
+          </a:effectLst>
+          <a:scene3d>
+            <a:camera prst="orthographicFront">
+              <a:rot lat="0" lon="0" rev="0"/>
+            </a:camera>
+            <a:lightRig rig="threePt" dir="t">
+              <a:rot lat="0" lon="0" rev="1200000"/>
+            </a:lightRig>
+          </a:scene3d>
+          <a:sp3d>
+            <a:bevelT w="63500" h="25400"/>
+          </a:sp3d>
+        </a:effectStyle>
+      </a:effectStyleLst>
+      <a:bgFillStyleLst>
+        <a:solidFill>
+          <a:schemeClr val="phClr"/>
+        </a:solidFill>
+        <a:gradFill rotWithShape="1">
+          <a:gsLst>
+            <a:gs pos="0">
+              <a:schemeClr val="phClr">
+                <a:tint val="40000"/>
+                <a:satMod val="350000"/>
+              </a:schemeClr>
+            </a:gs>
+            <a:gs pos="40000">
+              <a:schemeClr val="phClr">
+                <a:tint val="45000"/>
+                <a:shade val="99000"/>
+                <a:satMod val="350000"/>
+              </a:schemeClr>
+            </a:gs>
+            <a:gs pos="100000">
+              <a:schemeClr val="phClr">
+                <a:shade val="20000"/>
+                <a:satMod val="255000"/>
+              </a:schemeClr>
+            </a:gs>
+          </a:gsLst>
+          <a:path path="circle">
+            <a:fillToRect l="50000" t="-80000" r="50000" b="180000"/>
+          </a:path>
+        </a:gradFill>
+        <a:gradFill rotWithShape="1">
+          <a:gsLst>
+            <a:gs pos="0">
+              <a:schemeClr val="phClr">
+                <a:tint val="80000"/>
+                <a:satMod val="300000"/>
+              </a:schemeClr>
+            </a:gs>
+            <a:gs pos="100000">
+              <a:schemeClr val="phClr">
+                <a:shade val="30000"/>
+                <a:satMod val="200000"/>
+              </a:schemeClr>
+            </a:gs>
+          </a:gsLst>
+          <a:path path="circle">
+            <a:fillToRect l="50000" t="50000" r="50000" b="50000"/>
+          </a:path>
+        </a:gradFill>
+      </a:bgFillStyleLst>
+    </a:fmtScheme>
+  </a:themeElements>
+</a:theme>
+</file>
+
+<file path=ppt/theme/theme2.xml><?xml version="1.0" encoding="utf-8"?>
 <a:theme xmlns:a="http://schemas.openxmlformats.org/drawingml/2006/main" xmlns:r="http://schemas.openxmlformats.org/officeDocument/2006/relationships" name="Simple Light">
   <a:themeElements>
     <a:clrScheme name="Simple Light">
@@ -18570,283 +19121,4 @@
     </a:fmtScheme>
   </a:themeElements>
 </a:theme>
-</file>
-
-<file path=ppt/theme/theme2.xml><?xml version="1.0" encoding="utf-8"?>
-<a:theme xmlns:a="http://schemas.openxmlformats.org/drawingml/2006/main" xmlns:r="http://schemas.openxmlformats.org/officeDocument/2006/relationships">
-  <a:themeElements>
-    <a:clrScheme name="Default">
-      <a:dk1>
-        <a:srgbClr val="000000"/>
-      </a:dk1>
-      <a:lt1>
-        <a:srgbClr val="FFFFFF"/>
-      </a:lt1>
-      <a:dk2>
-        <a:srgbClr val="158158"/>
-      </a:dk2>
-      <a:lt2>
-        <a:srgbClr val="F3F3F3"/>
-      </a:lt2>
-      <a:accent1>
-        <a:srgbClr val="058DC7"/>
-      </a:accent1>
-      <a:accent2>
-        <a:srgbClr val="50B432"/>
-      </a:accent2>
-      <a:accent3>
-        <a:srgbClr val="ED561B"/>
-      </a:accent3>
-      <a:accent4>
-        <a:srgbClr val="EDEF00"/>
-      </a:accent4>
-      <a:accent5>
-        <a:srgbClr val="24CBE5"/>
-      </a:accent5>
-      <a:accent6>
-        <a:srgbClr val="64E572"/>
-      </a:accent6>
-      <a:hlink>
-        <a:srgbClr val="2200CC"/>
-      </a:hlink>
-      <a:folHlink>
-        <a:srgbClr val="551A8B"/>
-      </a:folHlink>
-    </a:clrScheme>
-    <a:fontScheme name="Office">
-      <a:majorFont>
-        <a:latin typeface="Arial"/>
-        <a:ea typeface=""/>
-        <a:cs typeface=""/>
-        <a:font script="Jpan" typeface="ＭＳ Ｐゴシック"/>
-        <a:font script="Hang" typeface="맑은 고딕"/>
-        <a:font script="Hans" typeface="宋体"/>
-        <a:font script="Hant" typeface="新細明體"/>
-        <a:font script="Arab" typeface="Times New Roman"/>
-        <a:font script="Hebr" typeface="Times New Roman"/>
-        <a:font script="Thai" typeface="Angsana New"/>
-        <a:font script="Ethi" typeface="Nyala"/>
-        <a:font script="Beng" typeface="Vrinda"/>
-        <a:font script="Gujr" typeface="Shruti"/>
-        <a:font script="Khmr" typeface="MoolBoran"/>
-        <a:font script="Knda" typeface="Tunga"/>
-        <a:font script="Guru" typeface="Raavi"/>
-        <a:font script="Cans" typeface="Euphemia"/>
-        <a:font script="Cher" typeface="Plantagenet Cherokee"/>
-        <a:font script="Yiii" typeface="Microsoft Yi Baiti"/>
-        <a:font script="Tibt" typeface="Microsoft Himalaya"/>
-        <a:font script="Thaa" typeface="MV Boli"/>
-        <a:font script="Deva" typeface="Mangal"/>
-        <a:font script="Telu" typeface="Gautami"/>
-        <a:font script="Taml" typeface="Latha"/>
-        <a:font script="Syrc" typeface="Estrangelo Edessa"/>
-        <a:font script="Orya" typeface="Kalinga"/>
-        <a:font script="Mlym" typeface="Kartika"/>
-        <a:font script="Laoo" typeface="DokChampa"/>
-        <a:font script="Sinh" typeface="Iskoola Pota"/>
-        <a:font script="Mong" typeface="Mongolian Baiti"/>
-        <a:font script="Viet" typeface="Times New Roman"/>
-        <a:font script="Uigh" typeface="Microsoft Uighur"/>
-        <a:font script="Geor" typeface="Sylfaen"/>
-      </a:majorFont>
-      <a:minorFont>
-        <a:latin typeface="Arial"/>
-        <a:ea typeface=""/>
-        <a:cs typeface=""/>
-        <a:font script="Jpan" typeface="ＭＳ Ｐゴシック"/>
-        <a:font script="Hang" typeface="맑은 고딕"/>
-        <a:font script="Hans" typeface="宋体"/>
-        <a:font script="Hant" typeface="新細明體"/>
-        <a:font script="Arab" typeface="Arial"/>
-        <a:font script="Hebr" typeface="Arial"/>
-        <a:font script="Thai" typeface="Cordia New"/>
-        <a:font script="Ethi" typeface="Nyala"/>
-        <a:font script="Beng" typeface="Vrinda"/>
-        <a:font script="Gujr" typeface="Shruti"/>
-        <a:font script="Khmr" typeface="DaunPenh"/>
-        <a:font script="Knda" typeface="Tunga"/>
-        <a:font script="Guru" typeface="Raavi"/>
-        <a:font script="Cans" typeface="Euphemia"/>
-        <a:font script="Cher" typeface="Plantagenet Cherokee"/>
-        <a:font script="Yiii" typeface="Microsoft Yi Baiti"/>
-        <a:font script="Tibt" typeface="Microsoft Himalaya"/>
-        <a:font script="Thaa" typeface="MV Boli"/>
-        <a:font script="Deva" typeface="Mangal"/>
-        <a:font script="Telu" typeface="Gautami"/>
-        <a:font script="Taml" typeface="Latha"/>
-        <a:font script="Syrc" typeface="Estrangelo Edessa"/>
-        <a:font script="Orya" typeface="Kalinga"/>
-        <a:font script="Mlym" typeface="Kartika"/>
-        <a:font script="Laoo" typeface="DokChampa"/>
-        <a:font script="Sinh" typeface="Iskoola Pota"/>
-        <a:font script="Mong" typeface="Mongolian Baiti"/>
-        <a:font script="Viet" typeface="Arial"/>
-        <a:font script="Uigh" typeface="Microsoft Uighur"/>
-        <a:font script="Geor" typeface="Sylfaen"/>
-      </a:minorFont>
-    </a:fontScheme>
-    <a:fmtScheme name="Office">
-      <a:fillStyleLst>
-        <a:solidFill>
-          <a:schemeClr val="phClr"/>
-        </a:solidFill>
-        <a:gradFill rotWithShape="1">
-          <a:gsLst>
-            <a:gs pos="0">
-              <a:schemeClr val="phClr">
-                <a:tint val="50000"/>
-                <a:satMod val="300000"/>
-              </a:schemeClr>
-            </a:gs>
-            <a:gs pos="35000">
-              <a:schemeClr val="phClr">
-                <a:tint val="37000"/>
-                <a:satMod val="300000"/>
-              </a:schemeClr>
-            </a:gs>
-            <a:gs pos="100000">
-              <a:schemeClr val="phClr">
-                <a:tint val="15000"/>
-                <a:satMod val="350000"/>
-              </a:schemeClr>
-            </a:gs>
-          </a:gsLst>
-          <a:lin ang="16200000" scaled="1"/>
-        </a:gradFill>
-        <a:gradFill rotWithShape="1">
-          <a:gsLst>
-            <a:gs pos="0">
-              <a:schemeClr val="phClr">
-                <a:tint val="100000"/>
-                <a:shade val="100000"/>
-                <a:satMod val="130000"/>
-              </a:schemeClr>
-            </a:gs>
-            <a:gs pos="100000">
-              <a:schemeClr val="phClr">
-                <a:tint val="50000"/>
-                <a:shade val="100000"/>
-                <a:satMod val="350000"/>
-              </a:schemeClr>
-            </a:gs>
-          </a:gsLst>
-          <a:lin ang="16200000" scaled="0"/>
-        </a:gradFill>
-      </a:fillStyleLst>
-      <a:lnStyleLst>
-        <a:ln w="9525" cap="flat" cmpd="sng" algn="ctr">
-          <a:solidFill>
-            <a:schemeClr val="phClr">
-              <a:shade val="95000"/>
-              <a:satMod val="105000"/>
-            </a:schemeClr>
-          </a:solidFill>
-          <a:prstDash val="solid"/>
-        </a:ln>
-        <a:ln w="25400" cap="flat" cmpd="sng" algn="ctr">
-          <a:solidFill>
-            <a:schemeClr val="phClr"/>
-          </a:solidFill>
-          <a:prstDash val="solid"/>
-        </a:ln>
-        <a:ln w="38100" cap="flat" cmpd="sng" algn="ctr">
-          <a:solidFill>
-            <a:schemeClr val="phClr"/>
-          </a:solidFill>
-          <a:prstDash val="solid"/>
-        </a:ln>
-      </a:lnStyleLst>
-      <a:effectStyleLst>
-        <a:effectStyle>
-          <a:effectLst>
-            <a:outerShdw blurRad="40000" dist="20000" dir="5400000" rotWithShape="0">
-              <a:srgbClr val="000000">
-                <a:alpha val="38000"/>
-              </a:srgbClr>
-            </a:outerShdw>
-          </a:effectLst>
-        </a:effectStyle>
-        <a:effectStyle>
-          <a:effectLst>
-            <a:outerShdw blurRad="40000" dist="23000" dir="5400000" rotWithShape="0">
-              <a:srgbClr val="000000">
-                <a:alpha val="35000"/>
-              </a:srgbClr>
-            </a:outerShdw>
-          </a:effectLst>
-        </a:effectStyle>
-        <a:effectStyle>
-          <a:effectLst>
-            <a:outerShdw blurRad="40000" dist="23000" dir="5400000" rotWithShape="0">
-              <a:srgbClr val="000000">
-                <a:alpha val="35000"/>
-              </a:srgbClr>
-            </a:outerShdw>
-          </a:effectLst>
-          <a:scene3d>
-            <a:camera prst="orthographicFront">
-              <a:rot lat="0" lon="0" rev="0"/>
-            </a:camera>
-            <a:lightRig rig="threePt" dir="t">
-              <a:rot lat="0" lon="0" rev="1200000"/>
-            </a:lightRig>
-          </a:scene3d>
-          <a:sp3d>
-            <a:bevelT w="63500" h="25400"/>
-          </a:sp3d>
-        </a:effectStyle>
-      </a:effectStyleLst>
-      <a:bgFillStyleLst>
-        <a:solidFill>
-          <a:schemeClr val="phClr"/>
-        </a:solidFill>
-        <a:gradFill rotWithShape="1">
-          <a:gsLst>
-            <a:gs pos="0">
-              <a:schemeClr val="phClr">
-                <a:tint val="40000"/>
-                <a:satMod val="350000"/>
-              </a:schemeClr>
-            </a:gs>
-            <a:gs pos="40000">
-              <a:schemeClr val="phClr">
-                <a:tint val="45000"/>
-                <a:shade val="99000"/>
-                <a:satMod val="350000"/>
-              </a:schemeClr>
-            </a:gs>
-            <a:gs pos="100000">
-              <a:schemeClr val="phClr">
-                <a:shade val="20000"/>
-                <a:satMod val="255000"/>
-              </a:schemeClr>
-            </a:gs>
-          </a:gsLst>
-          <a:path path="circle">
-            <a:fillToRect l="50000" t="-80000" r="50000" b="180000"/>
-          </a:path>
-        </a:gradFill>
-        <a:gradFill rotWithShape="1">
-          <a:gsLst>
-            <a:gs pos="0">
-              <a:schemeClr val="phClr">
-                <a:tint val="80000"/>
-                <a:satMod val="300000"/>
-              </a:schemeClr>
-            </a:gs>
-            <a:gs pos="100000">
-              <a:schemeClr val="phClr">
-                <a:shade val="30000"/>
-                <a:satMod val="200000"/>
-              </a:schemeClr>
-            </a:gs>
-          </a:gsLst>
-          <a:path path="circle">
-            <a:fillToRect l="50000" t="50000" r="50000" b="50000"/>
-          </a:path>
-        </a:gradFill>
-      </a:bgFillStyleLst>
-    </a:fmtScheme>
-  </a:themeElements>
-</a:theme>
 </file>
--- a/slides.pptx
+++ b/slides.pptx
@@ -36,6 +36,9 @@
     <p:sldId id="281" r:id="rId32"/>
     <p:sldId id="282" r:id="rId33"/>
     <p:sldId id="283" r:id="rId34"/>
+    <p:sldId id="284" r:id="rId35"/>
+    <p:sldId id="285" r:id="rId36"/>
+    <p:sldId id="286" r:id="rId37"/>
   </p:sldIdLst>
   <p:sldSz cy="5143500" cx="9144000"/>
   <p:notesSz cx="6858000" cy="9144000"/>
@@ -817,7 +820,7 @@
   <p:cSld>
     <p:spTree>
       <p:nvGrpSpPr>
-        <p:cNvPr id="124" name="Shape 124"/>
+        <p:cNvPr id="125" name="Shape 125"/>
         <p:cNvGrpSpPr/>
         <p:nvPr/>
       </p:nvGrpSpPr>
@@ -831,7 +834,7 @@
       </p:grpSpPr>
       <p:sp>
         <p:nvSpPr>
-          <p:cNvPr id="125" name="Google Shape;125;g154125772bd_0_175:notes"/>
+          <p:cNvPr id="126" name="Google Shape;126;g154125772bd_0_167:notes"/>
           <p:cNvSpPr/>
           <p:nvPr>
             <p:ph idx="2" type="sldImg"/>
@@ -866,7 +869,7 @@
       </p:sp>
       <p:sp>
         <p:nvSpPr>
-          <p:cNvPr id="126" name="Google Shape;126;g154125772bd_0_175:notes"/>
+          <p:cNvPr id="127" name="Google Shape;127;g154125772bd_0_167:notes"/>
           <p:cNvSpPr txBox="1"/>
           <p:nvPr>
             <p:ph idx="1" type="body"/>
@@ -916,7 +919,7 @@
   <p:cSld>
     <p:spTree>
       <p:nvGrpSpPr>
-        <p:cNvPr id="130" name="Shape 130"/>
+        <p:cNvPr id="131" name="Shape 131"/>
         <p:cNvGrpSpPr/>
         <p:nvPr/>
       </p:nvGrpSpPr>
@@ -930,7 +933,7 @@
       </p:grpSpPr>
       <p:sp>
         <p:nvSpPr>
-          <p:cNvPr id="131" name="Google Shape;131;g1d8617fff38_0_97:notes"/>
+          <p:cNvPr id="132" name="Google Shape;132;g154125772bd_0_175:notes"/>
           <p:cNvSpPr/>
           <p:nvPr>
             <p:ph idx="2" type="sldImg"/>
@@ -965,7 +968,7 @@
       </p:sp>
       <p:sp>
         <p:nvSpPr>
-          <p:cNvPr id="132" name="Google Shape;132;g1d8617fff38_0_97:notes"/>
+          <p:cNvPr id="133" name="Google Shape;133;g154125772bd_0_175:notes"/>
           <p:cNvSpPr txBox="1"/>
           <p:nvPr>
             <p:ph idx="1" type="body"/>
@@ -1015,7 +1018,7 @@
   <p:cSld>
     <p:spTree>
       <p:nvGrpSpPr>
-        <p:cNvPr id="136" name="Shape 136"/>
+        <p:cNvPr id="137" name="Shape 137"/>
         <p:cNvGrpSpPr/>
         <p:nvPr/>
       </p:nvGrpSpPr>
@@ -1029,7 +1032,7 @@
       </p:grpSpPr>
       <p:sp>
         <p:nvSpPr>
-          <p:cNvPr id="137" name="Google Shape;137;g1d8617fff38_0_52:notes"/>
+          <p:cNvPr id="138" name="Google Shape;138;g1d8617fff38_0_97:notes"/>
           <p:cNvSpPr/>
           <p:nvPr>
             <p:ph idx="2" type="sldImg"/>
@@ -1064,7 +1067,7 @@
       </p:sp>
       <p:sp>
         <p:nvSpPr>
-          <p:cNvPr id="138" name="Google Shape;138;g1d8617fff38_0_52:notes"/>
+          <p:cNvPr id="139" name="Google Shape;139;g1d8617fff38_0_97:notes"/>
           <p:cNvSpPr txBox="1"/>
           <p:nvPr>
             <p:ph idx="1" type="body"/>
@@ -1114,7 +1117,7 @@
   <p:cSld>
     <p:spTree>
       <p:nvGrpSpPr>
-        <p:cNvPr id="142" name="Shape 142"/>
+        <p:cNvPr id="143" name="Shape 143"/>
         <p:cNvGrpSpPr/>
         <p:nvPr/>
       </p:nvGrpSpPr>
@@ -1128,7 +1131,7 @@
       </p:grpSpPr>
       <p:sp>
         <p:nvSpPr>
-          <p:cNvPr id="143" name="Google Shape;143;g1d8617fff38_0_10:notes"/>
+          <p:cNvPr id="144" name="Google Shape;144;g1f8c5862828_0_0:notes"/>
           <p:cNvSpPr/>
           <p:nvPr>
             <p:ph idx="2" type="sldImg"/>
@@ -1163,7 +1166,7 @@
       </p:sp>
       <p:sp>
         <p:nvSpPr>
-          <p:cNvPr id="144" name="Google Shape;144;g1d8617fff38_0_10:notes"/>
+          <p:cNvPr id="145" name="Google Shape;145;g1f8c5862828_0_0:notes"/>
           <p:cNvSpPr txBox="1"/>
           <p:nvPr>
             <p:ph idx="1" type="body"/>
@@ -1213,7 +1216,7 @@
   <p:cSld>
     <p:spTree>
       <p:nvGrpSpPr>
-        <p:cNvPr id="155" name="Shape 155"/>
+        <p:cNvPr id="150" name="Shape 150"/>
         <p:cNvGrpSpPr/>
         <p:nvPr/>
       </p:nvGrpSpPr>
@@ -1227,7 +1230,7 @@
       </p:grpSpPr>
       <p:sp>
         <p:nvSpPr>
-          <p:cNvPr id="156" name="Google Shape;156;g1d8617fff38_0_22:notes"/>
+          <p:cNvPr id="151" name="Google Shape;151;g1d8617fff38_0_52:notes"/>
           <p:cNvSpPr/>
           <p:nvPr>
             <p:ph idx="2" type="sldImg"/>
@@ -1262,7 +1265,7 @@
       </p:sp>
       <p:sp>
         <p:nvSpPr>
-          <p:cNvPr id="157" name="Google Shape;157;g1d8617fff38_0_22:notes"/>
+          <p:cNvPr id="152" name="Google Shape;152;g1d8617fff38_0_52:notes"/>
           <p:cNvSpPr txBox="1"/>
           <p:nvPr>
             <p:ph idx="1" type="body"/>
@@ -1312,7 +1315,7 @@
   <p:cSld>
     <p:spTree>
       <p:nvGrpSpPr>
-        <p:cNvPr id="165" name="Shape 165"/>
+        <p:cNvPr id="156" name="Shape 156"/>
         <p:cNvGrpSpPr/>
         <p:nvPr/>
       </p:nvGrpSpPr>
@@ -1326,7 +1329,7 @@
       </p:grpSpPr>
       <p:sp>
         <p:nvSpPr>
-          <p:cNvPr id="166" name="Google Shape;166;g1d8617fff38_0_38:notes"/>
+          <p:cNvPr id="157" name="Google Shape;157;g1d8617fff38_0_10:notes"/>
           <p:cNvSpPr/>
           <p:nvPr>
             <p:ph idx="2" type="sldImg"/>
@@ -1361,7 +1364,7 @@
       </p:sp>
       <p:sp>
         <p:nvSpPr>
-          <p:cNvPr id="167" name="Google Shape;167;g1d8617fff38_0_38:notes"/>
+          <p:cNvPr id="158" name="Google Shape;158;g1d8617fff38_0_10:notes"/>
           <p:cNvSpPr txBox="1"/>
           <p:nvPr>
             <p:ph idx="1" type="body"/>
@@ -1411,7 +1414,7 @@
   <p:cSld>
     <p:spTree>
       <p:nvGrpSpPr>
-        <p:cNvPr id="171" name="Shape 171"/>
+        <p:cNvPr id="169" name="Shape 169"/>
         <p:cNvGrpSpPr/>
         <p:nvPr/>
       </p:nvGrpSpPr>
@@ -1425,7 +1428,7 @@
       </p:grpSpPr>
       <p:sp>
         <p:nvSpPr>
-          <p:cNvPr id="172" name="Google Shape;172;g155584835cc_1_0:notes"/>
+          <p:cNvPr id="170" name="Google Shape;170;g1d8617fff38_0_22:notes"/>
           <p:cNvSpPr/>
           <p:nvPr>
             <p:ph idx="2" type="sldImg"/>
@@ -1460,7 +1463,7 @@
       </p:sp>
       <p:sp>
         <p:nvSpPr>
-          <p:cNvPr id="173" name="Google Shape;173;g155584835cc_1_0:notes"/>
+          <p:cNvPr id="171" name="Google Shape;171;g1d8617fff38_0_22:notes"/>
           <p:cNvSpPr txBox="1"/>
           <p:nvPr>
             <p:ph idx="1" type="body"/>
@@ -1510,7 +1513,7 @@
   <p:cSld>
     <p:spTree>
       <p:nvGrpSpPr>
-        <p:cNvPr id="177" name="Shape 177"/>
+        <p:cNvPr id="179" name="Shape 179"/>
         <p:cNvGrpSpPr/>
         <p:nvPr/>
       </p:nvGrpSpPr>
@@ -1524,7 +1527,7 @@
       </p:grpSpPr>
       <p:sp>
         <p:nvSpPr>
-          <p:cNvPr id="178" name="Google Shape;178;g154125772bd_0_183:notes"/>
+          <p:cNvPr id="180" name="Google Shape;180;g1d8617fff38_0_38:notes"/>
           <p:cNvSpPr/>
           <p:nvPr>
             <p:ph idx="2" type="sldImg"/>
@@ -1559,7 +1562,7 @@
       </p:sp>
       <p:sp>
         <p:nvSpPr>
-          <p:cNvPr id="179" name="Google Shape;179;g154125772bd_0_183:notes"/>
+          <p:cNvPr id="181" name="Google Shape;181;g1d8617fff38_0_38:notes"/>
           <p:cNvSpPr txBox="1"/>
           <p:nvPr>
             <p:ph idx="1" type="body"/>
@@ -1609,7 +1612,7 @@
   <p:cSld>
     <p:spTree>
       <p:nvGrpSpPr>
-        <p:cNvPr id="183" name="Shape 183"/>
+        <p:cNvPr id="185" name="Shape 185"/>
         <p:cNvGrpSpPr/>
         <p:nvPr/>
       </p:nvGrpSpPr>
@@ -1623,7 +1626,7 @@
       </p:grpSpPr>
       <p:sp>
         <p:nvSpPr>
-          <p:cNvPr id="184" name="Google Shape;184;g1d8617fff38_0_91:notes"/>
+          <p:cNvPr id="186" name="Google Shape;186;g155584835cc_1_0:notes"/>
           <p:cNvSpPr/>
           <p:nvPr>
             <p:ph idx="2" type="sldImg"/>
@@ -1658,7 +1661,7 @@
       </p:sp>
       <p:sp>
         <p:nvSpPr>
-          <p:cNvPr id="185" name="Google Shape;185;g1d8617fff38_0_91:notes"/>
+          <p:cNvPr id="187" name="Google Shape;187;g155584835cc_1_0:notes"/>
           <p:cNvSpPr txBox="1"/>
           <p:nvPr>
             <p:ph idx="1" type="body"/>
@@ -1708,7 +1711,7 @@
   <p:cSld>
     <p:spTree>
       <p:nvGrpSpPr>
-        <p:cNvPr id="189" name="Shape 189"/>
+        <p:cNvPr id="191" name="Shape 191"/>
         <p:cNvGrpSpPr/>
         <p:nvPr/>
       </p:nvGrpSpPr>
@@ -1722,7 +1725,7 @@
       </p:grpSpPr>
       <p:sp>
         <p:nvSpPr>
-          <p:cNvPr id="190" name="Google Shape;190;g1d8617fff38_0_104:notes"/>
+          <p:cNvPr id="192" name="Google Shape;192;g154125772bd_0_183:notes"/>
           <p:cNvSpPr/>
           <p:nvPr>
             <p:ph idx="2" type="sldImg"/>
@@ -1757,7 +1760,7 @@
       </p:sp>
       <p:sp>
         <p:nvSpPr>
-          <p:cNvPr id="191" name="Google Shape;191;g1d8617fff38_0_104:notes"/>
+          <p:cNvPr id="193" name="Google Shape;193;g154125772bd_0_183:notes"/>
           <p:cNvSpPr txBox="1"/>
           <p:nvPr>
             <p:ph idx="1" type="body"/>
@@ -1906,7 +1909,7 @@
   <p:cSld>
     <p:spTree>
       <p:nvGrpSpPr>
-        <p:cNvPr id="195" name="Shape 195"/>
+        <p:cNvPr id="197" name="Shape 197"/>
         <p:cNvGrpSpPr/>
         <p:nvPr/>
       </p:nvGrpSpPr>
@@ -1920,7 +1923,7 @@
       </p:grpSpPr>
       <p:sp>
         <p:nvSpPr>
-          <p:cNvPr id="196" name="Google Shape;196;g1d8617fff38_0_109:notes"/>
+          <p:cNvPr id="198" name="Google Shape;198;g1d8617fff38_0_91:notes"/>
           <p:cNvSpPr/>
           <p:nvPr>
             <p:ph idx="2" type="sldImg"/>
@@ -1955,7 +1958,7 @@
       </p:sp>
       <p:sp>
         <p:nvSpPr>
-          <p:cNvPr id="197" name="Google Shape;197;g1d8617fff38_0_109:notes"/>
+          <p:cNvPr id="199" name="Google Shape;199;g1d8617fff38_0_91:notes"/>
           <p:cNvSpPr txBox="1"/>
           <p:nvPr>
             <p:ph idx="1" type="body"/>
@@ -2005,7 +2008,7 @@
   <p:cSld>
     <p:spTree>
       <p:nvGrpSpPr>
-        <p:cNvPr id="201" name="Shape 201"/>
+        <p:cNvPr id="203" name="Shape 203"/>
         <p:cNvGrpSpPr/>
         <p:nvPr/>
       </p:nvGrpSpPr>
@@ -2019,7 +2022,7 @@
       </p:grpSpPr>
       <p:sp>
         <p:nvSpPr>
-          <p:cNvPr id="202" name="Google Shape;202;g1d8617fff38_0_118:notes"/>
+          <p:cNvPr id="204" name="Google Shape;204;g1d8617fff38_0_104:notes"/>
           <p:cNvSpPr/>
           <p:nvPr>
             <p:ph idx="2" type="sldImg"/>
@@ -2054,7 +2057,7 @@
       </p:sp>
       <p:sp>
         <p:nvSpPr>
-          <p:cNvPr id="203" name="Google Shape;203;g1d8617fff38_0_118:notes"/>
+          <p:cNvPr id="205" name="Google Shape;205;g1d8617fff38_0_104:notes"/>
           <p:cNvSpPr txBox="1"/>
           <p:nvPr>
             <p:ph idx="1" type="body"/>
@@ -2104,7 +2107,7 @@
   <p:cSld>
     <p:spTree>
       <p:nvGrpSpPr>
-        <p:cNvPr id="207" name="Shape 207"/>
+        <p:cNvPr id="209" name="Shape 209"/>
         <p:cNvGrpSpPr/>
         <p:nvPr/>
       </p:nvGrpSpPr>
@@ -2118,7 +2121,7 @@
       </p:grpSpPr>
       <p:sp>
         <p:nvSpPr>
-          <p:cNvPr id="208" name="Google Shape;208;g1d8617fff38_0_124:notes"/>
+          <p:cNvPr id="210" name="Google Shape;210;g1d8617fff38_0_109:notes"/>
           <p:cNvSpPr/>
           <p:nvPr>
             <p:ph idx="2" type="sldImg"/>
@@ -2153,7 +2156,7 @@
       </p:sp>
       <p:sp>
         <p:nvSpPr>
-          <p:cNvPr id="209" name="Google Shape;209;g1d8617fff38_0_124:notes"/>
+          <p:cNvPr id="211" name="Google Shape;211;g1d8617fff38_0_109:notes"/>
           <p:cNvSpPr txBox="1"/>
           <p:nvPr>
             <p:ph idx="1" type="body"/>
@@ -2203,7 +2206,7 @@
   <p:cSld>
     <p:spTree>
       <p:nvGrpSpPr>
-        <p:cNvPr id="213" name="Shape 213"/>
+        <p:cNvPr id="215" name="Shape 215"/>
         <p:cNvGrpSpPr/>
         <p:nvPr/>
       </p:nvGrpSpPr>
@@ -2217,7 +2220,7 @@
       </p:grpSpPr>
       <p:sp>
         <p:nvSpPr>
-          <p:cNvPr id="214" name="Google Shape;214;g1d8617fff38_0_57:notes"/>
+          <p:cNvPr id="216" name="Google Shape;216;g1d8617fff38_0_118:notes"/>
           <p:cNvSpPr/>
           <p:nvPr>
             <p:ph idx="2" type="sldImg"/>
@@ -2252,7 +2255,7 @@
       </p:sp>
       <p:sp>
         <p:nvSpPr>
-          <p:cNvPr id="215" name="Google Shape;215;g1d8617fff38_0_57:notes"/>
+          <p:cNvPr id="217" name="Google Shape;217;g1d8617fff38_0_118:notes"/>
           <p:cNvSpPr txBox="1"/>
           <p:nvPr>
             <p:ph idx="1" type="body"/>
@@ -2302,7 +2305,7 @@
   <p:cSld>
     <p:spTree>
       <p:nvGrpSpPr>
-        <p:cNvPr id="219" name="Shape 219"/>
+        <p:cNvPr id="221" name="Shape 221"/>
         <p:cNvGrpSpPr/>
         <p:nvPr/>
       </p:nvGrpSpPr>
@@ -2316,7 +2319,7 @@
       </p:grpSpPr>
       <p:sp>
         <p:nvSpPr>
-          <p:cNvPr id="220" name="Google Shape;220;g1d8617fff38_0_81:notes"/>
+          <p:cNvPr id="222" name="Google Shape;222;g1d8617fff38_0_124:notes"/>
           <p:cNvSpPr/>
           <p:nvPr>
             <p:ph idx="2" type="sldImg"/>
@@ -2351,7 +2354,7 @@
       </p:sp>
       <p:sp>
         <p:nvSpPr>
-          <p:cNvPr id="221" name="Google Shape;221;g1d8617fff38_0_81:notes"/>
+          <p:cNvPr id="223" name="Google Shape;223;g1d8617fff38_0_124:notes"/>
           <p:cNvSpPr txBox="1"/>
           <p:nvPr>
             <p:ph idx="1" type="body"/>
@@ -2401,7 +2404,7 @@
   <p:cSld>
     <p:spTree>
       <p:nvGrpSpPr>
-        <p:cNvPr id="224" name="Shape 224"/>
+        <p:cNvPr id="227" name="Shape 227"/>
         <p:cNvGrpSpPr/>
         <p:nvPr/>
       </p:nvGrpSpPr>
@@ -2415,7 +2418,7 @@
       </p:grpSpPr>
       <p:sp>
         <p:nvSpPr>
-          <p:cNvPr id="225" name="Google Shape;225;g1d8617fff38_0_61:notes"/>
+          <p:cNvPr id="228" name="Google Shape;228;g1d8617fff38_0_57:notes"/>
           <p:cNvSpPr/>
           <p:nvPr>
             <p:ph idx="2" type="sldImg"/>
@@ -2450,7 +2453,7 @@
       </p:sp>
       <p:sp>
         <p:nvSpPr>
-          <p:cNvPr id="226" name="Google Shape;226;g1d8617fff38_0_61:notes"/>
+          <p:cNvPr id="229" name="Google Shape;229;g1d8617fff38_0_57:notes"/>
           <p:cNvSpPr txBox="1"/>
           <p:nvPr>
             <p:ph idx="1" type="body"/>
@@ -2500,7 +2503,7 @@
   <p:cSld>
     <p:spTree>
       <p:nvGrpSpPr>
-        <p:cNvPr id="230" name="Shape 230"/>
+        <p:cNvPr id="233" name="Shape 233"/>
         <p:cNvGrpSpPr/>
         <p:nvPr/>
       </p:nvGrpSpPr>
@@ -2514,7 +2517,7 @@
       </p:grpSpPr>
       <p:sp>
         <p:nvSpPr>
-          <p:cNvPr id="231" name="Google Shape;231;g1d8617fff38_0_86:notes"/>
+          <p:cNvPr id="234" name="Google Shape;234;g1d8617fff38_0_81:notes"/>
           <p:cNvSpPr/>
           <p:nvPr>
             <p:ph idx="2" type="sldImg"/>
@@ -2549,7 +2552,7 @@
       </p:sp>
       <p:sp>
         <p:nvSpPr>
-          <p:cNvPr id="232" name="Google Shape;232;g1d8617fff38_0_86:notes"/>
+          <p:cNvPr id="235" name="Google Shape;235;g1d8617fff38_0_81:notes"/>
           <p:cNvSpPr txBox="1"/>
           <p:nvPr>
             <p:ph idx="1" type="body"/>
@@ -2599,7 +2602,7 @@
   <p:cSld>
     <p:spTree>
       <p:nvGrpSpPr>
-        <p:cNvPr id="235" name="Shape 235"/>
+        <p:cNvPr id="238" name="Shape 238"/>
         <p:cNvGrpSpPr/>
         <p:nvPr/>
       </p:nvGrpSpPr>
@@ -2613,7 +2616,7 @@
       </p:grpSpPr>
       <p:sp>
         <p:nvSpPr>
-          <p:cNvPr id="236" name="Google Shape;236;g154125772bd_0_7:notes"/>
+          <p:cNvPr id="239" name="Google Shape;239;g1f8a1592109_3_0:notes"/>
           <p:cNvSpPr/>
           <p:nvPr>
             <p:ph idx="2" type="sldImg"/>
@@ -2648,7 +2651,7 @@
       </p:sp>
       <p:sp>
         <p:nvSpPr>
-          <p:cNvPr id="237" name="Google Shape;237;g154125772bd_0_7:notes"/>
+          <p:cNvPr id="240" name="Google Shape;240;g1f8a1592109_3_0:notes"/>
           <p:cNvSpPr txBox="1"/>
           <p:nvPr>
             <p:ph idx="1" type="body"/>
@@ -2698,7 +2701,7 @@
   <p:cSld>
     <p:spTree>
       <p:nvGrpSpPr>
-        <p:cNvPr id="241" name="Shape 241"/>
+        <p:cNvPr id="244" name="Shape 244"/>
         <p:cNvGrpSpPr/>
         <p:nvPr/>
       </p:nvGrpSpPr>
@@ -2712,7 +2715,7 @@
       </p:grpSpPr>
       <p:sp>
         <p:nvSpPr>
-          <p:cNvPr id="242" name="Google Shape;242;g1d8617fff38_0_0:notes"/>
+          <p:cNvPr id="245" name="Google Shape;245;g1d8617fff38_0_61:notes"/>
           <p:cNvSpPr/>
           <p:nvPr>
             <p:ph idx="2" type="sldImg"/>
@@ -2747,7 +2750,7 @@
       </p:sp>
       <p:sp>
         <p:nvSpPr>
-          <p:cNvPr id="243" name="Google Shape;243;g1d8617fff38_0_0:notes"/>
+          <p:cNvPr id="246" name="Google Shape;246;g1d8617fff38_0_61:notes"/>
           <p:cNvSpPr txBox="1"/>
           <p:nvPr>
             <p:ph idx="1" type="body"/>
@@ -2792,12 +2795,12 @@
 </p:notes>
 </file>
 
-<file path=ppt/notesSlides/notesSlide3.xml><?xml version="1.0" encoding="utf-8"?>
+<file path=ppt/notesSlides/notesSlide29.xml><?xml version="1.0" encoding="utf-8"?>
 <p:notes xmlns:a="http://schemas.openxmlformats.org/drawingml/2006/main" xmlns:r="http://schemas.openxmlformats.org/officeDocument/2006/relationships" xmlns:mc="http://schemas.openxmlformats.org/markup-compatibility/2006" xmlns:mv="urn:schemas-microsoft-com:mac:vml" xmlns:p="http://schemas.openxmlformats.org/presentationml/2006/main" xmlns:c="http://schemas.openxmlformats.org/drawingml/2006/chart" xmlns:dgm="http://schemas.openxmlformats.org/drawingml/2006/diagram" xmlns:o="urn:schemas-microsoft-com:office:office" xmlns:v="urn:schemas-microsoft-com:vml" xmlns:pvml="urn:schemas-microsoft-com:office:powerpoint" xmlns:com="http://schemas.openxmlformats.org/drawingml/2006/compatibility" xmlns:p14="http://schemas.microsoft.com/office/powerpoint/2010/main" xmlns:p15="http://schemas.microsoft.com/office/powerpoint/2012/main" xmlns:ahyp="http://schemas.microsoft.com/office/drawing/2018/hyperlinkcolor" showMasterPhAnim="0" showMasterSp="0">
   <p:cSld>
     <p:spTree>
       <p:nvGrpSpPr>
-        <p:cNvPr id="63" name="Shape 63"/>
+        <p:cNvPr id="250" name="Shape 250"/>
         <p:cNvGrpSpPr/>
         <p:nvPr/>
       </p:nvGrpSpPr>
@@ -2811,7 +2814,7 @@
       </p:grpSpPr>
       <p:sp>
         <p:nvSpPr>
-          <p:cNvPr id="64" name="Google Shape;64;g1d8617fff38_0_48:notes"/>
+          <p:cNvPr id="251" name="Google Shape;251;g1d8617fff38_0_86:notes"/>
           <p:cNvSpPr/>
           <p:nvPr>
             <p:ph idx="2" type="sldImg"/>
@@ -2846,7 +2849,7 @@
       </p:sp>
       <p:sp>
         <p:nvSpPr>
-          <p:cNvPr id="65" name="Google Shape;65;g1d8617fff38_0_48:notes"/>
+          <p:cNvPr id="252" name="Google Shape;252;g1d8617fff38_0_86:notes"/>
           <p:cNvSpPr txBox="1"/>
           <p:nvPr>
             <p:ph idx="1" type="body"/>
@@ -2891,12 +2894,12 @@
 </p:notes>
 </file>
 
-<file path=ppt/notesSlides/notesSlide4.xml><?xml version="1.0" encoding="utf-8"?>
+<file path=ppt/notesSlides/notesSlide3.xml><?xml version="1.0" encoding="utf-8"?>
 <p:notes xmlns:a="http://schemas.openxmlformats.org/drawingml/2006/main" xmlns:r="http://schemas.openxmlformats.org/officeDocument/2006/relationships" xmlns:mc="http://schemas.openxmlformats.org/markup-compatibility/2006" xmlns:mv="urn:schemas-microsoft-com:mac:vml" xmlns:p="http://schemas.openxmlformats.org/presentationml/2006/main" xmlns:c="http://schemas.openxmlformats.org/drawingml/2006/chart" xmlns:dgm="http://schemas.openxmlformats.org/drawingml/2006/diagram" xmlns:o="urn:schemas-microsoft-com:office:office" xmlns:v="urn:schemas-microsoft-com:vml" xmlns:pvml="urn:schemas-microsoft-com:office:powerpoint" xmlns:com="http://schemas.openxmlformats.org/drawingml/2006/compatibility" xmlns:p14="http://schemas.microsoft.com/office/powerpoint/2010/main" xmlns:p15="http://schemas.microsoft.com/office/powerpoint/2012/main" xmlns:ahyp="http://schemas.microsoft.com/office/drawing/2018/hyperlinkcolor" showMasterPhAnim="0" showMasterSp="0">
   <p:cSld>
     <p:spTree>
       <p:nvGrpSpPr>
-        <p:cNvPr id="69" name="Shape 69"/>
+        <p:cNvPr id="63" name="Shape 63"/>
         <p:cNvGrpSpPr/>
         <p:nvPr/>
       </p:nvGrpSpPr>
@@ -2910,7 +2913,7 @@
       </p:grpSpPr>
       <p:sp>
         <p:nvSpPr>
-          <p:cNvPr id="70" name="Google Shape;70;g152841676f0_0_1:notes"/>
+          <p:cNvPr id="64" name="Google Shape;64;g1ddea0c852f_0_0:notes"/>
           <p:cNvSpPr/>
           <p:nvPr>
             <p:ph idx="2" type="sldImg"/>
@@ -2945,7 +2948,7 @@
       </p:sp>
       <p:sp>
         <p:nvSpPr>
-          <p:cNvPr id="71" name="Google Shape;71;g152841676f0_0_1:notes"/>
+          <p:cNvPr id="65" name="Google Shape;65;g1ddea0c852f_0_0:notes"/>
           <p:cNvSpPr txBox="1"/>
           <p:nvPr>
             <p:ph idx="1" type="body"/>
@@ -2990,12 +2993,12 @@
 </p:notes>
 </file>
 
-<file path=ppt/notesSlides/notesSlide5.xml><?xml version="1.0" encoding="utf-8"?>
+<file path=ppt/notesSlides/notesSlide30.xml><?xml version="1.0" encoding="utf-8"?>
 <p:notes xmlns:a="http://schemas.openxmlformats.org/drawingml/2006/main" xmlns:r="http://schemas.openxmlformats.org/officeDocument/2006/relationships" xmlns:mc="http://schemas.openxmlformats.org/markup-compatibility/2006" xmlns:mv="urn:schemas-microsoft-com:mac:vml" xmlns:p="http://schemas.openxmlformats.org/presentationml/2006/main" xmlns:c="http://schemas.openxmlformats.org/drawingml/2006/chart" xmlns:dgm="http://schemas.openxmlformats.org/drawingml/2006/diagram" xmlns:o="urn:schemas-microsoft-com:office:office" xmlns:v="urn:schemas-microsoft-com:vml" xmlns:pvml="urn:schemas-microsoft-com:office:powerpoint" xmlns:com="http://schemas.openxmlformats.org/drawingml/2006/compatibility" xmlns:p14="http://schemas.microsoft.com/office/powerpoint/2010/main" xmlns:p15="http://schemas.microsoft.com/office/powerpoint/2012/main" xmlns:ahyp="http://schemas.microsoft.com/office/drawing/2018/hyperlinkcolor" showMasterPhAnim="0" showMasterSp="0">
   <p:cSld>
     <p:spTree>
       <p:nvGrpSpPr>
-        <p:cNvPr id="75" name="Shape 75"/>
+        <p:cNvPr id="255" name="Shape 255"/>
         <p:cNvGrpSpPr/>
         <p:nvPr/>
       </p:nvGrpSpPr>
@@ -3009,7 +3012,7 @@
       </p:grpSpPr>
       <p:sp>
         <p:nvSpPr>
-          <p:cNvPr id="76" name="Google Shape;76;g154125772bd_0_2:notes"/>
+          <p:cNvPr id="256" name="Google Shape;256;g154125772bd_0_7:notes"/>
           <p:cNvSpPr/>
           <p:nvPr>
             <p:ph idx="2" type="sldImg"/>
@@ -3044,7 +3047,7 @@
       </p:sp>
       <p:sp>
         <p:nvSpPr>
-          <p:cNvPr id="77" name="Google Shape;77;g154125772bd_0_2:notes"/>
+          <p:cNvPr id="257" name="Google Shape;257;g154125772bd_0_7:notes"/>
           <p:cNvSpPr txBox="1"/>
           <p:nvPr>
             <p:ph idx="1" type="body"/>
@@ -3089,12 +3092,12 @@
 </p:notes>
 </file>
 
-<file path=ppt/notesSlides/notesSlide6.xml><?xml version="1.0" encoding="utf-8"?>
+<file path=ppt/notesSlides/notesSlide31.xml><?xml version="1.0" encoding="utf-8"?>
 <p:notes xmlns:a="http://schemas.openxmlformats.org/drawingml/2006/main" xmlns:r="http://schemas.openxmlformats.org/officeDocument/2006/relationships" xmlns:mc="http://schemas.openxmlformats.org/markup-compatibility/2006" xmlns:mv="urn:schemas-microsoft-com:mac:vml" xmlns:p="http://schemas.openxmlformats.org/presentationml/2006/main" xmlns:c="http://schemas.openxmlformats.org/drawingml/2006/chart" xmlns:dgm="http://schemas.openxmlformats.org/drawingml/2006/diagram" xmlns:o="urn:schemas-microsoft-com:office:office" xmlns:v="urn:schemas-microsoft-com:vml" xmlns:pvml="urn:schemas-microsoft-com:office:powerpoint" xmlns:com="http://schemas.openxmlformats.org/drawingml/2006/compatibility" xmlns:p14="http://schemas.microsoft.com/office/powerpoint/2010/main" xmlns:p15="http://schemas.microsoft.com/office/powerpoint/2012/main" xmlns:ahyp="http://schemas.microsoft.com/office/drawing/2018/hyperlinkcolor" showMasterPhAnim="0" showMasterSp="0">
   <p:cSld>
     <p:spTree>
       <p:nvGrpSpPr>
-        <p:cNvPr id="81" name="Shape 81"/>
+        <p:cNvPr id="261" name="Shape 261"/>
         <p:cNvGrpSpPr/>
         <p:nvPr/>
       </p:nvGrpSpPr>
@@ -3108,7 +3111,7 @@
       </p:grpSpPr>
       <p:sp>
         <p:nvSpPr>
-          <p:cNvPr id="82" name="Google Shape;82;g154125772bd_0_12:notes"/>
+          <p:cNvPr id="262" name="Google Shape;262;g1d8617fff38_0_0:notes"/>
           <p:cNvSpPr/>
           <p:nvPr>
             <p:ph idx="2" type="sldImg"/>
@@ -3143,7 +3146,7 @@
       </p:sp>
       <p:sp>
         <p:nvSpPr>
-          <p:cNvPr id="83" name="Google Shape;83;g154125772bd_0_12:notes"/>
+          <p:cNvPr id="263" name="Google Shape;263;g1d8617fff38_0_0:notes"/>
           <p:cNvSpPr txBox="1"/>
           <p:nvPr>
             <p:ph idx="1" type="body"/>
@@ -3188,12 +3191,12 @@
 </p:notes>
 </file>
 
-<file path=ppt/notesSlides/notesSlide7.xml><?xml version="1.0" encoding="utf-8"?>
+<file path=ppt/notesSlides/notesSlide4.xml><?xml version="1.0" encoding="utf-8"?>
 <p:notes xmlns:a="http://schemas.openxmlformats.org/drawingml/2006/main" xmlns:r="http://schemas.openxmlformats.org/officeDocument/2006/relationships" xmlns:mc="http://schemas.openxmlformats.org/markup-compatibility/2006" xmlns:mv="urn:schemas-microsoft-com:mac:vml" xmlns:p="http://schemas.openxmlformats.org/presentationml/2006/main" xmlns:c="http://schemas.openxmlformats.org/drawingml/2006/chart" xmlns:dgm="http://schemas.openxmlformats.org/drawingml/2006/diagram" xmlns:o="urn:schemas-microsoft-com:office:office" xmlns:v="urn:schemas-microsoft-com:vml" xmlns:pvml="urn:schemas-microsoft-com:office:powerpoint" xmlns:com="http://schemas.openxmlformats.org/drawingml/2006/compatibility" xmlns:p14="http://schemas.microsoft.com/office/powerpoint/2010/main" xmlns:p15="http://schemas.microsoft.com/office/powerpoint/2012/main" xmlns:ahyp="http://schemas.microsoft.com/office/drawing/2018/hyperlinkcolor" showMasterPhAnim="0" showMasterSp="0">
   <p:cSld>
     <p:spTree>
       <p:nvGrpSpPr>
-        <p:cNvPr id="87" name="Shape 87"/>
+        <p:cNvPr id="69" name="Shape 69"/>
         <p:cNvGrpSpPr/>
         <p:nvPr/>
       </p:nvGrpSpPr>
@@ -3207,7 +3210,7 @@
       </p:grpSpPr>
       <p:sp>
         <p:nvSpPr>
-          <p:cNvPr id="88" name="Google Shape;88;g154125772bd_0_18:notes"/>
+          <p:cNvPr id="70" name="Google Shape;70;g1d8617fff38_0_48:notes"/>
           <p:cNvSpPr/>
           <p:nvPr>
             <p:ph idx="2" type="sldImg"/>
@@ -3242,7 +3245,7 @@
       </p:sp>
       <p:sp>
         <p:nvSpPr>
-          <p:cNvPr id="89" name="Google Shape;89;g154125772bd_0_18:notes"/>
+          <p:cNvPr id="71" name="Google Shape;71;g1d8617fff38_0_48:notes"/>
           <p:cNvSpPr txBox="1"/>
           <p:nvPr>
             <p:ph idx="1" type="body"/>
@@ -3287,12 +3290,12 @@
 </p:notes>
 </file>
 
-<file path=ppt/notesSlides/notesSlide8.xml><?xml version="1.0" encoding="utf-8"?>
+<file path=ppt/notesSlides/notesSlide5.xml><?xml version="1.0" encoding="utf-8"?>
 <p:notes xmlns:a="http://schemas.openxmlformats.org/drawingml/2006/main" xmlns:r="http://schemas.openxmlformats.org/officeDocument/2006/relationships" xmlns:mc="http://schemas.openxmlformats.org/markup-compatibility/2006" xmlns:mv="urn:schemas-microsoft-com:mac:vml" xmlns:p="http://schemas.openxmlformats.org/presentationml/2006/main" xmlns:c="http://schemas.openxmlformats.org/drawingml/2006/chart" xmlns:dgm="http://schemas.openxmlformats.org/drawingml/2006/diagram" xmlns:o="urn:schemas-microsoft-com:office:office" xmlns:v="urn:schemas-microsoft-com:vml" xmlns:pvml="urn:schemas-microsoft-com:office:powerpoint" xmlns:com="http://schemas.openxmlformats.org/drawingml/2006/compatibility" xmlns:p14="http://schemas.microsoft.com/office/powerpoint/2010/main" xmlns:p15="http://schemas.microsoft.com/office/powerpoint/2012/main" xmlns:ahyp="http://schemas.microsoft.com/office/drawing/2018/hyperlinkcolor" showMasterPhAnim="0" showMasterSp="0">
   <p:cSld>
     <p:spTree>
       <p:nvGrpSpPr>
-        <p:cNvPr id="102" name="Shape 102"/>
+        <p:cNvPr id="75" name="Shape 75"/>
         <p:cNvGrpSpPr/>
         <p:nvPr/>
       </p:nvGrpSpPr>
@@ -3306,7 +3309,7 @@
       </p:grpSpPr>
       <p:sp>
         <p:nvSpPr>
-          <p:cNvPr id="103" name="Google Shape;103;g154125772bd_0_155:notes"/>
+          <p:cNvPr id="76" name="Google Shape;76;g152841676f0_0_1:notes"/>
           <p:cNvSpPr/>
           <p:nvPr>
             <p:ph idx="2" type="sldImg"/>
@@ -3341,7 +3344,7 @@
       </p:sp>
       <p:sp>
         <p:nvSpPr>
-          <p:cNvPr id="104" name="Google Shape;104;g154125772bd_0_155:notes"/>
+          <p:cNvPr id="77" name="Google Shape;77;g152841676f0_0_1:notes"/>
           <p:cNvSpPr txBox="1"/>
           <p:nvPr>
             <p:ph idx="1" type="body"/>
@@ -3386,12 +3389,12 @@
 </p:notes>
 </file>
 
-<file path=ppt/notesSlides/notesSlide9.xml><?xml version="1.0" encoding="utf-8"?>
+<file path=ppt/notesSlides/notesSlide6.xml><?xml version="1.0" encoding="utf-8"?>
 <p:notes xmlns:a="http://schemas.openxmlformats.org/drawingml/2006/main" xmlns:r="http://schemas.openxmlformats.org/officeDocument/2006/relationships" xmlns:mc="http://schemas.openxmlformats.org/markup-compatibility/2006" xmlns:mv="urn:schemas-microsoft-com:mac:vml" xmlns:p="http://schemas.openxmlformats.org/presentationml/2006/main" xmlns:c="http://schemas.openxmlformats.org/drawingml/2006/chart" xmlns:dgm="http://schemas.openxmlformats.org/drawingml/2006/diagram" xmlns:o="urn:schemas-microsoft-com:office:office" xmlns:v="urn:schemas-microsoft-com:vml" xmlns:pvml="urn:schemas-microsoft-com:office:powerpoint" xmlns:com="http://schemas.openxmlformats.org/drawingml/2006/compatibility" xmlns:p14="http://schemas.microsoft.com/office/powerpoint/2010/main" xmlns:p15="http://schemas.microsoft.com/office/powerpoint/2012/main" xmlns:ahyp="http://schemas.microsoft.com/office/drawing/2018/hyperlinkcolor" showMasterPhAnim="0" showMasterSp="0">
   <p:cSld>
     <p:spTree>
       <p:nvGrpSpPr>
-        <p:cNvPr id="118" name="Shape 118"/>
+        <p:cNvPr id="81" name="Shape 81"/>
         <p:cNvGrpSpPr/>
         <p:nvPr/>
       </p:nvGrpSpPr>
@@ -3405,7 +3408,7 @@
       </p:grpSpPr>
       <p:sp>
         <p:nvSpPr>
-          <p:cNvPr id="119" name="Google Shape;119;g154125772bd_0_167:notes"/>
+          <p:cNvPr id="82" name="Google Shape;82;g154125772bd_0_2:notes"/>
           <p:cNvSpPr/>
           <p:nvPr>
             <p:ph idx="2" type="sldImg"/>
@@ -3440,7 +3443,304 @@
       </p:sp>
       <p:sp>
         <p:nvSpPr>
-          <p:cNvPr id="120" name="Google Shape;120;g154125772bd_0_167:notes"/>
+          <p:cNvPr id="83" name="Google Shape;83;g154125772bd_0_2:notes"/>
+          <p:cNvSpPr txBox="1"/>
+          <p:nvPr>
+            <p:ph idx="1" type="body"/>
+          </p:nvPr>
+        </p:nvSpPr>
+        <p:spPr>
+          <a:xfrm>
+            <a:off x="685800" y="4343400"/>
+            <a:ext cx="5486400" cy="4114800"/>
+          </a:xfrm>
+          <a:prstGeom prst="rect">
+            <a:avLst/>
+          </a:prstGeom>
+        </p:spPr>
+        <p:txBody>
+          <a:bodyPr anchorCtr="0" anchor="t" bIns="91425" lIns="91425" spcFirstLastPara="1" rIns="91425" wrap="square" tIns="91425">
+            <a:noAutofit/>
+          </a:bodyPr>
+          <a:lstStyle/>
+          <a:p>
+            <a:pPr indent="0" lvl="0" marL="0" rtl="0" algn="l">
+              <a:spcBef>
+                <a:spcPts val="0"/>
+              </a:spcBef>
+              <a:spcAft>
+                <a:spcPts val="0"/>
+              </a:spcAft>
+              <a:buNone/>
+            </a:pPr>
+            <a:r>
+              <a:t/>
+            </a:r>
+            <a:endParaRPr/>
+          </a:p>
+        </p:txBody>
+      </p:sp>
+    </p:spTree>
+  </p:cSld>
+  <p:clrMapOvr>
+    <a:masterClrMapping/>
+  </p:clrMapOvr>
+</p:notes>
+</file>
+
+<file path=ppt/notesSlides/notesSlide7.xml><?xml version="1.0" encoding="utf-8"?>
+<p:notes xmlns:a="http://schemas.openxmlformats.org/drawingml/2006/main" xmlns:r="http://schemas.openxmlformats.org/officeDocument/2006/relationships" xmlns:mc="http://schemas.openxmlformats.org/markup-compatibility/2006" xmlns:mv="urn:schemas-microsoft-com:mac:vml" xmlns:p="http://schemas.openxmlformats.org/presentationml/2006/main" xmlns:c="http://schemas.openxmlformats.org/drawingml/2006/chart" xmlns:dgm="http://schemas.openxmlformats.org/drawingml/2006/diagram" xmlns:o="urn:schemas-microsoft-com:office:office" xmlns:v="urn:schemas-microsoft-com:vml" xmlns:pvml="urn:schemas-microsoft-com:office:powerpoint" xmlns:com="http://schemas.openxmlformats.org/drawingml/2006/compatibility" xmlns:p14="http://schemas.microsoft.com/office/powerpoint/2010/main" xmlns:p15="http://schemas.microsoft.com/office/powerpoint/2012/main" xmlns:ahyp="http://schemas.microsoft.com/office/drawing/2018/hyperlinkcolor" showMasterPhAnim="0" showMasterSp="0">
+  <p:cSld>
+    <p:spTree>
+      <p:nvGrpSpPr>
+        <p:cNvPr id="87" name="Shape 87"/>
+        <p:cNvGrpSpPr/>
+        <p:nvPr/>
+      </p:nvGrpSpPr>
+      <p:grpSpPr>
+        <a:xfrm>
+          <a:off x="0" y="0"/>
+          <a:ext cx="0" cy="0"/>
+          <a:chOff x="0" y="0"/>
+          <a:chExt cx="0" cy="0"/>
+        </a:xfrm>
+      </p:grpSpPr>
+      <p:sp>
+        <p:nvSpPr>
+          <p:cNvPr id="88" name="Google Shape;88;g154125772bd_0_12:notes"/>
+          <p:cNvSpPr/>
+          <p:nvPr>
+            <p:ph idx="2" type="sldImg"/>
+          </p:nvPr>
+        </p:nvSpPr>
+        <p:spPr>
+          <a:xfrm>
+            <a:off x="381300" y="685800"/>
+            <a:ext cx="6096000" cy="3429000"/>
+          </a:xfrm>
+          <a:custGeom>
+            <a:rect b="b" l="l" r="r" t="t"/>
+            <a:pathLst>
+              <a:path extrusionOk="0" h="120000" w="120000">
+                <a:moveTo>
+                  <a:pt x="0" y="0"/>
+                </a:moveTo>
+                <a:lnTo>
+                  <a:pt x="120000" y="0"/>
+                </a:lnTo>
+                <a:lnTo>
+                  <a:pt x="120000" y="120000"/>
+                </a:lnTo>
+                <a:lnTo>
+                  <a:pt x="0" y="120000"/>
+                </a:lnTo>
+                <a:close/>
+              </a:path>
+            </a:pathLst>
+          </a:custGeom>
+        </p:spPr>
+      </p:sp>
+      <p:sp>
+        <p:nvSpPr>
+          <p:cNvPr id="89" name="Google Shape;89;g154125772bd_0_12:notes"/>
+          <p:cNvSpPr txBox="1"/>
+          <p:nvPr>
+            <p:ph idx="1" type="body"/>
+          </p:nvPr>
+        </p:nvSpPr>
+        <p:spPr>
+          <a:xfrm>
+            <a:off x="685800" y="4343400"/>
+            <a:ext cx="5486400" cy="4114800"/>
+          </a:xfrm>
+          <a:prstGeom prst="rect">
+            <a:avLst/>
+          </a:prstGeom>
+        </p:spPr>
+        <p:txBody>
+          <a:bodyPr anchorCtr="0" anchor="t" bIns="91425" lIns="91425" spcFirstLastPara="1" rIns="91425" wrap="square" tIns="91425">
+            <a:noAutofit/>
+          </a:bodyPr>
+          <a:lstStyle/>
+          <a:p>
+            <a:pPr indent="0" lvl="0" marL="0" rtl="0" algn="l">
+              <a:spcBef>
+                <a:spcPts val="0"/>
+              </a:spcBef>
+              <a:spcAft>
+                <a:spcPts val="0"/>
+              </a:spcAft>
+              <a:buNone/>
+            </a:pPr>
+            <a:r>
+              <a:t/>
+            </a:r>
+            <a:endParaRPr/>
+          </a:p>
+        </p:txBody>
+      </p:sp>
+    </p:spTree>
+  </p:cSld>
+  <p:clrMapOvr>
+    <a:masterClrMapping/>
+  </p:clrMapOvr>
+</p:notes>
+</file>
+
+<file path=ppt/notesSlides/notesSlide8.xml><?xml version="1.0" encoding="utf-8"?>
+<p:notes xmlns:a="http://schemas.openxmlformats.org/drawingml/2006/main" xmlns:r="http://schemas.openxmlformats.org/officeDocument/2006/relationships" xmlns:mc="http://schemas.openxmlformats.org/markup-compatibility/2006" xmlns:mv="urn:schemas-microsoft-com:mac:vml" xmlns:p="http://schemas.openxmlformats.org/presentationml/2006/main" xmlns:c="http://schemas.openxmlformats.org/drawingml/2006/chart" xmlns:dgm="http://schemas.openxmlformats.org/drawingml/2006/diagram" xmlns:o="urn:schemas-microsoft-com:office:office" xmlns:v="urn:schemas-microsoft-com:vml" xmlns:pvml="urn:schemas-microsoft-com:office:powerpoint" xmlns:com="http://schemas.openxmlformats.org/drawingml/2006/compatibility" xmlns:p14="http://schemas.microsoft.com/office/powerpoint/2010/main" xmlns:p15="http://schemas.microsoft.com/office/powerpoint/2012/main" xmlns:ahyp="http://schemas.microsoft.com/office/drawing/2018/hyperlinkcolor" showMasterPhAnim="0" showMasterSp="0">
+  <p:cSld>
+    <p:spTree>
+      <p:nvGrpSpPr>
+        <p:cNvPr id="94" name="Shape 94"/>
+        <p:cNvGrpSpPr/>
+        <p:nvPr/>
+      </p:nvGrpSpPr>
+      <p:grpSpPr>
+        <a:xfrm>
+          <a:off x="0" y="0"/>
+          <a:ext cx="0" cy="0"/>
+          <a:chOff x="0" y="0"/>
+          <a:chExt cx="0" cy="0"/>
+        </a:xfrm>
+      </p:grpSpPr>
+      <p:sp>
+        <p:nvSpPr>
+          <p:cNvPr id="95" name="Google Shape;95;g154125772bd_0_18:notes"/>
+          <p:cNvSpPr/>
+          <p:nvPr>
+            <p:ph idx="2" type="sldImg"/>
+          </p:nvPr>
+        </p:nvSpPr>
+        <p:spPr>
+          <a:xfrm>
+            <a:off x="381300" y="685800"/>
+            <a:ext cx="6096000" cy="3429000"/>
+          </a:xfrm>
+          <a:custGeom>
+            <a:rect b="b" l="l" r="r" t="t"/>
+            <a:pathLst>
+              <a:path extrusionOk="0" h="120000" w="120000">
+                <a:moveTo>
+                  <a:pt x="0" y="0"/>
+                </a:moveTo>
+                <a:lnTo>
+                  <a:pt x="120000" y="0"/>
+                </a:lnTo>
+                <a:lnTo>
+                  <a:pt x="120000" y="120000"/>
+                </a:lnTo>
+                <a:lnTo>
+                  <a:pt x="0" y="120000"/>
+                </a:lnTo>
+                <a:close/>
+              </a:path>
+            </a:pathLst>
+          </a:custGeom>
+        </p:spPr>
+      </p:sp>
+      <p:sp>
+        <p:nvSpPr>
+          <p:cNvPr id="96" name="Google Shape;96;g154125772bd_0_18:notes"/>
+          <p:cNvSpPr txBox="1"/>
+          <p:nvPr>
+            <p:ph idx="1" type="body"/>
+          </p:nvPr>
+        </p:nvSpPr>
+        <p:spPr>
+          <a:xfrm>
+            <a:off x="685800" y="4343400"/>
+            <a:ext cx="5486400" cy="4114800"/>
+          </a:xfrm>
+          <a:prstGeom prst="rect">
+            <a:avLst/>
+          </a:prstGeom>
+        </p:spPr>
+        <p:txBody>
+          <a:bodyPr anchorCtr="0" anchor="t" bIns="91425" lIns="91425" spcFirstLastPara="1" rIns="91425" wrap="square" tIns="91425">
+            <a:noAutofit/>
+          </a:bodyPr>
+          <a:lstStyle/>
+          <a:p>
+            <a:pPr indent="0" lvl="0" marL="0" rtl="0" algn="l">
+              <a:spcBef>
+                <a:spcPts val="0"/>
+              </a:spcBef>
+              <a:spcAft>
+                <a:spcPts val="0"/>
+              </a:spcAft>
+              <a:buNone/>
+            </a:pPr>
+            <a:r>
+              <a:t/>
+            </a:r>
+            <a:endParaRPr/>
+          </a:p>
+        </p:txBody>
+      </p:sp>
+    </p:spTree>
+  </p:cSld>
+  <p:clrMapOvr>
+    <a:masterClrMapping/>
+  </p:clrMapOvr>
+</p:notes>
+</file>
+
+<file path=ppt/notesSlides/notesSlide9.xml><?xml version="1.0" encoding="utf-8"?>
+<p:notes xmlns:a="http://schemas.openxmlformats.org/drawingml/2006/main" xmlns:r="http://schemas.openxmlformats.org/officeDocument/2006/relationships" xmlns:mc="http://schemas.openxmlformats.org/markup-compatibility/2006" xmlns:mv="urn:schemas-microsoft-com:mac:vml" xmlns:p="http://schemas.openxmlformats.org/presentationml/2006/main" xmlns:c="http://schemas.openxmlformats.org/drawingml/2006/chart" xmlns:dgm="http://schemas.openxmlformats.org/drawingml/2006/diagram" xmlns:o="urn:schemas-microsoft-com:office:office" xmlns:v="urn:schemas-microsoft-com:vml" xmlns:pvml="urn:schemas-microsoft-com:office:powerpoint" xmlns:com="http://schemas.openxmlformats.org/drawingml/2006/compatibility" xmlns:p14="http://schemas.microsoft.com/office/powerpoint/2010/main" xmlns:p15="http://schemas.microsoft.com/office/powerpoint/2012/main" xmlns:ahyp="http://schemas.microsoft.com/office/drawing/2018/hyperlinkcolor" showMasterPhAnim="0" showMasterSp="0">
+  <p:cSld>
+    <p:spTree>
+      <p:nvGrpSpPr>
+        <p:cNvPr id="109" name="Shape 109"/>
+        <p:cNvGrpSpPr/>
+        <p:nvPr/>
+      </p:nvGrpSpPr>
+      <p:grpSpPr>
+        <a:xfrm>
+          <a:off x="0" y="0"/>
+          <a:ext cx="0" cy="0"/>
+          <a:chOff x="0" y="0"/>
+          <a:chExt cx="0" cy="0"/>
+        </a:xfrm>
+      </p:grpSpPr>
+      <p:sp>
+        <p:nvSpPr>
+          <p:cNvPr id="110" name="Google Shape;110;g154125772bd_0_155:notes"/>
+          <p:cNvSpPr/>
+          <p:nvPr>
+            <p:ph idx="2" type="sldImg"/>
+          </p:nvPr>
+        </p:nvSpPr>
+        <p:spPr>
+          <a:xfrm>
+            <a:off x="381300" y="685800"/>
+            <a:ext cx="6096000" cy="3429000"/>
+          </a:xfrm>
+          <a:custGeom>
+            <a:rect b="b" l="l" r="r" t="t"/>
+            <a:pathLst>
+              <a:path extrusionOk="0" h="120000" w="120000">
+                <a:moveTo>
+                  <a:pt x="0" y="0"/>
+                </a:moveTo>
+                <a:lnTo>
+                  <a:pt x="120000" y="0"/>
+                </a:lnTo>
+                <a:lnTo>
+                  <a:pt x="120000" y="120000"/>
+                </a:lnTo>
+                <a:lnTo>
+                  <a:pt x="0" y="120000"/>
+                </a:lnTo>
+                <a:close/>
+              </a:path>
+            </a:pathLst>
+          </a:custGeom>
+        </p:spPr>
+      </p:sp>
+      <p:sp>
+        <p:nvSpPr>
+          <p:cNvPr id="111" name="Google Shape;111;g154125772bd_0_155:notes"/>
           <p:cNvSpPr txBox="1"/>
           <p:nvPr>
             <p:ph idx="1" type="body"/>
@@ -8225,7 +8525,7 @@
         <p:spPr>
           <a:xfrm>
             <a:off x="5139925" y="4107838"/>
-            <a:ext cx="3849600" cy="1046700"/>
+            <a:ext cx="3849600" cy="1079100"/>
           </a:xfrm>
           <a:prstGeom prst="rect">
             <a:avLst/>
@@ -8242,67 +8542,203 @@
           <a:lstStyle/>
           <a:p>
             <a:pPr indent="0" lvl="0" marL="0" rtl="0" algn="r">
-              <a:spcBef>
-                <a:spcPts val="0"/>
-              </a:spcBef>
-              <a:spcAft>
-                <a:spcPts val="0"/>
-              </a:spcAft>
-              <a:buNone/>
-            </a:pPr>
-            <a:r>
-              <a:rPr lang="en"/>
+              <a:lnSpc>
+                <a:spcPct val="105000"/>
+              </a:lnSpc>
+              <a:spcBef>
+                <a:spcPts val="0"/>
+              </a:spcBef>
+              <a:spcAft>
+                <a:spcPts val="0"/>
+              </a:spcAft>
+              <a:buNone/>
+            </a:pPr>
+            <a:r>
+              <a:rPr lang="en">
+                <a:solidFill>
+                  <a:schemeClr val="dk1"/>
+                </a:solidFill>
+                <a:latin typeface="Courier New"/>
+                <a:ea typeface="Courier New"/>
+                <a:cs typeface="Courier New"/>
+                <a:sym typeface="Courier New"/>
+              </a:rPr>
               <a:t>Hector Correa</a:t>
             </a:r>
-            <a:endParaRPr/>
+            <a:endParaRPr>
+              <a:solidFill>
+                <a:schemeClr val="dk1"/>
+              </a:solidFill>
+              <a:latin typeface="Courier New"/>
+              <a:ea typeface="Courier New"/>
+              <a:cs typeface="Courier New"/>
+              <a:sym typeface="Courier New"/>
+            </a:endParaRPr>
           </a:p>
           <a:p>
             <a:pPr indent="0" lvl="0" marL="0" rtl="0" algn="r">
-              <a:spcBef>
-                <a:spcPts val="0"/>
-              </a:spcBef>
-              <a:spcAft>
-                <a:spcPts val="0"/>
-              </a:spcAft>
-              <a:buNone/>
-            </a:pPr>
-            <a:r>
-              <a:rPr lang="en"/>
+              <a:lnSpc>
+                <a:spcPct val="105000"/>
+              </a:lnSpc>
+              <a:spcBef>
+                <a:spcPts val="0"/>
+              </a:spcBef>
+              <a:spcAft>
+                <a:spcPts val="0"/>
+              </a:spcAft>
+              <a:buNone/>
+            </a:pPr>
+            <a:r>
+              <a:rPr lang="en">
+                <a:solidFill>
+                  <a:schemeClr val="dk1"/>
+                </a:solidFill>
+                <a:latin typeface="Courier New"/>
+                <a:ea typeface="Courier New"/>
+                <a:cs typeface="Courier New"/>
+                <a:sym typeface="Courier New"/>
+              </a:rPr>
               <a:t>hector_correa@princeton.edu</a:t>
             </a:r>
-            <a:endParaRPr/>
+            <a:endParaRPr>
+              <a:solidFill>
+                <a:schemeClr val="dk1"/>
+              </a:solidFill>
+              <a:latin typeface="Courier New"/>
+              <a:ea typeface="Courier New"/>
+              <a:cs typeface="Courier New"/>
+              <a:sym typeface="Courier New"/>
+            </a:endParaRPr>
           </a:p>
           <a:p>
             <a:pPr indent="0" lvl="0" marL="0" rtl="0" algn="r">
-              <a:spcBef>
-                <a:spcPts val="0"/>
-              </a:spcBef>
-              <a:spcAft>
-                <a:spcPts val="0"/>
-              </a:spcAft>
-              <a:buNone/>
-            </a:pPr>
-            <a:r>
-              <a:rPr lang="en"/>
-              <a:t>Wintersession 2023</a:t>
-            </a:r>
-            <a:endParaRPr/>
+              <a:lnSpc>
+                <a:spcPct val="105000"/>
+              </a:lnSpc>
+              <a:spcBef>
+                <a:spcPts val="0"/>
+              </a:spcBef>
+              <a:spcAft>
+                <a:spcPts val="0"/>
+              </a:spcAft>
+              <a:buNone/>
+            </a:pPr>
+            <a:r>
+              <a:rPr lang="en">
+                <a:solidFill>
+                  <a:schemeClr val="dk1"/>
+                </a:solidFill>
+                <a:latin typeface="Courier New"/>
+                <a:ea typeface="Courier New"/>
+                <a:cs typeface="Courier New"/>
+                <a:sym typeface="Courier New"/>
+              </a:rPr>
+              <a:t>c</a:t>
+            </a:r>
+            <a:r>
+              <a:rPr lang="en">
+                <a:solidFill>
+                  <a:schemeClr val="dk1"/>
+                </a:solidFill>
+                <a:latin typeface="Courier New"/>
+                <a:ea typeface="Courier New"/>
+                <a:cs typeface="Courier New"/>
+                <a:sym typeface="Courier New"/>
+              </a:rPr>
+              <a:t>ode</a:t>
+            </a:r>
+            <a:r>
+              <a:rPr lang="en">
+                <a:solidFill>
+                  <a:srgbClr val="3D85C6"/>
+                </a:solidFill>
+                <a:latin typeface="Courier New"/>
+                <a:ea typeface="Courier New"/>
+                <a:cs typeface="Courier New"/>
+                <a:sym typeface="Courier New"/>
+              </a:rPr>
+              <a:t>{</a:t>
+            </a:r>
+            <a:r>
+              <a:rPr lang="en">
+                <a:solidFill>
+                  <a:srgbClr val="990000"/>
+                </a:solidFill>
+                <a:latin typeface="Courier New"/>
+                <a:ea typeface="Courier New"/>
+                <a:cs typeface="Courier New"/>
+                <a:sym typeface="Courier New"/>
+              </a:rPr>
+              <a:t>4</a:t>
+            </a:r>
+            <a:r>
+              <a:rPr lang="en">
+                <a:solidFill>
+                  <a:srgbClr val="3D85C6"/>
+                </a:solidFill>
+                <a:latin typeface="Courier New"/>
+                <a:ea typeface="Courier New"/>
+                <a:cs typeface="Courier New"/>
+                <a:sym typeface="Courier New"/>
+              </a:rPr>
+              <a:t>}</a:t>
+            </a:r>
+            <a:r>
+              <a:rPr lang="en">
+                <a:solidFill>
+                  <a:schemeClr val="dk1"/>
+                </a:solidFill>
+                <a:latin typeface="Courier New"/>
+                <a:ea typeface="Courier New"/>
+                <a:cs typeface="Courier New"/>
+                <a:sym typeface="Courier New"/>
+              </a:rPr>
+              <a:t>lib 2023</a:t>
+            </a:r>
+            <a:endParaRPr>
+              <a:solidFill>
+                <a:schemeClr val="dk1"/>
+              </a:solidFill>
+              <a:latin typeface="Courier New"/>
+              <a:ea typeface="Courier New"/>
+              <a:cs typeface="Courier New"/>
+              <a:sym typeface="Courier New"/>
+            </a:endParaRPr>
           </a:p>
           <a:p>
             <a:pPr indent="0" lvl="0" marL="0" rtl="0" algn="r">
-              <a:spcBef>
-                <a:spcPts val="0"/>
-              </a:spcBef>
-              <a:spcAft>
-                <a:spcPts val="0"/>
-              </a:spcAft>
-              <a:buNone/>
-            </a:pPr>
-            <a:r>
-              <a:rPr lang="en"/>
+              <a:lnSpc>
+                <a:spcPct val="105000"/>
+              </a:lnSpc>
+              <a:spcBef>
+                <a:spcPts val="0"/>
+              </a:spcBef>
+              <a:spcAft>
+                <a:spcPts val="0"/>
+              </a:spcAft>
+              <a:buNone/>
+            </a:pPr>
+            <a:r>
+              <a:rPr lang="en">
+                <a:solidFill>
+                  <a:schemeClr val="dk1"/>
+                </a:solidFill>
+                <a:latin typeface="Courier New"/>
+                <a:ea typeface="Courier New"/>
+                <a:cs typeface="Courier New"/>
+                <a:sym typeface="Courier New"/>
+              </a:rPr>
               <a:t>Princeton, NJ</a:t>
             </a:r>
-            <a:endParaRPr/>
+            <a:endParaRPr>
+              <a:solidFill>
+                <a:schemeClr val="dk1"/>
+              </a:solidFill>
+              <a:latin typeface="Courier New"/>
+              <a:ea typeface="Courier New"/>
+              <a:cs typeface="Courier New"/>
+              <a:sym typeface="Courier New"/>
+            </a:endParaRPr>
           </a:p>
         </p:txBody>
       </p:sp>
@@ -8347,7 +8783,7 @@
   <p:cSld>
     <p:spTree>
       <p:nvGrpSpPr>
-        <p:cNvPr id="127" name="Shape 127"/>
+        <p:cNvPr id="128" name="Shape 128"/>
         <p:cNvGrpSpPr/>
         <p:nvPr/>
       </p:nvGrpSpPr>
@@ -8361,7 +8797,7 @@
       </p:grpSpPr>
       <p:sp>
         <p:nvSpPr>
-          <p:cNvPr id="128" name="Google Shape;128;p22"/>
+          <p:cNvPr id="129" name="Google Shape;129;p22"/>
           <p:cNvSpPr txBox="1"/>
           <p:nvPr>
             <p:ph type="title"/>
@@ -8393,6 +8829,237 @@
             </a:pPr>
             <a:r>
               <a:rPr lang="en"/>
+              <a:t>Is Solr a database?</a:t>
+            </a:r>
+            <a:endParaRPr/>
+          </a:p>
+        </p:txBody>
+      </p:sp>
+      <p:sp>
+        <p:nvSpPr>
+          <p:cNvPr id="130" name="Google Shape;130;p22"/>
+          <p:cNvSpPr txBox="1"/>
+          <p:nvPr>
+            <p:ph idx="1" type="body"/>
+          </p:nvPr>
+        </p:nvSpPr>
+        <p:spPr>
+          <a:xfrm>
+            <a:off x="311700" y="1152475"/>
+            <a:ext cx="8520600" cy="3416400"/>
+          </a:xfrm>
+          <a:prstGeom prst="rect">
+            <a:avLst/>
+          </a:prstGeom>
+        </p:spPr>
+        <p:txBody>
+          <a:bodyPr anchorCtr="0" anchor="t" bIns="91425" lIns="91425" spcFirstLastPara="1" rIns="91425" wrap="square" tIns="91425">
+            <a:normAutofit/>
+          </a:bodyPr>
+          <a:lstStyle/>
+          <a:p>
+            <a:pPr indent="-342900" lvl="0" marL="457200" rtl="0" algn="l">
+              <a:spcBef>
+                <a:spcPts val="0"/>
+              </a:spcBef>
+              <a:spcAft>
+                <a:spcPts val="0"/>
+              </a:spcAft>
+              <a:buSzPts val="1800"/>
+              <a:buChar char="●"/>
+            </a:pPr>
+            <a:r>
+              <a:rPr lang="en"/>
+              <a:t>Technically yes</a:t>
+            </a:r>
+            <a:endParaRPr/>
+          </a:p>
+          <a:p>
+            <a:pPr indent="-317500" lvl="1" marL="914400" rtl="0" algn="l">
+              <a:spcBef>
+                <a:spcPts val="0"/>
+              </a:spcBef>
+              <a:spcAft>
+                <a:spcPts val="0"/>
+              </a:spcAft>
+              <a:buSzPts val="1400"/>
+              <a:buChar char="○"/>
+            </a:pPr>
+            <a:r>
+              <a:rPr lang="en"/>
+              <a:t>Solr is a document-oriented database (a NoSQL database)</a:t>
+            </a:r>
+            <a:endParaRPr/>
+          </a:p>
+          <a:p>
+            <a:pPr indent="-317500" lvl="1" marL="914400" rtl="0" algn="l">
+              <a:spcBef>
+                <a:spcPts val="0"/>
+              </a:spcBef>
+              <a:spcAft>
+                <a:spcPts val="0"/>
+              </a:spcAft>
+              <a:buSzPts val="1400"/>
+              <a:buChar char="○"/>
+            </a:pPr>
+            <a:r>
+              <a:rPr lang="en"/>
+              <a:t>Solr is not a relational database like PostgreSQL, MySQL, Oracle, MS Access</a:t>
+            </a:r>
+            <a:endParaRPr/>
+          </a:p>
+          <a:p>
+            <a:pPr indent="0" lvl="0" marL="0" rtl="0" algn="l">
+              <a:spcBef>
+                <a:spcPts val="1200"/>
+              </a:spcBef>
+              <a:spcAft>
+                <a:spcPts val="0"/>
+              </a:spcAft>
+              <a:buNone/>
+            </a:pPr>
+            <a:r>
+              <a:t/>
+            </a:r>
+            <a:endParaRPr/>
+          </a:p>
+          <a:p>
+            <a:pPr indent="-342900" lvl="0" marL="457200" rtl="0" algn="l">
+              <a:spcBef>
+                <a:spcPts val="1200"/>
+              </a:spcBef>
+              <a:spcAft>
+                <a:spcPts val="0"/>
+              </a:spcAft>
+              <a:buSzPts val="1800"/>
+              <a:buChar char="●"/>
+            </a:pPr>
+            <a:r>
+              <a:rPr lang="en"/>
+              <a:t>In practice no</a:t>
+            </a:r>
+            <a:endParaRPr/>
+          </a:p>
+          <a:p>
+            <a:pPr indent="-317500" lvl="1" marL="914400" rtl="0" algn="l">
+              <a:spcBef>
+                <a:spcPts val="0"/>
+              </a:spcBef>
+              <a:spcAft>
+                <a:spcPts val="0"/>
+              </a:spcAft>
+              <a:buSzPts val="1400"/>
+              <a:buChar char="○"/>
+            </a:pPr>
+            <a:r>
+              <a:rPr lang="en"/>
+              <a:t>Although we use Solr to store data…</a:t>
+            </a:r>
+            <a:endParaRPr/>
+          </a:p>
+          <a:p>
+            <a:pPr indent="-317500" lvl="1" marL="914400" rtl="0" algn="l">
+              <a:spcBef>
+                <a:spcPts val="0"/>
+              </a:spcBef>
+              <a:spcAft>
+                <a:spcPts val="0"/>
+              </a:spcAft>
+              <a:buSzPts val="1400"/>
+              <a:buChar char="○"/>
+            </a:pPr>
+            <a:r>
+              <a:rPr lang="en"/>
+              <a:t>…we do this to </a:t>
+            </a:r>
+            <a:r>
+              <a:rPr b="1" i="1" lang="en"/>
+              <a:t>power the search feature</a:t>
+            </a:r>
+            <a:r>
+              <a:rPr lang="en"/>
+              <a:t> of our applications</a:t>
+            </a:r>
+            <a:endParaRPr/>
+          </a:p>
+          <a:p>
+            <a:pPr indent="-317500" lvl="1" marL="914400" rtl="0" algn="l">
+              <a:spcBef>
+                <a:spcPts val="0"/>
+              </a:spcBef>
+              <a:spcAft>
+                <a:spcPts val="0"/>
+              </a:spcAft>
+              <a:buSzPts val="1400"/>
+              <a:buChar char="○"/>
+            </a:pPr>
+            <a:r>
+              <a:rPr lang="en"/>
+              <a:t>…and the source data lives somewhere else, in a “real” database</a:t>
+            </a:r>
+            <a:endParaRPr/>
+          </a:p>
+        </p:txBody>
+      </p:sp>
+    </p:spTree>
+  </p:cSld>
+  <p:clrMapOvr>
+    <a:masterClrMapping/>
+  </p:clrMapOvr>
+</p:sld>
+</file>
+
+<file path=ppt/slides/slide11.xml><?xml version="1.0" encoding="utf-8"?>
+<p:sld xmlns:a="http://schemas.openxmlformats.org/drawingml/2006/main" xmlns:r="http://schemas.openxmlformats.org/officeDocument/2006/relationships" xmlns:mc="http://schemas.openxmlformats.org/markup-compatibility/2006" xmlns:mv="urn:schemas-microsoft-com:mac:vml" xmlns:p="http://schemas.openxmlformats.org/presentationml/2006/main" xmlns:c="http://schemas.openxmlformats.org/drawingml/2006/chart" xmlns:dgm="http://schemas.openxmlformats.org/drawingml/2006/diagram" xmlns:o="urn:schemas-microsoft-com:office:office" xmlns:v="urn:schemas-microsoft-com:vml" xmlns:pvml="urn:schemas-microsoft-com:office:powerpoint" xmlns:com="http://schemas.openxmlformats.org/drawingml/2006/compatibility" xmlns:p14="http://schemas.microsoft.com/office/powerpoint/2010/main" xmlns:p15="http://schemas.microsoft.com/office/powerpoint/2012/main" xmlns:ahyp="http://schemas.microsoft.com/office/drawing/2018/hyperlinkcolor">
+  <p:cSld>
+    <p:spTree>
+      <p:nvGrpSpPr>
+        <p:cNvPr id="134" name="Shape 134"/>
+        <p:cNvGrpSpPr/>
+        <p:nvPr/>
+      </p:nvGrpSpPr>
+      <p:grpSpPr>
+        <a:xfrm>
+          <a:off x="0" y="0"/>
+          <a:ext cx="0" cy="0"/>
+          <a:chOff x="0" y="0"/>
+          <a:chExt cx="0" cy="0"/>
+        </a:xfrm>
+      </p:grpSpPr>
+      <p:sp>
+        <p:nvSpPr>
+          <p:cNvPr id="135" name="Google Shape;135;p23"/>
+          <p:cNvSpPr txBox="1"/>
+          <p:nvPr>
+            <p:ph type="title"/>
+          </p:nvPr>
+        </p:nvSpPr>
+        <p:spPr>
+          <a:xfrm>
+            <a:off x="311700" y="445025"/>
+            <a:ext cx="8520600" cy="572700"/>
+          </a:xfrm>
+          <a:prstGeom prst="rect">
+            <a:avLst/>
+          </a:prstGeom>
+        </p:spPr>
+        <p:txBody>
+          <a:bodyPr anchorCtr="0" anchor="t" bIns="91425" lIns="91425" spcFirstLastPara="1" rIns="91425" wrap="square" tIns="91425">
+            <a:normAutofit fontScale="90000"/>
+          </a:bodyPr>
+          <a:lstStyle/>
+          <a:p>
+            <a:pPr indent="0" lvl="0" marL="0" rtl="0" algn="l">
+              <a:spcBef>
+                <a:spcPts val="0"/>
+              </a:spcBef>
+              <a:spcAft>
+                <a:spcPts val="0"/>
+              </a:spcAft>
+              <a:buNone/>
+            </a:pPr>
+            <a:r>
+              <a:rPr lang="en"/>
               <a:t>Demo time</a:t>
             </a:r>
             <a:endParaRPr/>
@@ -8401,7 +9068,7 @@
       </p:sp>
       <p:pic>
         <p:nvPicPr>
-          <p:cNvPr id="129" name="Google Shape;129;p22"/>
+          <p:cNvPr id="136" name="Google Shape;136;p23"/>
           <p:cNvPicPr preferRelativeResize="0"/>
           <p:nvPr/>
         </p:nvPicPr>
@@ -8435,12 +9102,12 @@
 </p:sld>
 </file>
 
-<file path=ppt/slides/slide11.xml><?xml version="1.0" encoding="utf-8"?>
+<file path=ppt/slides/slide12.xml><?xml version="1.0" encoding="utf-8"?>
 <p:sld xmlns:a="http://schemas.openxmlformats.org/drawingml/2006/main" xmlns:r="http://schemas.openxmlformats.org/officeDocument/2006/relationships" xmlns:mc="http://schemas.openxmlformats.org/markup-compatibility/2006" xmlns:mv="urn:schemas-microsoft-com:mac:vml" xmlns:p="http://schemas.openxmlformats.org/presentationml/2006/main" xmlns:c="http://schemas.openxmlformats.org/drawingml/2006/chart" xmlns:dgm="http://schemas.openxmlformats.org/drawingml/2006/diagram" xmlns:o="urn:schemas-microsoft-com:office:office" xmlns:v="urn:schemas-microsoft-com:vml" xmlns:pvml="urn:schemas-microsoft-com:office:powerpoint" xmlns:com="http://schemas.openxmlformats.org/drawingml/2006/compatibility" xmlns:p14="http://schemas.microsoft.com/office/powerpoint/2010/main" xmlns:p15="http://schemas.microsoft.com/office/powerpoint/2012/main" xmlns:ahyp="http://schemas.microsoft.com/office/drawing/2018/hyperlinkcolor">
   <p:cSld>
     <p:spTree>
       <p:nvGrpSpPr>
-        <p:cNvPr id="133" name="Shape 133"/>
+        <p:cNvPr id="140" name="Shape 140"/>
         <p:cNvGrpSpPr/>
         <p:nvPr/>
       </p:nvGrpSpPr>
@@ -8454,7 +9121,7 @@
       </p:grpSpPr>
       <p:sp>
         <p:nvSpPr>
-          <p:cNvPr id="134" name="Google Shape;134;p23"/>
+          <p:cNvPr id="141" name="Google Shape;141;p24"/>
           <p:cNvSpPr txBox="1"/>
           <p:nvPr>
             <p:ph type="title"/>
@@ -8697,7 +9364,7 @@
       </p:sp>
       <p:sp>
         <p:nvSpPr>
-          <p:cNvPr id="135" name="Google Shape;135;p23"/>
+          <p:cNvPr id="142" name="Google Shape;142;p24"/>
           <p:cNvSpPr txBox="1"/>
           <p:nvPr>
             <p:ph type="title"/>
@@ -8751,12 +9418,12 @@
 </p:sld>
 </file>
 
-<file path=ppt/slides/slide12.xml><?xml version="1.0" encoding="utf-8"?>
-<p:sld xmlns:a="http://schemas.openxmlformats.org/drawingml/2006/main" xmlns:r="http://schemas.openxmlformats.org/officeDocument/2006/relationships" xmlns:mc="http://schemas.openxmlformats.org/markup-compatibility/2006" xmlns:mv="urn:schemas-microsoft-com:mac:vml" xmlns:p="http://schemas.openxmlformats.org/presentationml/2006/main" xmlns:c="http://schemas.openxmlformats.org/drawingml/2006/chart" xmlns:dgm="http://schemas.openxmlformats.org/drawingml/2006/diagram" xmlns:o="urn:schemas-microsoft-com:office:office" xmlns:v="urn:schemas-microsoft-com:vml" xmlns:pvml="urn:schemas-microsoft-com:office:powerpoint" xmlns:com="http://schemas.openxmlformats.org/drawingml/2006/compatibility" xmlns:p14="http://schemas.microsoft.com/office/powerpoint/2010/main" xmlns:p15="http://schemas.microsoft.com/office/powerpoint/2012/main" xmlns:ahyp="http://schemas.microsoft.com/office/drawing/2018/hyperlinkcolor">
+<file path=ppt/slides/slide13.xml><?xml version="1.0" encoding="utf-8"?>
+<p:sld xmlns:a="http://schemas.openxmlformats.org/drawingml/2006/main" xmlns:r="http://schemas.openxmlformats.org/officeDocument/2006/relationships" xmlns:mc="http://schemas.openxmlformats.org/markup-compatibility/2006" xmlns:mv="urn:schemas-microsoft-com:mac:vml" xmlns:p="http://schemas.openxmlformats.org/presentationml/2006/main" xmlns:c="http://schemas.openxmlformats.org/drawingml/2006/chart" xmlns:dgm="http://schemas.openxmlformats.org/drawingml/2006/diagram" xmlns:o="urn:schemas-microsoft-com:office:office" xmlns:v="urn:schemas-microsoft-com:vml" xmlns:pvml="urn:schemas-microsoft-com:office:powerpoint" xmlns:com="http://schemas.openxmlformats.org/drawingml/2006/compatibility" xmlns:p14="http://schemas.microsoft.com/office/powerpoint/2010/main" xmlns:p15="http://schemas.microsoft.com/office/powerpoint/2012/main" xmlns:ahyp="http://schemas.microsoft.com/office/drawing/2018/hyperlinkcolor" show="0">
   <p:cSld>
     <p:spTree>
       <p:nvGrpSpPr>
-        <p:cNvPr id="139" name="Shape 139"/>
+        <p:cNvPr id="146" name="Shape 146"/>
         <p:cNvGrpSpPr/>
         <p:nvPr/>
       </p:nvGrpSpPr>
@@ -8770,7 +9437,520 @@
       </p:grpSpPr>
       <p:sp>
         <p:nvSpPr>
-          <p:cNvPr id="140" name="Google Shape;140;p24"/>
+          <p:cNvPr id="147" name="Google Shape;147;p25"/>
+          <p:cNvSpPr txBox="1"/>
+          <p:nvPr>
+            <p:ph type="title"/>
+          </p:nvPr>
+        </p:nvSpPr>
+        <p:spPr>
+          <a:xfrm>
+            <a:off x="311700" y="849500"/>
+            <a:ext cx="8520600" cy="3883800"/>
+          </a:xfrm>
+          <a:prstGeom prst="rect">
+            <a:avLst/>
+          </a:prstGeom>
+        </p:spPr>
+        <p:txBody>
+          <a:bodyPr anchorCtr="0" anchor="t" bIns="91425" lIns="91425" spcFirstLastPara="1" rIns="91425" wrap="square" tIns="91425">
+            <a:normAutofit/>
+          </a:bodyPr>
+          <a:lstStyle/>
+          <a:p>
+            <a:pPr indent="0" lvl="0" marL="0" rtl="0" algn="l">
+              <a:spcBef>
+                <a:spcPts val="0"/>
+              </a:spcBef>
+              <a:spcAft>
+                <a:spcPts val="0"/>
+              </a:spcAft>
+              <a:buNone/>
+            </a:pPr>
+            <a:r>
+              <a:rPr lang="en" sz="1433"/>
+              <a:t>Download SolrDora for macOS</a:t>
+            </a:r>
+            <a:endParaRPr sz="1433"/>
+          </a:p>
+          <a:p>
+            <a:pPr indent="0" lvl="0" marL="0" rtl="0" algn="l">
+              <a:spcBef>
+                <a:spcPts val="0"/>
+              </a:spcBef>
+              <a:spcAft>
+                <a:spcPts val="0"/>
+              </a:spcAft>
+              <a:buNone/>
+            </a:pPr>
+            <a:r>
+              <a:t/>
+            </a:r>
+            <a:endParaRPr sz="1433"/>
+          </a:p>
+          <a:p>
+            <a:pPr indent="457200" lvl="0" marL="0" rtl="0" algn="l">
+              <a:spcBef>
+                <a:spcPts val="0"/>
+              </a:spcBef>
+              <a:spcAft>
+                <a:spcPts val="0"/>
+              </a:spcAft>
+              <a:buClr>
+                <a:schemeClr val="dk1"/>
+              </a:buClr>
+              <a:buSzPts val="1100"/>
+              <a:buFont typeface="Arial"/>
+              <a:buNone/>
+            </a:pPr>
+            <a:r>
+              <a:rPr lang="en" sz="1133">
+                <a:latin typeface="Courier New"/>
+                <a:ea typeface="Courier New"/>
+                <a:cs typeface="Courier New"/>
+                <a:sym typeface="Courier New"/>
+              </a:rPr>
+              <a:t>$ curl -OL </a:t>
+            </a:r>
+            <a:r>
+              <a:rPr lang="en" sz="1133" u="sng">
+                <a:solidFill>
+                  <a:schemeClr val="hlink"/>
+                </a:solidFill>
+                <a:latin typeface="Courier New"/>
+                <a:ea typeface="Courier New"/>
+                <a:cs typeface="Courier New"/>
+                <a:sym typeface="Courier New"/>
+                <a:hlinkClick r:id="rId3"/>
+              </a:rPr>
+              <a:t>https://github.com/hectorcorrea/solrdora/releases/download/v0.4/solrdora_mac.zip</a:t>
+            </a:r>
+            <a:endParaRPr sz="1133">
+              <a:latin typeface="Courier New"/>
+              <a:ea typeface="Courier New"/>
+              <a:cs typeface="Courier New"/>
+              <a:sym typeface="Courier New"/>
+            </a:endParaRPr>
+          </a:p>
+          <a:p>
+            <a:pPr indent="457200" lvl="0" marL="0" rtl="0" algn="l">
+              <a:spcBef>
+                <a:spcPts val="0"/>
+              </a:spcBef>
+              <a:spcAft>
+                <a:spcPts val="0"/>
+              </a:spcAft>
+              <a:buClr>
+                <a:schemeClr val="dk1"/>
+              </a:buClr>
+              <a:buSzPts val="1100"/>
+              <a:buFont typeface="Arial"/>
+              <a:buNone/>
+            </a:pPr>
+            <a:r>
+              <a:rPr lang="en" sz="1133">
+                <a:latin typeface="Courier New"/>
+                <a:ea typeface="Courier New"/>
+                <a:cs typeface="Courier New"/>
+                <a:sym typeface="Courier New"/>
+              </a:rPr>
+              <a:t>$ unzip solrdora_mac.zip</a:t>
+            </a:r>
+            <a:endParaRPr sz="1133">
+              <a:latin typeface="Courier New"/>
+              <a:ea typeface="Courier New"/>
+              <a:cs typeface="Courier New"/>
+              <a:sym typeface="Courier New"/>
+            </a:endParaRPr>
+          </a:p>
+          <a:p>
+            <a:pPr indent="0" lvl="0" marL="0" rtl="0" algn="l">
+              <a:spcBef>
+                <a:spcPts val="0"/>
+              </a:spcBef>
+              <a:spcAft>
+                <a:spcPts val="0"/>
+              </a:spcAft>
+              <a:buClr>
+                <a:schemeClr val="dk1"/>
+              </a:buClr>
+              <a:buSzPts val="1100"/>
+              <a:buFont typeface="Arial"/>
+              <a:buNone/>
+            </a:pPr>
+            <a:r>
+              <a:t/>
+            </a:r>
+            <a:endParaRPr sz="1133">
+              <a:latin typeface="Courier New"/>
+              <a:ea typeface="Courier New"/>
+              <a:cs typeface="Courier New"/>
+              <a:sym typeface="Courier New"/>
+            </a:endParaRPr>
+          </a:p>
+          <a:p>
+            <a:pPr indent="0" lvl="0" marL="0" rtl="0" algn="l">
+              <a:spcBef>
+                <a:spcPts val="0"/>
+              </a:spcBef>
+              <a:spcAft>
+                <a:spcPts val="0"/>
+              </a:spcAft>
+              <a:buNone/>
+            </a:pPr>
+            <a:r>
+              <a:t/>
+            </a:r>
+            <a:endParaRPr sz="1133">
+              <a:latin typeface="Courier New"/>
+              <a:ea typeface="Courier New"/>
+              <a:cs typeface="Courier New"/>
+              <a:sym typeface="Courier New"/>
+            </a:endParaRPr>
+          </a:p>
+          <a:p>
+            <a:pPr indent="0" lvl="0" marL="0" rtl="0" algn="l">
+              <a:spcBef>
+                <a:spcPts val="0"/>
+              </a:spcBef>
+              <a:spcAft>
+                <a:spcPts val="0"/>
+              </a:spcAft>
+              <a:buClr>
+                <a:schemeClr val="dk1"/>
+              </a:buClr>
+              <a:buSzPts val="1100"/>
+              <a:buFont typeface="Arial"/>
+              <a:buNone/>
+            </a:pPr>
+            <a:r>
+              <a:rPr lang="en" sz="1433"/>
+              <a:t>run it:</a:t>
+            </a:r>
+            <a:endParaRPr sz="1433"/>
+          </a:p>
+          <a:p>
+            <a:pPr indent="0" lvl="0" marL="0" rtl="0" algn="l">
+              <a:spcBef>
+                <a:spcPts val="0"/>
+              </a:spcBef>
+              <a:spcAft>
+                <a:spcPts val="0"/>
+              </a:spcAft>
+              <a:buNone/>
+            </a:pPr>
+            <a:r>
+              <a:t/>
+            </a:r>
+            <a:endParaRPr sz="1133">
+              <a:latin typeface="Courier New"/>
+              <a:ea typeface="Courier New"/>
+              <a:cs typeface="Courier New"/>
+              <a:sym typeface="Courier New"/>
+            </a:endParaRPr>
+          </a:p>
+          <a:p>
+            <a:pPr indent="457200" lvl="0" marL="0" rtl="0" algn="l">
+              <a:spcBef>
+                <a:spcPts val="0"/>
+              </a:spcBef>
+              <a:spcAft>
+                <a:spcPts val="0"/>
+              </a:spcAft>
+              <a:buNone/>
+            </a:pPr>
+            <a:r>
+              <a:rPr lang="en" sz="1133">
+                <a:latin typeface="Courier New"/>
+                <a:ea typeface="Courier New"/>
+                <a:cs typeface="Courier New"/>
+                <a:sym typeface="Courier New"/>
+              </a:rPr>
+              <a:t>$ ./solrdora settings.json</a:t>
+            </a:r>
+            <a:endParaRPr sz="1133">
+              <a:latin typeface="Courier New"/>
+              <a:ea typeface="Courier New"/>
+              <a:cs typeface="Courier New"/>
+              <a:sym typeface="Courier New"/>
+            </a:endParaRPr>
+          </a:p>
+          <a:p>
+            <a:pPr indent="0" lvl="0" marL="0" rtl="0" algn="l">
+              <a:spcBef>
+                <a:spcPts val="0"/>
+              </a:spcBef>
+              <a:spcAft>
+                <a:spcPts val="0"/>
+              </a:spcAft>
+              <a:buNone/>
+            </a:pPr>
+            <a:r>
+              <a:t/>
+            </a:r>
+            <a:endParaRPr sz="1433"/>
+          </a:p>
+          <a:p>
+            <a:pPr indent="0" lvl="0" marL="0" rtl="0" algn="l">
+              <a:spcBef>
+                <a:spcPts val="0"/>
+              </a:spcBef>
+              <a:spcAft>
+                <a:spcPts val="0"/>
+              </a:spcAft>
+              <a:buNone/>
+            </a:pPr>
+            <a:r>
+              <a:rPr lang="en" sz="1433"/>
+              <a:t>…and point your browser to </a:t>
+            </a:r>
+            <a:r>
+              <a:rPr lang="en" sz="1433" u="sng">
+                <a:solidFill>
+                  <a:schemeClr val="hlink"/>
+                </a:solidFill>
+                <a:hlinkClick r:id="rId4"/>
+              </a:rPr>
+              <a:t>http://localhost:9001/</a:t>
+            </a:r>
+            <a:r>
+              <a:rPr lang="en" sz="1433"/>
+              <a:t> </a:t>
+            </a:r>
+            <a:endParaRPr sz="1433"/>
+          </a:p>
+          <a:p>
+            <a:pPr indent="0" lvl="0" marL="0" rtl="0" algn="l">
+              <a:spcBef>
+                <a:spcPts val="0"/>
+              </a:spcBef>
+              <a:spcAft>
+                <a:spcPts val="0"/>
+              </a:spcAft>
+              <a:buNone/>
+            </a:pPr>
+            <a:r>
+              <a:t/>
+            </a:r>
+            <a:endParaRPr sz="1433"/>
+          </a:p>
+          <a:p>
+            <a:pPr indent="0" lvl="0" marL="0" rtl="0" algn="l">
+              <a:spcBef>
+                <a:spcPts val="0"/>
+              </a:spcBef>
+              <a:spcAft>
+                <a:spcPts val="0"/>
+              </a:spcAft>
+              <a:buNone/>
+            </a:pPr>
+            <a:r>
+              <a:t/>
+            </a:r>
+            <a:endParaRPr sz="1433"/>
+          </a:p>
+          <a:p>
+            <a:pPr indent="0" lvl="0" marL="0" rtl="0" algn="l">
+              <a:spcBef>
+                <a:spcPts val="0"/>
+              </a:spcBef>
+              <a:spcAft>
+                <a:spcPts val="0"/>
+              </a:spcAft>
+              <a:buNone/>
+            </a:pPr>
+            <a:r>
+              <a:rPr lang="en" sz="1300"/>
+              <a:t>Note</a:t>
+            </a:r>
+            <a:endParaRPr sz="1300"/>
+          </a:p>
+          <a:p>
+            <a:pPr indent="-311150" lvl="0" marL="457200" rtl="0" algn="l">
+              <a:spcBef>
+                <a:spcPts val="0"/>
+              </a:spcBef>
+              <a:spcAft>
+                <a:spcPts val="0"/>
+              </a:spcAft>
+              <a:buSzPts val="1300"/>
+              <a:buChar char="●"/>
+            </a:pPr>
+            <a:r>
+              <a:rPr lang="en" sz="1400"/>
+              <a:t>On </a:t>
+            </a:r>
+            <a:r>
+              <a:rPr b="1" i="1" lang="en" sz="1400"/>
+              <a:t>Windows</a:t>
+            </a:r>
+            <a:r>
+              <a:rPr lang="en" sz="1400"/>
+              <a:t> download </a:t>
+            </a:r>
+            <a:r>
+              <a:rPr lang="en" sz="1400" u="sng">
+                <a:solidFill>
+                  <a:schemeClr val="hlink"/>
+                </a:solidFill>
+                <a:hlinkClick r:id="rId5"/>
+              </a:rPr>
+              <a:t>solrdora_win.zip</a:t>
+            </a:r>
+            <a:r>
+              <a:rPr lang="en" sz="1400" u="sng">
+                <a:solidFill>
+                  <a:schemeClr val="hlink"/>
+                </a:solidFill>
+              </a:rPr>
+              <a:t> </a:t>
+            </a:r>
+            <a:endParaRPr sz="1400"/>
+          </a:p>
+          <a:p>
+            <a:pPr indent="-311150" lvl="0" marL="457200" rtl="0" algn="l">
+              <a:spcBef>
+                <a:spcPts val="0"/>
+              </a:spcBef>
+              <a:spcAft>
+                <a:spcPts val="0"/>
+              </a:spcAft>
+              <a:buSzPts val="1300"/>
+              <a:buChar char="●"/>
+            </a:pPr>
+            <a:r>
+              <a:rPr lang="en" sz="1433"/>
+              <a:t>On </a:t>
+            </a:r>
+            <a:r>
+              <a:rPr b="1" i="1" lang="en" sz="1433"/>
+              <a:t>Linux</a:t>
+            </a:r>
+            <a:r>
+              <a:rPr lang="en" sz="1433"/>
+              <a:t> download </a:t>
+            </a:r>
+            <a:r>
+              <a:rPr lang="en" sz="1433" u="sng">
+                <a:solidFill>
+                  <a:schemeClr val="hlink"/>
+                </a:solidFill>
+                <a:hlinkClick r:id="rId6"/>
+              </a:rPr>
+              <a:t>solrdora_linux.zip</a:t>
+            </a:r>
+            <a:r>
+              <a:rPr lang="en" sz="1433"/>
+              <a:t> </a:t>
+            </a:r>
+            <a:endParaRPr sz="1433"/>
+          </a:p>
+        </p:txBody>
+      </p:sp>
+      <p:sp>
+        <p:nvSpPr>
+          <p:cNvPr id="148" name="Google Shape;148;p25"/>
+          <p:cNvSpPr txBox="1"/>
+          <p:nvPr>
+            <p:ph type="title"/>
+          </p:nvPr>
+        </p:nvSpPr>
+        <p:spPr>
+          <a:xfrm>
+            <a:off x="196125" y="97375"/>
+            <a:ext cx="8520600" cy="572700"/>
+          </a:xfrm>
+          <a:prstGeom prst="rect">
+            <a:avLst/>
+          </a:prstGeom>
+        </p:spPr>
+        <p:txBody>
+          <a:bodyPr anchorCtr="0" anchor="t" bIns="91425" lIns="91425" spcFirstLastPara="1" rIns="91425" wrap="square" tIns="91425">
+            <a:normAutofit fontScale="90000"/>
+          </a:bodyPr>
+          <a:lstStyle/>
+          <a:p>
+            <a:pPr indent="0" lvl="0" marL="0" rtl="0" algn="l">
+              <a:spcBef>
+                <a:spcPts val="0"/>
+              </a:spcBef>
+              <a:spcAft>
+                <a:spcPts val="0"/>
+              </a:spcAft>
+              <a:buNone/>
+            </a:pPr>
+            <a:r>
+              <a:rPr lang="en">
+                <a:highlight>
+                  <a:schemeClr val="accent4"/>
+                </a:highlight>
+              </a:rPr>
+              <a:t>Your turn (optional):</a:t>
+            </a:r>
+            <a:r>
+              <a:rPr lang="en"/>
+              <a:t> Use SolrDora to view the data</a:t>
+            </a:r>
+            <a:endParaRPr/>
+          </a:p>
+        </p:txBody>
+      </p:sp>
+      <p:pic>
+        <p:nvPicPr>
+          <p:cNvPr id="149" name="Google Shape;149;p25"/>
+          <p:cNvPicPr preferRelativeResize="0"/>
+          <p:nvPr/>
+        </p:nvPicPr>
+        <p:blipFill>
+          <a:blip r:embed="rId7">
+            <a:alphaModFix/>
+          </a:blip>
+          <a:stretch>
+            <a:fillRect/>
+          </a:stretch>
+        </p:blipFill>
+        <p:spPr>
+          <a:xfrm>
+            <a:off x="4894425" y="1999950"/>
+            <a:ext cx="4116151" cy="2992024"/>
+          </a:xfrm>
+          <a:prstGeom prst="rect">
+            <a:avLst/>
+          </a:prstGeom>
+          <a:noFill/>
+          <a:ln>
+            <a:noFill/>
+          </a:ln>
+        </p:spPr>
+      </p:pic>
+    </p:spTree>
+  </p:cSld>
+  <p:clrMapOvr>
+    <a:masterClrMapping/>
+  </p:clrMapOvr>
+</p:sld>
+</file>
+
+<file path=ppt/slides/slide14.xml><?xml version="1.0" encoding="utf-8"?>
+<p:sld xmlns:a="http://schemas.openxmlformats.org/drawingml/2006/main" xmlns:r="http://schemas.openxmlformats.org/officeDocument/2006/relationships" xmlns:mc="http://schemas.openxmlformats.org/markup-compatibility/2006" xmlns:mv="urn:schemas-microsoft-com:mac:vml" xmlns:p="http://schemas.openxmlformats.org/presentationml/2006/main" xmlns:c="http://schemas.openxmlformats.org/drawingml/2006/chart" xmlns:dgm="http://schemas.openxmlformats.org/drawingml/2006/diagram" xmlns:o="urn:schemas-microsoft-com:office:office" xmlns:v="urn:schemas-microsoft-com:vml" xmlns:pvml="urn:schemas-microsoft-com:office:powerpoint" xmlns:com="http://schemas.openxmlformats.org/drawingml/2006/compatibility" xmlns:p14="http://schemas.microsoft.com/office/powerpoint/2010/main" xmlns:p15="http://schemas.microsoft.com/office/powerpoint/2012/main" xmlns:ahyp="http://schemas.microsoft.com/office/drawing/2018/hyperlinkcolor">
+  <p:cSld>
+    <p:spTree>
+      <p:nvGrpSpPr>
+        <p:cNvPr id="153" name="Shape 153"/>
+        <p:cNvGrpSpPr/>
+        <p:nvPr/>
+      </p:nvGrpSpPr>
+      <p:grpSpPr>
+        <a:xfrm>
+          <a:off x="0" y="0"/>
+          <a:ext cx="0" cy="0"/>
+          <a:chOff x="0" y="0"/>
+          <a:chExt cx="0" cy="0"/>
+        </a:xfrm>
+      </p:grpSpPr>
+      <p:sp>
+        <p:nvSpPr>
+          <p:cNvPr id="154" name="Google Shape;154;p26"/>
           <p:cNvSpPr txBox="1"/>
           <p:nvPr>
             <p:ph type="title"/>
@@ -8810,7 +9990,7 @@
       </p:sp>
       <p:sp>
         <p:nvSpPr>
-          <p:cNvPr id="141" name="Google Shape;141;p24"/>
+          <p:cNvPr id="155" name="Google Shape;155;p26"/>
           <p:cNvSpPr txBox="1"/>
           <p:nvPr/>
         </p:nvSpPr>
@@ -8867,12 +10047,12 @@
 </p:sld>
 </file>
 
-<file path=ppt/slides/slide13.xml><?xml version="1.0" encoding="utf-8"?>
+<file path=ppt/slides/slide15.xml><?xml version="1.0" encoding="utf-8"?>
 <p:sld xmlns:a="http://schemas.openxmlformats.org/drawingml/2006/main" xmlns:r="http://schemas.openxmlformats.org/officeDocument/2006/relationships" xmlns:mc="http://schemas.openxmlformats.org/markup-compatibility/2006" xmlns:mv="urn:schemas-microsoft-com:mac:vml" xmlns:p="http://schemas.openxmlformats.org/presentationml/2006/main" xmlns:c="http://schemas.openxmlformats.org/drawingml/2006/chart" xmlns:dgm="http://schemas.openxmlformats.org/drawingml/2006/diagram" xmlns:o="urn:schemas-microsoft-com:office:office" xmlns:v="urn:schemas-microsoft-com:vml" xmlns:pvml="urn:schemas-microsoft-com:office:powerpoint" xmlns:com="http://schemas.openxmlformats.org/drawingml/2006/compatibility" xmlns:p14="http://schemas.microsoft.com/office/powerpoint/2010/main" xmlns:p15="http://schemas.microsoft.com/office/powerpoint/2012/main" xmlns:ahyp="http://schemas.microsoft.com/office/drawing/2018/hyperlinkcolor">
   <p:cSld>
     <p:spTree>
       <p:nvGrpSpPr>
-        <p:cNvPr id="145" name="Shape 145"/>
+        <p:cNvPr id="159" name="Shape 159"/>
         <p:cNvGrpSpPr/>
         <p:nvPr/>
       </p:nvGrpSpPr>
@@ -8886,7 +10066,7 @@
       </p:grpSpPr>
       <p:sp>
         <p:nvSpPr>
-          <p:cNvPr id="146" name="Google Shape;146;p25"/>
+          <p:cNvPr id="160" name="Google Shape;160;p27"/>
           <p:cNvSpPr txBox="1"/>
           <p:nvPr>
             <p:ph type="title"/>
@@ -8926,7 +10106,7 @@
       </p:sp>
       <p:sp>
         <p:nvSpPr>
-          <p:cNvPr id="147" name="Google Shape;147;p25"/>
+          <p:cNvPr id="161" name="Google Shape;161;p27"/>
           <p:cNvSpPr txBox="1"/>
           <p:nvPr>
             <p:ph idx="1" type="body"/>
@@ -9142,7 +10322,7 @@
       </p:sp>
       <p:graphicFrame>
         <p:nvGraphicFramePr>
-          <p:cNvPr id="148" name="Google Shape;148;p25"/>
+          <p:cNvPr id="162" name="Google Shape;162;p27"/>
           <p:cNvGraphicFramePr/>
           <p:nvPr/>
         </p:nvGraphicFramePr>
@@ -9155,7 +10335,7 @@
             <a:tbl>
               <a:tblPr>
                 <a:noFill/>
-                <a:tableStyleId>{308B290A-8617-43D6-AB54-6A3C6322F276}</a:tableStyleId>
+                <a:tableStyleId>{07F8FA79-375C-4942-9514-DAE7A422A89D}</a:tableStyleId>
               </a:tblPr>
               <a:tblGrid>
                 <a:gridCol w="764400"/>
@@ -9452,7 +10632,7 @@
       </p:graphicFrame>
       <p:sp>
         <p:nvSpPr>
-          <p:cNvPr id="149" name="Google Shape;149;p25"/>
+          <p:cNvPr id="163" name="Google Shape;163;p27"/>
           <p:cNvSpPr txBox="1"/>
           <p:nvPr>
             <p:ph idx="1" type="body"/>
@@ -9560,7 +10740,7 @@
       </p:sp>
       <p:sp>
         <p:nvSpPr>
-          <p:cNvPr id="150" name="Google Shape;150;p25"/>
+          <p:cNvPr id="164" name="Google Shape;164;p27"/>
           <p:cNvSpPr/>
           <p:nvPr/>
         </p:nvSpPr>
@@ -9610,7 +10790,7 @@
       </p:sp>
       <p:sp>
         <p:nvSpPr>
-          <p:cNvPr id="151" name="Google Shape;151;p25"/>
+          <p:cNvPr id="165" name="Google Shape;165;p27"/>
           <p:cNvSpPr/>
           <p:nvPr/>
         </p:nvSpPr>
@@ -9660,7 +10840,7 @@
       </p:sp>
       <p:sp>
         <p:nvSpPr>
-          <p:cNvPr id="152" name="Google Shape;152;p25"/>
+          <p:cNvPr id="166" name="Google Shape;166;p27"/>
           <p:cNvSpPr/>
           <p:nvPr/>
         </p:nvSpPr>
@@ -9714,10 +10894,10 @@
       </p:sp>
       <p:cxnSp>
         <p:nvCxnSpPr>
-          <p:cNvPr id="153" name="Google Shape;153;p25"/>
+          <p:cNvPr id="167" name="Google Shape;167;p27"/>
           <p:cNvCxnSpPr>
-            <a:stCxn id="150" idx="2"/>
-            <a:endCxn id="152" idx="1"/>
+            <a:stCxn id="164" idx="2"/>
+            <a:endCxn id="166" idx="1"/>
           </p:cNvCxnSpPr>
           <p:nvPr/>
         </p:nvCxnSpPr>
@@ -9743,10 +10923,10 @@
       </p:cxnSp>
       <p:cxnSp>
         <p:nvCxnSpPr>
-          <p:cNvPr id="154" name="Google Shape;154;p25"/>
+          <p:cNvPr id="168" name="Google Shape;168;p27"/>
           <p:cNvCxnSpPr>
-            <a:stCxn id="151" idx="2"/>
-            <a:endCxn id="152" idx="3"/>
+            <a:stCxn id="165" idx="2"/>
+            <a:endCxn id="166" idx="3"/>
           </p:cNvCxnSpPr>
           <p:nvPr/>
         </p:nvCxnSpPr>
@@ -9778,12 +10958,12 @@
 </p:sld>
 </file>
 
-<file path=ppt/slides/slide14.xml><?xml version="1.0" encoding="utf-8"?>
+<file path=ppt/slides/slide16.xml><?xml version="1.0" encoding="utf-8"?>
 <p:sld xmlns:a="http://schemas.openxmlformats.org/drawingml/2006/main" xmlns:r="http://schemas.openxmlformats.org/officeDocument/2006/relationships" xmlns:mc="http://schemas.openxmlformats.org/markup-compatibility/2006" xmlns:mv="urn:schemas-microsoft-com:mac:vml" xmlns:p="http://schemas.openxmlformats.org/presentationml/2006/main" xmlns:c="http://schemas.openxmlformats.org/drawingml/2006/chart" xmlns:dgm="http://schemas.openxmlformats.org/drawingml/2006/diagram" xmlns:o="urn:schemas-microsoft-com:office:office" xmlns:v="urn:schemas-microsoft-com:vml" xmlns:pvml="urn:schemas-microsoft-com:office:powerpoint" xmlns:com="http://schemas.openxmlformats.org/drawingml/2006/compatibility" xmlns:p14="http://schemas.microsoft.com/office/powerpoint/2010/main" xmlns:p15="http://schemas.microsoft.com/office/powerpoint/2012/main" xmlns:ahyp="http://schemas.microsoft.com/office/drawing/2018/hyperlinkcolor">
   <p:cSld>
     <p:spTree>
       <p:nvGrpSpPr>
-        <p:cNvPr id="158" name="Shape 158"/>
+        <p:cNvPr id="172" name="Shape 172"/>
         <p:cNvGrpSpPr/>
         <p:nvPr/>
       </p:nvGrpSpPr>
@@ -9797,7 +10977,7 @@
       </p:grpSpPr>
       <p:sp>
         <p:nvSpPr>
-          <p:cNvPr id="159" name="Google Shape;159;p26"/>
+          <p:cNvPr id="173" name="Google Shape;173;p28"/>
           <p:cNvSpPr txBox="1"/>
           <p:nvPr>
             <p:ph type="title"/>
@@ -9829,7 +11009,7 @@
             </a:pPr>
             <a:r>
               <a:rPr lang="en"/>
-              <a:t>Inverted Indexes - How Solr indexes our data</a:t>
+              <a:t>Inverted indexes - How Solr indexes our data</a:t>
             </a:r>
             <a:endParaRPr/>
           </a:p>
@@ -9837,7 +11017,7 @@
       </p:sp>
       <p:graphicFrame>
         <p:nvGraphicFramePr>
-          <p:cNvPr id="160" name="Google Shape;160;p26"/>
+          <p:cNvPr id="174" name="Google Shape;174;p28"/>
           <p:cNvGraphicFramePr/>
           <p:nvPr/>
         </p:nvGraphicFramePr>
@@ -9850,7 +11030,7 @@
             <a:tbl>
               <a:tblPr>
                 <a:noFill/>
-                <a:tableStyleId>{308B290A-8617-43D6-AB54-6A3C6322F276}</a:tableStyleId>
+                <a:tableStyleId>{07F8FA79-375C-4942-9514-DAE7A422A89D}</a:tableStyleId>
               </a:tblPr>
               <a:tblGrid>
                 <a:gridCol w="394725"/>
@@ -10155,7 +11335,7 @@
       </p:graphicFrame>
       <p:graphicFrame>
         <p:nvGraphicFramePr>
-          <p:cNvPr id="161" name="Google Shape;161;p26"/>
+          <p:cNvPr id="175" name="Google Shape;175;p28"/>
           <p:cNvGraphicFramePr/>
           <p:nvPr/>
         </p:nvGraphicFramePr>
@@ -10168,7 +11348,7 @@
             <a:tbl>
               <a:tblPr>
                 <a:noFill/>
-                <a:tableStyleId>{308B290A-8617-43D6-AB54-6A3C6322F276}</a:tableStyleId>
+                <a:tableStyleId>{07F8FA79-375C-4942-9514-DAE7A422A89D}</a:tableStyleId>
               </a:tblPr>
               <a:tblGrid>
                 <a:gridCol w="463500"/>
@@ -10421,7 +11601,7 @@
       </p:graphicFrame>
       <p:graphicFrame>
         <p:nvGraphicFramePr>
-          <p:cNvPr id="162" name="Google Shape;162;p26"/>
+          <p:cNvPr id="176" name="Google Shape;176;p28"/>
           <p:cNvGraphicFramePr/>
           <p:nvPr/>
         </p:nvGraphicFramePr>
@@ -10434,7 +11614,7 @@
             <a:tbl>
               <a:tblPr>
                 <a:noFill/>
-                <a:tableStyleId>{308B290A-8617-43D6-AB54-6A3C6322F276}</a:tableStyleId>
+                <a:tableStyleId>{07F8FA79-375C-4942-9514-DAE7A422A89D}</a:tableStyleId>
               </a:tblPr>
               <a:tblGrid>
                 <a:gridCol w="1195950"/>
@@ -10816,7 +11996,7 @@
       </p:graphicFrame>
       <p:sp>
         <p:nvSpPr>
-          <p:cNvPr id="163" name="Google Shape;163;p26"/>
+          <p:cNvPr id="177" name="Google Shape;177;p28"/>
           <p:cNvSpPr txBox="1"/>
           <p:nvPr/>
         </p:nvSpPr>
@@ -10858,7 +12038,7 @@
       </p:sp>
       <p:sp>
         <p:nvSpPr>
-          <p:cNvPr id="164" name="Google Shape;164;p26"/>
+          <p:cNvPr id="178" name="Google Shape;178;p28"/>
           <p:cNvSpPr txBox="1"/>
           <p:nvPr/>
         </p:nvSpPr>
@@ -10910,12 +12090,12 @@
 </p:sld>
 </file>
 
-<file path=ppt/slides/slide15.xml><?xml version="1.0" encoding="utf-8"?>
+<file path=ppt/slides/slide17.xml><?xml version="1.0" encoding="utf-8"?>
 <p:sld xmlns:a="http://schemas.openxmlformats.org/drawingml/2006/main" xmlns:r="http://schemas.openxmlformats.org/officeDocument/2006/relationships" xmlns:mc="http://schemas.openxmlformats.org/markup-compatibility/2006" xmlns:mv="urn:schemas-microsoft-com:mac:vml" xmlns:p="http://schemas.openxmlformats.org/presentationml/2006/main" xmlns:c="http://schemas.openxmlformats.org/drawingml/2006/chart" xmlns:dgm="http://schemas.openxmlformats.org/drawingml/2006/diagram" xmlns:o="urn:schemas-microsoft-com:office:office" xmlns:v="urn:schemas-microsoft-com:vml" xmlns:pvml="urn:schemas-microsoft-com:office:powerpoint" xmlns:com="http://schemas.openxmlformats.org/drawingml/2006/compatibility" xmlns:p14="http://schemas.microsoft.com/office/powerpoint/2010/main" xmlns:p15="http://schemas.microsoft.com/office/powerpoint/2012/main" xmlns:ahyp="http://schemas.microsoft.com/office/drawing/2018/hyperlinkcolor">
   <p:cSld>
     <p:spTree>
       <p:nvGrpSpPr>
-        <p:cNvPr id="168" name="Shape 168"/>
+        <p:cNvPr id="182" name="Shape 182"/>
         <p:cNvGrpSpPr/>
         <p:nvPr/>
       </p:nvGrpSpPr>
@@ -10929,7 +12109,7 @@
       </p:grpSpPr>
       <p:sp>
         <p:nvSpPr>
-          <p:cNvPr id="169" name="Google Shape;169;p27"/>
+          <p:cNvPr id="183" name="Google Shape;183;p29"/>
           <p:cNvSpPr txBox="1"/>
           <p:nvPr>
             <p:ph type="title"/>
@@ -10969,7 +12149,7 @@
       </p:sp>
       <p:sp>
         <p:nvSpPr>
-          <p:cNvPr id="170" name="Google Shape;170;p27"/>
+          <p:cNvPr id="184" name="Google Shape;184;p29"/>
           <p:cNvSpPr txBox="1"/>
           <p:nvPr>
             <p:ph idx="1" type="body"/>
@@ -11108,12 +12288,12 @@
 </p:sld>
 </file>
 
-<file path=ppt/slides/slide16.xml><?xml version="1.0" encoding="utf-8"?>
+<file path=ppt/slides/slide18.xml><?xml version="1.0" encoding="utf-8"?>
 <p:sld xmlns:a="http://schemas.openxmlformats.org/drawingml/2006/main" xmlns:r="http://schemas.openxmlformats.org/officeDocument/2006/relationships" xmlns:mc="http://schemas.openxmlformats.org/markup-compatibility/2006" xmlns:mv="urn:schemas-microsoft-com:mac:vml" xmlns:p="http://schemas.openxmlformats.org/presentationml/2006/main" xmlns:c="http://schemas.openxmlformats.org/drawingml/2006/chart" xmlns:dgm="http://schemas.openxmlformats.org/drawingml/2006/diagram" xmlns:o="urn:schemas-microsoft-com:office:office" xmlns:v="urn:schemas-microsoft-com:vml" xmlns:pvml="urn:schemas-microsoft-com:office:powerpoint" xmlns:com="http://schemas.openxmlformats.org/drawingml/2006/compatibility" xmlns:p14="http://schemas.microsoft.com/office/powerpoint/2010/main" xmlns:p15="http://schemas.microsoft.com/office/powerpoint/2012/main" xmlns:ahyp="http://schemas.microsoft.com/office/drawing/2018/hyperlinkcolor">
   <p:cSld>
     <p:spTree>
       <p:nvGrpSpPr>
-        <p:cNvPr id="174" name="Shape 174"/>
+        <p:cNvPr id="188" name="Shape 188"/>
         <p:cNvGrpSpPr/>
         <p:nvPr/>
       </p:nvGrpSpPr>
@@ -11127,7 +12307,7 @@
       </p:grpSpPr>
       <p:sp>
         <p:nvSpPr>
-          <p:cNvPr id="175" name="Google Shape;175;p28"/>
+          <p:cNvPr id="189" name="Google Shape;189;p30"/>
           <p:cNvSpPr txBox="1"/>
           <p:nvPr>
             <p:ph type="title"/>
@@ -11167,7 +12347,7 @@
       </p:sp>
       <p:sp>
         <p:nvSpPr>
-          <p:cNvPr id="176" name="Google Shape;176;p28"/>
+          <p:cNvPr id="190" name="Google Shape;190;p30"/>
           <p:cNvSpPr txBox="1"/>
           <p:nvPr>
             <p:ph idx="1" type="body"/>
@@ -11338,7 +12518,7 @@
                 <a:cs typeface="Courier New"/>
                 <a:sym typeface="Courier New"/>
               </a:rPr>
-              <a:t>“hello ” != “hello”</a:t>
+              <a:t>“hello” != “hello ”</a:t>
             </a:r>
             <a:endParaRPr>
               <a:latin typeface="Courier New"/>
@@ -11586,12 +12766,12 @@
 </p:sld>
 </file>
 
-<file path=ppt/slides/slide17.xml><?xml version="1.0" encoding="utf-8"?>
+<file path=ppt/slides/slide19.xml><?xml version="1.0" encoding="utf-8"?>
 <p:sld xmlns:a="http://schemas.openxmlformats.org/drawingml/2006/main" xmlns:r="http://schemas.openxmlformats.org/officeDocument/2006/relationships" xmlns:mc="http://schemas.openxmlformats.org/markup-compatibility/2006" xmlns:mv="urn:schemas-microsoft-com:mac:vml" xmlns:p="http://schemas.openxmlformats.org/presentationml/2006/main" xmlns:c="http://schemas.openxmlformats.org/drawingml/2006/chart" xmlns:dgm="http://schemas.openxmlformats.org/drawingml/2006/diagram" xmlns:o="urn:schemas-microsoft-com:office:office" xmlns:v="urn:schemas-microsoft-com:vml" xmlns:pvml="urn:schemas-microsoft-com:office:powerpoint" xmlns:com="http://schemas.openxmlformats.org/drawingml/2006/compatibility" xmlns:p14="http://schemas.microsoft.com/office/powerpoint/2010/main" xmlns:p15="http://schemas.microsoft.com/office/powerpoint/2012/main" xmlns:ahyp="http://schemas.microsoft.com/office/drawing/2018/hyperlinkcolor">
   <p:cSld>
     <p:spTree>
       <p:nvGrpSpPr>
-        <p:cNvPr id="180" name="Shape 180"/>
+        <p:cNvPr id="194" name="Shape 194"/>
         <p:cNvGrpSpPr/>
         <p:nvPr/>
       </p:nvGrpSpPr>
@@ -11605,7 +12785,7 @@
       </p:grpSpPr>
       <p:sp>
         <p:nvSpPr>
-          <p:cNvPr id="181" name="Google Shape;181;p29"/>
+          <p:cNvPr id="195" name="Google Shape;195;p31"/>
           <p:cNvSpPr txBox="1"/>
           <p:nvPr>
             <p:ph type="title"/>
@@ -11673,7 +12853,7 @@
       </p:sp>
       <p:sp>
         <p:nvSpPr>
-          <p:cNvPr id="182" name="Google Shape;182;p29"/>
+          <p:cNvPr id="196" name="Google Shape;196;p31"/>
           <p:cNvSpPr txBox="1"/>
           <p:nvPr>
             <p:ph idx="1" type="body"/>
@@ -12140,12 +13320,12 @@
 </p:sld>
 </file>
 
-<file path=ppt/slides/slide18.xml><?xml version="1.0" encoding="utf-8"?>
+<file path=ppt/slides/slide2.xml><?xml version="1.0" encoding="utf-8"?>
 <p:sld xmlns:a="http://schemas.openxmlformats.org/drawingml/2006/main" xmlns:r="http://schemas.openxmlformats.org/officeDocument/2006/relationships" xmlns:mc="http://schemas.openxmlformats.org/markup-compatibility/2006" xmlns:mv="urn:schemas-microsoft-com:mac:vml" xmlns:p="http://schemas.openxmlformats.org/presentationml/2006/main" xmlns:c="http://schemas.openxmlformats.org/drawingml/2006/chart" xmlns:dgm="http://schemas.openxmlformats.org/drawingml/2006/diagram" xmlns:o="urn:schemas-microsoft-com:office:office" xmlns:v="urn:schemas-microsoft-com:vml" xmlns:pvml="urn:schemas-microsoft-com:office:powerpoint" xmlns:com="http://schemas.openxmlformats.org/drawingml/2006/compatibility" xmlns:p14="http://schemas.microsoft.com/office/powerpoint/2010/main" xmlns:p15="http://schemas.microsoft.com/office/powerpoint/2012/main" xmlns:ahyp="http://schemas.microsoft.com/office/drawing/2018/hyperlinkcolor">
   <p:cSld>
     <p:spTree>
       <p:nvGrpSpPr>
-        <p:cNvPr id="186" name="Shape 186"/>
+        <p:cNvPr id="60" name="Shape 60"/>
         <p:cNvGrpSpPr/>
         <p:nvPr/>
       </p:nvGrpSpPr>
@@ -12159,7 +13339,7 @@
       </p:grpSpPr>
       <p:sp>
         <p:nvSpPr>
-          <p:cNvPr id="187" name="Google Shape;187;p30"/>
+          <p:cNvPr id="61" name="Google Shape;61;p14"/>
           <p:cNvSpPr txBox="1"/>
           <p:nvPr>
             <p:ph type="title"/>
@@ -12191,6 +13371,231 @@
             </a:pPr>
             <a:r>
               <a:rPr lang="en"/>
+              <a:t>Workshop Outline</a:t>
+            </a:r>
+            <a:endParaRPr/>
+          </a:p>
+        </p:txBody>
+      </p:sp>
+      <p:sp>
+        <p:nvSpPr>
+          <p:cNvPr id="62" name="Google Shape;62;p14"/>
+          <p:cNvSpPr txBox="1"/>
+          <p:nvPr>
+            <p:ph idx="1" type="body"/>
+          </p:nvPr>
+        </p:nvSpPr>
+        <p:spPr>
+          <a:xfrm>
+            <a:off x="311700" y="1152475"/>
+            <a:ext cx="8520600" cy="3416400"/>
+          </a:xfrm>
+          <a:prstGeom prst="rect">
+            <a:avLst/>
+          </a:prstGeom>
+        </p:spPr>
+        <p:txBody>
+          <a:bodyPr anchorCtr="0" anchor="t" bIns="91425" lIns="91425" spcFirstLastPara="1" rIns="91425" wrap="square" tIns="91425">
+            <a:normAutofit/>
+          </a:bodyPr>
+          <a:lstStyle/>
+          <a:p>
+            <a:pPr indent="-342900" lvl="0" marL="457200" rtl="0" algn="l">
+              <a:spcBef>
+                <a:spcPts val="0"/>
+              </a:spcBef>
+              <a:spcAft>
+                <a:spcPts val="0"/>
+              </a:spcAft>
+              <a:buSzPts val="1800"/>
+              <a:buChar char="●"/>
+            </a:pPr>
+            <a:r>
+              <a:rPr lang="en"/>
+              <a:t>Introduction</a:t>
+            </a:r>
+            <a:endParaRPr/>
+          </a:p>
+          <a:p>
+            <a:pPr indent="-317500" lvl="1" marL="914400" rtl="0" algn="l">
+              <a:spcBef>
+                <a:spcPts val="0"/>
+              </a:spcBef>
+              <a:spcAft>
+                <a:spcPts val="0"/>
+              </a:spcAft>
+              <a:buSzPts val="1400"/>
+              <a:buChar char="○"/>
+            </a:pPr>
+            <a:r>
+              <a:rPr lang="en"/>
+              <a:t>Concepts, quick tour, installation</a:t>
+            </a:r>
+            <a:endParaRPr/>
+          </a:p>
+          <a:p>
+            <a:pPr indent="-342900" lvl="0" marL="457200" rtl="0" algn="l">
+              <a:spcBef>
+                <a:spcPts val="0"/>
+              </a:spcBef>
+              <a:spcAft>
+                <a:spcPts val="0"/>
+              </a:spcAft>
+              <a:buSzPts val="1800"/>
+              <a:buChar char="●"/>
+            </a:pPr>
+            <a:r>
+              <a:rPr lang="en"/>
+              <a:t>Schema</a:t>
+            </a:r>
+            <a:endParaRPr/>
+          </a:p>
+          <a:p>
+            <a:pPr indent="-317500" lvl="1" marL="914400" rtl="0" algn="l">
+              <a:spcBef>
+                <a:spcPts val="0"/>
+              </a:spcBef>
+              <a:spcAft>
+                <a:spcPts val="0"/>
+              </a:spcAft>
+              <a:buSzPts val="1400"/>
+              <a:buChar char="○"/>
+            </a:pPr>
+            <a:r>
+              <a:rPr lang="en"/>
+              <a:t>Types, Fields, Tokenizers, Filters</a:t>
+            </a:r>
+            <a:endParaRPr/>
+          </a:p>
+          <a:p>
+            <a:pPr indent="-342900" lvl="0" marL="457200" rtl="0" algn="l">
+              <a:spcBef>
+                <a:spcPts val="0"/>
+              </a:spcBef>
+              <a:spcAft>
+                <a:spcPts val="0"/>
+              </a:spcAft>
+              <a:buSzPts val="1800"/>
+              <a:buChar char="●"/>
+            </a:pPr>
+            <a:r>
+              <a:rPr lang="en"/>
+              <a:t>Searching</a:t>
+            </a:r>
+            <a:endParaRPr/>
+          </a:p>
+          <a:p>
+            <a:pPr indent="-317500" lvl="1" marL="914400" rtl="0" algn="l">
+              <a:spcBef>
+                <a:spcPts val="0"/>
+              </a:spcBef>
+              <a:spcAft>
+                <a:spcPts val="0"/>
+              </a:spcAft>
+              <a:buSzPts val="1400"/>
+              <a:buChar char="○"/>
+            </a:pPr>
+            <a:r>
+              <a:rPr lang="en"/>
+              <a:t>Search parameters, Facets, Highlighting</a:t>
+            </a:r>
+            <a:endParaRPr/>
+          </a:p>
+          <a:p>
+            <a:pPr indent="-342900" lvl="0" marL="457200" rtl="0" algn="l">
+              <a:spcBef>
+                <a:spcPts val="0"/>
+              </a:spcBef>
+              <a:spcAft>
+                <a:spcPts val="0"/>
+              </a:spcAft>
+              <a:buSzPts val="1800"/>
+              <a:buChar char="●"/>
+            </a:pPr>
+            <a:r>
+              <a:rPr lang="en"/>
+              <a:t>Miscellaneous</a:t>
+            </a:r>
+            <a:endParaRPr/>
+          </a:p>
+          <a:p>
+            <a:pPr indent="-317500" lvl="1" marL="914400" rtl="0" algn="l">
+              <a:spcBef>
+                <a:spcPts val="0"/>
+              </a:spcBef>
+              <a:spcAft>
+                <a:spcPts val="0"/>
+              </a:spcAft>
+              <a:buSzPts val="1400"/>
+              <a:buChar char="○"/>
+            </a:pPr>
+            <a:r>
+              <a:rPr lang="en"/>
+              <a:t>Configuration, Synonyms, Spell checking</a:t>
+            </a:r>
+            <a:endParaRPr/>
+          </a:p>
+        </p:txBody>
+      </p:sp>
+    </p:spTree>
+  </p:cSld>
+  <p:clrMapOvr>
+    <a:masterClrMapping/>
+  </p:clrMapOvr>
+</p:sld>
+</file>
+
+<file path=ppt/slides/slide20.xml><?xml version="1.0" encoding="utf-8"?>
+<p:sld xmlns:a="http://schemas.openxmlformats.org/drawingml/2006/main" xmlns:r="http://schemas.openxmlformats.org/officeDocument/2006/relationships" xmlns:mc="http://schemas.openxmlformats.org/markup-compatibility/2006" xmlns:mv="urn:schemas-microsoft-com:mac:vml" xmlns:p="http://schemas.openxmlformats.org/presentationml/2006/main" xmlns:c="http://schemas.openxmlformats.org/drawingml/2006/chart" xmlns:dgm="http://schemas.openxmlformats.org/drawingml/2006/diagram" xmlns:o="urn:schemas-microsoft-com:office:office" xmlns:v="urn:schemas-microsoft-com:vml" xmlns:pvml="urn:schemas-microsoft-com:office:powerpoint" xmlns:com="http://schemas.openxmlformats.org/drawingml/2006/compatibility" xmlns:p14="http://schemas.microsoft.com/office/powerpoint/2010/main" xmlns:p15="http://schemas.microsoft.com/office/powerpoint/2012/main" xmlns:ahyp="http://schemas.microsoft.com/office/drawing/2018/hyperlinkcolor">
+  <p:cSld>
+    <p:spTree>
+      <p:nvGrpSpPr>
+        <p:cNvPr id="200" name="Shape 200"/>
+        <p:cNvGrpSpPr/>
+        <p:nvPr/>
+      </p:nvGrpSpPr>
+      <p:grpSpPr>
+        <a:xfrm>
+          <a:off x="0" y="0"/>
+          <a:ext cx="0" cy="0"/>
+          <a:chOff x="0" y="0"/>
+          <a:chExt cx="0" cy="0"/>
+        </a:xfrm>
+      </p:grpSpPr>
+      <p:sp>
+        <p:nvSpPr>
+          <p:cNvPr id="201" name="Google Shape;201;p32"/>
+          <p:cNvSpPr txBox="1"/>
+          <p:nvPr>
+            <p:ph type="title"/>
+          </p:nvPr>
+        </p:nvSpPr>
+        <p:spPr>
+          <a:xfrm>
+            <a:off x="311700" y="445025"/>
+            <a:ext cx="8520600" cy="572700"/>
+          </a:xfrm>
+          <a:prstGeom prst="rect">
+            <a:avLst/>
+          </a:prstGeom>
+        </p:spPr>
+        <p:txBody>
+          <a:bodyPr anchorCtr="0" anchor="t" bIns="91425" lIns="91425" spcFirstLastPara="1" rIns="91425" wrap="square" tIns="91425">
+            <a:normAutofit fontScale="90000"/>
+          </a:bodyPr>
+          <a:lstStyle/>
+          <a:p>
+            <a:pPr indent="0" lvl="0" marL="0" rtl="0" algn="l">
+              <a:spcBef>
+                <a:spcPts val="0"/>
+              </a:spcBef>
+              <a:spcAft>
+                <a:spcPts val="0"/>
+              </a:spcAft>
+              <a:buNone/>
+            </a:pPr>
+            <a:r>
+              <a:rPr lang="en"/>
               <a:t>Example of text processed with tokenizer + filters </a:t>
             </a:r>
             <a:endParaRPr/>
@@ -12199,7 +13604,7 @@
       </p:sp>
       <p:graphicFrame>
         <p:nvGraphicFramePr>
-          <p:cNvPr id="188" name="Google Shape;188;p30"/>
+          <p:cNvPr id="202" name="Google Shape;202;p32"/>
           <p:cNvGraphicFramePr/>
           <p:nvPr/>
         </p:nvGraphicFramePr>
@@ -12212,7 +13617,7 @@
             <a:tbl>
               <a:tblPr>
                 <a:noFill/>
-                <a:tableStyleId>{308B290A-8617-43D6-AB54-6A3C6322F276}</a:tableStyleId>
+                <a:tableStyleId>{07F8FA79-375C-4942-9514-DAE7A422A89D}</a:tableStyleId>
               </a:tblPr>
               <a:tblGrid>
                 <a:gridCol w="1808500"/>
@@ -12769,12 +14174,12 @@
 </p:sld>
 </file>
 
-<file path=ppt/slides/slide19.xml><?xml version="1.0" encoding="utf-8"?>
+<file path=ppt/slides/slide21.xml><?xml version="1.0" encoding="utf-8"?>
 <p:sld xmlns:a="http://schemas.openxmlformats.org/drawingml/2006/main" xmlns:r="http://schemas.openxmlformats.org/officeDocument/2006/relationships" xmlns:mc="http://schemas.openxmlformats.org/markup-compatibility/2006" xmlns:mv="urn:schemas-microsoft-com:mac:vml" xmlns:p="http://schemas.openxmlformats.org/presentationml/2006/main" xmlns:c="http://schemas.openxmlformats.org/drawingml/2006/chart" xmlns:dgm="http://schemas.openxmlformats.org/drawingml/2006/diagram" xmlns:o="urn:schemas-microsoft-com:office:office" xmlns:v="urn:schemas-microsoft-com:vml" xmlns:pvml="urn:schemas-microsoft-com:office:powerpoint" xmlns:com="http://schemas.openxmlformats.org/drawingml/2006/compatibility" xmlns:p14="http://schemas.microsoft.com/office/powerpoint/2010/main" xmlns:p15="http://schemas.microsoft.com/office/powerpoint/2012/main" xmlns:ahyp="http://schemas.microsoft.com/office/drawing/2018/hyperlinkcolor">
   <p:cSld>
     <p:spTree>
       <p:nvGrpSpPr>
-        <p:cNvPr id="192" name="Shape 192"/>
+        <p:cNvPr id="206" name="Shape 206"/>
         <p:cNvGrpSpPr/>
         <p:nvPr/>
       </p:nvGrpSpPr>
@@ -12788,7 +14193,7 @@
       </p:grpSpPr>
       <p:sp>
         <p:nvSpPr>
-          <p:cNvPr id="193" name="Google Shape;193;p31"/>
+          <p:cNvPr id="207" name="Google Shape;207;p33"/>
           <p:cNvSpPr txBox="1"/>
           <p:nvPr>
             <p:ph type="title"/>
@@ -12841,7 +14246,7 @@
       </p:sp>
       <p:sp>
         <p:nvSpPr>
-          <p:cNvPr id="194" name="Google Shape;194;p31"/>
+          <p:cNvPr id="208" name="Google Shape;208;p33"/>
           <p:cNvSpPr txBox="1"/>
           <p:nvPr>
             <p:ph idx="1" type="body"/>
@@ -12989,12 +14394,12 @@
 </p:sld>
 </file>
 
-<file path=ppt/slides/slide2.xml><?xml version="1.0" encoding="utf-8"?>
+<file path=ppt/slides/slide22.xml><?xml version="1.0" encoding="utf-8"?>
 <p:sld xmlns:a="http://schemas.openxmlformats.org/drawingml/2006/main" xmlns:r="http://schemas.openxmlformats.org/officeDocument/2006/relationships" xmlns:mc="http://schemas.openxmlformats.org/markup-compatibility/2006" xmlns:mv="urn:schemas-microsoft-com:mac:vml" xmlns:p="http://schemas.openxmlformats.org/presentationml/2006/main" xmlns:c="http://schemas.openxmlformats.org/drawingml/2006/chart" xmlns:dgm="http://schemas.openxmlformats.org/drawingml/2006/diagram" xmlns:o="urn:schemas-microsoft-com:office:office" xmlns:v="urn:schemas-microsoft-com:vml" xmlns:pvml="urn:schemas-microsoft-com:office:powerpoint" xmlns:com="http://schemas.openxmlformats.org/drawingml/2006/compatibility" xmlns:p14="http://schemas.microsoft.com/office/powerpoint/2010/main" xmlns:p15="http://schemas.microsoft.com/office/powerpoint/2012/main" xmlns:ahyp="http://schemas.microsoft.com/office/drawing/2018/hyperlinkcolor">
   <p:cSld>
     <p:spTree>
       <p:nvGrpSpPr>
-        <p:cNvPr id="60" name="Shape 60"/>
+        <p:cNvPr id="212" name="Shape 212"/>
         <p:cNvGrpSpPr/>
         <p:nvPr/>
       </p:nvGrpSpPr>
@@ -13008,7 +14413,7 @@
       </p:grpSpPr>
       <p:sp>
         <p:nvSpPr>
-          <p:cNvPr id="61" name="Google Shape;61;p14"/>
+          <p:cNvPr id="213" name="Google Shape;213;p34"/>
           <p:cNvSpPr txBox="1"/>
           <p:nvPr>
             <p:ph type="title"/>
@@ -13040,7 +14445,20 @@
             </a:pPr>
             <a:r>
               <a:rPr lang="en"/>
-              <a:t>Workshop Outline</a:t>
+              <a:t>Fields in our </a:t>
+            </a:r>
+            <a:r>
+              <a:rPr lang="en">
+                <a:latin typeface="Courier New"/>
+                <a:ea typeface="Courier New"/>
+                <a:cs typeface="Courier New"/>
+                <a:sym typeface="Courier New"/>
+              </a:rPr>
+              <a:t>bibdata</a:t>
+            </a:r>
+            <a:r>
+              <a:rPr lang="en"/>
+              <a:t> Solr core (cont)</a:t>
             </a:r>
             <a:endParaRPr/>
           </a:p>
@@ -13048,7 +14466,7 @@
       </p:sp>
       <p:sp>
         <p:nvSpPr>
-          <p:cNvPr id="62" name="Google Shape;62;p14"/>
+          <p:cNvPr id="214" name="Google Shape;214;p34"/>
           <p:cNvSpPr txBox="1"/>
           <p:nvPr>
             <p:ph idx="1" type="body"/>
@@ -13057,7 +14475,7 @@
         <p:spPr>
           <a:xfrm>
             <a:off x="311700" y="1152475"/>
-            <a:ext cx="8520600" cy="3416400"/>
+            <a:ext cx="6465300" cy="3232200"/>
           </a:xfrm>
           <a:prstGeom prst="rect">
             <a:avLst/>
@@ -13065,144 +14483,248 @@
         </p:spPr>
         <p:txBody>
           <a:bodyPr anchorCtr="0" anchor="t" bIns="91425" lIns="91425" spcFirstLastPara="1" rIns="91425" wrap="square" tIns="91425">
-            <a:normAutofit/>
+            <a:noAutofit/>
           </a:bodyPr>
           <a:lstStyle/>
           <a:p>
-            <a:pPr indent="-342900" lvl="0" marL="457200" rtl="0" algn="l">
-              <a:spcBef>
-                <a:spcPts val="0"/>
-              </a:spcBef>
-              <a:spcAft>
-                <a:spcPts val="0"/>
-              </a:spcAft>
-              <a:buSzPts val="1800"/>
-              <a:buChar char="●"/>
-            </a:pPr>
-            <a:r>
-              <a:rPr lang="en"/>
-              <a:t>Introduction</a:t>
-            </a:r>
-            <a:endParaRPr/>
-          </a:p>
-          <a:p>
-            <a:pPr indent="-317500" lvl="1" marL="914400" rtl="0" algn="l">
-              <a:spcBef>
-                <a:spcPts val="0"/>
-              </a:spcBef>
-              <a:spcAft>
-                <a:spcPts val="0"/>
-              </a:spcAft>
-              <a:buSzPts val="1400"/>
-              <a:buChar char="○"/>
-            </a:pPr>
-            <a:r>
-              <a:rPr lang="en"/>
-              <a:t>Concepts, quick tour, installation</a:t>
-            </a:r>
-            <a:endParaRPr/>
-          </a:p>
-          <a:p>
-            <a:pPr indent="-342900" lvl="0" marL="457200" rtl="0" algn="l">
-              <a:spcBef>
-                <a:spcPts val="0"/>
-              </a:spcBef>
-              <a:spcAft>
-                <a:spcPts val="0"/>
-              </a:spcAft>
-              <a:buSzPts val="1800"/>
-              <a:buChar char="●"/>
-            </a:pPr>
-            <a:r>
-              <a:rPr lang="en"/>
-              <a:t>Schema</a:t>
-            </a:r>
-            <a:endParaRPr/>
-          </a:p>
-          <a:p>
-            <a:pPr indent="-317500" lvl="1" marL="914400" rtl="0" algn="l">
-              <a:spcBef>
-                <a:spcPts val="0"/>
-              </a:spcBef>
-              <a:spcAft>
-                <a:spcPts val="0"/>
-              </a:spcAft>
-              <a:buSzPts val="1400"/>
-              <a:buChar char="○"/>
-            </a:pPr>
-            <a:r>
-              <a:rPr lang="en"/>
-              <a:t>Types, Fields, Tokenizers, Filters</a:t>
-            </a:r>
-            <a:endParaRPr/>
-          </a:p>
-          <a:p>
-            <a:pPr indent="-342900" lvl="0" marL="457200" rtl="0" algn="l">
-              <a:spcBef>
-                <a:spcPts val="0"/>
-              </a:spcBef>
-              <a:spcAft>
-                <a:spcPts val="0"/>
-              </a:spcAft>
-              <a:buSzPts val="1800"/>
-              <a:buChar char="●"/>
-            </a:pPr>
-            <a:r>
-              <a:rPr lang="en"/>
-              <a:t>Searching</a:t>
-            </a:r>
-            <a:endParaRPr/>
-          </a:p>
-          <a:p>
-            <a:pPr indent="-317500" lvl="1" marL="914400" rtl="0" algn="l">
-              <a:spcBef>
-                <a:spcPts val="0"/>
-              </a:spcBef>
-              <a:spcAft>
-                <a:spcPts val="0"/>
-              </a:spcAft>
-              <a:buSzPts val="1400"/>
-              <a:buChar char="○"/>
-            </a:pPr>
-            <a:r>
-              <a:rPr lang="en"/>
-              <a:t>Search parameters, Facets, Highlighting</a:t>
-            </a:r>
-            <a:endParaRPr/>
-          </a:p>
-          <a:p>
-            <a:pPr indent="-342900" lvl="0" marL="457200" rtl="0" algn="l">
-              <a:spcBef>
-                <a:spcPts val="0"/>
-              </a:spcBef>
-              <a:spcAft>
-                <a:spcPts val="0"/>
-              </a:spcAft>
-              <a:buSzPts val="1800"/>
-              <a:buChar char="●"/>
-            </a:pPr>
-            <a:r>
-              <a:rPr lang="en"/>
-              <a:t>Miscellaneous</a:t>
-            </a:r>
-            <a:endParaRPr/>
-          </a:p>
-          <a:p>
-            <a:pPr indent="-317500" lvl="1" marL="914400" rtl="0" algn="l">
-              <a:spcBef>
-                <a:spcPts val="0"/>
-              </a:spcBef>
-              <a:spcAft>
-                <a:spcPts val="0"/>
-              </a:spcAft>
-              <a:buSzPts val="1400"/>
-              <a:buChar char="○"/>
-            </a:pPr>
-            <a:r>
-              <a:rPr lang="en"/>
-              <a:t>Configuration, synonyms, spell checking</a:t>
-            </a:r>
-            <a:endParaRPr/>
+            <a:pPr indent="0" lvl="0" marL="0" rtl="0" algn="l">
+              <a:lnSpc>
+                <a:spcPct val="75000"/>
+              </a:lnSpc>
+              <a:spcBef>
+                <a:spcPts val="0"/>
+              </a:spcBef>
+              <a:spcAft>
+                <a:spcPts val="0"/>
+              </a:spcAft>
+              <a:buSzPts val="275"/>
+              <a:buNone/>
+            </a:pPr>
+            <a:r>
+              <a:rPr lang="en" sz="1400">
+                <a:latin typeface="Courier New"/>
+                <a:ea typeface="Courier New"/>
+                <a:cs typeface="Courier New"/>
+                <a:sym typeface="Courier New"/>
+              </a:rPr>
+              <a:t>{</a:t>
+            </a:r>
+            <a:endParaRPr sz="1400">
+              <a:latin typeface="Courier New"/>
+              <a:ea typeface="Courier New"/>
+              <a:cs typeface="Courier New"/>
+              <a:sym typeface="Courier New"/>
+            </a:endParaRPr>
+          </a:p>
+          <a:p>
+            <a:pPr indent="0" lvl="0" marL="0" rtl="0" algn="l">
+              <a:lnSpc>
+                <a:spcPct val="75000"/>
+              </a:lnSpc>
+              <a:spcBef>
+                <a:spcPts val="1200"/>
+              </a:spcBef>
+              <a:spcAft>
+                <a:spcPts val="0"/>
+              </a:spcAft>
+              <a:buSzPts val="275"/>
+              <a:buNone/>
+            </a:pPr>
+            <a:r>
+              <a:rPr lang="en" sz="1400">
+                <a:latin typeface="Courier New"/>
+                <a:ea typeface="Courier New"/>
+                <a:cs typeface="Courier New"/>
+                <a:sym typeface="Courier New"/>
+              </a:rPr>
+              <a:t>  "id":"00000018",</a:t>
+            </a:r>
+            <a:endParaRPr sz="1400">
+              <a:latin typeface="Courier New"/>
+              <a:ea typeface="Courier New"/>
+              <a:cs typeface="Courier New"/>
+              <a:sym typeface="Courier New"/>
+            </a:endParaRPr>
+          </a:p>
+          <a:p>
+            <a:pPr indent="0" lvl="0" marL="0" rtl="0" algn="l">
+              <a:lnSpc>
+                <a:spcPct val="75000"/>
+              </a:lnSpc>
+              <a:spcBef>
+                <a:spcPts val="1200"/>
+              </a:spcBef>
+              <a:spcAft>
+                <a:spcPts val="0"/>
+              </a:spcAft>
+              <a:buSzPts val="275"/>
+              <a:buNone/>
+            </a:pPr>
+            <a:r>
+              <a:rPr lang="en" sz="1400">
+                <a:latin typeface="Courier New"/>
+                <a:ea typeface="Courier New"/>
+                <a:cs typeface="Courier New"/>
+                <a:sym typeface="Courier New"/>
+              </a:rPr>
+              <a:t>  "author_txt_en":"Tarbell, H. S.",</a:t>
+            </a:r>
+            <a:endParaRPr sz="1400">
+              <a:latin typeface="Courier New"/>
+              <a:ea typeface="Courier New"/>
+              <a:cs typeface="Courier New"/>
+              <a:sym typeface="Courier New"/>
+            </a:endParaRPr>
+          </a:p>
+          <a:p>
+            <a:pPr indent="0" lvl="0" marL="0" rtl="0" algn="l">
+              <a:lnSpc>
+                <a:spcPct val="75000"/>
+              </a:lnSpc>
+              <a:spcBef>
+                <a:spcPts val="1200"/>
+              </a:spcBef>
+              <a:spcAft>
+                <a:spcPts val="0"/>
+              </a:spcAft>
+              <a:buSzPts val="275"/>
+              <a:buNone/>
+            </a:pPr>
+            <a:r>
+              <a:rPr lang="en" sz="1400">
+                <a:latin typeface="Courier New"/>
+                <a:ea typeface="Courier New"/>
+                <a:cs typeface="Courier New"/>
+                <a:sym typeface="Courier New"/>
+              </a:rPr>
+              <a:t>  "authors_other_txts_en":["Tarbell, Martha,"],</a:t>
+            </a:r>
+            <a:endParaRPr sz="1400">
+              <a:latin typeface="Courier New"/>
+              <a:ea typeface="Courier New"/>
+              <a:cs typeface="Courier New"/>
+              <a:sym typeface="Courier New"/>
+            </a:endParaRPr>
+          </a:p>
+          <a:p>
+            <a:pPr indent="0" lvl="0" marL="0" rtl="0" algn="l">
+              <a:lnSpc>
+                <a:spcPct val="75000"/>
+              </a:lnSpc>
+              <a:spcBef>
+                <a:spcPts val="1200"/>
+              </a:spcBef>
+              <a:spcAft>
+                <a:spcPts val="0"/>
+              </a:spcAft>
+              <a:buSzPts val="275"/>
+              <a:buNone/>
+            </a:pPr>
+            <a:r>
+              <a:rPr lang="en" sz="1400">
+                <a:latin typeface="Courier New"/>
+                <a:ea typeface="Courier New"/>
+                <a:cs typeface="Courier New"/>
+                <a:sym typeface="Courier New"/>
+              </a:rPr>
+              <a:t>  "title_txt_en":"The complete geography.",</a:t>
+            </a:r>
+            <a:endParaRPr sz="1400">
+              <a:latin typeface="Courier New"/>
+              <a:ea typeface="Courier New"/>
+              <a:cs typeface="Courier New"/>
+              <a:sym typeface="Courier New"/>
+            </a:endParaRPr>
+          </a:p>
+          <a:p>
+            <a:pPr indent="0" lvl="0" marL="0" rtl="0" algn="l">
+              <a:lnSpc>
+                <a:spcPct val="75000"/>
+              </a:lnSpc>
+              <a:spcBef>
+                <a:spcPts val="1200"/>
+              </a:spcBef>
+              <a:spcAft>
+                <a:spcPts val="0"/>
+              </a:spcAft>
+              <a:buSzPts val="275"/>
+              <a:buNone/>
+            </a:pPr>
+            <a:r>
+              <a:rPr lang="en" sz="1400">
+                <a:latin typeface="Courier New"/>
+                <a:ea typeface="Courier New"/>
+                <a:cs typeface="Courier New"/>
+                <a:sym typeface="Courier New"/>
+              </a:rPr>
+              <a:t>  "publisher_s":"New York,",</a:t>
+            </a:r>
+            <a:endParaRPr sz="1400">
+              <a:latin typeface="Courier New"/>
+              <a:ea typeface="Courier New"/>
+              <a:cs typeface="Courier New"/>
+              <a:sym typeface="Courier New"/>
+            </a:endParaRPr>
+          </a:p>
+          <a:p>
+            <a:pPr indent="0" lvl="0" marL="0" rtl="0" algn="l">
+              <a:lnSpc>
+                <a:spcPct val="75000"/>
+              </a:lnSpc>
+              <a:spcBef>
+                <a:spcPts val="1200"/>
+              </a:spcBef>
+              <a:spcAft>
+                <a:spcPts val="0"/>
+              </a:spcAft>
+              <a:buSzPts val="275"/>
+              <a:buNone/>
+            </a:pPr>
+            <a:r>
+              <a:rPr lang="en" sz="1400">
+                <a:latin typeface="Courier New"/>
+                <a:ea typeface="Courier New"/>
+                <a:cs typeface="Courier New"/>
+                <a:sym typeface="Courier New"/>
+              </a:rPr>
+              <a:t>  "subjects_ss":["Geography", “Fluid mechanics”]</a:t>
+            </a:r>
+            <a:endParaRPr sz="1400">
+              <a:latin typeface="Courier New"/>
+              <a:ea typeface="Courier New"/>
+              <a:cs typeface="Courier New"/>
+              <a:sym typeface="Courier New"/>
+            </a:endParaRPr>
+          </a:p>
+          <a:p>
+            <a:pPr indent="0" lvl="0" marL="0" rtl="0" algn="l">
+              <a:lnSpc>
+                <a:spcPct val="75000"/>
+              </a:lnSpc>
+              <a:spcBef>
+                <a:spcPts val="1200"/>
+              </a:spcBef>
+              <a:spcAft>
+                <a:spcPts val="1200"/>
+              </a:spcAft>
+              <a:buSzPts val="275"/>
+              <a:buNone/>
+            </a:pPr>
+            <a:r>
+              <a:rPr lang="en" sz="1400">
+                <a:latin typeface="Courier New"/>
+                <a:ea typeface="Courier New"/>
+                <a:cs typeface="Courier New"/>
+                <a:sym typeface="Courier New"/>
+              </a:rPr>
+              <a:t>}</a:t>
+            </a:r>
+            <a:endParaRPr sz="1400">
+              <a:latin typeface="Courier New"/>
+              <a:ea typeface="Courier New"/>
+              <a:cs typeface="Courier New"/>
+              <a:sym typeface="Courier New"/>
+            </a:endParaRPr>
           </a:p>
         </p:txBody>
       </p:sp>
@@ -13214,12 +14736,12 @@
 </p:sld>
 </file>
 
-<file path=ppt/slides/slide20.xml><?xml version="1.0" encoding="utf-8"?>
+<file path=ppt/slides/slide23.xml><?xml version="1.0" encoding="utf-8"?>
 <p:sld xmlns:a="http://schemas.openxmlformats.org/drawingml/2006/main" xmlns:r="http://schemas.openxmlformats.org/officeDocument/2006/relationships" xmlns:mc="http://schemas.openxmlformats.org/markup-compatibility/2006" xmlns:mv="urn:schemas-microsoft-com:mac:vml" xmlns:p="http://schemas.openxmlformats.org/presentationml/2006/main" xmlns:c="http://schemas.openxmlformats.org/drawingml/2006/chart" xmlns:dgm="http://schemas.openxmlformats.org/drawingml/2006/diagram" xmlns:o="urn:schemas-microsoft-com:office:office" xmlns:v="urn:schemas-microsoft-com:vml" xmlns:pvml="urn:schemas-microsoft-com:office:powerpoint" xmlns:com="http://schemas.openxmlformats.org/drawingml/2006/compatibility" xmlns:p14="http://schemas.microsoft.com/office/powerpoint/2010/main" xmlns:p15="http://schemas.microsoft.com/office/powerpoint/2012/main" xmlns:ahyp="http://schemas.microsoft.com/office/drawing/2018/hyperlinkcolor">
   <p:cSld>
     <p:spTree>
       <p:nvGrpSpPr>
-        <p:cNvPr id="198" name="Shape 198"/>
+        <p:cNvPr id="218" name="Shape 218"/>
         <p:cNvGrpSpPr/>
         <p:nvPr/>
       </p:nvGrpSpPr>
@@ -13233,7 +14755,7 @@
       </p:grpSpPr>
       <p:sp>
         <p:nvSpPr>
-          <p:cNvPr id="199" name="Google Shape;199;p32"/>
+          <p:cNvPr id="219" name="Google Shape;219;p35"/>
           <p:cNvSpPr txBox="1"/>
           <p:nvPr>
             <p:ph type="title"/>
@@ -13284,351 +14806,9 @@
           </a:p>
         </p:txBody>
       </p:sp>
-      <p:sp>
-        <p:nvSpPr>
-          <p:cNvPr id="200" name="Google Shape;200;p32"/>
-          <p:cNvSpPr txBox="1"/>
-          <p:nvPr>
-            <p:ph idx="1" type="body"/>
-          </p:nvPr>
-        </p:nvSpPr>
-        <p:spPr>
-          <a:xfrm>
-            <a:off x="311700" y="1152475"/>
-            <a:ext cx="6465300" cy="3232200"/>
-          </a:xfrm>
-          <a:prstGeom prst="rect">
-            <a:avLst/>
-          </a:prstGeom>
-        </p:spPr>
-        <p:txBody>
-          <a:bodyPr anchorCtr="0" anchor="t" bIns="91425" lIns="91425" spcFirstLastPara="1" rIns="91425" wrap="square" tIns="91425">
-            <a:noAutofit/>
-          </a:bodyPr>
-          <a:lstStyle/>
-          <a:p>
-            <a:pPr indent="0" lvl="0" marL="0" rtl="0" algn="l">
-              <a:lnSpc>
-                <a:spcPct val="75000"/>
-              </a:lnSpc>
-              <a:spcBef>
-                <a:spcPts val="0"/>
-              </a:spcBef>
-              <a:spcAft>
-                <a:spcPts val="0"/>
-              </a:spcAft>
-              <a:buSzPts val="275"/>
-              <a:buNone/>
-            </a:pPr>
-            <a:r>
-              <a:rPr lang="en" sz="1400">
-                <a:latin typeface="Courier New"/>
-                <a:ea typeface="Courier New"/>
-                <a:cs typeface="Courier New"/>
-                <a:sym typeface="Courier New"/>
-              </a:rPr>
-              <a:t>{</a:t>
-            </a:r>
-            <a:endParaRPr sz="1400">
-              <a:latin typeface="Courier New"/>
-              <a:ea typeface="Courier New"/>
-              <a:cs typeface="Courier New"/>
-              <a:sym typeface="Courier New"/>
-            </a:endParaRPr>
-          </a:p>
-          <a:p>
-            <a:pPr indent="0" lvl="0" marL="0" rtl="0" algn="l">
-              <a:lnSpc>
-                <a:spcPct val="75000"/>
-              </a:lnSpc>
-              <a:spcBef>
-                <a:spcPts val="1200"/>
-              </a:spcBef>
-              <a:spcAft>
-                <a:spcPts val="0"/>
-              </a:spcAft>
-              <a:buSzPts val="275"/>
-              <a:buNone/>
-            </a:pPr>
-            <a:r>
-              <a:rPr lang="en" sz="1400">
-                <a:latin typeface="Courier New"/>
-                <a:ea typeface="Courier New"/>
-                <a:cs typeface="Courier New"/>
-                <a:sym typeface="Courier New"/>
-              </a:rPr>
-              <a:t>  "id":"00000018",</a:t>
-            </a:r>
-            <a:endParaRPr sz="1400">
-              <a:latin typeface="Courier New"/>
-              <a:ea typeface="Courier New"/>
-              <a:cs typeface="Courier New"/>
-              <a:sym typeface="Courier New"/>
-            </a:endParaRPr>
-          </a:p>
-          <a:p>
-            <a:pPr indent="0" lvl="0" marL="0" rtl="0" algn="l">
-              <a:lnSpc>
-                <a:spcPct val="75000"/>
-              </a:lnSpc>
-              <a:spcBef>
-                <a:spcPts val="1200"/>
-              </a:spcBef>
-              <a:spcAft>
-                <a:spcPts val="0"/>
-              </a:spcAft>
-              <a:buSzPts val="275"/>
-              <a:buNone/>
-            </a:pPr>
-            <a:r>
-              <a:rPr lang="en" sz="1400">
-                <a:latin typeface="Courier New"/>
-                <a:ea typeface="Courier New"/>
-                <a:cs typeface="Courier New"/>
-                <a:sym typeface="Courier New"/>
-              </a:rPr>
-              <a:t>  "author_txt_en":"Tarbell, H. S.",</a:t>
-            </a:r>
-            <a:endParaRPr sz="1400">
-              <a:latin typeface="Courier New"/>
-              <a:ea typeface="Courier New"/>
-              <a:cs typeface="Courier New"/>
-              <a:sym typeface="Courier New"/>
-            </a:endParaRPr>
-          </a:p>
-          <a:p>
-            <a:pPr indent="0" lvl="0" marL="0" rtl="0" algn="l">
-              <a:lnSpc>
-                <a:spcPct val="75000"/>
-              </a:lnSpc>
-              <a:spcBef>
-                <a:spcPts val="1200"/>
-              </a:spcBef>
-              <a:spcAft>
-                <a:spcPts val="0"/>
-              </a:spcAft>
-              <a:buSzPts val="275"/>
-              <a:buNone/>
-            </a:pPr>
-            <a:r>
-              <a:rPr lang="en" sz="1400">
-                <a:latin typeface="Courier New"/>
-                <a:ea typeface="Courier New"/>
-                <a:cs typeface="Courier New"/>
-                <a:sym typeface="Courier New"/>
-              </a:rPr>
-              <a:t>  "authors_other_txts_en":["Tarbell, Martha,"],</a:t>
-            </a:r>
-            <a:endParaRPr sz="1400">
-              <a:latin typeface="Courier New"/>
-              <a:ea typeface="Courier New"/>
-              <a:cs typeface="Courier New"/>
-              <a:sym typeface="Courier New"/>
-            </a:endParaRPr>
-          </a:p>
-          <a:p>
-            <a:pPr indent="0" lvl="0" marL="0" rtl="0" algn="l">
-              <a:lnSpc>
-                <a:spcPct val="75000"/>
-              </a:lnSpc>
-              <a:spcBef>
-                <a:spcPts val="1200"/>
-              </a:spcBef>
-              <a:spcAft>
-                <a:spcPts val="0"/>
-              </a:spcAft>
-              <a:buSzPts val="275"/>
-              <a:buNone/>
-            </a:pPr>
-            <a:r>
-              <a:rPr lang="en" sz="1400">
-                <a:latin typeface="Courier New"/>
-                <a:ea typeface="Courier New"/>
-                <a:cs typeface="Courier New"/>
-                <a:sym typeface="Courier New"/>
-              </a:rPr>
-              <a:t>  "title_txt_en":"The complete geography.",</a:t>
-            </a:r>
-            <a:endParaRPr sz="1400">
-              <a:latin typeface="Courier New"/>
-              <a:ea typeface="Courier New"/>
-              <a:cs typeface="Courier New"/>
-              <a:sym typeface="Courier New"/>
-            </a:endParaRPr>
-          </a:p>
-          <a:p>
-            <a:pPr indent="0" lvl="0" marL="0" rtl="0" algn="l">
-              <a:lnSpc>
-                <a:spcPct val="75000"/>
-              </a:lnSpc>
-              <a:spcBef>
-                <a:spcPts val="1200"/>
-              </a:spcBef>
-              <a:spcAft>
-                <a:spcPts val="0"/>
-              </a:spcAft>
-              <a:buSzPts val="275"/>
-              <a:buNone/>
-            </a:pPr>
-            <a:r>
-              <a:rPr lang="en" sz="1400">
-                <a:latin typeface="Courier New"/>
-                <a:ea typeface="Courier New"/>
-                <a:cs typeface="Courier New"/>
-                <a:sym typeface="Courier New"/>
-              </a:rPr>
-              <a:t>  "publisher_s":"New York,",</a:t>
-            </a:r>
-            <a:endParaRPr sz="1400">
-              <a:latin typeface="Courier New"/>
-              <a:ea typeface="Courier New"/>
-              <a:cs typeface="Courier New"/>
-              <a:sym typeface="Courier New"/>
-            </a:endParaRPr>
-          </a:p>
-          <a:p>
-            <a:pPr indent="0" lvl="0" marL="0" rtl="0" algn="l">
-              <a:lnSpc>
-                <a:spcPct val="75000"/>
-              </a:lnSpc>
-              <a:spcBef>
-                <a:spcPts val="1200"/>
-              </a:spcBef>
-              <a:spcAft>
-                <a:spcPts val="0"/>
-              </a:spcAft>
-              <a:buSzPts val="275"/>
-              <a:buNone/>
-            </a:pPr>
-            <a:r>
-              <a:rPr lang="en" sz="1400">
-                <a:latin typeface="Courier New"/>
-                <a:ea typeface="Courier New"/>
-                <a:cs typeface="Courier New"/>
-                <a:sym typeface="Courier New"/>
-              </a:rPr>
-              <a:t>  "subjects_ss":["Geography", “Fluid mechanics”]</a:t>
-            </a:r>
-            <a:endParaRPr sz="1400">
-              <a:latin typeface="Courier New"/>
-              <a:ea typeface="Courier New"/>
-              <a:cs typeface="Courier New"/>
-              <a:sym typeface="Courier New"/>
-            </a:endParaRPr>
-          </a:p>
-          <a:p>
-            <a:pPr indent="0" lvl="0" marL="0" rtl="0" algn="l">
-              <a:lnSpc>
-                <a:spcPct val="75000"/>
-              </a:lnSpc>
-              <a:spcBef>
-                <a:spcPts val="1200"/>
-              </a:spcBef>
-              <a:spcAft>
-                <a:spcPts val="1200"/>
-              </a:spcAft>
-              <a:buSzPts val="275"/>
-              <a:buNone/>
-            </a:pPr>
-            <a:r>
-              <a:rPr lang="en" sz="1400">
-                <a:latin typeface="Courier New"/>
-                <a:ea typeface="Courier New"/>
-                <a:cs typeface="Courier New"/>
-                <a:sym typeface="Courier New"/>
-              </a:rPr>
-              <a:t>}</a:t>
-            </a:r>
-            <a:endParaRPr sz="1400">
-              <a:latin typeface="Courier New"/>
-              <a:ea typeface="Courier New"/>
-              <a:cs typeface="Courier New"/>
-              <a:sym typeface="Courier New"/>
-            </a:endParaRPr>
-          </a:p>
-        </p:txBody>
-      </p:sp>
-    </p:spTree>
-  </p:cSld>
-  <p:clrMapOvr>
-    <a:masterClrMapping/>
-  </p:clrMapOvr>
-</p:sld>
-</file>
-
-<file path=ppt/slides/slide21.xml><?xml version="1.0" encoding="utf-8"?>
-<p:sld xmlns:a="http://schemas.openxmlformats.org/drawingml/2006/main" xmlns:r="http://schemas.openxmlformats.org/officeDocument/2006/relationships" xmlns:mc="http://schemas.openxmlformats.org/markup-compatibility/2006" xmlns:mv="urn:schemas-microsoft-com:mac:vml" xmlns:p="http://schemas.openxmlformats.org/presentationml/2006/main" xmlns:c="http://schemas.openxmlformats.org/drawingml/2006/chart" xmlns:dgm="http://schemas.openxmlformats.org/drawingml/2006/diagram" xmlns:o="urn:schemas-microsoft-com:office:office" xmlns:v="urn:schemas-microsoft-com:vml" xmlns:pvml="urn:schemas-microsoft-com:office:powerpoint" xmlns:com="http://schemas.openxmlformats.org/drawingml/2006/compatibility" xmlns:p14="http://schemas.microsoft.com/office/powerpoint/2010/main" xmlns:p15="http://schemas.microsoft.com/office/powerpoint/2012/main" xmlns:ahyp="http://schemas.microsoft.com/office/drawing/2018/hyperlinkcolor">
-  <p:cSld>
-    <p:spTree>
-      <p:nvGrpSpPr>
-        <p:cNvPr id="204" name="Shape 204"/>
-        <p:cNvGrpSpPr/>
-        <p:nvPr/>
-      </p:nvGrpSpPr>
-      <p:grpSpPr>
-        <a:xfrm>
-          <a:off x="0" y="0"/>
-          <a:ext cx="0" cy="0"/>
-          <a:chOff x="0" y="0"/>
-          <a:chExt cx="0" cy="0"/>
-        </a:xfrm>
-      </p:grpSpPr>
-      <p:sp>
-        <p:nvSpPr>
-          <p:cNvPr id="205" name="Google Shape;205;p33"/>
-          <p:cNvSpPr txBox="1"/>
-          <p:nvPr>
-            <p:ph type="title"/>
-          </p:nvPr>
-        </p:nvSpPr>
-        <p:spPr>
-          <a:xfrm>
-            <a:off x="311700" y="445025"/>
-            <a:ext cx="8520600" cy="572700"/>
-          </a:xfrm>
-          <a:prstGeom prst="rect">
-            <a:avLst/>
-          </a:prstGeom>
-        </p:spPr>
-        <p:txBody>
-          <a:bodyPr anchorCtr="0" anchor="t" bIns="91425" lIns="91425" spcFirstLastPara="1" rIns="91425" wrap="square" tIns="91425">
-            <a:normAutofit fontScale="90000"/>
-          </a:bodyPr>
-          <a:lstStyle/>
-          <a:p>
-            <a:pPr indent="0" lvl="0" marL="0" rtl="0" algn="l">
-              <a:spcBef>
-                <a:spcPts val="0"/>
-              </a:spcBef>
-              <a:spcAft>
-                <a:spcPts val="0"/>
-              </a:spcAft>
-              <a:buNone/>
-            </a:pPr>
-            <a:r>
-              <a:rPr lang="en"/>
-              <a:t>Fields in our </a:t>
-            </a:r>
-            <a:r>
-              <a:rPr lang="en">
-                <a:latin typeface="Courier New"/>
-                <a:ea typeface="Courier New"/>
-                <a:cs typeface="Courier New"/>
-                <a:sym typeface="Courier New"/>
-              </a:rPr>
-              <a:t>bibdata</a:t>
-            </a:r>
-            <a:r>
-              <a:rPr lang="en"/>
-              <a:t> Solr core (cont)</a:t>
-            </a:r>
-            <a:endParaRPr/>
-          </a:p>
-        </p:txBody>
-      </p:sp>
       <p:graphicFrame>
         <p:nvGraphicFramePr>
-          <p:cNvPr id="206" name="Google Shape;206;p33"/>
+          <p:cNvPr id="220" name="Google Shape;220;p35"/>
           <p:cNvGraphicFramePr/>
           <p:nvPr/>
         </p:nvGraphicFramePr>
@@ -13641,7 +14821,7 @@
             <a:tbl>
               <a:tblPr>
                 <a:noFill/>
-                <a:tableStyleId>{308B290A-8617-43D6-AB54-6A3C6322F276}</a:tableStyleId>
+                <a:tableStyleId>{07F8FA79-375C-4942-9514-DAE7A422A89D}</a:tableStyleId>
               </a:tblPr>
               <a:tblGrid>
                 <a:gridCol w="1701050"/>
@@ -14718,12 +15898,12 @@
 </p:sld>
 </file>
 
-<file path=ppt/slides/slide22.xml><?xml version="1.0" encoding="utf-8"?>
+<file path=ppt/slides/slide24.xml><?xml version="1.0" encoding="utf-8"?>
 <p:sld xmlns:a="http://schemas.openxmlformats.org/drawingml/2006/main" xmlns:r="http://schemas.openxmlformats.org/officeDocument/2006/relationships" xmlns:mc="http://schemas.openxmlformats.org/markup-compatibility/2006" xmlns:mv="urn:schemas-microsoft-com:mac:vml" xmlns:p="http://schemas.openxmlformats.org/presentationml/2006/main" xmlns:c="http://schemas.openxmlformats.org/drawingml/2006/chart" xmlns:dgm="http://schemas.openxmlformats.org/drawingml/2006/diagram" xmlns:o="urn:schemas-microsoft-com:office:office" xmlns:v="urn:schemas-microsoft-com:vml" xmlns:pvml="urn:schemas-microsoft-com:office:powerpoint" xmlns:com="http://schemas.openxmlformats.org/drawingml/2006/compatibility" xmlns:p14="http://schemas.microsoft.com/office/powerpoint/2010/main" xmlns:p15="http://schemas.microsoft.com/office/powerpoint/2012/main" xmlns:ahyp="http://schemas.microsoft.com/office/drawing/2018/hyperlinkcolor">
   <p:cSld>
     <p:spTree>
       <p:nvGrpSpPr>
-        <p:cNvPr id="210" name="Shape 210"/>
+        <p:cNvPr id="224" name="Shape 224"/>
         <p:cNvGrpSpPr/>
         <p:nvPr/>
       </p:nvGrpSpPr>
@@ -14737,7 +15917,7 @@
       </p:grpSpPr>
       <p:sp>
         <p:nvSpPr>
-          <p:cNvPr id="211" name="Google Shape;211;p34"/>
+          <p:cNvPr id="225" name="Google Shape;225;p36"/>
           <p:cNvSpPr txBox="1"/>
           <p:nvPr>
             <p:ph type="title"/>
@@ -15041,7 +16221,7 @@
       </p:sp>
       <p:sp>
         <p:nvSpPr>
-          <p:cNvPr id="212" name="Google Shape;212;p34"/>
+          <p:cNvPr id="226" name="Google Shape;226;p36"/>
           <p:cNvSpPr txBox="1"/>
           <p:nvPr>
             <p:ph type="title"/>
@@ -15095,12 +16275,12 @@
 </p:sld>
 </file>
 
-<file path=ppt/slides/slide23.xml><?xml version="1.0" encoding="utf-8"?>
+<file path=ppt/slides/slide25.xml><?xml version="1.0" encoding="utf-8"?>
 <p:sld xmlns:a="http://schemas.openxmlformats.org/drawingml/2006/main" xmlns:r="http://schemas.openxmlformats.org/officeDocument/2006/relationships" xmlns:mc="http://schemas.openxmlformats.org/markup-compatibility/2006" xmlns:mv="urn:schemas-microsoft-com:mac:vml" xmlns:p="http://schemas.openxmlformats.org/presentationml/2006/main" xmlns:c="http://schemas.openxmlformats.org/drawingml/2006/chart" xmlns:dgm="http://schemas.openxmlformats.org/drawingml/2006/diagram" xmlns:o="urn:schemas-microsoft-com:office:office" xmlns:v="urn:schemas-microsoft-com:vml" xmlns:pvml="urn:schemas-microsoft-com:office:powerpoint" xmlns:com="http://schemas.openxmlformats.org/drawingml/2006/compatibility" xmlns:p14="http://schemas.microsoft.com/office/powerpoint/2010/main" xmlns:p15="http://schemas.microsoft.com/office/powerpoint/2012/main" xmlns:ahyp="http://schemas.microsoft.com/office/drawing/2018/hyperlinkcolor">
   <p:cSld>
     <p:spTree>
       <p:nvGrpSpPr>
-        <p:cNvPr id="216" name="Shape 216"/>
+        <p:cNvPr id="230" name="Shape 230"/>
         <p:cNvGrpSpPr/>
         <p:nvPr/>
       </p:nvGrpSpPr>
@@ -15114,7 +16294,7 @@
       </p:grpSpPr>
       <p:sp>
         <p:nvSpPr>
-          <p:cNvPr id="217" name="Google Shape;217;p35"/>
+          <p:cNvPr id="231" name="Google Shape;231;p37"/>
           <p:cNvSpPr txBox="1"/>
           <p:nvPr>
             <p:ph type="title"/>
@@ -15154,7 +16334,7 @@
       </p:sp>
       <p:sp>
         <p:nvSpPr>
-          <p:cNvPr id="218" name="Google Shape;218;p35"/>
+          <p:cNvPr id="232" name="Google Shape;232;p37"/>
           <p:cNvSpPr txBox="1"/>
           <p:nvPr/>
         </p:nvSpPr>
@@ -15211,12 +16391,12 @@
 </p:sld>
 </file>
 
-<file path=ppt/slides/slide24.xml><?xml version="1.0" encoding="utf-8"?>
+<file path=ppt/slides/slide26.xml><?xml version="1.0" encoding="utf-8"?>
 <p:sld xmlns:a="http://schemas.openxmlformats.org/drawingml/2006/main" xmlns:r="http://schemas.openxmlformats.org/officeDocument/2006/relationships" xmlns:mc="http://schemas.openxmlformats.org/markup-compatibility/2006" xmlns:mv="urn:schemas-microsoft-com:mac:vml" xmlns:p="http://schemas.openxmlformats.org/presentationml/2006/main" xmlns:c="http://schemas.openxmlformats.org/drawingml/2006/chart" xmlns:dgm="http://schemas.openxmlformats.org/drawingml/2006/diagram" xmlns:o="urn:schemas-microsoft-com:office:office" xmlns:v="urn:schemas-microsoft-com:vml" xmlns:pvml="urn:schemas-microsoft-com:office:powerpoint" xmlns:com="http://schemas.openxmlformats.org/drawingml/2006/compatibility" xmlns:p14="http://schemas.microsoft.com/office/powerpoint/2010/main" xmlns:p15="http://schemas.microsoft.com/office/powerpoint/2012/main" xmlns:ahyp="http://schemas.microsoft.com/office/drawing/2018/hyperlinkcolor">
   <p:cSld>
     <p:spTree>
       <p:nvGrpSpPr>
-        <p:cNvPr id="222" name="Shape 222"/>
+        <p:cNvPr id="236" name="Shape 236"/>
         <p:cNvGrpSpPr/>
         <p:nvPr/>
       </p:nvGrpSpPr>
@@ -15230,7 +16410,7 @@
       </p:grpSpPr>
       <p:sp>
         <p:nvSpPr>
-          <p:cNvPr id="223" name="Google Shape;223;p36"/>
+          <p:cNvPr id="237" name="Google Shape;237;p38"/>
           <p:cNvSpPr txBox="1"/>
           <p:nvPr>
             <p:ph idx="1" type="body"/>
@@ -15489,12 +16669,12 @@
 </p:sld>
 </file>
 
-<file path=ppt/slides/slide25.xml><?xml version="1.0" encoding="utf-8"?>
+<file path=ppt/slides/slide27.xml><?xml version="1.0" encoding="utf-8"?>
 <p:sld xmlns:a="http://schemas.openxmlformats.org/drawingml/2006/main" xmlns:r="http://schemas.openxmlformats.org/officeDocument/2006/relationships" xmlns:mc="http://schemas.openxmlformats.org/markup-compatibility/2006" xmlns:mv="urn:schemas-microsoft-com:mac:vml" xmlns:p="http://schemas.openxmlformats.org/presentationml/2006/main" xmlns:c="http://schemas.openxmlformats.org/drawingml/2006/chart" xmlns:dgm="http://schemas.openxmlformats.org/drawingml/2006/diagram" xmlns:o="urn:schemas-microsoft-com:office:office" xmlns:v="urn:schemas-microsoft-com:vml" xmlns:pvml="urn:schemas-microsoft-com:office:powerpoint" xmlns:com="http://schemas.openxmlformats.org/drawingml/2006/compatibility" xmlns:p14="http://schemas.microsoft.com/office/powerpoint/2010/main" xmlns:p15="http://schemas.microsoft.com/office/powerpoint/2012/main" xmlns:ahyp="http://schemas.microsoft.com/office/drawing/2018/hyperlinkcolor">
   <p:cSld>
     <p:spTree>
       <p:nvGrpSpPr>
-        <p:cNvPr id="227" name="Shape 227"/>
+        <p:cNvPr id="241" name="Shape 241"/>
         <p:cNvGrpSpPr/>
         <p:nvPr/>
       </p:nvGrpSpPr>
@@ -15508,7 +16688,357 @@
       </p:grpSpPr>
       <p:sp>
         <p:nvSpPr>
-          <p:cNvPr id="228" name="Google Shape;228;p37"/>
+          <p:cNvPr id="242" name="Google Shape;242;p39"/>
+          <p:cNvSpPr txBox="1"/>
+          <p:nvPr>
+            <p:ph idx="1" type="body"/>
+          </p:nvPr>
+        </p:nvSpPr>
+        <p:spPr>
+          <a:xfrm>
+            <a:off x="311700" y="1686225"/>
+            <a:ext cx="8520600" cy="2577900"/>
+          </a:xfrm>
+          <a:prstGeom prst="rect">
+            <a:avLst/>
+          </a:prstGeom>
+        </p:spPr>
+        <p:txBody>
+          <a:bodyPr anchorCtr="0" anchor="t" bIns="91425" lIns="91425" spcFirstLastPara="1" rIns="91425" wrap="square" tIns="91425">
+            <a:normAutofit lnSpcReduction="20000"/>
+          </a:bodyPr>
+          <a:lstStyle/>
+          <a:p>
+            <a:pPr indent="-342900" lvl="0" marL="457200" rtl="0" algn="l">
+              <a:spcBef>
+                <a:spcPts val="0"/>
+              </a:spcBef>
+              <a:spcAft>
+                <a:spcPts val="0"/>
+              </a:spcAft>
+              <a:buSzPts val="1800"/>
+              <a:buChar char="●"/>
+            </a:pPr>
+            <a:r>
+              <a:rPr lang="en"/>
+              <a:t>Searching </a:t>
+            </a:r>
+            <a:endParaRPr/>
+          </a:p>
+          <a:p>
+            <a:pPr indent="-317500" lvl="1" marL="914400" rtl="0" algn="l">
+              <a:spcBef>
+                <a:spcPts val="0"/>
+              </a:spcBef>
+              <a:spcAft>
+                <a:spcPts val="0"/>
+              </a:spcAft>
+              <a:buSzPts val="1400"/>
+              <a:buChar char="○"/>
+            </a:pPr>
+            <a:r>
+              <a:rPr lang="en"/>
+              <a:t>Basic parameters (</a:t>
+            </a:r>
+            <a:r>
+              <a:rPr lang="en">
+                <a:latin typeface="Courier New"/>
+                <a:ea typeface="Courier New"/>
+                <a:cs typeface="Courier New"/>
+                <a:sym typeface="Courier New"/>
+              </a:rPr>
+              <a:t>deftype, q, sort, rows, start, fl, fq</a:t>
+            </a:r>
+            <a:r>
+              <a:rPr lang="en"/>
+              <a:t>)</a:t>
+            </a:r>
+            <a:endParaRPr/>
+          </a:p>
+          <a:p>
+            <a:pPr indent="-317500" lvl="1" marL="914400" rtl="0" algn="l">
+              <a:spcBef>
+                <a:spcPts val="0"/>
+              </a:spcBef>
+              <a:spcAft>
+                <a:spcPts val="0"/>
+              </a:spcAft>
+              <a:buSzPts val="1400"/>
+              <a:buFont typeface="Courier New"/>
+              <a:buChar char="○"/>
+            </a:pPr>
+            <a:r>
+              <a:rPr lang="en">
+                <a:latin typeface="Courier New"/>
+                <a:ea typeface="Courier New"/>
+                <a:cs typeface="Courier New"/>
+                <a:sym typeface="Courier New"/>
+              </a:rPr>
+              <a:t>qf</a:t>
+            </a:r>
+            <a:endParaRPr>
+              <a:latin typeface="Courier New"/>
+              <a:ea typeface="Courier New"/>
+              <a:cs typeface="Courier New"/>
+              <a:sym typeface="Courier New"/>
+            </a:endParaRPr>
+          </a:p>
+          <a:p>
+            <a:pPr indent="-317500" lvl="1" marL="914400" rtl="0" algn="l">
+              <a:spcBef>
+                <a:spcPts val="0"/>
+              </a:spcBef>
+              <a:spcAft>
+                <a:spcPts val="0"/>
+              </a:spcAft>
+              <a:buSzPts val="1400"/>
+              <a:buFont typeface="Courier New"/>
+              <a:buChar char="○"/>
+            </a:pPr>
+            <a:r>
+              <a:rPr lang="en">
+                <a:latin typeface="Courier New"/>
+                <a:ea typeface="Courier New"/>
+                <a:cs typeface="Courier New"/>
+                <a:sym typeface="Courier New"/>
+              </a:rPr>
+              <a:t>debug</a:t>
+            </a:r>
+            <a:endParaRPr>
+              <a:latin typeface="Courier New"/>
+              <a:ea typeface="Courier New"/>
+              <a:cs typeface="Courier New"/>
+              <a:sym typeface="Courier New"/>
+            </a:endParaRPr>
+          </a:p>
+          <a:p>
+            <a:pPr indent="-317500" lvl="1" marL="914400" rtl="0" algn="l">
+              <a:spcBef>
+                <a:spcPts val="0"/>
+              </a:spcBef>
+              <a:spcAft>
+                <a:spcPts val="0"/>
+              </a:spcAft>
+              <a:buSzPts val="1400"/>
+              <a:buChar char="○"/>
+            </a:pPr>
+            <a:r>
+              <a:rPr lang="en"/>
+              <a:t>Ranking</a:t>
+            </a:r>
+            <a:endParaRPr/>
+          </a:p>
+          <a:p>
+            <a:pPr indent="-317500" lvl="1" marL="914400" rtl="0" algn="l">
+              <a:spcBef>
+                <a:spcPts val="0"/>
+              </a:spcBef>
+              <a:spcAft>
+                <a:spcPts val="0"/>
+              </a:spcAft>
+              <a:buSzPts val="1400"/>
+              <a:buChar char="○"/>
+            </a:pPr>
+            <a:r>
+              <a:rPr lang="en"/>
+              <a:t>Ranges</a:t>
+            </a:r>
+            <a:endParaRPr/>
+          </a:p>
+          <a:p>
+            <a:pPr indent="-342900" lvl="0" marL="457200" rtl="0" algn="l">
+              <a:spcBef>
+                <a:spcPts val="0"/>
+              </a:spcBef>
+              <a:spcAft>
+                <a:spcPts val="0"/>
+              </a:spcAft>
+              <a:buSzPts val="1800"/>
+              <a:buChar char="●"/>
+            </a:pPr>
+            <a:r>
+              <a:rPr lang="en"/>
+              <a:t>Faceting</a:t>
+            </a:r>
+            <a:endParaRPr/>
+          </a:p>
+          <a:p>
+            <a:pPr indent="-342900" lvl="0" marL="457200" rtl="0" algn="l">
+              <a:spcBef>
+                <a:spcPts val="0"/>
+              </a:spcBef>
+              <a:spcAft>
+                <a:spcPts val="0"/>
+              </a:spcAft>
+              <a:buSzPts val="1800"/>
+              <a:buChar char="●"/>
+            </a:pPr>
+            <a:r>
+              <a:rPr lang="en"/>
+              <a:t>Hit highlighting</a:t>
+            </a:r>
+            <a:endParaRPr/>
+          </a:p>
+          <a:p>
+            <a:pPr indent="0" lvl="0" marL="457200" rtl="0" algn="l">
+              <a:spcBef>
+                <a:spcPts val="1200"/>
+              </a:spcBef>
+              <a:spcAft>
+                <a:spcPts val="1200"/>
+              </a:spcAft>
+              <a:buNone/>
+            </a:pPr>
+            <a:r>
+              <a:t/>
+            </a:r>
+            <a:endParaRPr/>
+          </a:p>
+        </p:txBody>
+      </p:sp>
+      <p:sp>
+        <p:nvSpPr>
+          <p:cNvPr id="243" name="Google Shape;243;p39"/>
+          <p:cNvSpPr txBox="1"/>
+          <p:nvPr/>
+        </p:nvSpPr>
+        <p:spPr>
+          <a:xfrm>
+            <a:off x="76200" y="533400"/>
+            <a:ext cx="8520600" cy="1046700"/>
+          </a:xfrm>
+          <a:prstGeom prst="rect">
+            <a:avLst/>
+          </a:prstGeom>
+          <a:noFill/>
+          <a:ln>
+            <a:noFill/>
+          </a:ln>
+        </p:spPr>
+        <p:txBody>
+          <a:bodyPr anchorCtr="0" anchor="t" bIns="91425" lIns="91425" spcFirstLastPara="1" rIns="91425" wrap="square" tIns="91425">
+            <a:spAutoFit/>
+          </a:bodyPr>
+          <a:lstStyle/>
+          <a:p>
+            <a:pPr indent="0" lvl="0" marL="0" rtl="0" algn="l">
+              <a:spcBef>
+                <a:spcPts val="0"/>
+              </a:spcBef>
+              <a:spcAft>
+                <a:spcPts val="0"/>
+              </a:spcAft>
+              <a:buNone/>
+            </a:pPr>
+            <a:r>
+              <a:rPr lang="en" sz="2800">
+                <a:solidFill>
+                  <a:schemeClr val="dk1"/>
+                </a:solidFill>
+                <a:highlight>
+                  <a:schemeClr val="accent4"/>
+                </a:highlight>
+              </a:rPr>
+              <a:t>Your turn:</a:t>
+            </a:r>
+            <a:r>
+              <a:rPr lang="en" sz="2800">
+                <a:solidFill>
+                  <a:schemeClr val="dk1"/>
+                </a:solidFill>
+              </a:rPr>
+              <a:t> Searching</a:t>
+            </a:r>
+            <a:endParaRPr sz="2800">
+              <a:solidFill>
+                <a:schemeClr val="dk1"/>
+              </a:solidFill>
+            </a:endParaRPr>
+          </a:p>
+          <a:p>
+            <a:pPr indent="0" lvl="0" marL="0" rtl="0" algn="l">
+              <a:spcBef>
+                <a:spcPts val="0"/>
+              </a:spcBef>
+              <a:spcAft>
+                <a:spcPts val="0"/>
+              </a:spcAft>
+              <a:buClr>
+                <a:schemeClr val="dk1"/>
+              </a:buClr>
+              <a:buSzPts val="1100"/>
+              <a:buFont typeface="Arial"/>
+              <a:buNone/>
+            </a:pPr>
+            <a:r>
+              <a:rPr lang="en">
+                <a:solidFill>
+                  <a:schemeClr val="dk1"/>
+                </a:solidFill>
+              </a:rPr>
+              <a:t> </a:t>
+            </a:r>
+            <a:endParaRPr sz="2800">
+              <a:solidFill>
+                <a:schemeClr val="dk1"/>
+              </a:solidFill>
+            </a:endParaRPr>
+          </a:p>
+          <a:p>
+            <a:pPr indent="0" lvl="0" marL="0" rtl="0" algn="l">
+              <a:spcBef>
+                <a:spcPts val="0"/>
+              </a:spcBef>
+              <a:spcAft>
+                <a:spcPts val="0"/>
+              </a:spcAft>
+              <a:buNone/>
+            </a:pPr>
+            <a:r>
+              <a:rPr lang="en" u="sng">
+                <a:solidFill>
+                  <a:schemeClr val="hlink"/>
+                </a:solidFill>
+                <a:hlinkClick r:id="rId3"/>
+              </a:rPr>
+              <a:t>https://github.com/hectorcorrea/solr-for-newbies/blob/main/tutorial.md#part-iii-searching</a:t>
+            </a:r>
+            <a:r>
+              <a:rPr lang="en"/>
+              <a:t> </a:t>
+            </a:r>
+            <a:endParaRPr/>
+          </a:p>
+        </p:txBody>
+      </p:sp>
+    </p:spTree>
+  </p:cSld>
+  <p:clrMapOvr>
+    <a:masterClrMapping/>
+  </p:clrMapOvr>
+</p:sld>
+</file>
+
+<file path=ppt/slides/slide28.xml><?xml version="1.0" encoding="utf-8"?>
+<p:sld xmlns:a="http://schemas.openxmlformats.org/drawingml/2006/main" xmlns:r="http://schemas.openxmlformats.org/officeDocument/2006/relationships" xmlns:mc="http://schemas.openxmlformats.org/markup-compatibility/2006" xmlns:mv="urn:schemas-microsoft-com:mac:vml" xmlns:p="http://schemas.openxmlformats.org/presentationml/2006/main" xmlns:c="http://schemas.openxmlformats.org/drawingml/2006/chart" xmlns:dgm="http://schemas.openxmlformats.org/drawingml/2006/diagram" xmlns:o="urn:schemas-microsoft-com:office:office" xmlns:v="urn:schemas-microsoft-com:vml" xmlns:pvml="urn:schemas-microsoft-com:office:powerpoint" xmlns:com="http://schemas.openxmlformats.org/drawingml/2006/compatibility" xmlns:p14="http://schemas.microsoft.com/office/powerpoint/2010/main" xmlns:p15="http://schemas.microsoft.com/office/powerpoint/2012/main" xmlns:ahyp="http://schemas.microsoft.com/office/drawing/2018/hyperlinkcolor">
+  <p:cSld>
+    <p:spTree>
+      <p:nvGrpSpPr>
+        <p:cNvPr id="247" name="Shape 247"/>
+        <p:cNvGrpSpPr/>
+        <p:nvPr/>
+      </p:nvGrpSpPr>
+      <p:grpSpPr>
+        <a:xfrm>
+          <a:off x="0" y="0"/>
+          <a:ext cx="0" cy="0"/>
+          <a:chOff x="0" y="0"/>
+          <a:chExt cx="0" cy="0"/>
+        </a:xfrm>
+      </p:grpSpPr>
+      <p:sp>
+        <p:nvSpPr>
+          <p:cNvPr id="248" name="Google Shape;248;p40"/>
           <p:cNvSpPr txBox="1"/>
           <p:nvPr>
             <p:ph type="title"/>
@@ -15548,7 +17078,7 @@
       </p:sp>
       <p:sp>
         <p:nvSpPr>
-          <p:cNvPr id="229" name="Google Shape;229;p37"/>
+          <p:cNvPr id="249" name="Google Shape;249;p40"/>
           <p:cNvSpPr txBox="1"/>
           <p:nvPr/>
         </p:nvSpPr>
@@ -15605,12 +17135,12 @@
 </p:sld>
 </file>
 
-<file path=ppt/slides/slide26.xml><?xml version="1.0" encoding="utf-8"?>
+<file path=ppt/slides/slide29.xml><?xml version="1.0" encoding="utf-8"?>
 <p:sld xmlns:a="http://schemas.openxmlformats.org/drawingml/2006/main" xmlns:r="http://schemas.openxmlformats.org/officeDocument/2006/relationships" xmlns:mc="http://schemas.openxmlformats.org/markup-compatibility/2006" xmlns:mv="urn:schemas-microsoft-com:mac:vml" xmlns:p="http://schemas.openxmlformats.org/presentationml/2006/main" xmlns:c="http://schemas.openxmlformats.org/drawingml/2006/chart" xmlns:dgm="http://schemas.openxmlformats.org/drawingml/2006/diagram" xmlns:o="urn:schemas-microsoft-com:office:office" xmlns:v="urn:schemas-microsoft-com:vml" xmlns:pvml="urn:schemas-microsoft-com:office:powerpoint" xmlns:com="http://schemas.openxmlformats.org/drawingml/2006/compatibility" xmlns:p14="http://schemas.microsoft.com/office/powerpoint/2010/main" xmlns:p15="http://schemas.microsoft.com/office/powerpoint/2012/main" xmlns:ahyp="http://schemas.microsoft.com/office/drawing/2018/hyperlinkcolor">
   <p:cSld>
     <p:spTree>
       <p:nvGrpSpPr>
-        <p:cNvPr id="233" name="Shape 233"/>
+        <p:cNvPr id="253" name="Shape 253"/>
         <p:cNvGrpSpPr/>
         <p:nvPr/>
       </p:nvGrpSpPr>
@@ -15624,7 +17154,7 @@
       </p:grpSpPr>
       <p:sp>
         <p:nvSpPr>
-          <p:cNvPr id="234" name="Google Shape;234;p38"/>
+          <p:cNvPr id="254" name="Google Shape;254;p41"/>
           <p:cNvSpPr txBox="1"/>
           <p:nvPr>
             <p:ph idx="1" type="body"/>
@@ -15726,482 +17256,6 @@
             <a:r>
               <a:rPr lang="en"/>
               <a:t>Spell checking</a:t>
-            </a:r>
-            <a:endParaRPr/>
-          </a:p>
-        </p:txBody>
-      </p:sp>
-    </p:spTree>
-  </p:cSld>
-  <p:clrMapOvr>
-    <a:masterClrMapping/>
-  </p:clrMapOvr>
-</p:sld>
-</file>
-
-<file path=ppt/slides/slide27.xml><?xml version="1.0" encoding="utf-8"?>
-<p:sld xmlns:a="http://schemas.openxmlformats.org/drawingml/2006/main" xmlns:r="http://schemas.openxmlformats.org/officeDocument/2006/relationships" xmlns:mc="http://schemas.openxmlformats.org/markup-compatibility/2006" xmlns:mv="urn:schemas-microsoft-com:mac:vml" xmlns:p="http://schemas.openxmlformats.org/presentationml/2006/main" xmlns:c="http://schemas.openxmlformats.org/drawingml/2006/chart" xmlns:dgm="http://schemas.openxmlformats.org/drawingml/2006/diagram" xmlns:o="urn:schemas-microsoft-com:office:office" xmlns:v="urn:schemas-microsoft-com:vml" xmlns:pvml="urn:schemas-microsoft-com:office:powerpoint" xmlns:com="http://schemas.openxmlformats.org/drawingml/2006/compatibility" xmlns:p14="http://schemas.microsoft.com/office/powerpoint/2010/main" xmlns:p15="http://schemas.microsoft.com/office/powerpoint/2012/main" xmlns:ahyp="http://schemas.microsoft.com/office/drawing/2018/hyperlinkcolor">
-  <p:cSld>
-    <p:spTree>
-      <p:nvGrpSpPr>
-        <p:cNvPr id="238" name="Shape 238"/>
-        <p:cNvGrpSpPr/>
-        <p:nvPr/>
-      </p:nvGrpSpPr>
-      <p:grpSpPr>
-        <a:xfrm>
-          <a:off x="0" y="0"/>
-          <a:ext cx="0" cy="0"/>
-          <a:chOff x="0" y="0"/>
-          <a:chExt cx="0" cy="0"/>
-        </a:xfrm>
-      </p:grpSpPr>
-      <p:sp>
-        <p:nvSpPr>
-          <p:cNvPr id="239" name="Google Shape;239;p39"/>
-          <p:cNvSpPr txBox="1"/>
-          <p:nvPr>
-            <p:ph type="title"/>
-          </p:nvPr>
-        </p:nvSpPr>
-        <p:spPr>
-          <a:xfrm>
-            <a:off x="311700" y="445025"/>
-            <a:ext cx="8520600" cy="572700"/>
-          </a:xfrm>
-          <a:prstGeom prst="rect">
-            <a:avLst/>
-          </a:prstGeom>
-        </p:spPr>
-        <p:txBody>
-          <a:bodyPr anchorCtr="0" anchor="t" bIns="91425" lIns="91425" spcFirstLastPara="1" rIns="91425" wrap="square" tIns="91425">
-            <a:normAutofit fontScale="90000"/>
-          </a:bodyPr>
-          <a:lstStyle/>
-          <a:p>
-            <a:pPr indent="0" lvl="0" marL="0" rtl="0" algn="l">
-              <a:spcBef>
-                <a:spcPts val="0"/>
-              </a:spcBef>
-              <a:spcAft>
-                <a:spcPts val="0"/>
-              </a:spcAft>
-              <a:buNone/>
-            </a:pPr>
-            <a:r>
-              <a:rPr lang="en"/>
-              <a:t>Other recommended resources</a:t>
-            </a:r>
-            <a:endParaRPr/>
-          </a:p>
-        </p:txBody>
-      </p:sp>
-      <p:sp>
-        <p:nvSpPr>
-          <p:cNvPr id="240" name="Google Shape;240;p39"/>
-          <p:cNvSpPr txBox="1"/>
-          <p:nvPr>
-            <p:ph idx="1" type="body"/>
-          </p:nvPr>
-        </p:nvSpPr>
-        <p:spPr>
-          <a:xfrm>
-            <a:off x="311700" y="1152475"/>
-            <a:ext cx="8520600" cy="3416400"/>
-          </a:xfrm>
-          <a:prstGeom prst="rect">
-            <a:avLst/>
-          </a:prstGeom>
-        </p:spPr>
-        <p:txBody>
-          <a:bodyPr anchorCtr="0" anchor="t" bIns="91425" lIns="91425" spcFirstLastPara="1" rIns="91425" wrap="square" tIns="91425">
-            <a:normAutofit/>
-          </a:bodyPr>
-          <a:lstStyle/>
-          <a:p>
-            <a:pPr indent="-342900" lvl="0" marL="457200" rtl="0" algn="l">
-              <a:spcBef>
-                <a:spcPts val="0"/>
-              </a:spcBef>
-              <a:spcAft>
-                <a:spcPts val="0"/>
-              </a:spcAft>
-              <a:buSzPts val="1800"/>
-              <a:buChar char="●"/>
-            </a:pPr>
-            <a:r>
-              <a:rPr lang="en"/>
-              <a:t>Book: </a:t>
-            </a:r>
-            <a:r>
-              <a:rPr lang="en" u="sng">
-                <a:solidFill>
-                  <a:schemeClr val="hlink"/>
-                </a:solidFill>
-                <a:hlinkClick r:id="rId3"/>
-              </a:rPr>
-              <a:t>Solr in Action</a:t>
-            </a:r>
-            <a:r>
-              <a:rPr lang="en"/>
-              <a:t> </a:t>
-            </a:r>
-            <a:endParaRPr/>
-          </a:p>
-          <a:p>
-            <a:pPr indent="-317500" lvl="1" marL="914400" rtl="0" algn="l">
-              <a:spcBef>
-                <a:spcPts val="0"/>
-              </a:spcBef>
-              <a:spcAft>
-                <a:spcPts val="0"/>
-              </a:spcAft>
-              <a:buSzPts val="1400"/>
-              <a:buChar char="○"/>
-            </a:pPr>
-            <a:r>
-              <a:rPr lang="en"/>
-              <a:t>Old but still relevant</a:t>
-            </a:r>
-            <a:endParaRPr/>
-          </a:p>
-          <a:p>
-            <a:pPr indent="-317500" lvl="1" marL="914400" rtl="0" algn="l">
-              <a:spcBef>
-                <a:spcPts val="0"/>
-              </a:spcBef>
-              <a:spcAft>
-                <a:spcPts val="0"/>
-              </a:spcAft>
-              <a:buSzPts val="1400"/>
-              <a:buChar char="○"/>
-            </a:pPr>
-            <a:r>
-              <a:rPr lang="en"/>
-              <a:t>Great for general overview and in-depth analysis of some features</a:t>
-            </a:r>
-            <a:endParaRPr/>
-          </a:p>
-          <a:p>
-            <a:pPr indent="-342900" lvl="0" marL="457200" rtl="0" algn="l">
-              <a:spcBef>
-                <a:spcPts val="0"/>
-              </a:spcBef>
-              <a:spcAft>
-                <a:spcPts val="0"/>
-              </a:spcAft>
-              <a:buSzPts val="1800"/>
-              <a:buChar char="●"/>
-            </a:pPr>
-            <a:r>
-              <a:rPr lang="en"/>
-              <a:t>Solr’s official </a:t>
-            </a:r>
-            <a:r>
-              <a:rPr lang="en" u="sng">
-                <a:solidFill>
-                  <a:schemeClr val="hlink"/>
-                </a:solidFill>
-                <a:hlinkClick r:id="rId4"/>
-              </a:rPr>
-              <a:t>reference guide</a:t>
-            </a:r>
-            <a:endParaRPr/>
-          </a:p>
-          <a:p>
-            <a:pPr indent="-342900" lvl="0" marL="457200" rtl="0" algn="l">
-              <a:spcBef>
-                <a:spcPts val="0"/>
-              </a:spcBef>
-              <a:spcAft>
-                <a:spcPts val="0"/>
-              </a:spcAft>
-              <a:buSzPts val="1800"/>
-              <a:buChar char="●"/>
-            </a:pPr>
-            <a:r>
-              <a:rPr lang="en" sz="1800"/>
-              <a:t>We have </a:t>
-            </a:r>
-            <a:r>
-              <a:rPr lang="en"/>
-              <a:t>several </a:t>
-            </a:r>
-            <a:r>
-              <a:rPr lang="en" u="sng">
-                <a:solidFill>
-                  <a:schemeClr val="hlink"/>
-                </a:solidFill>
-                <a:hlinkClick r:id="rId5"/>
-              </a:rPr>
-              <a:t>Solr books in the catalog</a:t>
-            </a:r>
-            <a:r>
-              <a:rPr lang="en"/>
-              <a:t> (some of them online)</a:t>
-            </a:r>
-            <a:endParaRPr/>
-          </a:p>
-          <a:p>
-            <a:pPr indent="0" lvl="0" marL="0" rtl="0" algn="l">
-              <a:spcBef>
-                <a:spcPts val="1200"/>
-              </a:spcBef>
-              <a:spcAft>
-                <a:spcPts val="1200"/>
-              </a:spcAft>
-              <a:buNone/>
-            </a:pPr>
-            <a:r>
-              <a:t/>
-            </a:r>
-            <a:endParaRPr/>
-          </a:p>
-        </p:txBody>
-      </p:sp>
-    </p:spTree>
-  </p:cSld>
-  <p:clrMapOvr>
-    <a:masterClrMapping/>
-  </p:clrMapOvr>
-</p:sld>
-</file>
-
-<file path=ppt/slides/slide28.xml><?xml version="1.0" encoding="utf-8"?>
-<p:sld xmlns:a="http://schemas.openxmlformats.org/drawingml/2006/main" xmlns:r="http://schemas.openxmlformats.org/officeDocument/2006/relationships" xmlns:mc="http://schemas.openxmlformats.org/markup-compatibility/2006" xmlns:mv="urn:schemas-microsoft-com:mac:vml" xmlns:p="http://schemas.openxmlformats.org/presentationml/2006/main" xmlns:c="http://schemas.openxmlformats.org/drawingml/2006/chart" xmlns:dgm="http://schemas.openxmlformats.org/drawingml/2006/diagram" xmlns:o="urn:schemas-microsoft-com:office:office" xmlns:v="urn:schemas-microsoft-com:vml" xmlns:pvml="urn:schemas-microsoft-com:office:powerpoint" xmlns:com="http://schemas.openxmlformats.org/drawingml/2006/compatibility" xmlns:p14="http://schemas.microsoft.com/office/powerpoint/2010/main" xmlns:p15="http://schemas.microsoft.com/office/powerpoint/2012/main" xmlns:ahyp="http://schemas.microsoft.com/office/drawing/2018/hyperlinkcolor">
-  <p:cSld>
-    <p:spTree>
-      <p:nvGrpSpPr>
-        <p:cNvPr id="244" name="Shape 244"/>
-        <p:cNvGrpSpPr/>
-        <p:nvPr/>
-      </p:nvGrpSpPr>
-      <p:grpSpPr>
-        <a:xfrm>
-          <a:off x="0" y="0"/>
-          <a:ext cx="0" cy="0"/>
-          <a:chOff x="0" y="0"/>
-          <a:chExt cx="0" cy="0"/>
-        </a:xfrm>
-      </p:grpSpPr>
-      <p:sp>
-        <p:nvSpPr>
-          <p:cNvPr id="245" name="Google Shape;245;p40"/>
-          <p:cNvSpPr txBox="1"/>
-          <p:nvPr>
-            <p:ph type="title"/>
-          </p:nvPr>
-        </p:nvSpPr>
-        <p:spPr>
-          <a:xfrm>
-            <a:off x="311700" y="445025"/>
-            <a:ext cx="8520600" cy="572700"/>
-          </a:xfrm>
-          <a:prstGeom prst="rect">
-            <a:avLst/>
-          </a:prstGeom>
-        </p:spPr>
-        <p:txBody>
-          <a:bodyPr anchorCtr="0" anchor="t" bIns="91425" lIns="91425" spcFirstLastPara="1" rIns="91425" wrap="square" tIns="91425">
-            <a:normAutofit fontScale="90000"/>
-          </a:bodyPr>
-          <a:lstStyle/>
-          <a:p>
-            <a:pPr indent="0" lvl="0" marL="0" rtl="0" algn="l">
-              <a:spcBef>
-                <a:spcPts val="0"/>
-              </a:spcBef>
-              <a:spcAft>
-                <a:spcPts val="0"/>
-              </a:spcAft>
-              <a:buNone/>
-            </a:pPr>
-            <a:r>
-              <a:rPr lang="en"/>
-              <a:t>Thank you for attending!</a:t>
-            </a:r>
-            <a:endParaRPr/>
-          </a:p>
-        </p:txBody>
-      </p:sp>
-      <p:sp>
-        <p:nvSpPr>
-          <p:cNvPr id="246" name="Google Shape;246;p40"/>
-          <p:cNvSpPr txBox="1"/>
-          <p:nvPr>
-            <p:ph idx="1" type="body"/>
-          </p:nvPr>
-        </p:nvSpPr>
-        <p:spPr>
-          <a:xfrm>
-            <a:off x="311700" y="1152475"/>
-            <a:ext cx="8520600" cy="3416400"/>
-          </a:xfrm>
-          <a:prstGeom prst="rect">
-            <a:avLst/>
-          </a:prstGeom>
-        </p:spPr>
-        <p:txBody>
-          <a:bodyPr anchorCtr="0" anchor="t" bIns="91425" lIns="91425" spcFirstLastPara="1" rIns="91425" wrap="square" tIns="91425">
-            <a:normAutofit lnSpcReduction="10000"/>
-          </a:bodyPr>
-          <a:lstStyle/>
-          <a:p>
-            <a:pPr indent="0" lvl="0" marL="0" rtl="0" algn="l">
-              <a:spcBef>
-                <a:spcPts val="0"/>
-              </a:spcBef>
-              <a:spcAft>
-                <a:spcPts val="0"/>
-              </a:spcAft>
-              <a:buNone/>
-            </a:pPr>
-            <a:r>
-              <a:t/>
-            </a:r>
-            <a:endParaRPr/>
-          </a:p>
-          <a:p>
-            <a:pPr indent="0" lvl="0" marL="0" rtl="0" algn="r">
-              <a:spcBef>
-                <a:spcPts val="1200"/>
-              </a:spcBef>
-              <a:spcAft>
-                <a:spcPts val="0"/>
-              </a:spcAft>
-              <a:buNone/>
-            </a:pPr>
-            <a:r>
-              <a:t/>
-            </a:r>
-            <a:endParaRPr/>
-          </a:p>
-          <a:p>
-            <a:pPr indent="0" lvl="0" marL="0" rtl="0" algn="r">
-              <a:spcBef>
-                <a:spcPts val="1200"/>
-              </a:spcBef>
-              <a:spcAft>
-                <a:spcPts val="0"/>
-              </a:spcAft>
-              <a:buNone/>
-            </a:pPr>
-            <a:r>
-              <a:t/>
-            </a:r>
-            <a:endParaRPr/>
-          </a:p>
-          <a:p>
-            <a:pPr indent="0" lvl="0" marL="0" rtl="0" algn="r">
-              <a:spcBef>
-                <a:spcPts val="1200"/>
-              </a:spcBef>
-              <a:spcAft>
-                <a:spcPts val="0"/>
-              </a:spcAft>
-              <a:buNone/>
-            </a:pPr>
-            <a:r>
-              <a:t/>
-            </a:r>
-            <a:endParaRPr/>
-          </a:p>
-          <a:p>
-            <a:pPr indent="0" lvl="0" marL="0" rtl="0" algn="r">
-              <a:spcBef>
-                <a:spcPts val="1200"/>
-              </a:spcBef>
-              <a:spcAft>
-                <a:spcPts val="0"/>
-              </a:spcAft>
-              <a:buNone/>
-            </a:pPr>
-            <a:r>
-              <a:rPr lang="en"/>
-              <a:t>Stay in touch</a:t>
-            </a:r>
-            <a:endParaRPr/>
-          </a:p>
-          <a:p>
-            <a:pPr indent="0" lvl="0" marL="0" rtl="0" algn="r">
-              <a:spcBef>
-                <a:spcPts val="1200"/>
-              </a:spcBef>
-              <a:spcAft>
-                <a:spcPts val="0"/>
-              </a:spcAft>
-              <a:buNone/>
-            </a:pPr>
-            <a:r>
-              <a:rPr lang="en" u="sng">
-                <a:solidFill>
-                  <a:schemeClr val="hlink"/>
-                </a:solidFill>
-                <a:hlinkClick r:id="rId3"/>
-              </a:rPr>
-              <a:t>hector_correa@princeton.edu</a:t>
-            </a:r>
-            <a:endParaRPr/>
-          </a:p>
-          <a:p>
-            <a:pPr indent="0" lvl="0" marL="0" rtl="0" algn="r">
-              <a:lnSpc>
-                <a:spcPct val="100000"/>
-              </a:lnSpc>
-              <a:spcBef>
-                <a:spcPts val="1200"/>
-              </a:spcBef>
-              <a:spcAft>
-                <a:spcPts val="0"/>
-              </a:spcAft>
-              <a:buClr>
-                <a:schemeClr val="dk1"/>
-              </a:buClr>
-              <a:buSzPts val="1100"/>
-              <a:buFont typeface="Arial"/>
-              <a:buNone/>
-            </a:pPr>
-            <a:r>
-              <a:rPr lang="en" u="sng">
-                <a:solidFill>
-                  <a:schemeClr val="accent5"/>
-                </a:solidFill>
-                <a:hlinkClick r:id="rId4">
-                  <a:extLst>
-                    <a:ext uri="{A12FA001-AC4F-418D-AE19-62706E023703}">
-                      <ahyp:hlinkClr val="tx"/>
-                    </a:ext>
-                  </a:extLst>
-                </a:hlinkClick>
-              </a:rPr>
-              <a:t>https://hectorcorrea.com/solr-for-newbies</a:t>
-            </a:r>
-            <a:r>
-              <a:rPr lang="en">
-                <a:solidFill>
-                  <a:schemeClr val="dk1"/>
-                </a:solidFill>
-              </a:rPr>
-              <a:t> </a:t>
-            </a:r>
-            <a:endParaRPr>
-              <a:solidFill>
-                <a:schemeClr val="dk1"/>
-              </a:solidFill>
-            </a:endParaRPr>
-          </a:p>
-          <a:p>
-            <a:pPr indent="0" lvl="0" marL="0" rtl="0" algn="l">
-              <a:spcBef>
-                <a:spcPts val="0"/>
-              </a:spcBef>
-              <a:spcAft>
-                <a:spcPts val="1200"/>
-              </a:spcAft>
-              <a:buNone/>
-            </a:pPr>
-            <a:r>
-              <a:t/>
             </a:r>
             <a:endParaRPr/>
           </a:p>
@@ -16242,20 +17296,20 @@
         </p:nvSpPr>
         <p:spPr>
           <a:xfrm>
-            <a:off x="311700" y="2150850"/>
-            <a:ext cx="8520600" cy="841800"/>
+            <a:off x="311700" y="445025"/>
+            <a:ext cx="8520600" cy="572700"/>
           </a:xfrm>
           <a:prstGeom prst="rect">
             <a:avLst/>
           </a:prstGeom>
         </p:spPr>
         <p:txBody>
-          <a:bodyPr anchorCtr="0" anchor="ctr" bIns="91425" lIns="91425" spcFirstLastPara="1" rIns="91425" wrap="square" tIns="91425">
-            <a:normAutofit/>
+          <a:bodyPr anchorCtr="0" anchor="t" bIns="91425" lIns="91425" spcFirstLastPara="1" rIns="91425" wrap="square" tIns="91425">
+            <a:normAutofit fontScale="90000"/>
           </a:bodyPr>
           <a:lstStyle/>
           <a:p>
-            <a:pPr indent="0" lvl="0" marL="0" rtl="0" algn="ctr">
+            <a:pPr indent="0" lvl="0" marL="0" rtl="0" algn="l">
               <a:spcBef>
                 <a:spcPts val="0"/>
               </a:spcBef>
@@ -16266,11 +17320,7 @@
             </a:pPr>
             <a:r>
               <a:rPr lang="en"/>
-              <a:t>I. </a:t>
-            </a:r>
-            <a:r>
-              <a:rPr lang="en"/>
-              <a:t>Introduction</a:t>
+              <a:t>Code4Lib Community Code of Conduct</a:t>
             </a:r>
             <a:endParaRPr/>
           </a:p>
@@ -16280,24 +17330,22 @@
         <p:nvSpPr>
           <p:cNvPr id="68" name="Google Shape;68;p15"/>
           <p:cNvSpPr txBox="1"/>
-          <p:nvPr/>
+          <p:nvPr>
+            <p:ph idx="1" type="body"/>
+          </p:nvPr>
         </p:nvSpPr>
         <p:spPr>
           <a:xfrm>
-            <a:off x="1003050" y="4512400"/>
-            <a:ext cx="7137900" cy="400200"/>
+            <a:off x="311700" y="1152475"/>
+            <a:ext cx="8520600" cy="3416400"/>
           </a:xfrm>
           <a:prstGeom prst="rect">
             <a:avLst/>
           </a:prstGeom>
-          <a:noFill/>
-          <a:ln>
-            <a:noFill/>
-          </a:ln>
         </p:spPr>
         <p:txBody>
           <a:bodyPr anchorCtr="0" anchor="t" bIns="91425" lIns="91425" spcFirstLastPara="1" rIns="91425" wrap="square" tIns="91425">
-            <a:spAutoFit/>
+            <a:normAutofit/>
           </a:bodyPr>
           <a:lstStyle/>
           <a:p>
@@ -16310,6 +17358,176 @@
               </a:spcAft>
               <a:buNone/>
             </a:pPr>
+            <a:r>
+              <a:rPr lang="en" sz="1900">
+                <a:solidFill>
+                  <a:schemeClr val="dk1"/>
+                </a:solidFill>
+              </a:rPr>
+              <a:t>Code4Lib seeks to provide a welcoming, fun, and safe community and conference experience and ongoing community for everyone. We do not tolerate harassment in any form. Discriminatory language and imagery (including sexual) is not appropriate for any event venue, including talks, or any community channel such as the chatroom or mailing list.</a:t>
+            </a:r>
+            <a:endParaRPr sz="1900">
+              <a:solidFill>
+                <a:schemeClr val="dk1"/>
+              </a:solidFill>
+            </a:endParaRPr>
+          </a:p>
+          <a:p>
+            <a:pPr indent="0" lvl="0" marL="0" rtl="0" algn="l">
+              <a:spcBef>
+                <a:spcPts val="1200"/>
+              </a:spcBef>
+              <a:spcAft>
+                <a:spcPts val="0"/>
+              </a:spcAft>
+              <a:buNone/>
+            </a:pPr>
+            <a:r>
+              <a:t/>
+            </a:r>
+            <a:endParaRPr sz="1900">
+              <a:solidFill>
+                <a:schemeClr val="dk1"/>
+              </a:solidFill>
+            </a:endParaRPr>
+          </a:p>
+          <a:p>
+            <a:pPr indent="0" lvl="0" marL="0" rtl="0" algn="l">
+              <a:spcBef>
+                <a:spcPts val="1200"/>
+              </a:spcBef>
+              <a:spcAft>
+                <a:spcPts val="1200"/>
+              </a:spcAft>
+              <a:buNone/>
+            </a:pPr>
+            <a:r>
+              <a:rPr lang="en" sz="1900" u="sng">
+                <a:solidFill>
+                  <a:schemeClr val="hlink"/>
+                </a:solidFill>
+                <a:hlinkClick r:id="rId3"/>
+              </a:rPr>
+              <a:t>https://2023.code4lib.org/conduct/</a:t>
+            </a:r>
+            <a:r>
+              <a:rPr lang="en" sz="1900">
+                <a:solidFill>
+                  <a:schemeClr val="dk1"/>
+                </a:solidFill>
+              </a:rPr>
+              <a:t> </a:t>
+            </a:r>
+            <a:endParaRPr sz="1900">
+              <a:solidFill>
+                <a:schemeClr val="dk1"/>
+              </a:solidFill>
+            </a:endParaRPr>
+          </a:p>
+        </p:txBody>
+      </p:sp>
+    </p:spTree>
+  </p:cSld>
+  <p:clrMapOvr>
+    <a:masterClrMapping/>
+  </p:clrMapOvr>
+</p:sld>
+</file>
+
+<file path=ppt/slides/slide30.xml><?xml version="1.0" encoding="utf-8"?>
+<p:sld xmlns:a="http://schemas.openxmlformats.org/drawingml/2006/main" xmlns:r="http://schemas.openxmlformats.org/officeDocument/2006/relationships" xmlns:mc="http://schemas.openxmlformats.org/markup-compatibility/2006" xmlns:mv="urn:schemas-microsoft-com:mac:vml" xmlns:p="http://schemas.openxmlformats.org/presentationml/2006/main" xmlns:c="http://schemas.openxmlformats.org/drawingml/2006/chart" xmlns:dgm="http://schemas.openxmlformats.org/drawingml/2006/diagram" xmlns:o="urn:schemas-microsoft-com:office:office" xmlns:v="urn:schemas-microsoft-com:vml" xmlns:pvml="urn:schemas-microsoft-com:office:powerpoint" xmlns:com="http://schemas.openxmlformats.org/drawingml/2006/compatibility" xmlns:p14="http://schemas.microsoft.com/office/powerpoint/2010/main" xmlns:p15="http://schemas.microsoft.com/office/powerpoint/2012/main" xmlns:ahyp="http://schemas.microsoft.com/office/drawing/2018/hyperlinkcolor">
+  <p:cSld>
+    <p:spTree>
+      <p:nvGrpSpPr>
+        <p:cNvPr id="258" name="Shape 258"/>
+        <p:cNvGrpSpPr/>
+        <p:nvPr/>
+      </p:nvGrpSpPr>
+      <p:grpSpPr>
+        <a:xfrm>
+          <a:off x="0" y="0"/>
+          <a:ext cx="0" cy="0"/>
+          <a:chOff x="0" y="0"/>
+          <a:chExt cx="0" cy="0"/>
+        </a:xfrm>
+      </p:grpSpPr>
+      <p:sp>
+        <p:nvSpPr>
+          <p:cNvPr id="259" name="Google Shape;259;p42"/>
+          <p:cNvSpPr txBox="1"/>
+          <p:nvPr>
+            <p:ph type="title"/>
+          </p:nvPr>
+        </p:nvSpPr>
+        <p:spPr>
+          <a:xfrm>
+            <a:off x="311700" y="445025"/>
+            <a:ext cx="8520600" cy="572700"/>
+          </a:xfrm>
+          <a:prstGeom prst="rect">
+            <a:avLst/>
+          </a:prstGeom>
+        </p:spPr>
+        <p:txBody>
+          <a:bodyPr anchorCtr="0" anchor="t" bIns="91425" lIns="91425" spcFirstLastPara="1" rIns="91425" wrap="square" tIns="91425">
+            <a:normAutofit fontScale="90000"/>
+          </a:bodyPr>
+          <a:lstStyle/>
+          <a:p>
+            <a:pPr indent="0" lvl="0" marL="0" rtl="0" algn="l">
+              <a:spcBef>
+                <a:spcPts val="0"/>
+              </a:spcBef>
+              <a:spcAft>
+                <a:spcPts val="0"/>
+              </a:spcAft>
+              <a:buNone/>
+            </a:pPr>
+            <a:r>
+              <a:rPr lang="en"/>
+              <a:t>Recommended resources</a:t>
+            </a:r>
+            <a:endParaRPr/>
+          </a:p>
+        </p:txBody>
+      </p:sp>
+      <p:sp>
+        <p:nvSpPr>
+          <p:cNvPr id="260" name="Google Shape;260;p42"/>
+          <p:cNvSpPr txBox="1"/>
+          <p:nvPr>
+            <p:ph idx="1" type="body"/>
+          </p:nvPr>
+        </p:nvSpPr>
+        <p:spPr>
+          <a:xfrm>
+            <a:off x="311700" y="1152475"/>
+            <a:ext cx="8520600" cy="3416400"/>
+          </a:xfrm>
+          <a:prstGeom prst="rect">
+            <a:avLst/>
+          </a:prstGeom>
+        </p:spPr>
+        <p:txBody>
+          <a:bodyPr anchorCtr="0" anchor="t" bIns="91425" lIns="91425" spcFirstLastPara="1" rIns="91425" wrap="square" tIns="91425">
+            <a:normAutofit/>
+          </a:bodyPr>
+          <a:lstStyle/>
+          <a:p>
+            <a:pPr indent="-342900" lvl="0" marL="457200" rtl="0" algn="l">
+              <a:spcBef>
+                <a:spcPts val="0"/>
+              </a:spcBef>
+              <a:spcAft>
+                <a:spcPts val="0"/>
+              </a:spcAft>
+              <a:buSzPts val="1800"/>
+              <a:buChar char="●"/>
+            </a:pPr>
+            <a:r>
+              <a:rPr lang="en"/>
+              <a:t>Book: </a:t>
+            </a:r>
             <a:r>
               <a:rPr lang="en" u="sng">
                 <a:solidFill>
@@ -16317,11 +17535,401 @@
                 </a:solidFill>
                 <a:hlinkClick r:id="rId3"/>
               </a:rPr>
-              <a:t>https://github.com/hectorcorrea/solr-for-newbies/blob/main/tutorial.md#part-i-introduction</a:t>
+              <a:t>Solr in Action</a:t>
             </a:r>
             <a:r>
               <a:rPr lang="en"/>
               <a:t> </a:t>
+            </a:r>
+            <a:r>
+              <a:rPr lang="en"/>
+              <a:t>by Trey Grainger and Timothy Potter</a:t>
+            </a:r>
+            <a:endParaRPr/>
+          </a:p>
+          <a:p>
+            <a:pPr indent="-317500" lvl="1" marL="914400" rtl="0" algn="l">
+              <a:spcBef>
+                <a:spcPts val="0"/>
+              </a:spcBef>
+              <a:spcAft>
+                <a:spcPts val="0"/>
+              </a:spcAft>
+              <a:buSzPts val="1400"/>
+              <a:buChar char="○"/>
+            </a:pPr>
+            <a:r>
+              <a:rPr lang="en"/>
+              <a:t>Old but still relevant</a:t>
+            </a:r>
+            <a:endParaRPr/>
+          </a:p>
+          <a:p>
+            <a:pPr indent="-317500" lvl="1" marL="914400" rtl="0" algn="l">
+              <a:spcBef>
+                <a:spcPts val="0"/>
+              </a:spcBef>
+              <a:spcAft>
+                <a:spcPts val="0"/>
+              </a:spcAft>
+              <a:buSzPts val="1400"/>
+              <a:buChar char="○"/>
+            </a:pPr>
+            <a:r>
+              <a:rPr lang="en"/>
+              <a:t>Great for general overview and in-depth analysis of some features</a:t>
+            </a:r>
+            <a:endParaRPr/>
+          </a:p>
+          <a:p>
+            <a:pPr indent="-342900" lvl="0" marL="457200" rtl="0" algn="l">
+              <a:spcBef>
+                <a:spcPts val="0"/>
+              </a:spcBef>
+              <a:spcAft>
+                <a:spcPts val="0"/>
+              </a:spcAft>
+              <a:buSzPts val="1800"/>
+              <a:buChar char="●"/>
+            </a:pPr>
+            <a:r>
+              <a:rPr lang="en"/>
+              <a:t>Solr’s official </a:t>
+            </a:r>
+            <a:r>
+              <a:rPr lang="en" u="sng">
+                <a:solidFill>
+                  <a:schemeClr val="hlink"/>
+                </a:solidFill>
+                <a:hlinkClick r:id="rId4"/>
+              </a:rPr>
+              <a:t>reference guide</a:t>
+            </a:r>
+            <a:endParaRPr/>
+          </a:p>
+          <a:p>
+            <a:pPr indent="-342900" lvl="0" marL="457200" rtl="0" algn="l">
+              <a:spcBef>
+                <a:spcPts val="0"/>
+              </a:spcBef>
+              <a:spcAft>
+                <a:spcPts val="0"/>
+              </a:spcAft>
+              <a:buSzPts val="1800"/>
+              <a:buChar char="●"/>
+            </a:pPr>
+            <a:r>
+              <a:rPr lang="en" u="sng">
+                <a:solidFill>
+                  <a:schemeClr val="hlink"/>
+                </a:solidFill>
+                <a:hlinkClick r:id="rId5"/>
+              </a:rPr>
+              <a:t>Relevant search with applications for Solr and Elasticsearch</a:t>
+            </a:r>
+            <a:r>
+              <a:rPr lang="en"/>
+              <a:t> by Doug Turnbull and John Berryman</a:t>
+            </a:r>
+            <a:endParaRPr/>
+          </a:p>
+          <a:p>
+            <a:pPr indent="-342900" lvl="0" marL="457200" rtl="0" algn="l">
+              <a:spcBef>
+                <a:spcPts val="0"/>
+              </a:spcBef>
+              <a:spcAft>
+                <a:spcPts val="0"/>
+              </a:spcAft>
+              <a:buSzPts val="1800"/>
+              <a:buChar char="●"/>
+            </a:pPr>
+            <a:r>
+              <a:rPr lang="en" u="sng">
+                <a:solidFill>
+                  <a:schemeClr val="hlink"/>
+                </a:solidFill>
+                <a:hlinkClick r:id="rId6"/>
+              </a:rPr>
+              <a:t>Let's build a Full-Text Search engine</a:t>
+            </a:r>
+            <a:r>
+              <a:rPr lang="en"/>
+              <a:t> by Artem Krylysov</a:t>
+            </a:r>
+            <a:endParaRPr/>
+          </a:p>
+          <a:p>
+            <a:pPr indent="-342900" lvl="0" marL="457200" rtl="0" algn="l">
+              <a:spcBef>
+                <a:spcPts val="0"/>
+              </a:spcBef>
+              <a:spcAft>
+                <a:spcPts val="0"/>
+              </a:spcAft>
+              <a:buSzPts val="1800"/>
+              <a:buChar char="●"/>
+            </a:pPr>
+            <a:r>
+              <a:rPr lang="en" u="sng">
+                <a:solidFill>
+                  <a:schemeClr val="hlink"/>
+                </a:solidFill>
+                <a:hlinkClick r:id="rId7"/>
+              </a:rPr>
+              <a:t>The technology behind GitHub’s new code search</a:t>
+            </a:r>
+            <a:r>
+              <a:rPr lang="en"/>
+              <a:t> by Timothy Clem</a:t>
+            </a:r>
+            <a:endParaRPr/>
+          </a:p>
+        </p:txBody>
+      </p:sp>
+    </p:spTree>
+  </p:cSld>
+  <p:clrMapOvr>
+    <a:masterClrMapping/>
+  </p:clrMapOvr>
+</p:sld>
+</file>
+
+<file path=ppt/slides/slide31.xml><?xml version="1.0" encoding="utf-8"?>
+<p:sld xmlns:a="http://schemas.openxmlformats.org/drawingml/2006/main" xmlns:r="http://schemas.openxmlformats.org/officeDocument/2006/relationships" xmlns:mc="http://schemas.openxmlformats.org/markup-compatibility/2006" xmlns:mv="urn:schemas-microsoft-com:mac:vml" xmlns:p="http://schemas.openxmlformats.org/presentationml/2006/main" xmlns:c="http://schemas.openxmlformats.org/drawingml/2006/chart" xmlns:dgm="http://schemas.openxmlformats.org/drawingml/2006/diagram" xmlns:o="urn:schemas-microsoft-com:office:office" xmlns:v="urn:schemas-microsoft-com:vml" xmlns:pvml="urn:schemas-microsoft-com:office:powerpoint" xmlns:com="http://schemas.openxmlformats.org/drawingml/2006/compatibility" xmlns:p14="http://schemas.microsoft.com/office/powerpoint/2010/main" xmlns:p15="http://schemas.microsoft.com/office/powerpoint/2012/main" xmlns:ahyp="http://schemas.microsoft.com/office/drawing/2018/hyperlinkcolor">
+  <p:cSld>
+    <p:spTree>
+      <p:nvGrpSpPr>
+        <p:cNvPr id="264" name="Shape 264"/>
+        <p:cNvGrpSpPr/>
+        <p:nvPr/>
+      </p:nvGrpSpPr>
+      <p:grpSpPr>
+        <a:xfrm>
+          <a:off x="0" y="0"/>
+          <a:ext cx="0" cy="0"/>
+          <a:chOff x="0" y="0"/>
+          <a:chExt cx="0" cy="0"/>
+        </a:xfrm>
+      </p:grpSpPr>
+      <p:sp>
+        <p:nvSpPr>
+          <p:cNvPr id="265" name="Google Shape;265;p43"/>
+          <p:cNvSpPr txBox="1"/>
+          <p:nvPr>
+            <p:ph type="title"/>
+          </p:nvPr>
+        </p:nvSpPr>
+        <p:spPr>
+          <a:xfrm>
+            <a:off x="311700" y="445025"/>
+            <a:ext cx="8520600" cy="572700"/>
+          </a:xfrm>
+          <a:prstGeom prst="rect">
+            <a:avLst/>
+          </a:prstGeom>
+        </p:spPr>
+        <p:txBody>
+          <a:bodyPr anchorCtr="0" anchor="t" bIns="91425" lIns="91425" spcFirstLastPara="1" rIns="91425" wrap="square" tIns="91425">
+            <a:normAutofit fontScale="90000"/>
+          </a:bodyPr>
+          <a:lstStyle/>
+          <a:p>
+            <a:pPr indent="0" lvl="0" marL="0" rtl="0" algn="l">
+              <a:spcBef>
+                <a:spcPts val="0"/>
+              </a:spcBef>
+              <a:spcAft>
+                <a:spcPts val="0"/>
+              </a:spcAft>
+              <a:buNone/>
+            </a:pPr>
+            <a:r>
+              <a:rPr lang="en"/>
+              <a:t>Thank you for attending!</a:t>
+            </a:r>
+            <a:endParaRPr/>
+          </a:p>
+        </p:txBody>
+      </p:sp>
+      <p:sp>
+        <p:nvSpPr>
+          <p:cNvPr id="266" name="Google Shape;266;p43"/>
+          <p:cNvSpPr txBox="1"/>
+          <p:nvPr>
+            <p:ph idx="1" type="body"/>
+          </p:nvPr>
+        </p:nvSpPr>
+        <p:spPr>
+          <a:xfrm>
+            <a:off x="311700" y="1152475"/>
+            <a:ext cx="8520600" cy="3416400"/>
+          </a:xfrm>
+          <a:prstGeom prst="rect">
+            <a:avLst/>
+          </a:prstGeom>
+        </p:spPr>
+        <p:txBody>
+          <a:bodyPr anchorCtr="0" anchor="t" bIns="91425" lIns="91425" spcFirstLastPara="1" rIns="91425" wrap="square" tIns="91425">
+            <a:normAutofit lnSpcReduction="10000"/>
+          </a:bodyPr>
+          <a:lstStyle/>
+          <a:p>
+            <a:pPr indent="0" lvl="0" marL="0" rtl="0" algn="l">
+              <a:spcBef>
+                <a:spcPts val="0"/>
+              </a:spcBef>
+              <a:spcAft>
+                <a:spcPts val="0"/>
+              </a:spcAft>
+              <a:buNone/>
+            </a:pPr>
+            <a:r>
+              <a:t/>
+            </a:r>
+            <a:endParaRPr/>
+          </a:p>
+          <a:p>
+            <a:pPr indent="0" lvl="0" marL="0" rtl="0" algn="r">
+              <a:spcBef>
+                <a:spcPts val="1200"/>
+              </a:spcBef>
+              <a:spcAft>
+                <a:spcPts val="0"/>
+              </a:spcAft>
+              <a:buNone/>
+            </a:pPr>
+            <a:r>
+              <a:t/>
+            </a:r>
+            <a:endParaRPr/>
+          </a:p>
+          <a:p>
+            <a:pPr indent="0" lvl="0" marL="0" rtl="0" algn="r">
+              <a:spcBef>
+                <a:spcPts val="1200"/>
+              </a:spcBef>
+              <a:spcAft>
+                <a:spcPts val="0"/>
+              </a:spcAft>
+              <a:buNone/>
+            </a:pPr>
+            <a:r>
+              <a:t/>
+            </a:r>
+            <a:endParaRPr/>
+          </a:p>
+          <a:p>
+            <a:pPr indent="0" lvl="0" marL="0" rtl="0" algn="r">
+              <a:spcBef>
+                <a:spcPts val="1200"/>
+              </a:spcBef>
+              <a:spcAft>
+                <a:spcPts val="0"/>
+              </a:spcAft>
+              <a:buNone/>
+            </a:pPr>
+            <a:r>
+              <a:t/>
+            </a:r>
+            <a:endParaRPr/>
+          </a:p>
+          <a:p>
+            <a:pPr indent="0" lvl="0" marL="0" rtl="0" algn="r">
+              <a:spcBef>
+                <a:spcPts val="1200"/>
+              </a:spcBef>
+              <a:spcAft>
+                <a:spcPts val="0"/>
+              </a:spcAft>
+              <a:buNone/>
+            </a:pPr>
+            <a:r>
+              <a:rPr lang="en"/>
+              <a:t>Stay in touch</a:t>
+            </a:r>
+            <a:endParaRPr/>
+          </a:p>
+          <a:p>
+            <a:pPr indent="0" lvl="0" marL="0" rtl="0" algn="r">
+              <a:spcBef>
+                <a:spcPts val="1200"/>
+              </a:spcBef>
+              <a:spcAft>
+                <a:spcPts val="0"/>
+              </a:spcAft>
+              <a:buNone/>
+            </a:pPr>
+            <a:r>
+              <a:rPr lang="en" u="sng">
+                <a:solidFill>
+                  <a:schemeClr val="hlink"/>
+                </a:solidFill>
+                <a:hlinkClick r:id="rId3"/>
+              </a:rPr>
+              <a:t>hector_correa@princeton.edu</a:t>
+            </a:r>
+            <a:endParaRPr/>
+          </a:p>
+          <a:p>
+            <a:pPr indent="0" lvl="0" marL="0" rtl="0" algn="r">
+              <a:lnSpc>
+                <a:spcPct val="100000"/>
+              </a:lnSpc>
+              <a:spcBef>
+                <a:spcPts val="1200"/>
+              </a:spcBef>
+              <a:spcAft>
+                <a:spcPts val="0"/>
+              </a:spcAft>
+              <a:buClr>
+                <a:schemeClr val="dk1"/>
+              </a:buClr>
+              <a:buSzPts val="1100"/>
+              <a:buFont typeface="Arial"/>
+              <a:buNone/>
+            </a:pPr>
+            <a:r>
+              <a:rPr lang="en" u="sng">
+                <a:solidFill>
+                  <a:schemeClr val="accent5"/>
+                </a:solidFill>
+                <a:hlinkClick r:id="rId4">
+                  <a:extLst>
+                    <a:ext uri="{A12FA001-AC4F-418D-AE19-62706E023703}">
+                      <ahyp:hlinkClr val="tx"/>
+                    </a:ext>
+                  </a:extLst>
+                </a:hlinkClick>
+              </a:rPr>
+              <a:t>https://hectorcorrea.com/solr-for-newbies</a:t>
+            </a:r>
+            <a:r>
+              <a:rPr lang="en">
+                <a:solidFill>
+                  <a:schemeClr val="dk1"/>
+                </a:solidFill>
+              </a:rPr>
+              <a:t> </a:t>
+            </a:r>
+            <a:endParaRPr>
+              <a:solidFill>
+                <a:schemeClr val="dk1"/>
+              </a:solidFill>
+            </a:endParaRPr>
+          </a:p>
+          <a:p>
+            <a:pPr indent="0" lvl="0" marL="0" rtl="0" algn="l">
+              <a:spcBef>
+                <a:spcPts val="0"/>
+              </a:spcBef>
+              <a:spcAft>
+                <a:spcPts val="1200"/>
+              </a:spcAft>
+              <a:buNone/>
+            </a:pPr>
+            <a:r>
+              <a:t/>
             </a:r>
             <a:endParaRPr/>
           </a:p>
@@ -16362,20 +17970,20 @@
         </p:nvSpPr>
         <p:spPr>
           <a:xfrm>
-            <a:off x="311700" y="445025"/>
-            <a:ext cx="8520600" cy="572700"/>
+            <a:off x="311700" y="2150850"/>
+            <a:ext cx="8520600" cy="841800"/>
           </a:xfrm>
           <a:prstGeom prst="rect">
             <a:avLst/>
           </a:prstGeom>
         </p:spPr>
         <p:txBody>
-          <a:bodyPr anchorCtr="0" anchor="t" bIns="91425" lIns="91425" spcFirstLastPara="1" rIns="91425" wrap="square" tIns="91425">
-            <a:normAutofit fontScale="90000"/>
+          <a:bodyPr anchorCtr="0" anchor="ctr" bIns="91425" lIns="91425" spcFirstLastPara="1" rIns="91425" wrap="square" tIns="91425">
+            <a:normAutofit/>
           </a:bodyPr>
           <a:lstStyle/>
           <a:p>
-            <a:pPr indent="0" lvl="0" marL="0" rtl="0" algn="l">
+            <a:pPr indent="0" lvl="0" marL="0" rtl="0" algn="ctr">
               <a:spcBef>
                 <a:spcPts val="0"/>
               </a:spcBef>
@@ -16386,7 +17994,11 @@
             </a:pPr>
             <a:r>
               <a:rPr lang="en"/>
-              <a:t>What is Solr?</a:t>
+              <a:t>I. </a:t>
+            </a:r>
+            <a:r>
+              <a:rPr lang="en"/>
+              <a:t>Introduction</a:t>
             </a:r>
             <a:endParaRPr/>
           </a:p>
@@ -16396,22 +18008,24 @@
         <p:nvSpPr>
           <p:cNvPr id="74" name="Google Shape;74;p16"/>
           <p:cNvSpPr txBox="1"/>
-          <p:nvPr>
-            <p:ph idx="1" type="body"/>
-          </p:nvPr>
+          <p:nvPr/>
         </p:nvSpPr>
         <p:spPr>
           <a:xfrm>
-            <a:off x="311700" y="1152475"/>
-            <a:ext cx="8520600" cy="3416400"/>
+            <a:off x="1003050" y="4512400"/>
+            <a:ext cx="7137900" cy="400200"/>
           </a:xfrm>
           <a:prstGeom prst="rect">
             <a:avLst/>
           </a:prstGeom>
+          <a:noFill/>
+          <a:ln>
+            <a:noFill/>
+          </a:ln>
         </p:spPr>
         <p:txBody>
           <a:bodyPr anchorCtr="0" anchor="t" bIns="91425" lIns="91425" spcFirstLastPara="1" rIns="91425" wrap="square" tIns="91425">
-            <a:normAutofit lnSpcReduction="10000"/>
+            <a:spAutoFit/>
           </a:bodyPr>
           <a:lstStyle/>
           <a:p>
@@ -16425,177 +18039,19 @@
               <a:buNone/>
             </a:pPr>
             <a:r>
-              <a:rPr lang="en" sz="2300">
+              <a:rPr lang="en" u="sng">
                 <a:solidFill>
-                  <a:schemeClr val="dk1"/>
+                  <a:schemeClr val="hlink"/>
                 </a:solidFill>
-                <a:latin typeface="Courier New"/>
-                <a:ea typeface="Courier New"/>
-                <a:cs typeface="Courier New"/>
-                <a:sym typeface="Courier New"/>
+                <a:hlinkClick r:id="rId3"/>
               </a:rPr>
-              <a:t>“Solr is the popular, blazing-fast, open source enterprise </a:t>
-            </a:r>
-            <a:r>
-              <a:rPr b="1" lang="en" sz="2300">
-                <a:solidFill>
-                  <a:schemeClr val="dk1"/>
-                </a:solidFill>
-                <a:latin typeface="Courier New"/>
-                <a:ea typeface="Courier New"/>
-                <a:cs typeface="Courier New"/>
-                <a:sym typeface="Courier New"/>
-              </a:rPr>
-              <a:t>search platform </a:t>
-            </a:r>
-            <a:r>
-              <a:rPr lang="en" sz="2300">
-                <a:solidFill>
-                  <a:schemeClr val="dk1"/>
-                </a:solidFill>
-                <a:latin typeface="Courier New"/>
-                <a:ea typeface="Courier New"/>
-                <a:cs typeface="Courier New"/>
-                <a:sym typeface="Courier New"/>
-              </a:rPr>
-              <a:t>built on Apache Lucene.” - Solr’s Home Page</a:t>
-            </a:r>
-            <a:endParaRPr sz="2300">
-              <a:solidFill>
-                <a:schemeClr val="dk1"/>
-              </a:solidFill>
-              <a:latin typeface="Courier New"/>
-              <a:ea typeface="Courier New"/>
-              <a:cs typeface="Courier New"/>
-              <a:sym typeface="Courier New"/>
-            </a:endParaRPr>
-          </a:p>
-          <a:p>
-            <a:pPr indent="0" lvl="0" marL="0" rtl="0" algn="l">
-              <a:spcBef>
-                <a:spcPts val="1200"/>
-              </a:spcBef>
-              <a:spcAft>
-                <a:spcPts val="0"/>
-              </a:spcAft>
-              <a:buNone/>
-            </a:pPr>
-            <a:r>
-              <a:t/>
-            </a:r>
-            <a:endParaRPr sz="2300">
-              <a:solidFill>
-                <a:schemeClr val="dk1"/>
-              </a:solidFill>
-              <a:latin typeface="Courier New"/>
-              <a:ea typeface="Courier New"/>
-              <a:cs typeface="Courier New"/>
-              <a:sym typeface="Courier New"/>
-            </a:endParaRPr>
-          </a:p>
-          <a:p>
-            <a:pPr indent="0" lvl="0" marL="0" rtl="0" algn="l">
-              <a:spcBef>
-                <a:spcPts val="1200"/>
-              </a:spcBef>
-              <a:spcAft>
-                <a:spcPts val="1200"/>
-              </a:spcAft>
-              <a:buNone/>
-            </a:pPr>
-            <a:r>
-              <a:rPr lang="en" sz="2300">
-                <a:solidFill>
-                  <a:schemeClr val="dk1"/>
-                </a:solidFill>
-                <a:latin typeface="Courier New"/>
-                <a:ea typeface="Courier New"/>
-                <a:cs typeface="Courier New"/>
-                <a:sym typeface="Courier New"/>
-              </a:rPr>
-              <a:t>“Solr is a scalable, ready-to-deploy enterprise </a:t>
-            </a:r>
-            <a:r>
-              <a:rPr b="1" lang="en" sz="2300">
-                <a:solidFill>
-                  <a:schemeClr val="dk1"/>
-                </a:solidFill>
-                <a:latin typeface="Courier New"/>
-                <a:ea typeface="Courier New"/>
-                <a:cs typeface="Courier New"/>
-                <a:sym typeface="Courier New"/>
-              </a:rPr>
-              <a:t>search engine</a:t>
-            </a:r>
-            <a:r>
-              <a:rPr lang="en" sz="2300">
-                <a:solidFill>
-                  <a:schemeClr val="dk1"/>
-                </a:solidFill>
-                <a:latin typeface="Courier New"/>
-                <a:ea typeface="Courier New"/>
-                <a:cs typeface="Courier New"/>
-                <a:sym typeface="Courier New"/>
-              </a:rPr>
-              <a:t> that’s optimized to search large volumes of </a:t>
-            </a:r>
-            <a:r>
-              <a:rPr b="1" lang="en" sz="2300">
-                <a:solidFill>
-                  <a:schemeClr val="dk1"/>
-                </a:solidFill>
-                <a:latin typeface="Courier New"/>
-                <a:ea typeface="Courier New"/>
-                <a:cs typeface="Courier New"/>
-                <a:sym typeface="Courier New"/>
-              </a:rPr>
-              <a:t>text-centric data </a:t>
-            </a:r>
-            <a:r>
-              <a:rPr lang="en" sz="2300">
-                <a:solidFill>
-                  <a:schemeClr val="dk1"/>
-                </a:solidFill>
-                <a:latin typeface="Courier New"/>
-                <a:ea typeface="Courier New"/>
-                <a:cs typeface="Courier New"/>
-                <a:sym typeface="Courier New"/>
-              </a:rPr>
-              <a:t>and return </a:t>
-            </a:r>
-            <a:r>
-              <a:rPr b="1" lang="en" sz="2300">
-                <a:solidFill>
-                  <a:schemeClr val="dk1"/>
-                </a:solidFill>
-                <a:latin typeface="Courier New"/>
-                <a:ea typeface="Courier New"/>
-                <a:cs typeface="Courier New"/>
-                <a:sym typeface="Courier New"/>
-              </a:rPr>
-              <a:t>results sorted by relevance</a:t>
-            </a:r>
-            <a:r>
-              <a:rPr lang="en" sz="2300">
-                <a:solidFill>
-                  <a:schemeClr val="dk1"/>
-                </a:solidFill>
-                <a:latin typeface="Courier New"/>
-                <a:ea typeface="Courier New"/>
-                <a:cs typeface="Courier New"/>
-                <a:sym typeface="Courier New"/>
-              </a:rPr>
-              <a:t>.” - Solr in Action [p. 4]</a:t>
-            </a:r>
-            <a:endParaRPr sz="2300">
-              <a:solidFill>
-                <a:schemeClr val="dk1"/>
-              </a:solidFill>
-              <a:latin typeface="Courier New"/>
-              <a:ea typeface="Courier New"/>
-              <a:cs typeface="Courier New"/>
-              <a:sym typeface="Courier New"/>
-            </a:endParaRPr>
+              <a:t>https://github.com/hectorcorrea/solr-for-newbies/blob/main/tutorial.md#part-i-introduction</a:t>
+            </a:r>
+            <a:r>
+              <a:rPr lang="en"/>
+              <a:t> </a:t>
+            </a:r>
+            <a:endParaRPr/>
           </a:p>
         </p:txBody>
       </p:sp>
@@ -16658,7 +18114,7 @@
             </a:pPr>
             <a:r>
               <a:rPr lang="en"/>
-              <a:t>Why Solr at the Princeton University Library?</a:t>
+              <a:t>What is Solr?</a:t>
             </a:r>
             <a:endParaRPr/>
           </a:p>
@@ -16674,8 +18130,8 @@
         </p:nvSpPr>
         <p:spPr>
           <a:xfrm>
-            <a:off x="278400" y="1152475"/>
-            <a:ext cx="8520600" cy="3458400"/>
+            <a:off x="311700" y="1152475"/>
+            <a:ext cx="8520600" cy="3416400"/>
           </a:xfrm>
           <a:prstGeom prst="rect">
             <a:avLst/>
@@ -16683,80 +18139,68 @@
         </p:spPr>
         <p:txBody>
           <a:bodyPr anchorCtr="0" anchor="t" bIns="91425" lIns="91425" spcFirstLastPara="1" rIns="91425" wrap="square" tIns="91425">
-            <a:normAutofit/>
+            <a:normAutofit lnSpcReduction="10000"/>
           </a:bodyPr>
           <a:lstStyle/>
           <a:p>
-            <a:pPr indent="-342900" lvl="0" marL="457200" rtl="0" algn="l">
-              <a:spcBef>
-                <a:spcPts val="0"/>
-              </a:spcBef>
-              <a:spcAft>
-                <a:spcPts val="0"/>
-              </a:spcAft>
-              <a:buSzPts val="1800"/>
-              <a:buChar char="●"/>
-            </a:pPr>
-            <a:r>
-              <a:rPr lang="en"/>
-              <a:t>We have lots of text centric searches</a:t>
-            </a:r>
-            <a:endParaRPr/>
-          </a:p>
-          <a:p>
-            <a:pPr indent="-342900" lvl="0" marL="457200" rtl="0" algn="l">
-              <a:spcBef>
-                <a:spcPts val="0"/>
-              </a:spcBef>
-              <a:spcAft>
-                <a:spcPts val="0"/>
-              </a:spcAft>
-              <a:buSzPts val="1800"/>
-              <a:buChar char="●"/>
-            </a:pPr>
-            <a:r>
-              <a:rPr lang="en"/>
-              <a:t>Relevance in results is important to us</a:t>
-            </a:r>
-            <a:endParaRPr/>
-          </a:p>
-          <a:p>
-            <a:pPr indent="-342900" lvl="0" marL="457200" rtl="0" algn="l">
-              <a:spcBef>
-                <a:spcPts val="0"/>
-              </a:spcBef>
-              <a:spcAft>
-                <a:spcPts val="0"/>
-              </a:spcAft>
-              <a:buSzPts val="1800"/>
-              <a:buChar char="●"/>
-            </a:pPr>
-            <a:r>
-              <a:rPr lang="en"/>
-              <a:t>Solr is free and open-source</a:t>
-            </a:r>
-            <a:endParaRPr/>
-          </a:p>
-          <a:p>
-            <a:pPr indent="-342900" lvl="0" marL="457200" rtl="0" algn="l">
-              <a:spcBef>
-                <a:spcPts val="0"/>
-              </a:spcBef>
-              <a:spcAft>
-                <a:spcPts val="0"/>
-              </a:spcAft>
-              <a:buSzPts val="1800"/>
-              <a:buChar char="●"/>
-            </a:pPr>
-            <a:r>
-              <a:rPr lang="en"/>
-              <a:t>Facets </a:t>
-            </a:r>
-            <a:endParaRPr/>
-          </a:p>
-          <a:p>
             <a:pPr indent="0" lvl="0" marL="0" rtl="0" algn="l">
               <a:spcBef>
+                <a:spcPts val="0"/>
+              </a:spcBef>
+              <a:spcAft>
+                <a:spcPts val="0"/>
+              </a:spcAft>
+              <a:buNone/>
+            </a:pPr>
+            <a:r>
+              <a:rPr lang="en" sz="2300">
+                <a:solidFill>
+                  <a:schemeClr val="dk1"/>
+                </a:solidFill>
+                <a:latin typeface="Courier New"/>
+                <a:ea typeface="Courier New"/>
+                <a:cs typeface="Courier New"/>
+                <a:sym typeface="Courier New"/>
+              </a:rPr>
+              <a:t>“Solr is the popular, blazing-fast, open source enterprise </a:t>
+            </a:r>
+            <a:r>
+              <a:rPr b="1" lang="en" sz="2300">
+                <a:solidFill>
+                  <a:schemeClr val="dk1"/>
+                </a:solidFill>
+                <a:latin typeface="Courier New"/>
+                <a:ea typeface="Courier New"/>
+                <a:cs typeface="Courier New"/>
+                <a:sym typeface="Courier New"/>
+              </a:rPr>
+              <a:t>search platform </a:t>
+            </a:r>
+            <a:r>
+              <a:rPr lang="en" sz="2300">
+                <a:solidFill>
+                  <a:schemeClr val="dk1"/>
+                </a:solidFill>
+                <a:latin typeface="Courier New"/>
+                <a:ea typeface="Courier New"/>
+                <a:cs typeface="Courier New"/>
+                <a:sym typeface="Courier New"/>
+              </a:rPr>
+              <a:t>built on Apache Lucene.” - Solr’s Home Page</a:t>
+            </a:r>
+            <a:endParaRPr sz="2300">
+              <a:solidFill>
+                <a:schemeClr val="dk1"/>
+              </a:solidFill>
+              <a:latin typeface="Courier New"/>
+              <a:ea typeface="Courier New"/>
+              <a:cs typeface="Courier New"/>
+              <a:sym typeface="Courier New"/>
+            </a:endParaRPr>
+          </a:p>
+          <a:p>
+            <a:pPr indent="0" lvl="0" marL="0" rtl="0" algn="l">
+              <a:spcBef>
                 <a:spcPts val="1200"/>
               </a:spcBef>
               <a:spcAft>
@@ -16765,136 +18209,121 @@
               <a:buNone/>
             </a:pPr>
             <a:r>
-              <a:rPr b="1" lang="en"/>
-              <a:t>Where do we use it?</a:t>
-            </a:r>
-            <a:endParaRPr b="1"/>
-          </a:p>
-          <a:p>
-            <a:pPr indent="-342900" lvl="0" marL="457200" rtl="0" algn="l">
+              <a:t/>
+            </a:r>
+            <a:endParaRPr sz="2300">
+              <a:solidFill>
+                <a:schemeClr val="dk1"/>
+              </a:solidFill>
+              <a:latin typeface="Courier New"/>
+              <a:ea typeface="Courier New"/>
+              <a:cs typeface="Courier New"/>
+              <a:sym typeface="Courier New"/>
+            </a:endParaRPr>
+          </a:p>
+          <a:p>
+            <a:pPr indent="0" lvl="0" marL="0" rtl="0" algn="l">
               <a:spcBef>
                 <a:spcPts val="1200"/>
               </a:spcBef>
               <a:spcAft>
-                <a:spcPts val="0"/>
-              </a:spcAft>
-              <a:buSzPts val="1800"/>
-              <a:buChar char="●"/>
-            </a:pPr>
-            <a:r>
-              <a:rPr lang="en" u="sng">
+                <a:spcPts val="1200"/>
+              </a:spcAft>
+              <a:buNone/>
+            </a:pPr>
+            <a:r>
+              <a:rPr lang="en" sz="2300">
                 <a:solidFill>
-                  <a:schemeClr val="accent5"/>
+                  <a:schemeClr val="dk1"/>
                 </a:solidFill>
-                <a:hlinkClick r:id="rId3">
-                  <a:extLst>
-                    <a:ext uri="{A12FA001-AC4F-418D-AE19-62706E023703}">
-                      <ahyp:hlinkClr val="tx"/>
-                    </a:ext>
-                  </a:extLst>
-                </a:hlinkClick>
+                <a:latin typeface="Courier New"/>
+                <a:ea typeface="Courier New"/>
+                <a:cs typeface="Courier New"/>
+                <a:sym typeface="Courier New"/>
               </a:rPr>
-              <a:t>Catalog</a:t>
-            </a:r>
-            <a:endParaRPr/>
-          </a:p>
-          <a:p>
-            <a:pPr indent="-342900" lvl="0" marL="457200" rtl="0" algn="l">
-              <a:spcBef>
-                <a:spcPts val="0"/>
-              </a:spcBef>
-              <a:spcAft>
-                <a:spcPts val="0"/>
-              </a:spcAft>
-              <a:buSzPts val="1800"/>
-              <a:buChar char="●"/>
-            </a:pPr>
-            <a:r>
-              <a:rPr lang="en" u="sng">
+              <a:t>“Solr is a scalable, ready-to-deploy enterprise </a:t>
+            </a:r>
+            <a:r>
+              <a:rPr b="1" lang="en" sz="2300">
                 <a:solidFill>
-                  <a:schemeClr val="accent5"/>
+                  <a:schemeClr val="dk1"/>
                 </a:solidFill>
-                <a:hlinkClick r:id="rId4">
-                  <a:extLst>
-                    <a:ext uri="{A12FA001-AC4F-418D-AE19-62706E023703}">
-                      <ahyp:hlinkClr val="tx"/>
-                    </a:ext>
-                  </a:extLst>
-                </a:hlinkClick>
+                <a:latin typeface="Courier New"/>
+                <a:ea typeface="Courier New"/>
+                <a:cs typeface="Courier New"/>
+                <a:sym typeface="Courier New"/>
               </a:rPr>
-              <a:t>PDC Discovery</a:t>
-            </a:r>
-            <a:endParaRPr/>
-          </a:p>
-          <a:p>
-            <a:pPr indent="-342900" lvl="0" marL="457200" rtl="0" algn="l">
-              <a:spcBef>
-                <a:spcPts val="0"/>
-              </a:spcBef>
-              <a:spcAft>
-                <a:spcPts val="0"/>
-              </a:spcAft>
-              <a:buSzPts val="1800"/>
-              <a:buChar char="●"/>
-            </a:pPr>
-            <a:r>
-              <a:rPr lang="en" u="sng">
+              <a:t>search engine</a:t>
+            </a:r>
+            <a:r>
+              <a:rPr lang="en" sz="2300">
                 <a:solidFill>
-                  <a:schemeClr val="accent5"/>
+                  <a:schemeClr val="dk1"/>
                 </a:solidFill>
-                <a:hlinkClick r:id="rId5">
-                  <a:extLst>
-                    <a:ext uri="{A12FA001-AC4F-418D-AE19-62706E023703}">
-                      <ahyp:hlinkClr val="tx"/>
-                    </a:ext>
-                  </a:extLst>
-                </a:hlinkClick>
+                <a:latin typeface="Courier New"/>
+                <a:ea typeface="Courier New"/>
+                <a:cs typeface="Courier New"/>
+                <a:sym typeface="Courier New"/>
               </a:rPr>
-              <a:t>Figgy</a:t>
-            </a:r>
-            <a:r>
-              <a:rPr lang="en"/>
-              <a:t>, </a:t>
-            </a:r>
-            <a:r>
-              <a:rPr lang="en" u="sng">
+              <a:t> that’s optimized to search large volumes of </a:t>
+            </a:r>
+            <a:r>
+              <a:rPr b="1" lang="en" sz="2300">
                 <a:solidFill>
-                  <a:schemeClr val="accent5"/>
+                  <a:schemeClr val="dk1"/>
                 </a:solidFill>
-                <a:hlinkClick r:id="rId6">
-                  <a:extLst>
-                    <a:ext uri="{A12FA001-AC4F-418D-AE19-62706E023703}">
-                      <ahyp:hlinkClr val="tx"/>
-                    </a:ext>
-                  </a:extLst>
-                </a:hlinkClick>
+                <a:latin typeface="Courier New"/>
+                <a:ea typeface="Courier New"/>
+                <a:cs typeface="Courier New"/>
+                <a:sym typeface="Courier New"/>
               </a:rPr>
-              <a:t>Finding Aids</a:t>
-            </a:r>
-            <a:r>
-              <a:rPr lang="en"/>
-              <a:t>, </a:t>
-            </a:r>
-            <a:r>
-              <a:rPr lang="en" u="sng">
+              <a:t>text-centric data </a:t>
+            </a:r>
+            <a:r>
+              <a:rPr lang="en" sz="2300">
                 <a:solidFill>
-                  <a:schemeClr val="accent5"/>
+                  <a:schemeClr val="dk1"/>
                 </a:solidFill>
-                <a:hlinkClick r:id="rId7">
-                  <a:extLst>
-                    <a:ext uri="{A12FA001-AC4F-418D-AE19-62706E023703}">
-                      <ahyp:hlinkClr val="tx"/>
-                    </a:ext>
-                  </a:extLst>
-                </a:hlinkClick>
+                <a:latin typeface="Courier New"/>
+                <a:ea typeface="Courier New"/>
+                <a:cs typeface="Courier New"/>
+                <a:sym typeface="Courier New"/>
               </a:rPr>
-              <a:t>Digital PUL</a:t>
-            </a:r>
-            <a:r>
-              <a:rPr lang="en"/>
-              <a:t>, and many more</a:t>
-            </a:r>
-            <a:endParaRPr/>
+              <a:t>and return </a:t>
+            </a:r>
+            <a:r>
+              <a:rPr b="1" lang="en" sz="2300">
+                <a:solidFill>
+                  <a:schemeClr val="dk1"/>
+                </a:solidFill>
+                <a:latin typeface="Courier New"/>
+                <a:ea typeface="Courier New"/>
+                <a:cs typeface="Courier New"/>
+                <a:sym typeface="Courier New"/>
+              </a:rPr>
+              <a:t>results sorted by relevance</a:t>
+            </a:r>
+            <a:r>
+              <a:rPr lang="en" sz="2300">
+                <a:solidFill>
+                  <a:schemeClr val="dk1"/>
+                </a:solidFill>
+                <a:latin typeface="Courier New"/>
+                <a:ea typeface="Courier New"/>
+                <a:cs typeface="Courier New"/>
+                <a:sym typeface="Courier New"/>
+              </a:rPr>
+              <a:t>.” - Solr in Action [p. 4]</a:t>
+            </a:r>
+            <a:endParaRPr sz="2300">
+              <a:solidFill>
+                <a:schemeClr val="dk1"/>
+              </a:solidFill>
+              <a:latin typeface="Courier New"/>
+              <a:ea typeface="Courier New"/>
+              <a:cs typeface="Courier New"/>
+              <a:sym typeface="Courier New"/>
+            </a:endParaRPr>
           </a:p>
         </p:txBody>
       </p:sp>
@@ -16957,7 +18386,7 @@
             </a:pPr>
             <a:r>
               <a:rPr lang="en"/>
-              <a:t>Related tools and concepts</a:t>
+              <a:t>Why Solr is popular in libraries?</a:t>
             </a:r>
             <a:endParaRPr/>
           </a:p>
@@ -16973,8 +18402,8 @@
         </p:nvSpPr>
         <p:spPr>
           <a:xfrm>
-            <a:off x="311700" y="1152475"/>
-            <a:ext cx="8520600" cy="3525000"/>
+            <a:off x="278400" y="1152475"/>
+            <a:ext cx="8520600" cy="3458400"/>
           </a:xfrm>
           <a:prstGeom prst="rect">
             <a:avLst/>
@@ -16982,288 +18411,209 @@
         </p:spPr>
         <p:txBody>
           <a:bodyPr anchorCtr="0" anchor="t" bIns="91425" lIns="91425" spcFirstLastPara="1" rIns="91425" wrap="square" tIns="91425">
-            <a:noAutofit/>
+            <a:normAutofit/>
           </a:bodyPr>
           <a:lstStyle/>
           <a:p>
-            <a:pPr indent="-314960" lvl="0" marL="457200" rtl="0" algn="l">
-              <a:lnSpc>
-                <a:spcPct val="140000"/>
-              </a:lnSpc>
-              <a:spcBef>
-                <a:spcPts val="0"/>
-              </a:spcBef>
-              <a:spcAft>
-                <a:spcPts val="0"/>
-              </a:spcAft>
-              <a:buSzPts val="1360"/>
+            <a:pPr indent="-342900" lvl="0" marL="457200" rtl="0" algn="l">
+              <a:spcBef>
+                <a:spcPts val="0"/>
+              </a:spcBef>
+              <a:spcAft>
+                <a:spcPts val="0"/>
+              </a:spcAft>
+              <a:buSzPts val="1800"/>
               <a:buChar char="●"/>
             </a:pPr>
             <a:r>
-              <a:rPr lang="en" sz="1360" u="sng">
+              <a:rPr lang="en"/>
+              <a:t>We have lots of text centric searches</a:t>
+            </a:r>
+            <a:endParaRPr/>
+          </a:p>
+          <a:p>
+            <a:pPr indent="-342900" lvl="0" marL="457200" rtl="0" algn="l">
+              <a:spcBef>
+                <a:spcPts val="0"/>
+              </a:spcBef>
+              <a:spcAft>
+                <a:spcPts val="0"/>
+              </a:spcAft>
+              <a:buSzPts val="1800"/>
+              <a:buChar char="●"/>
+            </a:pPr>
+            <a:r>
+              <a:rPr lang="en"/>
+              <a:t>Relevance in results is important to us</a:t>
+            </a:r>
+            <a:endParaRPr/>
+          </a:p>
+          <a:p>
+            <a:pPr indent="-342900" lvl="0" marL="457200" rtl="0" algn="l">
+              <a:spcBef>
+                <a:spcPts val="0"/>
+              </a:spcBef>
+              <a:spcAft>
+                <a:spcPts val="0"/>
+              </a:spcAft>
+              <a:buSzPts val="1800"/>
+              <a:buChar char="●"/>
+            </a:pPr>
+            <a:r>
+              <a:rPr lang="en"/>
+              <a:t>Solr is free and open-source</a:t>
+            </a:r>
+            <a:endParaRPr/>
+          </a:p>
+          <a:p>
+            <a:pPr indent="-342900" lvl="0" marL="457200" rtl="0" algn="l">
+              <a:spcBef>
+                <a:spcPts val="0"/>
+              </a:spcBef>
+              <a:spcAft>
+                <a:spcPts val="0"/>
+              </a:spcAft>
+              <a:buSzPts val="1800"/>
+              <a:buChar char="●"/>
+            </a:pPr>
+            <a:r>
+              <a:rPr lang="en"/>
+              <a:t>Facets </a:t>
+            </a:r>
+            <a:endParaRPr/>
+          </a:p>
+          <a:p>
+            <a:pPr indent="0" lvl="0" marL="0" rtl="0" algn="l">
+              <a:spcBef>
+                <a:spcPts val="1200"/>
+              </a:spcBef>
+              <a:spcAft>
+                <a:spcPts val="0"/>
+              </a:spcAft>
+              <a:buNone/>
+            </a:pPr>
+            <a:r>
+              <a:rPr b="1" lang="en"/>
+              <a:t>A few examples:</a:t>
+            </a:r>
+            <a:endParaRPr b="1"/>
+          </a:p>
+          <a:p>
+            <a:pPr indent="-342900" lvl="0" marL="457200" rtl="0" algn="l">
+              <a:spcBef>
+                <a:spcPts val="1200"/>
+              </a:spcBef>
+              <a:spcAft>
+                <a:spcPts val="0"/>
+              </a:spcAft>
+              <a:buSzPts val="1800"/>
+              <a:buChar char="●"/>
+            </a:pPr>
+            <a:r>
+              <a:rPr lang="en"/>
+              <a:t>Library Catalogs: </a:t>
+            </a:r>
+            <a:r>
+              <a:rPr lang="en" u="sng">
                 <a:solidFill>
-                  <a:schemeClr val="accent5"/>
+                  <a:schemeClr val="hlink"/>
                 </a:solidFill>
-                <a:hlinkClick r:id="rId3">
-                  <a:extLst>
-                    <a:ext uri="{A12FA001-AC4F-418D-AE19-62706E023703}">
-                      <ahyp:hlinkClr val="tx"/>
-                    </a:ext>
-                  </a:extLst>
-                </a:hlinkClick>
+                <a:hlinkClick r:id="rId3"/>
               </a:rPr>
-              <a:t>Apache Solr</a:t>
-            </a:r>
-            <a:r>
-              <a:rPr lang="en" sz="1360"/>
-              <a:t> </a:t>
-            </a:r>
-            <a:endParaRPr sz="1360"/>
-          </a:p>
-          <a:p>
-            <a:pPr indent="-316230" lvl="1" marL="914400" rtl="0" algn="l">
-              <a:lnSpc>
-                <a:spcPct val="140000"/>
-              </a:lnSpc>
-              <a:spcBef>
-                <a:spcPts val="0"/>
-              </a:spcBef>
-              <a:spcAft>
-                <a:spcPts val="0"/>
-              </a:spcAft>
-              <a:buSzPts val="1380"/>
-              <a:buChar char="○"/>
-            </a:pPr>
-            <a:r>
-              <a:rPr lang="en" sz="1380"/>
-              <a:t>The Java app that we use, uses Lucene under the hood</a:t>
-            </a:r>
-            <a:endParaRPr sz="1380"/>
-          </a:p>
-          <a:p>
-            <a:pPr indent="-316230" lvl="1" marL="914400" rtl="0" algn="l">
-              <a:lnSpc>
-                <a:spcPct val="140000"/>
-              </a:lnSpc>
-              <a:spcBef>
-                <a:spcPts val="0"/>
-              </a:spcBef>
-              <a:spcAft>
-                <a:spcPts val="0"/>
-              </a:spcAft>
-              <a:buSzPts val="1380"/>
-              <a:buChar char="○"/>
-            </a:pPr>
-            <a:r>
-              <a:rPr lang="en" sz="1380"/>
-              <a:t>Accessible via HTTP requests, no need to use Java to index or query</a:t>
-            </a:r>
-            <a:endParaRPr sz="1380"/>
-          </a:p>
-          <a:p>
-            <a:pPr indent="-314960" lvl="0" marL="457200" rtl="0" algn="l">
-              <a:lnSpc>
-                <a:spcPct val="140000"/>
-              </a:lnSpc>
-              <a:spcBef>
-                <a:spcPts val="0"/>
-              </a:spcBef>
-              <a:spcAft>
-                <a:spcPts val="0"/>
-              </a:spcAft>
-              <a:buSzPts val="1360"/>
+              <a:t>Princeton</a:t>
+            </a:r>
+            <a:r>
+              <a:rPr lang="en"/>
+              <a:t> and </a:t>
+            </a:r>
+            <a:r>
+              <a:rPr lang="en" u="sng">
+                <a:solidFill>
+                  <a:schemeClr val="hlink"/>
+                </a:solidFill>
+                <a:hlinkClick r:id="rId4"/>
+              </a:rPr>
+              <a:t>Stanford</a:t>
+            </a:r>
+            <a:endParaRPr/>
+          </a:p>
+          <a:p>
+            <a:pPr indent="-342900" lvl="0" marL="457200" rtl="0" algn="l">
+              <a:spcBef>
+                <a:spcPts val="0"/>
+              </a:spcBef>
+              <a:spcAft>
+                <a:spcPts val="0"/>
+              </a:spcAft>
+              <a:buSzPts val="1800"/>
               <a:buChar char="●"/>
             </a:pPr>
             <a:r>
-              <a:rPr lang="en" sz="1360" u="sng">
-                <a:solidFill>
-                  <a:schemeClr val="accent5"/>
-                </a:solidFill>
-                <a:hlinkClick r:id="rId4">
-                  <a:extLst>
-                    <a:ext uri="{A12FA001-AC4F-418D-AE19-62706E023703}">
-                      <ahyp:hlinkClr val="tx"/>
-                    </a:ext>
-                  </a:extLst>
-                </a:hlinkClick>
-              </a:rPr>
-              <a:t>Apache Lucene</a:t>
-            </a:r>
-            <a:r>
-              <a:rPr lang="en" sz="1360"/>
-              <a:t> - brains behind Solr, used internally by Java applications</a:t>
-            </a:r>
-            <a:endParaRPr sz="1380"/>
-          </a:p>
-          <a:p>
-            <a:pPr indent="-314960" lvl="0" marL="457200" rtl="0" algn="l">
-              <a:lnSpc>
-                <a:spcPct val="140000"/>
-              </a:lnSpc>
-              <a:spcBef>
-                <a:spcPts val="0"/>
-              </a:spcBef>
-              <a:spcAft>
-                <a:spcPts val="0"/>
-              </a:spcAft>
-              <a:buSzPts val="1360"/>
-              <a:buChar char="●"/>
-            </a:pPr>
-            <a:r>
-              <a:rPr lang="en" sz="1360" u="sng">
+              <a:rPr lang="en"/>
+              <a:t>Institutional Repositories: </a:t>
+            </a:r>
+            <a:r>
+              <a:rPr lang="en" u="sng">
                 <a:solidFill>
                   <a:schemeClr val="hlink"/>
                 </a:solidFill>
                 <a:hlinkClick r:id="rId5"/>
               </a:rPr>
-              <a:t>Apache Software Foundation</a:t>
-            </a:r>
-            <a:r>
-              <a:rPr lang="en" sz="1360"/>
-              <a:t> (ASF)</a:t>
-            </a:r>
-            <a:endParaRPr sz="1360"/>
-          </a:p>
-          <a:p>
-            <a:pPr indent="-314960" lvl="0" marL="457200" rtl="0" algn="l">
-              <a:lnSpc>
-                <a:spcPct val="140000"/>
-              </a:lnSpc>
-              <a:spcBef>
-                <a:spcPts val="0"/>
-              </a:spcBef>
-              <a:spcAft>
-                <a:spcPts val="0"/>
-              </a:spcAft>
-              <a:buSzPts val="1360"/>
-              <a:buChar char="●"/>
-            </a:pPr>
-            <a:r>
-              <a:rPr lang="en" sz="1360" u="sng">
+              <a:t>Penn State</a:t>
+            </a:r>
+            <a:r>
+              <a:rPr lang="en"/>
+              <a:t> and </a:t>
+            </a:r>
+            <a:r>
+              <a:rPr lang="en" u="sng">
                 <a:solidFill>
                   <a:schemeClr val="hlink"/>
                 </a:solidFill>
                 <a:hlinkClick r:id="rId6"/>
               </a:rPr>
-              <a:t>ElasticSearch</a:t>
-            </a:r>
-            <a:r>
-              <a:rPr lang="en" sz="1360"/>
-              <a:t> </a:t>
-            </a:r>
-            <a:endParaRPr sz="1360"/>
-          </a:p>
-          <a:p>
-            <a:pPr indent="-316230" lvl="1" marL="914400" rtl="0" algn="l">
-              <a:lnSpc>
-                <a:spcPct val="140000"/>
-              </a:lnSpc>
-              <a:spcBef>
-                <a:spcPts val="0"/>
-              </a:spcBef>
-              <a:spcAft>
-                <a:spcPts val="0"/>
-              </a:spcAft>
-              <a:buSzPts val="1380"/>
-              <a:buChar char="○"/>
-            </a:pPr>
-            <a:r>
-              <a:rPr lang="en" sz="1380"/>
-              <a:t>Another product like Solr that also uses Lucene, i</a:t>
-            </a:r>
-            <a:r>
-              <a:rPr lang="en" sz="1380"/>
-              <a:t>ncreasingly popular</a:t>
-            </a:r>
-            <a:endParaRPr sz="1380"/>
-          </a:p>
-          <a:p>
-            <a:pPr indent="-316230" lvl="1" marL="914400" rtl="0" algn="l">
-              <a:lnSpc>
-                <a:spcPct val="140000"/>
-              </a:lnSpc>
-              <a:spcBef>
-                <a:spcPts val="0"/>
-              </a:spcBef>
-              <a:spcAft>
-                <a:spcPts val="0"/>
-              </a:spcAft>
-              <a:buSzPts val="1380"/>
-              <a:buChar char="○"/>
-            </a:pPr>
-            <a:r>
-              <a:rPr lang="en" sz="1380"/>
-              <a:t>N</a:t>
-            </a:r>
-            <a:r>
-              <a:rPr lang="en" sz="1380"/>
-              <a:t>ot from ASF, weird license, not entirely open-source</a:t>
-            </a:r>
-            <a:endParaRPr sz="1380"/>
-          </a:p>
-          <a:p>
-            <a:pPr indent="-314960" lvl="0" marL="457200" rtl="0" algn="l">
-              <a:lnSpc>
-                <a:spcPct val="140000"/>
-              </a:lnSpc>
-              <a:spcBef>
-                <a:spcPts val="0"/>
-              </a:spcBef>
-              <a:spcAft>
-                <a:spcPts val="0"/>
-              </a:spcAft>
-              <a:buSzPts val="1360"/>
+              <a:t>Brown</a:t>
+            </a:r>
+            <a:endParaRPr/>
+          </a:p>
+          <a:p>
+            <a:pPr indent="-342900" lvl="0" marL="457200" rtl="0" algn="l">
+              <a:spcBef>
+                <a:spcPts val="0"/>
+              </a:spcBef>
+              <a:spcAft>
+                <a:spcPts val="0"/>
+              </a:spcAft>
+              <a:buSzPts val="1800"/>
               <a:buChar char="●"/>
             </a:pPr>
             <a:r>
-              <a:rPr lang="en" sz="1360"/>
-              <a:t>Indexing - when we </a:t>
-            </a:r>
-            <a:r>
-              <a:rPr lang="en" sz="1360"/>
-              <a:t>ingest data into Solr</a:t>
-            </a:r>
-            <a:endParaRPr sz="1360"/>
-          </a:p>
-          <a:p>
-            <a:pPr indent="-314960" lvl="0" marL="457200" rtl="0" algn="l">
-              <a:lnSpc>
-                <a:spcPct val="140000"/>
-              </a:lnSpc>
-              <a:spcBef>
-                <a:spcPts val="0"/>
-              </a:spcBef>
-              <a:spcAft>
-                <a:spcPts val="0"/>
-              </a:spcAft>
-              <a:buSzPts val="1360"/>
-              <a:buChar char="●"/>
-            </a:pPr>
-            <a:r>
-              <a:rPr lang="en" sz="1360"/>
-              <a:t>Querying - when we search for data in Solr</a:t>
-            </a:r>
-            <a:endParaRPr sz="1360"/>
-          </a:p>
-          <a:p>
-            <a:pPr indent="-314960" lvl="0" marL="457200" rtl="0" algn="l">
-              <a:lnSpc>
-                <a:spcPct val="140000"/>
-              </a:lnSpc>
-              <a:spcBef>
-                <a:spcPts val="0"/>
-              </a:spcBef>
-              <a:spcAft>
-                <a:spcPts val="0"/>
-              </a:spcAft>
-              <a:buSzPts val="1360"/>
-              <a:buChar char="●"/>
-            </a:pPr>
-            <a:r>
-              <a:rPr lang="en" sz="1360"/>
-              <a:t>Tokenizing - a process of splitting a large text into smaller pieces (tokens)</a:t>
-            </a:r>
-            <a:endParaRPr sz="1360"/>
+              <a:rPr lang="en"/>
+              <a:t>Finding Aids: </a:t>
+            </a:r>
+            <a:r>
+              <a:rPr lang="en" u="sng">
+                <a:solidFill>
+                  <a:schemeClr val="hlink"/>
+                </a:solidFill>
+                <a:hlinkClick r:id="rId7"/>
+              </a:rPr>
+              <a:t>Princeton</a:t>
+            </a:r>
+            <a:r>
+              <a:rPr lang="en"/>
+              <a:t> and </a:t>
+            </a:r>
+            <a:r>
+              <a:rPr lang="en" u="sng">
+                <a:solidFill>
+                  <a:schemeClr val="hlink"/>
+                </a:solidFill>
+                <a:hlinkClick r:id="rId8"/>
+              </a:rPr>
+              <a:t>NYU</a:t>
+            </a:r>
+            <a:endParaRPr/>
           </a:p>
         </p:txBody>
       </p:sp>
@@ -17326,7 +18676,7 @@
             </a:pPr>
             <a:r>
               <a:rPr lang="en"/>
-              <a:t>Solr in our apps</a:t>
+              <a:t>Related tools and concepts</a:t>
             </a:r>
             <a:endParaRPr/>
           </a:p>
@@ -17335,6 +18685,458 @@
       <p:sp>
         <p:nvSpPr>
           <p:cNvPr id="92" name="Google Shape;92;p19"/>
+          <p:cNvSpPr txBox="1"/>
+          <p:nvPr>
+            <p:ph idx="1" type="body"/>
+          </p:nvPr>
+        </p:nvSpPr>
+        <p:spPr>
+          <a:xfrm>
+            <a:off x="311700" y="1152475"/>
+            <a:ext cx="8520600" cy="3525000"/>
+          </a:xfrm>
+          <a:prstGeom prst="rect">
+            <a:avLst/>
+          </a:prstGeom>
+        </p:spPr>
+        <p:txBody>
+          <a:bodyPr anchorCtr="0" anchor="t" bIns="91425" lIns="91425" spcFirstLastPara="1" rIns="91425" wrap="square" tIns="91425">
+            <a:noAutofit/>
+          </a:bodyPr>
+          <a:lstStyle/>
+          <a:p>
+            <a:pPr indent="-314960" lvl="0" marL="457200" rtl="0" algn="l">
+              <a:lnSpc>
+                <a:spcPct val="140000"/>
+              </a:lnSpc>
+              <a:spcBef>
+                <a:spcPts val="0"/>
+              </a:spcBef>
+              <a:spcAft>
+                <a:spcPts val="0"/>
+              </a:spcAft>
+              <a:buSzPts val="1360"/>
+              <a:buChar char="●"/>
+            </a:pPr>
+            <a:r>
+              <a:rPr lang="en" sz="1360" u="sng">
+                <a:solidFill>
+                  <a:schemeClr val="accent5"/>
+                </a:solidFill>
+                <a:hlinkClick r:id="rId3">
+                  <a:extLst>
+                    <a:ext uri="{A12FA001-AC4F-418D-AE19-62706E023703}">
+                      <ahyp:hlinkClr val="tx"/>
+                    </a:ext>
+                  </a:extLst>
+                </a:hlinkClick>
+              </a:rPr>
+              <a:t>Apache Solr</a:t>
+            </a:r>
+            <a:r>
+              <a:rPr lang="en" sz="1360"/>
+              <a:t> </a:t>
+            </a:r>
+            <a:endParaRPr sz="1360"/>
+          </a:p>
+          <a:p>
+            <a:pPr indent="-316230" lvl="1" marL="914400" rtl="0" algn="l">
+              <a:lnSpc>
+                <a:spcPct val="140000"/>
+              </a:lnSpc>
+              <a:spcBef>
+                <a:spcPts val="0"/>
+              </a:spcBef>
+              <a:spcAft>
+                <a:spcPts val="0"/>
+              </a:spcAft>
+              <a:buSzPts val="1380"/>
+              <a:buChar char="○"/>
+            </a:pPr>
+            <a:r>
+              <a:rPr lang="en" sz="1380"/>
+              <a:t>The Java app that we use, uses Lucene under the hood</a:t>
+            </a:r>
+            <a:endParaRPr sz="1380"/>
+          </a:p>
+          <a:p>
+            <a:pPr indent="-316230" lvl="1" marL="914400" rtl="0" algn="l">
+              <a:lnSpc>
+                <a:spcPct val="140000"/>
+              </a:lnSpc>
+              <a:spcBef>
+                <a:spcPts val="0"/>
+              </a:spcBef>
+              <a:spcAft>
+                <a:spcPts val="0"/>
+              </a:spcAft>
+              <a:buSzPts val="1380"/>
+              <a:buChar char="○"/>
+            </a:pPr>
+            <a:r>
+              <a:rPr lang="en" sz="1380"/>
+              <a:t>Accessible via HTTP requests, no need to use Java to index or query</a:t>
+            </a:r>
+            <a:endParaRPr sz="1380"/>
+          </a:p>
+          <a:p>
+            <a:pPr indent="-314960" lvl="0" marL="457200" rtl="0" algn="l">
+              <a:lnSpc>
+                <a:spcPct val="140000"/>
+              </a:lnSpc>
+              <a:spcBef>
+                <a:spcPts val="0"/>
+              </a:spcBef>
+              <a:spcAft>
+                <a:spcPts val="0"/>
+              </a:spcAft>
+              <a:buSzPts val="1360"/>
+              <a:buChar char="●"/>
+            </a:pPr>
+            <a:r>
+              <a:rPr lang="en" sz="1360" u="sng">
+                <a:solidFill>
+                  <a:schemeClr val="accent5"/>
+                </a:solidFill>
+                <a:hlinkClick r:id="rId4">
+                  <a:extLst>
+                    <a:ext uri="{A12FA001-AC4F-418D-AE19-62706E023703}">
+                      <ahyp:hlinkClr val="tx"/>
+                    </a:ext>
+                  </a:extLst>
+                </a:hlinkClick>
+              </a:rPr>
+              <a:t>Apache Lucene</a:t>
+            </a:r>
+            <a:r>
+              <a:rPr lang="en" sz="1360"/>
+              <a:t> - brains behind Solr, used internally by Java applications</a:t>
+            </a:r>
+            <a:endParaRPr sz="1380"/>
+          </a:p>
+          <a:p>
+            <a:pPr indent="-314960" lvl="0" marL="457200" rtl="0" algn="l">
+              <a:lnSpc>
+                <a:spcPct val="140000"/>
+              </a:lnSpc>
+              <a:spcBef>
+                <a:spcPts val="0"/>
+              </a:spcBef>
+              <a:spcAft>
+                <a:spcPts val="0"/>
+              </a:spcAft>
+              <a:buSzPts val="1360"/>
+              <a:buChar char="●"/>
+            </a:pPr>
+            <a:r>
+              <a:rPr lang="en" sz="1360" u="sng">
+                <a:solidFill>
+                  <a:schemeClr val="hlink"/>
+                </a:solidFill>
+                <a:hlinkClick r:id="rId5"/>
+              </a:rPr>
+              <a:t>Apache Software Foundation</a:t>
+            </a:r>
+            <a:r>
+              <a:rPr lang="en" sz="1360"/>
+              <a:t> (ASF)*</a:t>
+            </a:r>
+            <a:endParaRPr sz="1360"/>
+          </a:p>
+          <a:p>
+            <a:pPr indent="-314960" lvl="0" marL="457200" rtl="0" algn="l">
+              <a:lnSpc>
+                <a:spcPct val="140000"/>
+              </a:lnSpc>
+              <a:spcBef>
+                <a:spcPts val="0"/>
+              </a:spcBef>
+              <a:spcAft>
+                <a:spcPts val="0"/>
+              </a:spcAft>
+              <a:buSzPts val="1360"/>
+              <a:buChar char="●"/>
+            </a:pPr>
+            <a:r>
+              <a:rPr lang="en" sz="1360" u="sng">
+                <a:solidFill>
+                  <a:schemeClr val="hlink"/>
+                </a:solidFill>
+                <a:hlinkClick r:id="rId6"/>
+              </a:rPr>
+              <a:t>ElasticSearch</a:t>
+            </a:r>
+            <a:r>
+              <a:rPr lang="en" sz="1360"/>
+              <a:t> </a:t>
+            </a:r>
+            <a:endParaRPr sz="1360"/>
+          </a:p>
+          <a:p>
+            <a:pPr indent="-316230" lvl="1" marL="914400" rtl="0" algn="l">
+              <a:lnSpc>
+                <a:spcPct val="140000"/>
+              </a:lnSpc>
+              <a:spcBef>
+                <a:spcPts val="0"/>
+              </a:spcBef>
+              <a:spcAft>
+                <a:spcPts val="0"/>
+              </a:spcAft>
+              <a:buSzPts val="1380"/>
+              <a:buChar char="○"/>
+            </a:pPr>
+            <a:r>
+              <a:rPr lang="en" sz="1380"/>
+              <a:t>Another product like Solr that also uses Lucene, i</a:t>
+            </a:r>
+            <a:r>
+              <a:rPr lang="en" sz="1380"/>
+              <a:t>ncreasingly popular</a:t>
+            </a:r>
+            <a:endParaRPr sz="1380"/>
+          </a:p>
+          <a:p>
+            <a:pPr indent="-316230" lvl="1" marL="914400" rtl="0" algn="l">
+              <a:lnSpc>
+                <a:spcPct val="140000"/>
+              </a:lnSpc>
+              <a:spcBef>
+                <a:spcPts val="0"/>
+              </a:spcBef>
+              <a:spcAft>
+                <a:spcPts val="0"/>
+              </a:spcAft>
+              <a:buSzPts val="1380"/>
+              <a:buChar char="○"/>
+            </a:pPr>
+            <a:r>
+              <a:rPr lang="en" sz="1380"/>
+              <a:t>N</a:t>
+            </a:r>
+            <a:r>
+              <a:rPr lang="en" sz="1380"/>
+              <a:t>ot from ASF, weird license, not entirely open-source</a:t>
+            </a:r>
+            <a:endParaRPr sz="1380"/>
+          </a:p>
+          <a:p>
+            <a:pPr indent="-314960" lvl="0" marL="457200" rtl="0" algn="l">
+              <a:lnSpc>
+                <a:spcPct val="140000"/>
+              </a:lnSpc>
+              <a:spcBef>
+                <a:spcPts val="0"/>
+              </a:spcBef>
+              <a:spcAft>
+                <a:spcPts val="0"/>
+              </a:spcAft>
+              <a:buSzPts val="1360"/>
+              <a:buChar char="●"/>
+            </a:pPr>
+            <a:r>
+              <a:rPr lang="en" sz="1360"/>
+              <a:t>Indexing - when we </a:t>
+            </a:r>
+            <a:r>
+              <a:rPr lang="en" sz="1360"/>
+              <a:t>ingest data into Solr</a:t>
+            </a:r>
+            <a:endParaRPr sz="1360"/>
+          </a:p>
+          <a:p>
+            <a:pPr indent="-314960" lvl="0" marL="457200" rtl="0" algn="l">
+              <a:lnSpc>
+                <a:spcPct val="140000"/>
+              </a:lnSpc>
+              <a:spcBef>
+                <a:spcPts val="0"/>
+              </a:spcBef>
+              <a:spcAft>
+                <a:spcPts val="0"/>
+              </a:spcAft>
+              <a:buSzPts val="1360"/>
+              <a:buChar char="●"/>
+            </a:pPr>
+            <a:r>
+              <a:rPr lang="en" sz="1360"/>
+              <a:t>Querying - when we search for data in Solr</a:t>
+            </a:r>
+            <a:endParaRPr sz="1360"/>
+          </a:p>
+          <a:p>
+            <a:pPr indent="-314960" lvl="0" marL="457200" rtl="0" algn="l">
+              <a:lnSpc>
+                <a:spcPct val="140000"/>
+              </a:lnSpc>
+              <a:spcBef>
+                <a:spcPts val="0"/>
+              </a:spcBef>
+              <a:spcAft>
+                <a:spcPts val="0"/>
+              </a:spcAft>
+              <a:buSzPts val="1360"/>
+              <a:buChar char="●"/>
+            </a:pPr>
+            <a:r>
+              <a:rPr lang="en" sz="1360"/>
+              <a:t>Tokenizing - a process of splitting a large text into smaller pieces (tokens)</a:t>
+            </a:r>
+            <a:endParaRPr sz="1360"/>
+          </a:p>
+        </p:txBody>
+      </p:sp>
+      <p:sp>
+        <p:nvSpPr>
+          <p:cNvPr id="93" name="Google Shape;93;p19"/>
+          <p:cNvSpPr txBox="1"/>
+          <p:nvPr/>
+        </p:nvSpPr>
+        <p:spPr>
+          <a:xfrm>
+            <a:off x="4751475" y="4520700"/>
+            <a:ext cx="4194300" cy="554100"/>
+          </a:xfrm>
+          <a:prstGeom prst="rect">
+            <a:avLst/>
+          </a:prstGeom>
+          <a:noFill/>
+          <a:ln>
+            <a:noFill/>
+          </a:ln>
+        </p:spPr>
+        <p:txBody>
+          <a:bodyPr anchorCtr="0" anchor="t" bIns="91425" lIns="91425" spcFirstLastPara="1" rIns="91425" wrap="square" tIns="91425">
+            <a:spAutoFit/>
+          </a:bodyPr>
+          <a:lstStyle/>
+          <a:p>
+            <a:pPr indent="0" lvl="0" marL="0" rtl="0" algn="l">
+              <a:spcBef>
+                <a:spcPts val="0"/>
+              </a:spcBef>
+              <a:spcAft>
+                <a:spcPts val="0"/>
+              </a:spcAft>
+              <a:buNone/>
+            </a:pPr>
+            <a:r>
+              <a:rPr i="1" lang="en" sz="1200">
+                <a:solidFill>
+                  <a:schemeClr val="dk2"/>
+                </a:solidFill>
+              </a:rPr>
+              <a:t>* I also think they should change their name</a:t>
+            </a:r>
+            <a:endParaRPr i="1" sz="1200">
+              <a:solidFill>
+                <a:schemeClr val="dk2"/>
+              </a:solidFill>
+            </a:endParaRPr>
+          </a:p>
+          <a:p>
+            <a:pPr indent="0" lvl="0" marL="0" rtl="0" algn="l">
+              <a:spcBef>
+                <a:spcPts val="0"/>
+              </a:spcBef>
+              <a:spcAft>
+                <a:spcPts val="0"/>
+              </a:spcAft>
+              <a:buNone/>
+            </a:pPr>
+            <a:r>
+              <a:rPr i="1" lang="en" sz="1200" u="sng">
+                <a:solidFill>
+                  <a:schemeClr val="hlink"/>
+                </a:solidFill>
+                <a:hlinkClick r:id="rId7"/>
+              </a:rPr>
+              <a:t>https://blog.nativesintech.org/apache-appropriation/</a:t>
+            </a:r>
+            <a:r>
+              <a:rPr i="1" lang="en" sz="1200">
+                <a:solidFill>
+                  <a:schemeClr val="dk2"/>
+                </a:solidFill>
+              </a:rPr>
+              <a:t> </a:t>
+            </a:r>
+            <a:endParaRPr i="1" sz="1200">
+              <a:solidFill>
+                <a:schemeClr val="dk2"/>
+              </a:solidFill>
+            </a:endParaRPr>
+          </a:p>
+        </p:txBody>
+      </p:sp>
+    </p:spTree>
+  </p:cSld>
+  <p:clrMapOvr>
+    <a:masterClrMapping/>
+  </p:clrMapOvr>
+</p:sld>
+</file>
+
+<file path=ppt/slides/slide8.xml><?xml version="1.0" encoding="utf-8"?>
+<p:sld xmlns:a="http://schemas.openxmlformats.org/drawingml/2006/main" xmlns:r="http://schemas.openxmlformats.org/officeDocument/2006/relationships" xmlns:mc="http://schemas.openxmlformats.org/markup-compatibility/2006" xmlns:mv="urn:schemas-microsoft-com:mac:vml" xmlns:p="http://schemas.openxmlformats.org/presentationml/2006/main" xmlns:c="http://schemas.openxmlformats.org/drawingml/2006/chart" xmlns:dgm="http://schemas.openxmlformats.org/drawingml/2006/diagram" xmlns:o="urn:schemas-microsoft-com:office:office" xmlns:v="urn:schemas-microsoft-com:vml" xmlns:pvml="urn:schemas-microsoft-com:office:powerpoint" xmlns:com="http://schemas.openxmlformats.org/drawingml/2006/compatibility" xmlns:p14="http://schemas.microsoft.com/office/powerpoint/2010/main" xmlns:p15="http://schemas.microsoft.com/office/powerpoint/2012/main" xmlns:ahyp="http://schemas.microsoft.com/office/drawing/2018/hyperlinkcolor">
+  <p:cSld>
+    <p:spTree>
+      <p:nvGrpSpPr>
+        <p:cNvPr id="97" name="Shape 97"/>
+        <p:cNvGrpSpPr/>
+        <p:nvPr/>
+      </p:nvGrpSpPr>
+      <p:grpSpPr>
+        <a:xfrm>
+          <a:off x="0" y="0"/>
+          <a:ext cx="0" cy="0"/>
+          <a:chOff x="0" y="0"/>
+          <a:chExt cx="0" cy="0"/>
+        </a:xfrm>
+      </p:grpSpPr>
+      <p:sp>
+        <p:nvSpPr>
+          <p:cNvPr id="98" name="Google Shape;98;p20"/>
+          <p:cNvSpPr txBox="1"/>
+          <p:nvPr>
+            <p:ph type="title"/>
+          </p:nvPr>
+        </p:nvSpPr>
+        <p:spPr>
+          <a:xfrm>
+            <a:off x="311700" y="445025"/>
+            <a:ext cx="8520600" cy="572700"/>
+          </a:xfrm>
+          <a:prstGeom prst="rect">
+            <a:avLst/>
+          </a:prstGeom>
+        </p:spPr>
+        <p:txBody>
+          <a:bodyPr anchorCtr="0" anchor="t" bIns="91425" lIns="91425" spcFirstLastPara="1" rIns="91425" wrap="square" tIns="91425">
+            <a:normAutofit fontScale="90000"/>
+          </a:bodyPr>
+          <a:lstStyle/>
+          <a:p>
+            <a:pPr indent="0" lvl="0" marL="0" rtl="0" algn="l">
+              <a:spcBef>
+                <a:spcPts val="0"/>
+              </a:spcBef>
+              <a:spcAft>
+                <a:spcPts val="0"/>
+              </a:spcAft>
+              <a:buNone/>
+            </a:pPr>
+            <a:r>
+              <a:rPr lang="en"/>
+              <a:t>Solr in our apps</a:t>
+            </a:r>
+            <a:endParaRPr/>
+          </a:p>
+        </p:txBody>
+      </p:sp>
+      <p:sp>
+        <p:nvSpPr>
+          <p:cNvPr id="99" name="Google Shape;99;p20"/>
           <p:cNvSpPr/>
           <p:nvPr/>
         </p:nvSpPr>
@@ -17376,23 +19178,15 @@
             </a:pPr>
             <a:r>
               <a:rPr lang="en"/>
-              <a:t>Our App </a:t>
-            </a:r>
-            <a:endParaRPr/>
-          </a:p>
-          <a:p>
-            <a:pPr indent="0" lvl="0" marL="0" rtl="0" algn="ctr">
-              <a:spcBef>
-                <a:spcPts val="0"/>
-              </a:spcBef>
-              <a:spcAft>
-                <a:spcPts val="0"/>
-              </a:spcAft>
-              <a:buNone/>
-            </a:pPr>
+              <a:t>Our </a:t>
+            </a:r>
+            <a:r>
+              <a:rPr i="1" lang="en"/>
+              <a:t>search</a:t>
+            </a:r>
             <a:r>
               <a:rPr lang="en"/>
-              <a:t>(e.g. Catalog, PDC Discovery)</a:t>
+              <a:t> app </a:t>
             </a:r>
             <a:endParaRPr/>
           </a:p>
@@ -17400,7 +19194,7 @@
       </p:sp>
       <p:sp>
         <p:nvSpPr>
-          <p:cNvPr id="93" name="Google Shape;93;p19"/>
+          <p:cNvPr id="100" name="Google Shape;100;p20"/>
           <p:cNvSpPr/>
           <p:nvPr/>
         </p:nvSpPr>
@@ -17466,10 +19260,10 @@
       </p:sp>
       <p:cxnSp>
         <p:nvCxnSpPr>
-          <p:cNvPr id="94" name="Google Shape;94;p19"/>
+          <p:cNvPr id="101" name="Google Shape;101;p20"/>
           <p:cNvCxnSpPr>
-            <a:stCxn id="92" idx="2"/>
-            <a:endCxn id="95" idx="0"/>
+            <a:stCxn id="99" idx="2"/>
+            <a:endCxn id="102" idx="0"/>
           </p:cNvCxnSpPr>
           <p:nvPr/>
         </p:nvCxnSpPr>
@@ -17495,10 +19289,10 @@
       </p:cxnSp>
       <p:cxnSp>
         <p:nvCxnSpPr>
-          <p:cNvPr id="96" name="Google Shape;96;p19"/>
+          <p:cNvPr id="103" name="Google Shape;103;p20"/>
           <p:cNvCxnSpPr>
-            <a:stCxn id="93" idx="3"/>
-            <a:endCxn id="95" idx="1"/>
+            <a:stCxn id="100" idx="3"/>
+            <a:endCxn id="102" idx="1"/>
           </p:cNvCxnSpPr>
           <p:nvPr/>
         </p:nvCxnSpPr>
@@ -17524,7 +19318,7 @@
       </p:cxnSp>
       <p:sp>
         <p:nvSpPr>
-          <p:cNvPr id="97" name="Google Shape;97;p19"/>
+          <p:cNvPr id="104" name="Google Shape;104;p20"/>
           <p:cNvSpPr txBox="1"/>
           <p:nvPr/>
         </p:nvSpPr>
@@ -17566,7 +19360,7 @@
       </p:sp>
       <p:sp>
         <p:nvSpPr>
-          <p:cNvPr id="98" name="Google Shape;98;p19"/>
+          <p:cNvPr id="105" name="Google Shape;105;p20"/>
           <p:cNvSpPr txBox="1"/>
           <p:nvPr/>
         </p:nvSpPr>
@@ -17608,7 +19402,7 @@
       </p:sp>
       <p:pic>
         <p:nvPicPr>
-          <p:cNvPr id="95" name="Google Shape;95;p19"/>
+          <p:cNvPr id="102" name="Google Shape;102;p20"/>
           <p:cNvPicPr preferRelativeResize="0"/>
           <p:nvPr/>
         </p:nvPicPr>
@@ -17636,7 +19430,7 @@
       </p:pic>
       <p:sp>
         <p:nvSpPr>
-          <p:cNvPr id="99" name="Google Shape;99;p19"/>
+          <p:cNvPr id="106" name="Google Shape;106;p20"/>
           <p:cNvSpPr txBox="1"/>
           <p:nvPr/>
         </p:nvSpPr>
@@ -17686,7 +19480,7 @@
       </p:sp>
       <p:sp>
         <p:nvSpPr>
-          <p:cNvPr id="100" name="Google Shape;100;p19"/>
+          <p:cNvPr id="107" name="Google Shape;107;p20"/>
           <p:cNvSpPr txBox="1"/>
           <p:nvPr/>
         </p:nvSpPr>
@@ -17736,7 +19530,7 @@
       </p:sp>
       <p:sp>
         <p:nvSpPr>
-          <p:cNvPr id="101" name="Google Shape;101;p19"/>
+          <p:cNvPr id="108" name="Google Shape;108;p20"/>
           <p:cNvSpPr txBox="1"/>
           <p:nvPr/>
         </p:nvSpPr>
@@ -17792,12 +19586,12 @@
 </p:sld>
 </file>
 
-<file path=ppt/slides/slide8.xml><?xml version="1.0" encoding="utf-8"?>
+<file path=ppt/slides/slide9.xml><?xml version="1.0" encoding="utf-8"?>
 <p:sld xmlns:a="http://schemas.openxmlformats.org/drawingml/2006/main" xmlns:r="http://schemas.openxmlformats.org/officeDocument/2006/relationships" xmlns:mc="http://schemas.openxmlformats.org/markup-compatibility/2006" xmlns:mv="urn:schemas-microsoft-com:mac:vml" xmlns:p="http://schemas.openxmlformats.org/presentationml/2006/main" xmlns:c="http://schemas.openxmlformats.org/drawingml/2006/chart" xmlns:dgm="http://schemas.openxmlformats.org/drawingml/2006/diagram" xmlns:o="urn:schemas-microsoft-com:office:office" xmlns:v="urn:schemas-microsoft-com:vml" xmlns:pvml="urn:schemas-microsoft-com:office:powerpoint" xmlns:com="http://schemas.openxmlformats.org/drawingml/2006/compatibility" xmlns:p14="http://schemas.microsoft.com/office/powerpoint/2010/main" xmlns:p15="http://schemas.microsoft.com/office/powerpoint/2012/main" xmlns:ahyp="http://schemas.microsoft.com/office/drawing/2018/hyperlinkcolor">
   <p:cSld>
     <p:spTree>
       <p:nvGrpSpPr>
-        <p:cNvPr id="105" name="Shape 105"/>
+        <p:cNvPr id="112" name="Shape 112"/>
         <p:cNvGrpSpPr/>
         <p:nvPr/>
       </p:nvGrpSpPr>
@@ -17811,7 +19605,7 @@
       </p:grpSpPr>
       <p:sp>
         <p:nvSpPr>
-          <p:cNvPr id="106" name="Google Shape;106;p20"/>
+          <p:cNvPr id="113" name="Google Shape;113;p21"/>
           <p:cNvSpPr txBox="1"/>
           <p:nvPr>
             <p:ph type="title"/>
@@ -17851,7 +19645,7 @@
       </p:sp>
       <p:sp>
         <p:nvSpPr>
-          <p:cNvPr id="107" name="Google Shape;107;p20"/>
+          <p:cNvPr id="114" name="Google Shape;114;p21"/>
           <p:cNvSpPr/>
           <p:nvPr/>
         </p:nvSpPr>
@@ -17897,23 +19691,15 @@
             </a:r>
             <a:r>
               <a:rPr lang="en"/>
-              <a:t> App </a:t>
-            </a:r>
-            <a:endParaRPr/>
-          </a:p>
-          <a:p>
-            <a:pPr indent="0" lvl="0" marL="0" rtl="0" algn="ctr">
-              <a:spcBef>
-                <a:spcPts val="0"/>
-              </a:spcBef>
-              <a:spcAft>
-                <a:spcPts val="0"/>
-              </a:spcAft>
-              <a:buNone/>
-            </a:pPr>
+              <a:t> </a:t>
+            </a:r>
+            <a:r>
+              <a:rPr i="1" lang="en"/>
+              <a:t>read-write</a:t>
+            </a:r>
             <a:r>
               <a:rPr lang="en"/>
-              <a:t>(e.g. Figgy)</a:t>
+              <a:t> app </a:t>
             </a:r>
             <a:endParaRPr/>
           </a:p>
@@ -17921,7 +19707,7 @@
       </p:sp>
       <p:sp>
         <p:nvSpPr>
-          <p:cNvPr id="108" name="Google Shape;108;p20"/>
+          <p:cNvPr id="115" name="Google Shape;115;p21"/>
           <p:cNvSpPr/>
           <p:nvPr/>
         </p:nvSpPr>
@@ -17971,10 +19757,10 @@
       </p:sp>
       <p:cxnSp>
         <p:nvCxnSpPr>
-          <p:cNvPr id="109" name="Google Shape;109;p20"/>
+          <p:cNvPr id="116" name="Google Shape;116;p21"/>
           <p:cNvCxnSpPr>
-            <a:stCxn id="107" idx="2"/>
-            <a:endCxn id="110" idx="0"/>
+            <a:stCxn id="114" idx="2"/>
+            <a:endCxn id="117" idx="0"/>
           </p:cNvCxnSpPr>
           <p:nvPr/>
         </p:nvCxnSpPr>
@@ -18000,10 +19786,10 @@
       </p:cxnSp>
       <p:cxnSp>
         <p:nvCxnSpPr>
-          <p:cNvPr id="111" name="Google Shape;111;p20"/>
+          <p:cNvPr id="118" name="Google Shape;118;p21"/>
           <p:cNvCxnSpPr>
-            <a:stCxn id="107" idx="1"/>
-            <a:endCxn id="108" idx="0"/>
+            <a:stCxn id="114" idx="1"/>
+            <a:endCxn id="115" idx="0"/>
           </p:cNvCxnSpPr>
           <p:nvPr/>
         </p:nvCxnSpPr>
@@ -18029,7 +19815,7 @@
       </p:cxnSp>
       <p:sp>
         <p:nvSpPr>
-          <p:cNvPr id="112" name="Google Shape;112;p20"/>
+          <p:cNvPr id="119" name="Google Shape;119;p21"/>
           <p:cNvSpPr txBox="1"/>
           <p:nvPr/>
         </p:nvSpPr>
@@ -18079,10 +19865,10 @@
       </p:sp>
       <p:cxnSp>
         <p:nvCxnSpPr>
-          <p:cNvPr id="113" name="Google Shape;113;p20"/>
+          <p:cNvPr id="120" name="Google Shape;120;p21"/>
           <p:cNvCxnSpPr>
-            <a:stCxn id="107" idx="1"/>
-            <a:endCxn id="110" idx="1"/>
+            <a:stCxn id="114" idx="1"/>
+            <a:endCxn id="117" idx="1"/>
           </p:cNvCxnSpPr>
           <p:nvPr/>
         </p:nvCxnSpPr>
@@ -18108,7 +19894,7 @@
       </p:cxnSp>
       <p:sp>
         <p:nvSpPr>
-          <p:cNvPr id="114" name="Google Shape;114;p20"/>
+          <p:cNvPr id="121" name="Google Shape;121;p21"/>
           <p:cNvSpPr txBox="1"/>
           <p:nvPr/>
         </p:nvSpPr>
@@ -18150,7 +19936,7 @@
       </p:sp>
       <p:pic>
         <p:nvPicPr>
-          <p:cNvPr id="110" name="Google Shape;110;p20"/>
+          <p:cNvPr id="117" name="Google Shape;117;p21"/>
           <p:cNvPicPr preferRelativeResize="0"/>
           <p:nvPr/>
         </p:nvPicPr>
@@ -18178,7 +19964,7 @@
       </p:pic>
       <p:sp>
         <p:nvSpPr>
-          <p:cNvPr id="115" name="Google Shape;115;p20"/>
+          <p:cNvPr id="122" name="Google Shape;122;p21"/>
           <p:cNvSpPr txBox="1"/>
           <p:nvPr/>
         </p:nvSpPr>
@@ -18228,7 +20014,7 @@
       </p:sp>
       <p:sp>
         <p:nvSpPr>
-          <p:cNvPr id="116" name="Google Shape;116;p20"/>
+          <p:cNvPr id="123" name="Google Shape;123;p21"/>
           <p:cNvSpPr txBox="1"/>
           <p:nvPr/>
         </p:nvSpPr>
@@ -18278,7 +20064,7 @@
       </p:sp>
       <p:sp>
         <p:nvSpPr>
-          <p:cNvPr id="117" name="Google Shape;117;p20"/>
+          <p:cNvPr id="124" name="Google Shape;124;p21"/>
           <p:cNvSpPr txBox="1"/>
           <p:nvPr/>
         </p:nvSpPr>
@@ -18323,237 +20109,6 @@
                 <a:srgbClr val="999999"/>
               </a:solidFill>
             </a:endParaRPr>
-          </a:p>
-        </p:txBody>
-      </p:sp>
-    </p:spTree>
-  </p:cSld>
-  <p:clrMapOvr>
-    <a:masterClrMapping/>
-  </p:clrMapOvr>
-</p:sld>
-</file>
-
-<file path=ppt/slides/slide9.xml><?xml version="1.0" encoding="utf-8"?>
-<p:sld xmlns:a="http://schemas.openxmlformats.org/drawingml/2006/main" xmlns:r="http://schemas.openxmlformats.org/officeDocument/2006/relationships" xmlns:mc="http://schemas.openxmlformats.org/markup-compatibility/2006" xmlns:mv="urn:schemas-microsoft-com:mac:vml" xmlns:p="http://schemas.openxmlformats.org/presentationml/2006/main" xmlns:c="http://schemas.openxmlformats.org/drawingml/2006/chart" xmlns:dgm="http://schemas.openxmlformats.org/drawingml/2006/diagram" xmlns:o="urn:schemas-microsoft-com:office:office" xmlns:v="urn:schemas-microsoft-com:vml" xmlns:pvml="urn:schemas-microsoft-com:office:powerpoint" xmlns:com="http://schemas.openxmlformats.org/drawingml/2006/compatibility" xmlns:p14="http://schemas.microsoft.com/office/powerpoint/2010/main" xmlns:p15="http://schemas.microsoft.com/office/powerpoint/2012/main" xmlns:ahyp="http://schemas.microsoft.com/office/drawing/2018/hyperlinkcolor">
-  <p:cSld>
-    <p:spTree>
-      <p:nvGrpSpPr>
-        <p:cNvPr id="121" name="Shape 121"/>
-        <p:cNvGrpSpPr/>
-        <p:nvPr/>
-      </p:nvGrpSpPr>
-      <p:grpSpPr>
-        <a:xfrm>
-          <a:off x="0" y="0"/>
-          <a:ext cx="0" cy="0"/>
-          <a:chOff x="0" y="0"/>
-          <a:chExt cx="0" cy="0"/>
-        </a:xfrm>
-      </p:grpSpPr>
-      <p:sp>
-        <p:nvSpPr>
-          <p:cNvPr id="122" name="Google Shape;122;p21"/>
-          <p:cNvSpPr txBox="1"/>
-          <p:nvPr>
-            <p:ph type="title"/>
-          </p:nvPr>
-        </p:nvSpPr>
-        <p:spPr>
-          <a:xfrm>
-            <a:off x="311700" y="445025"/>
-            <a:ext cx="8520600" cy="572700"/>
-          </a:xfrm>
-          <a:prstGeom prst="rect">
-            <a:avLst/>
-          </a:prstGeom>
-        </p:spPr>
-        <p:txBody>
-          <a:bodyPr anchorCtr="0" anchor="t" bIns="91425" lIns="91425" spcFirstLastPara="1" rIns="91425" wrap="square" tIns="91425">
-            <a:normAutofit fontScale="90000"/>
-          </a:bodyPr>
-          <a:lstStyle/>
-          <a:p>
-            <a:pPr indent="0" lvl="0" marL="0" rtl="0" algn="l">
-              <a:spcBef>
-                <a:spcPts val="0"/>
-              </a:spcBef>
-              <a:spcAft>
-                <a:spcPts val="0"/>
-              </a:spcAft>
-              <a:buNone/>
-            </a:pPr>
-            <a:r>
-              <a:rPr lang="en"/>
-              <a:t>Is Solr a database?</a:t>
-            </a:r>
-            <a:endParaRPr/>
-          </a:p>
-        </p:txBody>
-      </p:sp>
-      <p:sp>
-        <p:nvSpPr>
-          <p:cNvPr id="123" name="Google Shape;123;p21"/>
-          <p:cNvSpPr txBox="1"/>
-          <p:nvPr>
-            <p:ph idx="1" type="body"/>
-          </p:nvPr>
-        </p:nvSpPr>
-        <p:spPr>
-          <a:xfrm>
-            <a:off x="311700" y="1152475"/>
-            <a:ext cx="8520600" cy="3416400"/>
-          </a:xfrm>
-          <a:prstGeom prst="rect">
-            <a:avLst/>
-          </a:prstGeom>
-        </p:spPr>
-        <p:txBody>
-          <a:bodyPr anchorCtr="0" anchor="t" bIns="91425" lIns="91425" spcFirstLastPara="1" rIns="91425" wrap="square" tIns="91425">
-            <a:normAutofit/>
-          </a:bodyPr>
-          <a:lstStyle/>
-          <a:p>
-            <a:pPr indent="-342900" lvl="0" marL="457200" rtl="0" algn="l">
-              <a:spcBef>
-                <a:spcPts val="0"/>
-              </a:spcBef>
-              <a:spcAft>
-                <a:spcPts val="0"/>
-              </a:spcAft>
-              <a:buSzPts val="1800"/>
-              <a:buChar char="●"/>
-            </a:pPr>
-            <a:r>
-              <a:rPr lang="en"/>
-              <a:t>Technically yes</a:t>
-            </a:r>
-            <a:endParaRPr/>
-          </a:p>
-          <a:p>
-            <a:pPr indent="-317500" lvl="1" marL="914400" rtl="0" algn="l">
-              <a:spcBef>
-                <a:spcPts val="0"/>
-              </a:spcBef>
-              <a:spcAft>
-                <a:spcPts val="0"/>
-              </a:spcAft>
-              <a:buSzPts val="1400"/>
-              <a:buChar char="○"/>
-            </a:pPr>
-            <a:r>
-              <a:rPr lang="en"/>
-              <a:t>Solr is a document-oriented database (a NoSQL database)</a:t>
-            </a:r>
-            <a:endParaRPr/>
-          </a:p>
-          <a:p>
-            <a:pPr indent="-317500" lvl="1" marL="914400" rtl="0" algn="l">
-              <a:spcBef>
-                <a:spcPts val="0"/>
-              </a:spcBef>
-              <a:spcAft>
-                <a:spcPts val="0"/>
-              </a:spcAft>
-              <a:buSzPts val="1400"/>
-              <a:buChar char="○"/>
-            </a:pPr>
-            <a:r>
-              <a:rPr lang="en"/>
-              <a:t>Solr is not a relational database like PostgreSQL, MySQL, Oracle, MS Access</a:t>
-            </a:r>
-            <a:endParaRPr/>
-          </a:p>
-          <a:p>
-            <a:pPr indent="0" lvl="0" marL="0" rtl="0" algn="l">
-              <a:spcBef>
-                <a:spcPts val="1200"/>
-              </a:spcBef>
-              <a:spcAft>
-                <a:spcPts val="0"/>
-              </a:spcAft>
-              <a:buNone/>
-            </a:pPr>
-            <a:r>
-              <a:t/>
-            </a:r>
-            <a:endParaRPr/>
-          </a:p>
-          <a:p>
-            <a:pPr indent="-342900" lvl="0" marL="457200" rtl="0" algn="l">
-              <a:spcBef>
-                <a:spcPts val="1200"/>
-              </a:spcBef>
-              <a:spcAft>
-                <a:spcPts val="0"/>
-              </a:spcAft>
-              <a:buSzPts val="1800"/>
-              <a:buChar char="●"/>
-            </a:pPr>
-            <a:r>
-              <a:rPr lang="en"/>
-              <a:t>In practice no</a:t>
-            </a:r>
-            <a:endParaRPr/>
-          </a:p>
-          <a:p>
-            <a:pPr indent="-317500" lvl="1" marL="914400" rtl="0" algn="l">
-              <a:spcBef>
-                <a:spcPts val="0"/>
-              </a:spcBef>
-              <a:spcAft>
-                <a:spcPts val="0"/>
-              </a:spcAft>
-              <a:buSzPts val="1400"/>
-              <a:buChar char="○"/>
-            </a:pPr>
-            <a:r>
-              <a:rPr lang="en"/>
-              <a:t>Although we use Solr to store data…</a:t>
-            </a:r>
-            <a:endParaRPr/>
-          </a:p>
-          <a:p>
-            <a:pPr indent="-317500" lvl="1" marL="914400" rtl="0" algn="l">
-              <a:spcBef>
-                <a:spcPts val="0"/>
-              </a:spcBef>
-              <a:spcAft>
-                <a:spcPts val="0"/>
-              </a:spcAft>
-              <a:buSzPts val="1400"/>
-              <a:buChar char="○"/>
-            </a:pPr>
-            <a:r>
-              <a:rPr lang="en"/>
-              <a:t>…we do this to </a:t>
-            </a:r>
-            <a:r>
-              <a:rPr b="1" i="1" lang="en"/>
-              <a:t>power the search feature</a:t>
-            </a:r>
-            <a:r>
-              <a:rPr lang="en"/>
-              <a:t> of our applications</a:t>
-            </a:r>
-            <a:endParaRPr/>
-          </a:p>
-          <a:p>
-            <a:pPr indent="-317500" lvl="1" marL="914400" rtl="0" algn="l">
-              <a:spcBef>
-                <a:spcPts val="0"/>
-              </a:spcBef>
-              <a:spcAft>
-                <a:spcPts val="0"/>
-              </a:spcAft>
-              <a:buSzPts val="1400"/>
-              <a:buChar char="○"/>
-            </a:pPr>
-            <a:r>
-              <a:rPr lang="en"/>
-              <a:t>…and the source data lives somewhere else, in a “real” database</a:t>
-            </a:r>
-            <a:endParaRPr/>
           </a:p>
         </p:txBody>
       </p:sp>

--- a/slides.pptx
+++ b/slides.pptx
@@ -820,7 +820,7 @@
   <p:cSld>
     <p:spTree>
       <p:nvGrpSpPr>
-        <p:cNvPr id="125" name="Shape 125"/>
+        <p:cNvPr id="115" name="Shape 115"/>
         <p:cNvGrpSpPr/>
         <p:nvPr/>
       </p:nvGrpSpPr>
@@ -834,7 +834,7 @@
       </p:grpSpPr>
       <p:sp>
         <p:nvSpPr>
-          <p:cNvPr id="126" name="Google Shape;126;g154125772bd_0_167:notes"/>
+          <p:cNvPr id="116" name="Google Shape;116;g154125772bd_0_155:notes"/>
           <p:cNvSpPr/>
           <p:nvPr>
             <p:ph idx="2" type="sldImg"/>
@@ -869,7 +869,7 @@
       </p:sp>
       <p:sp>
         <p:nvSpPr>
-          <p:cNvPr id="127" name="Google Shape;127;g154125772bd_0_167:notes"/>
+          <p:cNvPr id="117" name="Google Shape;117;g154125772bd_0_155:notes"/>
           <p:cNvSpPr txBox="1"/>
           <p:nvPr>
             <p:ph idx="1" type="body"/>
@@ -933,7 +933,7 @@
       </p:grpSpPr>
       <p:sp>
         <p:nvSpPr>
-          <p:cNvPr id="132" name="Google Shape;132;g154125772bd_0_175:notes"/>
+          <p:cNvPr id="132" name="Google Shape;132;g154125772bd_0_167:notes"/>
           <p:cNvSpPr/>
           <p:nvPr>
             <p:ph idx="2" type="sldImg"/>
@@ -968,7 +968,7 @@
       </p:sp>
       <p:sp>
         <p:nvSpPr>
-          <p:cNvPr id="133" name="Google Shape;133;g154125772bd_0_175:notes"/>
+          <p:cNvPr id="133" name="Google Shape;133;g154125772bd_0_167:notes"/>
           <p:cNvSpPr txBox="1"/>
           <p:nvPr>
             <p:ph idx="1" type="body"/>
@@ -1032,7 +1032,7 @@
       </p:grpSpPr>
       <p:sp>
         <p:nvSpPr>
-          <p:cNvPr id="138" name="Google Shape;138;g1d8617fff38_0_97:notes"/>
+          <p:cNvPr id="138" name="Google Shape;138;g154125772bd_0_175:notes"/>
           <p:cNvSpPr/>
           <p:nvPr>
             <p:ph idx="2" type="sldImg"/>
@@ -1067,7 +1067,7 @@
       </p:sp>
       <p:sp>
         <p:nvSpPr>
-          <p:cNvPr id="139" name="Google Shape;139;g1d8617fff38_0_97:notes"/>
+          <p:cNvPr id="139" name="Google Shape;139;g154125772bd_0_175:notes"/>
           <p:cNvSpPr txBox="1"/>
           <p:nvPr>
             <p:ph idx="1" type="body"/>
@@ -1131,7 +1131,7 @@
       </p:grpSpPr>
       <p:sp>
         <p:nvSpPr>
-          <p:cNvPr id="144" name="Google Shape;144;g1f8c5862828_0_0:notes"/>
+          <p:cNvPr id="144" name="Google Shape;144;g1d8617fff38_0_97:notes"/>
           <p:cNvSpPr/>
           <p:nvPr>
             <p:ph idx="2" type="sldImg"/>
@@ -1166,7 +1166,7 @@
       </p:sp>
       <p:sp>
         <p:nvSpPr>
-          <p:cNvPr id="145" name="Google Shape;145;g1f8c5862828_0_0:notes"/>
+          <p:cNvPr id="145" name="Google Shape;145;g1d8617fff38_0_97:notes"/>
           <p:cNvSpPr txBox="1"/>
           <p:nvPr>
             <p:ph idx="1" type="body"/>
@@ -1216,7 +1216,7 @@
   <p:cSld>
     <p:spTree>
       <p:nvGrpSpPr>
-        <p:cNvPr id="150" name="Shape 150"/>
+        <p:cNvPr id="149" name="Shape 149"/>
         <p:cNvGrpSpPr/>
         <p:nvPr/>
       </p:nvGrpSpPr>
@@ -1230,7 +1230,7 @@
       </p:grpSpPr>
       <p:sp>
         <p:nvSpPr>
-          <p:cNvPr id="151" name="Google Shape;151;g1d8617fff38_0_52:notes"/>
+          <p:cNvPr id="150" name="Google Shape;150;g1d8617fff38_0_52:notes"/>
           <p:cNvSpPr/>
           <p:nvPr>
             <p:ph idx="2" type="sldImg"/>
@@ -1265,7 +1265,7 @@
       </p:sp>
       <p:sp>
         <p:nvSpPr>
-          <p:cNvPr id="152" name="Google Shape;152;g1d8617fff38_0_52:notes"/>
+          <p:cNvPr id="151" name="Google Shape;151;g1d8617fff38_0_52:notes"/>
           <p:cNvSpPr txBox="1"/>
           <p:nvPr>
             <p:ph idx="1" type="body"/>
@@ -1315,7 +1315,7 @@
   <p:cSld>
     <p:spTree>
       <p:nvGrpSpPr>
-        <p:cNvPr id="156" name="Shape 156"/>
+        <p:cNvPr id="155" name="Shape 155"/>
         <p:cNvGrpSpPr/>
         <p:nvPr/>
       </p:nvGrpSpPr>
@@ -1329,7 +1329,7 @@
       </p:grpSpPr>
       <p:sp>
         <p:nvSpPr>
-          <p:cNvPr id="157" name="Google Shape;157;g1d8617fff38_0_10:notes"/>
+          <p:cNvPr id="156" name="Google Shape;156;g1d8617fff38_0_10:notes"/>
           <p:cNvSpPr/>
           <p:nvPr>
             <p:ph idx="2" type="sldImg"/>
@@ -1364,7 +1364,7 @@
       </p:sp>
       <p:sp>
         <p:nvSpPr>
-          <p:cNvPr id="158" name="Google Shape;158;g1d8617fff38_0_10:notes"/>
+          <p:cNvPr id="157" name="Google Shape;157;g1d8617fff38_0_10:notes"/>
           <p:cNvSpPr txBox="1"/>
           <p:nvPr>
             <p:ph idx="1" type="body"/>
@@ -1414,7 +1414,7 @@
   <p:cSld>
     <p:spTree>
       <p:nvGrpSpPr>
-        <p:cNvPr id="169" name="Shape 169"/>
+        <p:cNvPr id="168" name="Shape 168"/>
         <p:cNvGrpSpPr/>
         <p:nvPr/>
       </p:nvGrpSpPr>
@@ -1428,7 +1428,7 @@
       </p:grpSpPr>
       <p:sp>
         <p:nvSpPr>
-          <p:cNvPr id="170" name="Google Shape;170;g1d8617fff38_0_22:notes"/>
+          <p:cNvPr id="169" name="Google Shape;169;g1d8617fff38_0_22:notes"/>
           <p:cNvSpPr/>
           <p:nvPr>
             <p:ph idx="2" type="sldImg"/>
@@ -1463,7 +1463,7 @@
       </p:sp>
       <p:sp>
         <p:nvSpPr>
-          <p:cNvPr id="171" name="Google Shape;171;g1d8617fff38_0_22:notes"/>
+          <p:cNvPr id="170" name="Google Shape;170;g1d8617fff38_0_22:notes"/>
           <p:cNvSpPr txBox="1"/>
           <p:nvPr>
             <p:ph idx="1" type="body"/>
@@ -1513,7 +1513,7 @@
   <p:cSld>
     <p:spTree>
       <p:nvGrpSpPr>
-        <p:cNvPr id="179" name="Shape 179"/>
+        <p:cNvPr id="178" name="Shape 178"/>
         <p:cNvGrpSpPr/>
         <p:nvPr/>
       </p:nvGrpSpPr>
@@ -1527,7 +1527,7 @@
       </p:grpSpPr>
       <p:sp>
         <p:nvSpPr>
-          <p:cNvPr id="180" name="Google Shape;180;g1d8617fff38_0_38:notes"/>
+          <p:cNvPr id="179" name="Google Shape;179;g1d8617fff38_0_38:notes"/>
           <p:cNvSpPr/>
           <p:nvPr>
             <p:ph idx="2" type="sldImg"/>
@@ -1562,7 +1562,7 @@
       </p:sp>
       <p:sp>
         <p:nvSpPr>
-          <p:cNvPr id="181" name="Google Shape;181;g1d8617fff38_0_38:notes"/>
+          <p:cNvPr id="180" name="Google Shape;180;g1d8617fff38_0_38:notes"/>
           <p:cNvSpPr txBox="1"/>
           <p:nvPr>
             <p:ph idx="1" type="body"/>
@@ -1612,7 +1612,7 @@
   <p:cSld>
     <p:spTree>
       <p:nvGrpSpPr>
-        <p:cNvPr id="185" name="Shape 185"/>
+        <p:cNvPr id="184" name="Shape 184"/>
         <p:cNvGrpSpPr/>
         <p:nvPr/>
       </p:nvGrpSpPr>
@@ -1626,7 +1626,7 @@
       </p:grpSpPr>
       <p:sp>
         <p:nvSpPr>
-          <p:cNvPr id="186" name="Google Shape;186;g155584835cc_1_0:notes"/>
+          <p:cNvPr id="185" name="Google Shape;185;g155584835cc_1_0:notes"/>
           <p:cNvSpPr/>
           <p:nvPr>
             <p:ph idx="2" type="sldImg"/>
@@ -1661,7 +1661,7 @@
       </p:sp>
       <p:sp>
         <p:nvSpPr>
-          <p:cNvPr id="187" name="Google Shape;187;g155584835cc_1_0:notes"/>
+          <p:cNvPr id="186" name="Google Shape;186;g155584835cc_1_0:notes"/>
           <p:cNvSpPr txBox="1"/>
           <p:nvPr>
             <p:ph idx="1" type="body"/>
@@ -1711,7 +1711,7 @@
   <p:cSld>
     <p:spTree>
       <p:nvGrpSpPr>
-        <p:cNvPr id="191" name="Shape 191"/>
+        <p:cNvPr id="190" name="Shape 190"/>
         <p:cNvGrpSpPr/>
         <p:nvPr/>
       </p:nvGrpSpPr>
@@ -1725,7 +1725,7 @@
       </p:grpSpPr>
       <p:sp>
         <p:nvSpPr>
-          <p:cNvPr id="192" name="Google Shape;192;g154125772bd_0_183:notes"/>
+          <p:cNvPr id="191" name="Google Shape;191;g154125772bd_0_183:notes"/>
           <p:cNvSpPr/>
           <p:nvPr>
             <p:ph idx="2" type="sldImg"/>
@@ -1760,7 +1760,7 @@
       </p:sp>
       <p:sp>
         <p:nvSpPr>
-          <p:cNvPr id="193" name="Google Shape;193;g154125772bd_0_183:notes"/>
+          <p:cNvPr id="192" name="Google Shape;192;g154125772bd_0_183:notes"/>
           <p:cNvSpPr txBox="1"/>
           <p:nvPr>
             <p:ph idx="1" type="body"/>
@@ -1909,7 +1909,7 @@
   <p:cSld>
     <p:spTree>
       <p:nvGrpSpPr>
-        <p:cNvPr id="197" name="Shape 197"/>
+        <p:cNvPr id="196" name="Shape 196"/>
         <p:cNvGrpSpPr/>
         <p:nvPr/>
       </p:nvGrpSpPr>
@@ -1923,7 +1923,7 @@
       </p:grpSpPr>
       <p:sp>
         <p:nvSpPr>
-          <p:cNvPr id="198" name="Google Shape;198;g1d8617fff38_0_91:notes"/>
+          <p:cNvPr id="197" name="Google Shape;197;g1d8617fff38_0_91:notes"/>
           <p:cNvSpPr/>
           <p:nvPr>
             <p:ph idx="2" type="sldImg"/>
@@ -1958,7 +1958,7 @@
       </p:sp>
       <p:sp>
         <p:nvSpPr>
-          <p:cNvPr id="199" name="Google Shape;199;g1d8617fff38_0_91:notes"/>
+          <p:cNvPr id="198" name="Google Shape;198;g1d8617fff38_0_91:notes"/>
           <p:cNvSpPr txBox="1"/>
           <p:nvPr>
             <p:ph idx="1" type="body"/>
@@ -2008,7 +2008,7 @@
   <p:cSld>
     <p:spTree>
       <p:nvGrpSpPr>
-        <p:cNvPr id="203" name="Shape 203"/>
+        <p:cNvPr id="202" name="Shape 202"/>
         <p:cNvGrpSpPr/>
         <p:nvPr/>
       </p:nvGrpSpPr>
@@ -2022,7 +2022,7 @@
       </p:grpSpPr>
       <p:sp>
         <p:nvSpPr>
-          <p:cNvPr id="204" name="Google Shape;204;g1d8617fff38_0_104:notes"/>
+          <p:cNvPr id="203" name="Google Shape;203;g1d8617fff38_0_104:notes"/>
           <p:cNvSpPr/>
           <p:nvPr>
             <p:ph idx="2" type="sldImg"/>
@@ -2057,7 +2057,7 @@
       </p:sp>
       <p:sp>
         <p:nvSpPr>
-          <p:cNvPr id="205" name="Google Shape;205;g1d8617fff38_0_104:notes"/>
+          <p:cNvPr id="204" name="Google Shape;204;g1d8617fff38_0_104:notes"/>
           <p:cNvSpPr txBox="1"/>
           <p:nvPr>
             <p:ph idx="1" type="body"/>
@@ -2107,7 +2107,7 @@
   <p:cSld>
     <p:spTree>
       <p:nvGrpSpPr>
-        <p:cNvPr id="209" name="Shape 209"/>
+        <p:cNvPr id="208" name="Shape 208"/>
         <p:cNvGrpSpPr/>
         <p:nvPr/>
       </p:nvGrpSpPr>
@@ -2121,7 +2121,7 @@
       </p:grpSpPr>
       <p:sp>
         <p:nvSpPr>
-          <p:cNvPr id="210" name="Google Shape;210;g1d8617fff38_0_109:notes"/>
+          <p:cNvPr id="209" name="Google Shape;209;g1d8617fff38_0_109:notes"/>
           <p:cNvSpPr/>
           <p:nvPr>
             <p:ph idx="2" type="sldImg"/>
@@ -2156,7 +2156,7 @@
       </p:sp>
       <p:sp>
         <p:nvSpPr>
-          <p:cNvPr id="211" name="Google Shape;211;g1d8617fff38_0_109:notes"/>
+          <p:cNvPr id="210" name="Google Shape;210;g1d8617fff38_0_109:notes"/>
           <p:cNvSpPr txBox="1"/>
           <p:nvPr>
             <p:ph idx="1" type="body"/>
@@ -2206,7 +2206,7 @@
   <p:cSld>
     <p:spTree>
       <p:nvGrpSpPr>
-        <p:cNvPr id="215" name="Shape 215"/>
+        <p:cNvPr id="214" name="Shape 214"/>
         <p:cNvGrpSpPr/>
         <p:nvPr/>
       </p:nvGrpSpPr>
@@ -2220,7 +2220,7 @@
       </p:grpSpPr>
       <p:sp>
         <p:nvSpPr>
-          <p:cNvPr id="216" name="Google Shape;216;g1d8617fff38_0_118:notes"/>
+          <p:cNvPr id="215" name="Google Shape;215;g1d8617fff38_0_118:notes"/>
           <p:cNvSpPr/>
           <p:nvPr>
             <p:ph idx="2" type="sldImg"/>
@@ -2255,7 +2255,7 @@
       </p:sp>
       <p:sp>
         <p:nvSpPr>
-          <p:cNvPr id="217" name="Google Shape;217;g1d8617fff38_0_118:notes"/>
+          <p:cNvPr id="216" name="Google Shape;216;g1d8617fff38_0_118:notes"/>
           <p:cNvSpPr txBox="1"/>
           <p:nvPr>
             <p:ph idx="1" type="body"/>
@@ -2305,7 +2305,7 @@
   <p:cSld>
     <p:spTree>
       <p:nvGrpSpPr>
-        <p:cNvPr id="221" name="Shape 221"/>
+        <p:cNvPr id="220" name="Shape 220"/>
         <p:cNvGrpSpPr/>
         <p:nvPr/>
       </p:nvGrpSpPr>
@@ -2319,7 +2319,7 @@
       </p:grpSpPr>
       <p:sp>
         <p:nvSpPr>
-          <p:cNvPr id="222" name="Google Shape;222;g1d8617fff38_0_124:notes"/>
+          <p:cNvPr id="221" name="Google Shape;221;g1d8617fff38_0_124:notes"/>
           <p:cNvSpPr/>
           <p:nvPr>
             <p:ph idx="2" type="sldImg"/>
@@ -2354,7 +2354,7 @@
       </p:sp>
       <p:sp>
         <p:nvSpPr>
-          <p:cNvPr id="223" name="Google Shape;223;g1d8617fff38_0_124:notes"/>
+          <p:cNvPr id="222" name="Google Shape;222;g1d8617fff38_0_124:notes"/>
           <p:cNvSpPr txBox="1"/>
           <p:nvPr>
             <p:ph idx="1" type="body"/>
@@ -2404,7 +2404,7 @@
   <p:cSld>
     <p:spTree>
       <p:nvGrpSpPr>
-        <p:cNvPr id="227" name="Shape 227"/>
+        <p:cNvPr id="226" name="Shape 226"/>
         <p:cNvGrpSpPr/>
         <p:nvPr/>
       </p:nvGrpSpPr>
@@ -2418,7 +2418,7 @@
       </p:grpSpPr>
       <p:sp>
         <p:nvSpPr>
-          <p:cNvPr id="228" name="Google Shape;228;g1d8617fff38_0_57:notes"/>
+          <p:cNvPr id="227" name="Google Shape;227;g1d8617fff38_0_57:notes"/>
           <p:cNvSpPr/>
           <p:nvPr>
             <p:ph idx="2" type="sldImg"/>
@@ -2453,7 +2453,7 @@
       </p:sp>
       <p:sp>
         <p:nvSpPr>
-          <p:cNvPr id="229" name="Google Shape;229;g1d8617fff38_0_57:notes"/>
+          <p:cNvPr id="228" name="Google Shape;228;g1d8617fff38_0_57:notes"/>
           <p:cNvSpPr txBox="1"/>
           <p:nvPr>
             <p:ph idx="1" type="body"/>
@@ -2503,7 +2503,7 @@
   <p:cSld>
     <p:spTree>
       <p:nvGrpSpPr>
-        <p:cNvPr id="233" name="Shape 233"/>
+        <p:cNvPr id="232" name="Shape 232"/>
         <p:cNvGrpSpPr/>
         <p:nvPr/>
       </p:nvGrpSpPr>
@@ -2517,7 +2517,7 @@
       </p:grpSpPr>
       <p:sp>
         <p:nvSpPr>
-          <p:cNvPr id="234" name="Google Shape;234;g1d8617fff38_0_81:notes"/>
+          <p:cNvPr id="233" name="Google Shape;233;g1d8617fff38_0_81:notes"/>
           <p:cNvSpPr/>
           <p:nvPr>
             <p:ph idx="2" type="sldImg"/>
@@ -2552,7 +2552,7 @@
       </p:sp>
       <p:sp>
         <p:nvSpPr>
-          <p:cNvPr id="235" name="Google Shape;235;g1d8617fff38_0_81:notes"/>
+          <p:cNvPr id="234" name="Google Shape;234;g1d8617fff38_0_81:notes"/>
           <p:cNvSpPr txBox="1"/>
           <p:nvPr>
             <p:ph idx="1" type="body"/>
@@ -2602,7 +2602,7 @@
   <p:cSld>
     <p:spTree>
       <p:nvGrpSpPr>
-        <p:cNvPr id="238" name="Shape 238"/>
+        <p:cNvPr id="237" name="Shape 237"/>
         <p:cNvGrpSpPr/>
         <p:nvPr/>
       </p:nvGrpSpPr>
@@ -2616,7 +2616,7 @@
       </p:grpSpPr>
       <p:sp>
         <p:nvSpPr>
-          <p:cNvPr id="239" name="Google Shape;239;g1f8a1592109_3_0:notes"/>
+          <p:cNvPr id="238" name="Google Shape;238;g1f8a1592109_3_0:notes"/>
           <p:cNvSpPr/>
           <p:nvPr>
             <p:ph idx="2" type="sldImg"/>
@@ -2651,7 +2651,7 @@
       </p:sp>
       <p:sp>
         <p:nvSpPr>
-          <p:cNvPr id="240" name="Google Shape;240;g1f8a1592109_3_0:notes"/>
+          <p:cNvPr id="239" name="Google Shape;239;g1f8a1592109_3_0:notes"/>
           <p:cNvSpPr txBox="1"/>
           <p:nvPr>
             <p:ph idx="1" type="body"/>
@@ -2701,7 +2701,7 @@
   <p:cSld>
     <p:spTree>
       <p:nvGrpSpPr>
-        <p:cNvPr id="244" name="Shape 244"/>
+        <p:cNvPr id="243" name="Shape 243"/>
         <p:cNvGrpSpPr/>
         <p:nvPr/>
       </p:nvGrpSpPr>
@@ -2715,7 +2715,7 @@
       </p:grpSpPr>
       <p:sp>
         <p:nvSpPr>
-          <p:cNvPr id="245" name="Google Shape;245;g1d8617fff38_0_61:notes"/>
+          <p:cNvPr id="244" name="Google Shape;244;g1d8617fff38_0_61:notes"/>
           <p:cNvSpPr/>
           <p:nvPr>
             <p:ph idx="2" type="sldImg"/>
@@ -2750,7 +2750,7 @@
       </p:sp>
       <p:sp>
         <p:nvSpPr>
-          <p:cNvPr id="246" name="Google Shape;246;g1d8617fff38_0_61:notes"/>
+          <p:cNvPr id="245" name="Google Shape;245;g1d8617fff38_0_61:notes"/>
           <p:cNvSpPr txBox="1"/>
           <p:nvPr>
             <p:ph idx="1" type="body"/>
@@ -2800,7 +2800,7 @@
   <p:cSld>
     <p:spTree>
       <p:nvGrpSpPr>
-        <p:cNvPr id="250" name="Shape 250"/>
+        <p:cNvPr id="249" name="Shape 249"/>
         <p:cNvGrpSpPr/>
         <p:nvPr/>
       </p:nvGrpSpPr>
@@ -2814,7 +2814,7 @@
       </p:grpSpPr>
       <p:sp>
         <p:nvSpPr>
-          <p:cNvPr id="251" name="Google Shape;251;g1d8617fff38_0_86:notes"/>
+          <p:cNvPr id="250" name="Google Shape;250;g1d8617fff38_0_86:notes"/>
           <p:cNvSpPr/>
           <p:nvPr>
             <p:ph idx="2" type="sldImg"/>
@@ -2849,7 +2849,7 @@
       </p:sp>
       <p:sp>
         <p:nvSpPr>
-          <p:cNvPr id="252" name="Google Shape;252;g1d8617fff38_0_86:notes"/>
+          <p:cNvPr id="251" name="Google Shape;251;g1d8617fff38_0_86:notes"/>
           <p:cNvSpPr txBox="1"/>
           <p:nvPr>
             <p:ph idx="1" type="body"/>
@@ -2913,7 +2913,7 @@
       </p:grpSpPr>
       <p:sp>
         <p:nvSpPr>
-          <p:cNvPr id="64" name="Google Shape;64;g1ddea0c852f_0_0:notes"/>
+          <p:cNvPr id="64" name="Google Shape;64;g21a4cd7d6b9_0_0:notes"/>
           <p:cNvSpPr/>
           <p:nvPr>
             <p:ph idx="2" type="sldImg"/>
@@ -2948,7 +2948,7 @@
       </p:sp>
       <p:sp>
         <p:nvSpPr>
-          <p:cNvPr id="65" name="Google Shape;65;g1ddea0c852f_0_0:notes"/>
+          <p:cNvPr id="65" name="Google Shape;65;g21a4cd7d6b9_0_0:notes"/>
           <p:cNvSpPr txBox="1"/>
           <p:nvPr>
             <p:ph idx="1" type="body"/>
@@ -2998,7 +2998,7 @@
   <p:cSld>
     <p:spTree>
       <p:nvGrpSpPr>
-        <p:cNvPr id="255" name="Shape 255"/>
+        <p:cNvPr id="254" name="Shape 254"/>
         <p:cNvGrpSpPr/>
         <p:nvPr/>
       </p:nvGrpSpPr>
@@ -3012,7 +3012,7 @@
       </p:grpSpPr>
       <p:sp>
         <p:nvSpPr>
-          <p:cNvPr id="256" name="Google Shape;256;g154125772bd_0_7:notes"/>
+          <p:cNvPr id="255" name="Google Shape;255;g154125772bd_0_7:notes"/>
           <p:cNvSpPr/>
           <p:nvPr>
             <p:ph idx="2" type="sldImg"/>
@@ -3047,7 +3047,7 @@
       </p:sp>
       <p:sp>
         <p:nvSpPr>
-          <p:cNvPr id="257" name="Google Shape;257;g154125772bd_0_7:notes"/>
+          <p:cNvPr id="256" name="Google Shape;256;g154125772bd_0_7:notes"/>
           <p:cNvSpPr txBox="1"/>
           <p:nvPr>
             <p:ph idx="1" type="body"/>
@@ -3097,7 +3097,7 @@
   <p:cSld>
     <p:spTree>
       <p:nvGrpSpPr>
-        <p:cNvPr id="261" name="Shape 261"/>
+        <p:cNvPr id="260" name="Shape 260"/>
         <p:cNvGrpSpPr/>
         <p:nvPr/>
       </p:nvGrpSpPr>
@@ -3111,7 +3111,7 @@
       </p:grpSpPr>
       <p:sp>
         <p:nvSpPr>
-          <p:cNvPr id="262" name="Google Shape;262;g1d8617fff38_0_0:notes"/>
+          <p:cNvPr id="261" name="Google Shape;261;g1d8617fff38_0_0:notes"/>
           <p:cNvSpPr/>
           <p:nvPr>
             <p:ph idx="2" type="sldImg"/>
@@ -3146,7 +3146,7 @@
       </p:sp>
       <p:sp>
         <p:nvSpPr>
-          <p:cNvPr id="263" name="Google Shape;263;g1d8617fff38_0_0:notes"/>
+          <p:cNvPr id="262" name="Google Shape;262;g1d8617fff38_0_0:notes"/>
           <p:cNvSpPr txBox="1"/>
           <p:nvPr>
             <p:ph idx="1" type="body"/>
@@ -3210,7 +3210,7 @@
       </p:grpSpPr>
       <p:sp>
         <p:nvSpPr>
-          <p:cNvPr id="70" name="Google Shape;70;g1d8617fff38_0_48:notes"/>
+          <p:cNvPr id="70" name="Google Shape;70;g1ddea0c852f_0_0:notes"/>
           <p:cNvSpPr/>
           <p:nvPr>
             <p:ph idx="2" type="sldImg"/>
@@ -3245,7 +3245,7 @@
       </p:sp>
       <p:sp>
         <p:nvSpPr>
-          <p:cNvPr id="71" name="Google Shape;71;g1d8617fff38_0_48:notes"/>
+          <p:cNvPr id="71" name="Google Shape;71;g1ddea0c852f_0_0:notes"/>
           <p:cNvSpPr txBox="1"/>
           <p:nvPr>
             <p:ph idx="1" type="body"/>
@@ -3309,7 +3309,7 @@
       </p:grpSpPr>
       <p:sp>
         <p:nvSpPr>
-          <p:cNvPr id="76" name="Google Shape;76;g152841676f0_0_1:notes"/>
+          <p:cNvPr id="76" name="Google Shape;76;g1d8617fff38_0_48:notes"/>
           <p:cNvSpPr/>
           <p:nvPr>
             <p:ph idx="2" type="sldImg"/>
@@ -3344,7 +3344,7 @@
       </p:sp>
       <p:sp>
         <p:nvSpPr>
-          <p:cNvPr id="77" name="Google Shape;77;g152841676f0_0_1:notes"/>
+          <p:cNvPr id="77" name="Google Shape;77;g1d8617fff38_0_48:notes"/>
           <p:cNvSpPr txBox="1"/>
           <p:nvPr>
             <p:ph idx="1" type="body"/>
@@ -3408,7 +3408,7 @@
       </p:grpSpPr>
       <p:sp>
         <p:nvSpPr>
-          <p:cNvPr id="82" name="Google Shape;82;g154125772bd_0_2:notes"/>
+          <p:cNvPr id="82" name="Google Shape;82;g152841676f0_0_1:notes"/>
           <p:cNvSpPr/>
           <p:nvPr>
             <p:ph idx="2" type="sldImg"/>
@@ -3443,7 +3443,7 @@
       </p:sp>
       <p:sp>
         <p:nvSpPr>
-          <p:cNvPr id="83" name="Google Shape;83;g154125772bd_0_2:notes"/>
+          <p:cNvPr id="83" name="Google Shape;83;g152841676f0_0_1:notes"/>
           <p:cNvSpPr txBox="1"/>
           <p:nvPr>
             <p:ph idx="1" type="body"/>
@@ -3507,7 +3507,7 @@
       </p:grpSpPr>
       <p:sp>
         <p:nvSpPr>
-          <p:cNvPr id="88" name="Google Shape;88;g154125772bd_0_12:notes"/>
+          <p:cNvPr id="88" name="Google Shape;88;g154125772bd_0_2:notes"/>
           <p:cNvSpPr/>
           <p:nvPr>
             <p:ph idx="2" type="sldImg"/>
@@ -3542,7 +3542,7 @@
       </p:sp>
       <p:sp>
         <p:nvSpPr>
-          <p:cNvPr id="89" name="Google Shape;89;g154125772bd_0_12:notes"/>
+          <p:cNvPr id="89" name="Google Shape;89;g154125772bd_0_2:notes"/>
           <p:cNvSpPr txBox="1"/>
           <p:nvPr>
             <p:ph idx="1" type="body"/>
@@ -3592,7 +3592,7 @@
   <p:cSld>
     <p:spTree>
       <p:nvGrpSpPr>
-        <p:cNvPr id="94" name="Shape 94"/>
+        <p:cNvPr id="93" name="Shape 93"/>
         <p:cNvGrpSpPr/>
         <p:nvPr/>
       </p:nvGrpSpPr>
@@ -3606,7 +3606,7 @@
       </p:grpSpPr>
       <p:sp>
         <p:nvSpPr>
-          <p:cNvPr id="95" name="Google Shape;95;g154125772bd_0_18:notes"/>
+          <p:cNvPr id="94" name="Google Shape;94;g154125772bd_0_12:notes"/>
           <p:cNvSpPr/>
           <p:nvPr>
             <p:ph idx="2" type="sldImg"/>
@@ -3641,7 +3641,7 @@
       </p:sp>
       <p:sp>
         <p:nvSpPr>
-          <p:cNvPr id="96" name="Google Shape;96;g154125772bd_0_18:notes"/>
+          <p:cNvPr id="95" name="Google Shape;95;g154125772bd_0_12:notes"/>
           <p:cNvSpPr txBox="1"/>
           <p:nvPr>
             <p:ph idx="1" type="body"/>
@@ -3691,7 +3691,7 @@
   <p:cSld>
     <p:spTree>
       <p:nvGrpSpPr>
-        <p:cNvPr id="109" name="Shape 109"/>
+        <p:cNvPr id="100" name="Shape 100"/>
         <p:cNvGrpSpPr/>
         <p:nvPr/>
       </p:nvGrpSpPr>
@@ -3705,7 +3705,7 @@
       </p:grpSpPr>
       <p:sp>
         <p:nvSpPr>
-          <p:cNvPr id="110" name="Google Shape;110;g154125772bd_0_155:notes"/>
+          <p:cNvPr id="101" name="Google Shape;101;g154125772bd_0_18:notes"/>
           <p:cNvSpPr/>
           <p:nvPr>
             <p:ph idx="2" type="sldImg"/>
@@ -3740,7 +3740,7 @@
       </p:sp>
       <p:sp>
         <p:nvSpPr>
-          <p:cNvPr id="111" name="Google Shape;111;g154125772bd_0_155:notes"/>
+          <p:cNvPr id="102" name="Google Shape;102;g154125772bd_0_18:notes"/>
           <p:cNvSpPr txBox="1"/>
           <p:nvPr>
             <p:ph idx="1" type="body"/>
@@ -8783,7 +8783,7 @@
   <p:cSld>
     <p:spTree>
       <p:nvGrpSpPr>
-        <p:cNvPr id="128" name="Shape 128"/>
+        <p:cNvPr id="118" name="Shape 118"/>
         <p:cNvGrpSpPr/>
         <p:nvPr/>
       </p:nvGrpSpPr>
@@ -8797,7 +8797,7 @@
       </p:grpSpPr>
       <p:sp>
         <p:nvSpPr>
-          <p:cNvPr id="129" name="Google Shape;129;p22"/>
+          <p:cNvPr id="119" name="Google Shape;119;p22"/>
           <p:cNvSpPr txBox="1"/>
           <p:nvPr>
             <p:ph type="title"/>
@@ -8829,9 +8829,428 @@
             </a:pPr>
             <a:r>
               <a:rPr lang="en"/>
-              <a:t>Is Solr a database?</a:t>
+              <a:t>Solr in our apps (cont.)</a:t>
             </a:r>
             <a:endParaRPr/>
+          </a:p>
+        </p:txBody>
+      </p:sp>
+      <p:sp>
+        <p:nvSpPr>
+          <p:cNvPr id="120" name="Google Shape;120;p22"/>
+          <p:cNvSpPr/>
+          <p:nvPr/>
+        </p:nvSpPr>
+        <p:spPr>
+          <a:xfrm>
+            <a:off x="3886750" y="1647925"/>
+            <a:ext cx="2838000" cy="740700"/>
+          </a:xfrm>
+          <a:prstGeom prst="rect">
+            <a:avLst/>
+          </a:prstGeom>
+          <a:solidFill>
+            <a:schemeClr val="lt2"/>
+          </a:solidFill>
+          <a:ln cap="flat" cmpd="sng" w="9525">
+            <a:solidFill>
+              <a:schemeClr val="dk2"/>
+            </a:solidFill>
+            <a:prstDash val="solid"/>
+            <a:round/>
+            <a:headEnd len="sm" w="sm" type="none"/>
+            <a:tailEnd len="sm" w="sm" type="none"/>
+          </a:ln>
+        </p:spPr>
+        <p:txBody>
+          <a:bodyPr anchorCtr="0" anchor="ctr" bIns="91425" lIns="91425" spcFirstLastPara="1" rIns="91425" wrap="square" tIns="91425">
+            <a:noAutofit/>
+          </a:bodyPr>
+          <a:lstStyle/>
+          <a:p>
+            <a:pPr indent="0" lvl="0" marL="0" rtl="0" algn="ctr">
+              <a:spcBef>
+                <a:spcPts val="0"/>
+              </a:spcBef>
+              <a:spcAft>
+                <a:spcPts val="0"/>
+              </a:spcAft>
+              <a:buNone/>
+            </a:pPr>
+            <a:r>
+              <a:rPr lang="en"/>
+              <a:t>Our</a:t>
+            </a:r>
+            <a:r>
+              <a:rPr lang="en"/>
+              <a:t> </a:t>
+            </a:r>
+            <a:r>
+              <a:rPr i="1" lang="en"/>
+              <a:t>read-write</a:t>
+            </a:r>
+            <a:r>
+              <a:rPr lang="en"/>
+              <a:t> app </a:t>
+            </a:r>
+            <a:endParaRPr/>
+          </a:p>
+        </p:txBody>
+      </p:sp>
+      <p:sp>
+        <p:nvSpPr>
+          <p:cNvPr id="121" name="Google Shape;121;p22"/>
+          <p:cNvSpPr/>
+          <p:nvPr/>
+        </p:nvSpPr>
+        <p:spPr>
+          <a:xfrm>
+            <a:off x="668400" y="3151225"/>
+            <a:ext cx="2402700" cy="740700"/>
+          </a:xfrm>
+          <a:prstGeom prst="rect">
+            <a:avLst/>
+          </a:prstGeom>
+          <a:solidFill>
+            <a:schemeClr val="lt2"/>
+          </a:solidFill>
+          <a:ln cap="flat" cmpd="sng" w="9525">
+            <a:solidFill>
+              <a:schemeClr val="dk2"/>
+            </a:solidFill>
+            <a:prstDash val="solid"/>
+            <a:round/>
+            <a:headEnd len="sm" w="sm" type="none"/>
+            <a:tailEnd len="sm" w="sm" type="none"/>
+          </a:ln>
+        </p:spPr>
+        <p:txBody>
+          <a:bodyPr anchorCtr="0" anchor="ctr" bIns="91425" lIns="91425" spcFirstLastPara="1" rIns="91425" wrap="square" tIns="91425">
+            <a:noAutofit/>
+          </a:bodyPr>
+          <a:lstStyle/>
+          <a:p>
+            <a:pPr indent="0" lvl="0" marL="0" rtl="0" algn="ctr">
+              <a:spcBef>
+                <a:spcPts val="0"/>
+              </a:spcBef>
+              <a:spcAft>
+                <a:spcPts val="0"/>
+              </a:spcAft>
+              <a:buNone/>
+            </a:pPr>
+            <a:r>
+              <a:rPr lang="en"/>
+              <a:t>PostgreSQL</a:t>
+            </a:r>
+            <a:endParaRPr/>
+          </a:p>
+        </p:txBody>
+      </p:sp>
+      <p:cxnSp>
+        <p:nvCxnSpPr>
+          <p:cNvPr id="122" name="Google Shape;122;p22"/>
+          <p:cNvCxnSpPr>
+            <a:stCxn id="120" idx="2"/>
+            <a:endCxn id="123" idx="0"/>
+          </p:cNvCxnSpPr>
+          <p:nvPr/>
+        </p:nvCxnSpPr>
+        <p:spPr>
+          <a:xfrm flipH="1">
+            <a:off x="5302150" y="2388625"/>
+            <a:ext cx="3600" cy="762600"/>
+          </a:xfrm>
+          <a:prstGeom prst="straightConnector1">
+            <a:avLst/>
+          </a:prstGeom>
+          <a:noFill/>
+          <a:ln cap="flat" cmpd="sng" w="38100">
+            <a:solidFill>
+              <a:schemeClr val="dk2"/>
+            </a:solidFill>
+            <a:prstDash val="solid"/>
+            <a:round/>
+            <a:headEnd len="med" w="med" type="none"/>
+            <a:tailEnd len="med" w="med" type="triangle"/>
+          </a:ln>
+        </p:spPr>
+      </p:cxnSp>
+      <p:cxnSp>
+        <p:nvCxnSpPr>
+          <p:cNvPr id="124" name="Google Shape;124;p22"/>
+          <p:cNvCxnSpPr>
+            <a:stCxn id="120" idx="1"/>
+            <a:endCxn id="121" idx="0"/>
+          </p:cNvCxnSpPr>
+          <p:nvPr/>
+        </p:nvCxnSpPr>
+        <p:spPr>
+          <a:xfrm flipH="1">
+            <a:off x="1869850" y="2018275"/>
+            <a:ext cx="2016900" cy="1133100"/>
+          </a:xfrm>
+          <a:prstGeom prst="straightConnector1">
+            <a:avLst/>
+          </a:prstGeom>
+          <a:noFill/>
+          <a:ln cap="flat" cmpd="sng" w="38100">
+            <a:solidFill>
+              <a:schemeClr val="dk2"/>
+            </a:solidFill>
+            <a:prstDash val="solid"/>
+            <a:round/>
+            <a:headEnd len="med" w="med" type="none"/>
+            <a:tailEnd len="med" w="med" type="triangle"/>
+          </a:ln>
+        </p:spPr>
+      </p:cxnSp>
+      <p:sp>
+        <p:nvSpPr>
+          <p:cNvPr id="125" name="Google Shape;125;p22"/>
+          <p:cNvSpPr txBox="1"/>
+          <p:nvPr/>
+        </p:nvSpPr>
+        <p:spPr>
+          <a:xfrm>
+            <a:off x="2929650" y="2523625"/>
+            <a:ext cx="1071000" cy="646500"/>
+          </a:xfrm>
+          <a:prstGeom prst="rect">
+            <a:avLst/>
+          </a:prstGeom>
+          <a:noFill/>
+          <a:ln>
+            <a:noFill/>
+          </a:ln>
+        </p:spPr>
+        <p:txBody>
+          <a:bodyPr anchorCtr="0" anchor="t" bIns="91425" lIns="91425" spcFirstLastPara="1" rIns="91425" wrap="square" tIns="91425">
+            <a:spAutoFit/>
+          </a:bodyPr>
+          <a:lstStyle/>
+          <a:p>
+            <a:pPr indent="0" lvl="0" marL="0" rtl="0" algn="l">
+              <a:spcBef>
+                <a:spcPts val="0"/>
+              </a:spcBef>
+              <a:spcAft>
+                <a:spcPts val="0"/>
+              </a:spcAft>
+              <a:buNone/>
+            </a:pPr>
+            <a:r>
+              <a:rPr lang="en" sz="1000"/>
+              <a:t>App saves data in database </a:t>
+            </a:r>
+            <a:r>
+              <a:rPr b="1" i="1" lang="en" sz="1000"/>
+              <a:t>and</a:t>
+            </a:r>
+            <a:r>
+              <a:rPr lang="en" sz="1000"/>
+              <a:t> in Solr …</a:t>
+            </a:r>
+            <a:endParaRPr sz="1000"/>
+          </a:p>
+        </p:txBody>
+      </p:sp>
+      <p:cxnSp>
+        <p:nvCxnSpPr>
+          <p:cNvPr id="126" name="Google Shape;126;p22"/>
+          <p:cNvCxnSpPr>
+            <a:stCxn id="120" idx="1"/>
+            <a:endCxn id="123" idx="1"/>
+          </p:cNvCxnSpPr>
+          <p:nvPr/>
+        </p:nvCxnSpPr>
+        <p:spPr>
+          <a:xfrm>
+            <a:off x="3886750" y="2018275"/>
+            <a:ext cx="660900" cy="1514400"/>
+          </a:xfrm>
+          <a:prstGeom prst="straightConnector1">
+            <a:avLst/>
+          </a:prstGeom>
+          <a:noFill/>
+          <a:ln cap="flat" cmpd="sng" w="38100">
+            <a:solidFill>
+              <a:schemeClr val="dk2"/>
+            </a:solidFill>
+            <a:prstDash val="solid"/>
+            <a:round/>
+            <a:headEnd len="med" w="med" type="none"/>
+            <a:tailEnd len="med" w="med" type="triangle"/>
+          </a:ln>
+        </p:spPr>
+      </p:cxnSp>
+      <p:sp>
+        <p:nvSpPr>
+          <p:cNvPr id="127" name="Google Shape;127;p22"/>
+          <p:cNvSpPr txBox="1"/>
+          <p:nvPr/>
+        </p:nvSpPr>
+        <p:spPr>
+          <a:xfrm>
+            <a:off x="5398350" y="2523625"/>
+            <a:ext cx="1553700" cy="492600"/>
+          </a:xfrm>
+          <a:prstGeom prst="rect">
+            <a:avLst/>
+          </a:prstGeom>
+          <a:noFill/>
+          <a:ln>
+            <a:noFill/>
+          </a:ln>
+        </p:spPr>
+        <p:txBody>
+          <a:bodyPr anchorCtr="0" anchor="t" bIns="91425" lIns="91425" spcFirstLastPara="1" rIns="91425" wrap="square" tIns="91425">
+            <a:spAutoFit/>
+          </a:bodyPr>
+          <a:lstStyle/>
+          <a:p>
+            <a:pPr indent="0" lvl="0" marL="0" rtl="0" algn="l">
+              <a:spcBef>
+                <a:spcPts val="0"/>
+              </a:spcBef>
+              <a:spcAft>
+                <a:spcPts val="0"/>
+              </a:spcAft>
+              <a:buNone/>
+            </a:pPr>
+            <a:r>
+              <a:rPr lang="en" sz="1000"/>
+              <a:t>App searches for data in Solr </a:t>
+            </a:r>
+            <a:endParaRPr sz="1000"/>
+          </a:p>
+        </p:txBody>
+      </p:sp>
+      <p:pic>
+        <p:nvPicPr>
+          <p:cNvPr id="123" name="Google Shape;123;p22"/>
+          <p:cNvPicPr preferRelativeResize="0"/>
+          <p:nvPr/>
+        </p:nvPicPr>
+        <p:blipFill>
+          <a:blip r:embed="rId3">
+            <a:alphaModFix/>
+          </a:blip>
+          <a:stretch>
+            <a:fillRect/>
+          </a:stretch>
+        </p:blipFill>
+        <p:spPr>
+          <a:xfrm>
+            <a:off x="4547678" y="3151225"/>
+            <a:ext cx="1509120" cy="762600"/>
+          </a:xfrm>
+          <a:prstGeom prst="rect">
+            <a:avLst/>
+          </a:prstGeom>
+          <a:noFill/>
+          <a:ln>
+            <a:noFill/>
+          </a:ln>
+        </p:spPr>
+      </p:pic>
+      <p:sp>
+        <p:nvSpPr>
+          <p:cNvPr id="128" name="Google Shape;128;p22"/>
+          <p:cNvSpPr txBox="1"/>
+          <p:nvPr/>
+        </p:nvSpPr>
+        <p:spPr>
+          <a:xfrm>
+            <a:off x="4012850" y="2473750"/>
+            <a:ext cx="1277100" cy="338700"/>
+          </a:xfrm>
+          <a:prstGeom prst="rect">
+            <a:avLst/>
+          </a:prstGeom>
+          <a:noFill/>
+          <a:ln>
+            <a:noFill/>
+          </a:ln>
+        </p:spPr>
+        <p:txBody>
+          <a:bodyPr anchorCtr="0" anchor="t" bIns="91425" lIns="91425" spcFirstLastPara="1" rIns="91425" wrap="square" tIns="91425">
+            <a:spAutoFit/>
+          </a:bodyPr>
+          <a:lstStyle/>
+          <a:p>
+            <a:pPr indent="0" lvl="0" marL="0" rtl="0" algn="r">
+              <a:spcBef>
+                <a:spcPts val="0"/>
+              </a:spcBef>
+              <a:spcAft>
+                <a:spcPts val="0"/>
+              </a:spcAft>
+              <a:buNone/>
+            </a:pPr>
+            <a:r>
+              <a:rPr i="1" lang="en" sz="1000">
+                <a:solidFill>
+                  <a:srgbClr val="B7B7B7"/>
+                </a:solidFill>
+              </a:rPr>
+              <a:t>HTTP requests</a:t>
+            </a:r>
+            <a:endParaRPr i="1" sz="1000">
+              <a:solidFill>
+                <a:srgbClr val="B7B7B7"/>
+              </a:solidFill>
+            </a:endParaRPr>
+          </a:p>
+        </p:txBody>
+      </p:sp>
+      <p:sp>
+        <p:nvSpPr>
+          <p:cNvPr id="129" name="Google Shape;129;p22"/>
+          <p:cNvSpPr txBox="1"/>
+          <p:nvPr/>
+        </p:nvSpPr>
+        <p:spPr>
+          <a:xfrm>
+            <a:off x="3121050" y="3113975"/>
+            <a:ext cx="1277100" cy="338700"/>
+          </a:xfrm>
+          <a:prstGeom prst="rect">
+            <a:avLst/>
+          </a:prstGeom>
+          <a:noFill/>
+          <a:ln>
+            <a:noFill/>
+          </a:ln>
+        </p:spPr>
+        <p:txBody>
+          <a:bodyPr anchorCtr="0" anchor="t" bIns="91425" lIns="91425" spcFirstLastPara="1" rIns="91425" wrap="square" tIns="91425">
+            <a:spAutoFit/>
+          </a:bodyPr>
+          <a:lstStyle/>
+          <a:p>
+            <a:pPr indent="0" lvl="0" marL="0" rtl="0" algn="r">
+              <a:spcBef>
+                <a:spcPts val="0"/>
+              </a:spcBef>
+              <a:spcAft>
+                <a:spcPts val="0"/>
+              </a:spcAft>
+              <a:buNone/>
+            </a:pPr>
+            <a:r>
+              <a:rPr i="1" lang="en" sz="1000">
+                <a:solidFill>
+                  <a:srgbClr val="B7B7B7"/>
+                </a:solidFill>
+              </a:rPr>
+              <a:t>HTTP requests</a:t>
+            </a:r>
+            <a:endParaRPr i="1" sz="1000">
+              <a:solidFill>
+                <a:srgbClr val="B7B7B7"/>
+              </a:solidFill>
+            </a:endParaRPr>
           </a:p>
         </p:txBody>
       </p:sp>
@@ -8839,165 +9258,49 @@
         <p:nvSpPr>
           <p:cNvPr id="130" name="Google Shape;130;p22"/>
           <p:cNvSpPr txBox="1"/>
-          <p:nvPr>
-            <p:ph idx="1" type="body"/>
-          </p:nvPr>
+          <p:nvPr/>
         </p:nvSpPr>
         <p:spPr>
           <a:xfrm>
-            <a:off x="311700" y="1152475"/>
-            <a:ext cx="8520600" cy="3416400"/>
+            <a:off x="4635825" y="3970000"/>
+            <a:ext cx="1681200" cy="461700"/>
           </a:xfrm>
           <a:prstGeom prst="rect">
             <a:avLst/>
           </a:prstGeom>
+          <a:noFill/>
+          <a:ln>
+            <a:noFill/>
+          </a:ln>
         </p:spPr>
         <p:txBody>
           <a:bodyPr anchorCtr="0" anchor="t" bIns="91425" lIns="91425" spcFirstLastPara="1" rIns="91425" wrap="square" tIns="91425">
-            <a:normAutofit/>
+            <a:spAutoFit/>
           </a:bodyPr>
           <a:lstStyle/>
           <a:p>
-            <a:pPr indent="-342900" lvl="0" marL="457200" rtl="0" algn="l">
-              <a:spcBef>
-                <a:spcPts val="0"/>
-              </a:spcBef>
-              <a:spcAft>
-                <a:spcPts val="0"/>
-              </a:spcAft>
-              <a:buSzPts val="1800"/>
-              <a:buChar char="●"/>
-            </a:pPr>
-            <a:r>
-              <a:rPr lang="en"/>
-              <a:t>Technically yes</a:t>
-            </a:r>
-            <a:endParaRPr/>
-          </a:p>
-          <a:p>
-            <a:pPr indent="-317500" lvl="1" marL="914400" rtl="0" algn="l">
-              <a:spcBef>
-                <a:spcPts val="0"/>
-              </a:spcBef>
-              <a:spcAft>
-                <a:spcPts val="0"/>
-              </a:spcAft>
-              <a:buSzPts val="1400"/>
-              <a:buChar char="○"/>
-            </a:pPr>
-            <a:r>
-              <a:rPr lang="en"/>
-              <a:t>Solr is a document-oriented database (a NoSQL database)</a:t>
-            </a:r>
-            <a:endParaRPr/>
-          </a:p>
-          <a:p>
-            <a:pPr indent="-317500" lvl="1" marL="914400" rtl="0" algn="l">
-              <a:spcBef>
-                <a:spcPts val="0"/>
-              </a:spcBef>
-              <a:spcAft>
-                <a:spcPts val="0"/>
-              </a:spcAft>
-              <a:buSzPts val="1400"/>
-              <a:buChar char="○"/>
-            </a:pPr>
-            <a:r>
-              <a:rPr lang="en"/>
-              <a:t>Solr is not a relational database like PostgreSQL, MySQL, Oracle, MS Access</a:t>
-            </a:r>
-            <a:endParaRPr/>
-          </a:p>
-          <a:p>
             <a:pPr indent="0" lvl="0" marL="0" rtl="0" algn="l">
               <a:spcBef>
-                <a:spcPts val="1200"/>
-              </a:spcBef>
-              <a:spcAft>
-                <a:spcPts val="0"/>
-              </a:spcAft>
-              <a:buNone/>
-            </a:pPr>
-            <a:r>
-              <a:t/>
-            </a:r>
-            <a:endParaRPr/>
-          </a:p>
-          <a:p>
-            <a:pPr indent="-342900" lvl="0" marL="457200" rtl="0" algn="l">
-              <a:spcBef>
-                <a:spcPts val="1200"/>
-              </a:spcBef>
-              <a:spcAft>
-                <a:spcPts val="0"/>
-              </a:spcAft>
-              <a:buSzPts val="1800"/>
-              <a:buChar char="●"/>
-            </a:pPr>
-            <a:r>
-              <a:rPr lang="en"/>
-              <a:t>In practice no</a:t>
-            </a:r>
-            <a:endParaRPr/>
-          </a:p>
-          <a:p>
-            <a:pPr indent="-317500" lvl="1" marL="914400" rtl="0" algn="l">
-              <a:spcBef>
-                <a:spcPts val="0"/>
-              </a:spcBef>
-              <a:spcAft>
-                <a:spcPts val="0"/>
-              </a:spcAft>
-              <a:buSzPts val="1400"/>
-              <a:buChar char="○"/>
-            </a:pPr>
-            <a:r>
-              <a:rPr lang="en"/>
-              <a:t>Although we use Solr to store data…</a:t>
-            </a:r>
-            <a:endParaRPr/>
-          </a:p>
-          <a:p>
-            <a:pPr indent="-317500" lvl="1" marL="914400" rtl="0" algn="l">
-              <a:spcBef>
-                <a:spcPts val="0"/>
-              </a:spcBef>
-              <a:spcAft>
-                <a:spcPts val="0"/>
-              </a:spcAft>
-              <a:buSzPts val="1400"/>
-              <a:buChar char="○"/>
-            </a:pPr>
-            <a:r>
-              <a:rPr lang="en"/>
-              <a:t>…we do this to </a:t>
-            </a:r>
-            <a:r>
-              <a:rPr b="1" i="1" lang="en"/>
-              <a:t>power the search feature</a:t>
-            </a:r>
-            <a:r>
-              <a:rPr lang="en"/>
-              <a:t> of our applications</a:t>
-            </a:r>
-            <a:endParaRPr/>
-          </a:p>
-          <a:p>
-            <a:pPr indent="-317500" lvl="1" marL="914400" rtl="0" algn="l">
-              <a:spcBef>
-                <a:spcPts val="0"/>
-              </a:spcBef>
-              <a:spcAft>
-                <a:spcPts val="0"/>
-              </a:spcAft>
-              <a:buSzPts val="1400"/>
-              <a:buChar char="○"/>
-            </a:pPr>
-            <a:r>
-              <a:rPr lang="en"/>
-              <a:t>…and the source data lives somewhere else, in a “real” database</a:t>
-            </a:r>
-            <a:endParaRPr/>
+                <a:spcPts val="0"/>
+              </a:spcBef>
+              <a:spcAft>
+                <a:spcPts val="0"/>
+              </a:spcAft>
+              <a:buNone/>
+            </a:pPr>
+            <a:r>
+              <a:rPr lang="en" sz="900">
+                <a:solidFill>
+                  <a:srgbClr val="999999"/>
+                </a:solidFill>
+              </a:rPr>
+              <a:t>Java only needed on the server where Solr runs</a:t>
+            </a:r>
+            <a:endParaRPr sz="900">
+              <a:solidFill>
+                <a:srgbClr val="999999"/>
+              </a:solidFill>
+            </a:endParaRPr>
           </a:p>
         </p:txBody>
       </p:sp>
@@ -9060,40 +9363,178 @@
             </a:pPr>
             <a:r>
               <a:rPr lang="en"/>
-              <a:t>Demo time</a:t>
+              <a:t>Is Solr a database?</a:t>
             </a:r>
             <a:endParaRPr/>
           </a:p>
         </p:txBody>
       </p:sp>
-      <p:pic>
-        <p:nvPicPr>
+      <p:sp>
+        <p:nvSpPr>
           <p:cNvPr id="136" name="Google Shape;136;p23"/>
-          <p:cNvPicPr preferRelativeResize="0"/>
-          <p:nvPr/>
-        </p:nvPicPr>
-        <p:blipFill>
-          <a:blip r:embed="rId3">
-            <a:alphaModFix/>
-          </a:blip>
-          <a:stretch>
-            <a:fillRect/>
-          </a:stretch>
-        </p:blipFill>
+          <p:cNvSpPr txBox="1"/>
+          <p:nvPr>
+            <p:ph idx="1" type="body"/>
+          </p:nvPr>
+        </p:nvSpPr>
         <p:spPr>
           <a:xfrm>
-            <a:off x="3205900" y="586600"/>
-            <a:ext cx="5281526" cy="4466525"/>
+            <a:off x="311700" y="1152475"/>
+            <a:ext cx="8520600" cy="3416400"/>
           </a:xfrm>
           <a:prstGeom prst="rect">
             <a:avLst/>
           </a:prstGeom>
-          <a:noFill/>
-          <a:ln>
-            <a:noFill/>
-          </a:ln>
         </p:spPr>
-      </p:pic>
+        <p:txBody>
+          <a:bodyPr anchorCtr="0" anchor="t" bIns="91425" lIns="91425" spcFirstLastPara="1" rIns="91425" wrap="square" tIns="91425">
+            <a:normAutofit/>
+          </a:bodyPr>
+          <a:lstStyle/>
+          <a:p>
+            <a:pPr indent="-342900" lvl="0" marL="457200" rtl="0" algn="l">
+              <a:spcBef>
+                <a:spcPts val="0"/>
+              </a:spcBef>
+              <a:spcAft>
+                <a:spcPts val="0"/>
+              </a:spcAft>
+              <a:buSzPts val="1800"/>
+              <a:buChar char="●"/>
+            </a:pPr>
+            <a:r>
+              <a:rPr lang="en"/>
+              <a:t>Technically yes</a:t>
+            </a:r>
+            <a:endParaRPr/>
+          </a:p>
+          <a:p>
+            <a:pPr indent="-317500" lvl="1" marL="914400" rtl="0" algn="l">
+              <a:spcBef>
+                <a:spcPts val="0"/>
+              </a:spcBef>
+              <a:spcAft>
+                <a:spcPts val="0"/>
+              </a:spcAft>
+              <a:buSzPts val="1400"/>
+              <a:buChar char="○"/>
+            </a:pPr>
+            <a:r>
+              <a:rPr lang="en"/>
+              <a:t>Solr is a document-oriented database (a NoSQL database)</a:t>
+            </a:r>
+            <a:endParaRPr/>
+          </a:p>
+          <a:p>
+            <a:pPr indent="-317500" lvl="1" marL="914400" rtl="0" algn="l">
+              <a:spcBef>
+                <a:spcPts val="0"/>
+              </a:spcBef>
+              <a:spcAft>
+                <a:spcPts val="0"/>
+              </a:spcAft>
+              <a:buSzPts val="1400"/>
+              <a:buChar char="○"/>
+            </a:pPr>
+            <a:r>
+              <a:rPr lang="en"/>
+              <a:t>Solr is not a relational database like PostgreSQL, MySQL, Oracle, MS Access</a:t>
+            </a:r>
+            <a:endParaRPr/>
+          </a:p>
+          <a:p>
+            <a:pPr indent="0" lvl="0" marL="0" rtl="0" algn="l">
+              <a:spcBef>
+                <a:spcPts val="1200"/>
+              </a:spcBef>
+              <a:spcAft>
+                <a:spcPts val="0"/>
+              </a:spcAft>
+              <a:buNone/>
+            </a:pPr>
+            <a:r>
+              <a:t/>
+            </a:r>
+            <a:endParaRPr/>
+          </a:p>
+          <a:p>
+            <a:pPr indent="-342900" lvl="0" marL="457200" rtl="0" algn="l">
+              <a:spcBef>
+                <a:spcPts val="1200"/>
+              </a:spcBef>
+              <a:spcAft>
+                <a:spcPts val="0"/>
+              </a:spcAft>
+              <a:buSzPts val="1800"/>
+              <a:buChar char="●"/>
+            </a:pPr>
+            <a:r>
+              <a:rPr lang="en"/>
+              <a:t>In practice no</a:t>
+            </a:r>
+            <a:endParaRPr/>
+          </a:p>
+          <a:p>
+            <a:pPr indent="-317500" lvl="1" marL="914400" rtl="0" algn="l">
+              <a:spcBef>
+                <a:spcPts val="0"/>
+              </a:spcBef>
+              <a:spcAft>
+                <a:spcPts val="0"/>
+              </a:spcAft>
+              <a:buSzPts val="1400"/>
+              <a:buChar char="○"/>
+            </a:pPr>
+            <a:r>
+              <a:rPr lang="en"/>
+              <a:t>Although we use Solr to store data…</a:t>
+            </a:r>
+            <a:endParaRPr/>
+          </a:p>
+          <a:p>
+            <a:pPr indent="-317500" lvl="1" marL="914400" rtl="0" algn="l">
+              <a:spcBef>
+                <a:spcPts val="0"/>
+              </a:spcBef>
+              <a:spcAft>
+                <a:spcPts val="0"/>
+              </a:spcAft>
+              <a:buSzPts val="1400"/>
+              <a:buChar char="○"/>
+            </a:pPr>
+            <a:r>
+              <a:rPr lang="en"/>
+              <a:t>…we do this to </a:t>
+            </a:r>
+            <a:r>
+              <a:rPr b="1" i="1" lang="en"/>
+              <a:t>power the search feature</a:t>
+            </a:r>
+            <a:r>
+              <a:rPr lang="en"/>
+              <a:t> of our applications</a:t>
+            </a:r>
+            <a:endParaRPr/>
+          </a:p>
+          <a:p>
+            <a:pPr indent="-317500" lvl="1" marL="914400" rtl="0" algn="l">
+              <a:spcBef>
+                <a:spcPts val="0"/>
+              </a:spcBef>
+              <a:spcAft>
+                <a:spcPts val="0"/>
+              </a:spcAft>
+              <a:buSzPts val="1400"/>
+              <a:buChar char="○"/>
+            </a:pPr>
+            <a:r>
+              <a:rPr lang="en"/>
+              <a:t>…and the source data lives somewhere else, in a “real” database</a:t>
+            </a:r>
+            <a:endParaRPr/>
+          </a:p>
+        </p:txBody>
+      </p:sp>
     </p:spTree>
   </p:cSld>
   <p:clrMapOvr>
@@ -9129,249 +9570,6 @@
         </p:nvSpPr>
         <p:spPr>
           <a:xfrm>
-            <a:off x="311700" y="1207025"/>
-            <a:ext cx="8520600" cy="2739300"/>
-          </a:xfrm>
-          <a:prstGeom prst="rect">
-            <a:avLst/>
-          </a:prstGeom>
-        </p:spPr>
-        <p:txBody>
-          <a:bodyPr anchorCtr="0" anchor="t" bIns="91425" lIns="91425" spcFirstLastPara="1" rIns="91425" wrap="square" tIns="91425">
-            <a:normAutofit/>
-          </a:bodyPr>
-          <a:lstStyle/>
-          <a:p>
-            <a:pPr indent="0" lvl="0" marL="0" rtl="0" algn="l">
-              <a:spcBef>
-                <a:spcPts val="0"/>
-              </a:spcBef>
-              <a:spcAft>
-                <a:spcPts val="0"/>
-              </a:spcAft>
-              <a:buNone/>
-            </a:pPr>
-            <a:r>
-              <a:rPr lang="en" sz="1433" u="sng">
-                <a:solidFill>
-                  <a:schemeClr val="accent5"/>
-                </a:solidFill>
-                <a:hlinkClick r:id="rId3">
-                  <a:extLst>
-                    <a:ext uri="{A12FA001-AC4F-418D-AE19-62706E023703}">
-                      <ahyp:hlinkClr val="tx"/>
-                    </a:ext>
-                  </a:extLst>
-                </a:hlinkClick>
-              </a:rPr>
-              <a:t>https://github.com/hectorcorrea/solr-for-newbies/blob/main/tutorial.md#installing-solr-for-the-first-time</a:t>
-            </a:r>
-            <a:r>
-              <a:rPr lang="en" sz="1433"/>
-              <a:t> </a:t>
-            </a:r>
-            <a:endParaRPr sz="1433"/>
-          </a:p>
-          <a:p>
-            <a:pPr indent="-319616" lvl="0" marL="457200" rtl="0" algn="l">
-              <a:spcBef>
-                <a:spcPts val="0"/>
-              </a:spcBef>
-              <a:spcAft>
-                <a:spcPts val="0"/>
-              </a:spcAft>
-              <a:buSzPts val="1433"/>
-              <a:buChar char="●"/>
-            </a:pPr>
-            <a:r>
-              <a:rPr lang="en" sz="1433"/>
-              <a:t>Install Docker </a:t>
-            </a:r>
-            <a:endParaRPr sz="1433"/>
-          </a:p>
-          <a:p>
-            <a:pPr indent="-319616" lvl="0" marL="457200" rtl="0" algn="l">
-              <a:spcBef>
-                <a:spcPts val="0"/>
-              </a:spcBef>
-              <a:spcAft>
-                <a:spcPts val="0"/>
-              </a:spcAft>
-              <a:buSzPts val="1433"/>
-              <a:buChar char="●"/>
-            </a:pPr>
-            <a:r>
-              <a:rPr lang="en" sz="1433"/>
-              <a:t>Create a Solr core named </a:t>
-            </a:r>
-            <a:r>
-              <a:rPr lang="en" sz="1433">
-                <a:latin typeface="Courier New"/>
-                <a:ea typeface="Courier New"/>
-                <a:cs typeface="Courier New"/>
-                <a:sym typeface="Courier New"/>
-              </a:rPr>
-              <a:t>bibdata</a:t>
-            </a:r>
-            <a:endParaRPr sz="1433">
-              <a:latin typeface="Courier New"/>
-              <a:ea typeface="Courier New"/>
-              <a:cs typeface="Courier New"/>
-              <a:sym typeface="Courier New"/>
-            </a:endParaRPr>
-          </a:p>
-          <a:p>
-            <a:pPr indent="-319616" lvl="0" marL="457200" rtl="0" algn="l">
-              <a:spcBef>
-                <a:spcPts val="0"/>
-              </a:spcBef>
-              <a:spcAft>
-                <a:spcPts val="0"/>
-              </a:spcAft>
-              <a:buSzPts val="1433"/>
-              <a:buChar char="●"/>
-            </a:pPr>
-            <a:r>
-              <a:rPr lang="en" sz="1433"/>
-              <a:t>Load data to our </a:t>
-            </a:r>
-            <a:r>
-              <a:rPr lang="en" sz="1433">
-                <a:latin typeface="Courier New"/>
-                <a:ea typeface="Courier New"/>
-                <a:cs typeface="Courier New"/>
-                <a:sym typeface="Courier New"/>
-              </a:rPr>
-              <a:t>bibdata</a:t>
-            </a:r>
-            <a:r>
-              <a:rPr lang="en" sz="1433"/>
-              <a:t> Solr core </a:t>
-            </a:r>
-            <a:endParaRPr sz="1433"/>
-          </a:p>
-          <a:p>
-            <a:pPr indent="-319616" lvl="0" marL="457200" rtl="0" algn="l">
-              <a:spcBef>
-                <a:spcPts val="0"/>
-              </a:spcBef>
-              <a:spcAft>
-                <a:spcPts val="0"/>
-              </a:spcAft>
-              <a:buSzPts val="1433"/>
-              <a:buChar char="●"/>
-            </a:pPr>
-            <a:r>
-              <a:rPr lang="en" sz="1433"/>
-              <a:t>Run basic queries</a:t>
-            </a:r>
-            <a:endParaRPr sz="1433"/>
-          </a:p>
-          <a:p>
-            <a:pPr indent="0" lvl="0" marL="0" rtl="0" algn="l">
-              <a:spcBef>
-                <a:spcPts val="0"/>
-              </a:spcBef>
-              <a:spcAft>
-                <a:spcPts val="0"/>
-              </a:spcAft>
-              <a:buNone/>
-            </a:pPr>
-            <a:r>
-              <a:t/>
-            </a:r>
-            <a:endParaRPr sz="1433"/>
-          </a:p>
-          <a:p>
-            <a:pPr indent="0" lvl="0" marL="0" rtl="0" algn="l">
-              <a:spcBef>
-                <a:spcPts val="0"/>
-              </a:spcBef>
-              <a:spcAft>
-                <a:spcPts val="0"/>
-              </a:spcAft>
-              <a:buNone/>
-            </a:pPr>
-            <a:r>
-              <a:t/>
-            </a:r>
-            <a:endParaRPr sz="1433"/>
-          </a:p>
-          <a:p>
-            <a:pPr indent="0" lvl="0" marL="0" rtl="0" algn="l">
-              <a:spcBef>
-                <a:spcPts val="0"/>
-              </a:spcBef>
-              <a:spcAft>
-                <a:spcPts val="0"/>
-              </a:spcAft>
-              <a:buNone/>
-            </a:pPr>
-            <a:r>
-              <a:rPr lang="en" sz="1433" u="sng">
-                <a:solidFill>
-                  <a:schemeClr val="accent5"/>
-                </a:solidFill>
-                <a:hlinkClick r:id="rId4">
-                  <a:extLst>
-                    <a:ext uri="{A12FA001-AC4F-418D-AE19-62706E023703}">
-                      <ahyp:hlinkClr val="tx"/>
-                    </a:ext>
-                  </a:extLst>
-                </a:hlinkClick>
-              </a:rPr>
-              <a:t>https://github.com/hectorcorrea/solr-for-newbies/blob/main/tutorial.md#searching-for-documents</a:t>
-            </a:r>
-            <a:r>
-              <a:rPr lang="en" sz="1433"/>
-              <a:t> </a:t>
-            </a:r>
-            <a:endParaRPr sz="1433"/>
-          </a:p>
-          <a:p>
-            <a:pPr indent="-319616" lvl="0" marL="457200" rtl="0" algn="l">
-              <a:spcBef>
-                <a:spcPts val="0"/>
-              </a:spcBef>
-              <a:spcAft>
-                <a:spcPts val="0"/>
-              </a:spcAft>
-              <a:buSzPts val="1433"/>
-              <a:buChar char="●"/>
-            </a:pPr>
-            <a:r>
-              <a:rPr lang="en" sz="1433"/>
-              <a:t>If don’t want to install Solr</a:t>
-            </a:r>
-            <a:endParaRPr sz="1433"/>
-          </a:p>
-          <a:p>
-            <a:pPr indent="0" lvl="0" marL="0" rtl="0" algn="l">
-              <a:spcBef>
-                <a:spcPts val="0"/>
-              </a:spcBef>
-              <a:spcAft>
-                <a:spcPts val="0"/>
-              </a:spcAft>
-              <a:buNone/>
-            </a:pPr>
-            <a:r>
-              <a:t/>
-            </a:r>
-            <a:endParaRPr sz="1433"/>
-          </a:p>
-        </p:txBody>
-      </p:sp>
-      <p:sp>
-        <p:nvSpPr>
-          <p:cNvPr id="142" name="Google Shape;142;p24"/>
-          <p:cNvSpPr txBox="1"/>
-          <p:nvPr>
-            <p:ph type="title"/>
-          </p:nvPr>
-        </p:nvSpPr>
-        <p:spPr>
-          <a:xfrm>
             <a:off x="311700" y="445025"/>
             <a:ext cx="8520600" cy="572700"/>
           </a:xfrm>
@@ -9395,21 +9593,41 @@
               <a:buNone/>
             </a:pPr>
             <a:r>
-              <a:rPr lang="en">
-                <a:highlight>
-                  <a:schemeClr val="accent4"/>
-                </a:highlight>
-              </a:rPr>
-              <a:t>Your turn:</a:t>
-            </a:r>
-            <a:r>
               <a:rPr lang="en"/>
-              <a:t> Installing Solr</a:t>
+              <a:t>Demo time</a:t>
             </a:r>
             <a:endParaRPr/>
           </a:p>
         </p:txBody>
       </p:sp>
+      <p:pic>
+        <p:nvPicPr>
+          <p:cNvPr id="142" name="Google Shape;142;p24"/>
+          <p:cNvPicPr preferRelativeResize="0"/>
+          <p:nvPr/>
+        </p:nvPicPr>
+        <p:blipFill>
+          <a:blip r:embed="rId3">
+            <a:alphaModFix/>
+          </a:blip>
+          <a:stretch>
+            <a:fillRect/>
+          </a:stretch>
+        </p:blipFill>
+        <p:spPr>
+          <a:xfrm>
+            <a:off x="3205900" y="586600"/>
+            <a:ext cx="5281526" cy="4466525"/>
+          </a:xfrm>
+          <a:prstGeom prst="rect">
+            <a:avLst/>
+          </a:prstGeom>
+          <a:noFill/>
+          <a:ln>
+            <a:noFill/>
+          </a:ln>
+        </p:spPr>
+      </p:pic>
     </p:spTree>
   </p:cSld>
   <p:clrMapOvr>
@@ -9419,7 +9637,7 @@
 </file>
 
 <file path=ppt/slides/slide13.xml><?xml version="1.0" encoding="utf-8"?>
-<p:sld xmlns:a="http://schemas.openxmlformats.org/drawingml/2006/main" xmlns:r="http://schemas.openxmlformats.org/officeDocument/2006/relationships" xmlns:mc="http://schemas.openxmlformats.org/markup-compatibility/2006" xmlns:mv="urn:schemas-microsoft-com:mac:vml" xmlns:p="http://schemas.openxmlformats.org/presentationml/2006/main" xmlns:c="http://schemas.openxmlformats.org/drawingml/2006/chart" xmlns:dgm="http://schemas.openxmlformats.org/drawingml/2006/diagram" xmlns:o="urn:schemas-microsoft-com:office:office" xmlns:v="urn:schemas-microsoft-com:vml" xmlns:pvml="urn:schemas-microsoft-com:office:powerpoint" xmlns:com="http://schemas.openxmlformats.org/drawingml/2006/compatibility" xmlns:p14="http://schemas.microsoft.com/office/powerpoint/2010/main" xmlns:p15="http://schemas.microsoft.com/office/powerpoint/2012/main" xmlns:ahyp="http://schemas.microsoft.com/office/drawing/2018/hyperlinkcolor" show="0">
+<p:sld xmlns:a="http://schemas.openxmlformats.org/drawingml/2006/main" xmlns:r="http://schemas.openxmlformats.org/officeDocument/2006/relationships" xmlns:mc="http://schemas.openxmlformats.org/markup-compatibility/2006" xmlns:mv="urn:schemas-microsoft-com:mac:vml" xmlns:p="http://schemas.openxmlformats.org/presentationml/2006/main" xmlns:c="http://schemas.openxmlformats.org/drawingml/2006/chart" xmlns:dgm="http://schemas.openxmlformats.org/drawingml/2006/diagram" xmlns:o="urn:schemas-microsoft-com:office:office" xmlns:v="urn:schemas-microsoft-com:vml" xmlns:pvml="urn:schemas-microsoft-com:office:powerpoint" xmlns:com="http://schemas.openxmlformats.org/drawingml/2006/compatibility" xmlns:p14="http://schemas.microsoft.com/office/powerpoint/2010/main" xmlns:p15="http://schemas.microsoft.com/office/powerpoint/2012/main" xmlns:ahyp="http://schemas.microsoft.com/office/drawing/2018/hyperlinkcolor">
   <p:cSld>
     <p:spTree>
       <p:nvGrpSpPr>
@@ -9445,8 +9663,8 @@
         </p:nvSpPr>
         <p:spPr>
           <a:xfrm>
-            <a:off x="311700" y="849500"/>
-            <a:ext cx="8520600" cy="3883800"/>
+            <a:off x="311700" y="1207025"/>
+            <a:ext cx="8520600" cy="2739300"/>
           </a:xfrm>
           <a:prstGeom prst="rect">
             <a:avLst/>
@@ -9468,64 +9686,68 @@
               <a:buNone/>
             </a:pPr>
             <a:r>
+              <a:rPr lang="en" sz="1433" u="sng">
+                <a:solidFill>
+                  <a:schemeClr val="accent5"/>
+                </a:solidFill>
+                <a:hlinkClick r:id="rId3">
+                  <a:extLst>
+                    <a:ext uri="{A12FA001-AC4F-418D-AE19-62706E023703}">
+                      <ahyp:hlinkClr val="tx"/>
+                    </a:ext>
+                  </a:extLst>
+                </a:hlinkClick>
+              </a:rPr>
+              <a:t>https://github.com/hectorcorrea/solr-for-newbies/blob/main/tutorial.md#installing-solr-for-the-first-time</a:t>
+            </a:r>
+            <a:r>
               <a:rPr lang="en" sz="1433"/>
-              <a:t>Download SolrDora for macOS</a:t>
+              <a:t> </a:t>
             </a:r>
             <a:endParaRPr sz="1433"/>
           </a:p>
           <a:p>
-            <a:pPr indent="0" lvl="0" marL="0" rtl="0" algn="l">
-              <a:spcBef>
-                <a:spcPts val="0"/>
-              </a:spcBef>
-              <a:spcAft>
-                <a:spcPts val="0"/>
-              </a:spcAft>
-              <a:buNone/>
-            </a:pPr>
-            <a:r>
-              <a:t/>
+            <a:pPr indent="-319616" lvl="0" marL="457200" rtl="0" algn="l">
+              <a:spcBef>
+                <a:spcPts val="0"/>
+              </a:spcBef>
+              <a:spcAft>
+                <a:spcPts val="0"/>
+              </a:spcAft>
+              <a:buSzPts val="1433"/>
+              <a:buChar char="●"/>
+            </a:pPr>
+            <a:r>
+              <a:rPr lang="en" sz="1433"/>
+              <a:t>Install Docker </a:t>
             </a:r>
             <a:endParaRPr sz="1433"/>
           </a:p>
           <a:p>
-            <a:pPr indent="457200" lvl="0" marL="0" rtl="0" algn="l">
-              <a:spcBef>
-                <a:spcPts val="0"/>
-              </a:spcBef>
-              <a:spcAft>
-                <a:spcPts val="0"/>
-              </a:spcAft>
-              <a:buClr>
-                <a:schemeClr val="dk1"/>
-              </a:buClr>
-              <a:buSzPts val="1100"/>
-              <a:buFont typeface="Arial"/>
-              <a:buNone/>
-            </a:pPr>
-            <a:r>
-              <a:rPr lang="en" sz="1133">
+            <a:pPr indent="-319616" lvl="0" marL="457200" rtl="0" algn="l">
+              <a:spcBef>
+                <a:spcPts val="0"/>
+              </a:spcBef>
+              <a:spcAft>
+                <a:spcPts val="0"/>
+              </a:spcAft>
+              <a:buSzPts val="1433"/>
+              <a:buChar char="●"/>
+            </a:pPr>
+            <a:r>
+              <a:rPr lang="en" sz="1433"/>
+              <a:t>Create a Solr core named </a:t>
+            </a:r>
+            <a:r>
+              <a:rPr lang="en" sz="1433">
                 <a:latin typeface="Courier New"/>
                 <a:ea typeface="Courier New"/>
                 <a:cs typeface="Courier New"/>
                 <a:sym typeface="Courier New"/>
               </a:rPr>
-              <a:t>$ curl -OL </a:t>
-            </a:r>
-            <a:r>
-              <a:rPr lang="en" sz="1133" u="sng">
-                <a:solidFill>
-                  <a:schemeClr val="hlink"/>
-                </a:solidFill>
-                <a:latin typeface="Courier New"/>
-                <a:ea typeface="Courier New"/>
-                <a:cs typeface="Courier New"/>
-                <a:sym typeface="Courier New"/>
-                <a:hlinkClick r:id="rId3"/>
-              </a:rPr>
-              <a:t>https://github.com/hectorcorrea/solrdora/releases/download/v0.4/solrdora_mac.zip</a:t>
-            </a:r>
-            <a:endParaRPr sz="1133">
+              <a:t>bibdata</a:t>
+            </a:r>
+            <a:endParaRPr sz="1433">
               <a:latin typeface="Courier New"/>
               <a:ea typeface="Courier New"/>
               <a:cs typeface="Courier New"/>
@@ -9533,35 +9755,51 @@
             </a:endParaRPr>
           </a:p>
           <a:p>
-            <a:pPr indent="457200" lvl="0" marL="0" rtl="0" algn="l">
-              <a:spcBef>
-                <a:spcPts val="0"/>
-              </a:spcBef>
-              <a:spcAft>
-                <a:spcPts val="0"/>
-              </a:spcAft>
-              <a:buClr>
-                <a:schemeClr val="dk1"/>
-              </a:buClr>
-              <a:buSzPts val="1100"/>
-              <a:buFont typeface="Arial"/>
-              <a:buNone/>
-            </a:pPr>
-            <a:r>
-              <a:rPr lang="en" sz="1133">
+            <a:pPr indent="-319616" lvl="0" marL="457200" rtl="0" algn="l">
+              <a:spcBef>
+                <a:spcPts val="0"/>
+              </a:spcBef>
+              <a:spcAft>
+                <a:spcPts val="0"/>
+              </a:spcAft>
+              <a:buSzPts val="1433"/>
+              <a:buChar char="●"/>
+            </a:pPr>
+            <a:r>
+              <a:rPr lang="en" sz="1433"/>
+              <a:t>Load data to our </a:t>
+            </a:r>
+            <a:r>
+              <a:rPr lang="en" sz="1433">
                 <a:latin typeface="Courier New"/>
                 <a:ea typeface="Courier New"/>
                 <a:cs typeface="Courier New"/>
                 <a:sym typeface="Courier New"/>
               </a:rPr>
-              <a:t>$ unzip solrdora_mac.zip</a:t>
-            </a:r>
-            <a:endParaRPr sz="1133">
-              <a:latin typeface="Courier New"/>
-              <a:ea typeface="Courier New"/>
-              <a:cs typeface="Courier New"/>
-              <a:sym typeface="Courier New"/>
-            </a:endParaRPr>
+              <a:t>bibdata</a:t>
+            </a:r>
+            <a:r>
+              <a:rPr lang="en" sz="1433"/>
+              <a:t> Solr core </a:t>
+            </a:r>
+            <a:endParaRPr sz="1433"/>
+          </a:p>
+          <a:p>
+            <a:pPr indent="-319616" lvl="0" marL="457200" rtl="0" algn="l">
+              <a:spcBef>
+                <a:spcPts val="0"/>
+              </a:spcBef>
+              <a:spcAft>
+                <a:spcPts val="0"/>
+              </a:spcAft>
+              <a:buSzPts val="1433"/>
+              <a:buChar char="●"/>
+            </a:pPr>
+            <a:r>
+              <a:rPr lang="en" sz="1433"/>
+              <a:t>Run basic queries</a:t>
+            </a:r>
+            <a:endParaRPr sz="1433"/>
           </a:p>
           <a:p>
             <a:pPr indent="0" lvl="0" marL="0" rtl="0" algn="l">
@@ -9571,22 +9809,12 @@
               <a:spcAft>
                 <a:spcPts val="0"/>
               </a:spcAft>
-              <a:buClr>
-                <a:schemeClr val="dk1"/>
-              </a:buClr>
-              <a:buSzPts val="1100"/>
-              <a:buFont typeface="Arial"/>
               <a:buNone/>
             </a:pPr>
             <a:r>
               <a:t/>
             </a:r>
-            <a:endParaRPr sz="1133">
-              <a:latin typeface="Courier New"/>
-              <a:ea typeface="Courier New"/>
-              <a:cs typeface="Courier New"/>
-              <a:sym typeface="Courier New"/>
-            </a:endParaRPr>
+            <a:endParaRPr sz="1433"/>
           </a:p>
           <a:p>
             <a:pPr indent="0" lvl="0" marL="0" rtl="0" algn="l">
@@ -9601,12 +9829,7 @@
             <a:r>
               <a:t/>
             </a:r>
-            <a:endParaRPr sz="1133">
-              <a:latin typeface="Courier New"/>
-              <a:ea typeface="Courier New"/>
-              <a:cs typeface="Courier New"/>
-              <a:sym typeface="Courier New"/>
-            </a:endParaRPr>
+            <a:endParaRPr sz="1433"/>
           </a:p>
           <a:p>
             <a:pPr indent="0" lvl="0" marL="0" rtl="0" algn="l">
@@ -9616,102 +9839,22 @@
               <a:spcAft>
                 <a:spcPts val="0"/>
               </a:spcAft>
-              <a:buClr>
-                <a:schemeClr val="dk1"/>
-              </a:buClr>
-              <a:buSzPts val="1100"/>
-              <a:buFont typeface="Arial"/>
-              <a:buNone/>
-            </a:pPr>
-            <a:r>
-              <a:rPr lang="en" sz="1433"/>
-              <a:t>run it:</a:t>
-            </a:r>
-            <a:endParaRPr sz="1433"/>
-          </a:p>
-          <a:p>
-            <a:pPr indent="0" lvl="0" marL="0" rtl="0" algn="l">
-              <a:spcBef>
-                <a:spcPts val="0"/>
-              </a:spcBef>
-              <a:spcAft>
-                <a:spcPts val="0"/>
-              </a:spcAft>
-              <a:buNone/>
-            </a:pPr>
-            <a:r>
-              <a:t/>
-            </a:r>
-            <a:endParaRPr sz="1133">
-              <a:latin typeface="Courier New"/>
-              <a:ea typeface="Courier New"/>
-              <a:cs typeface="Courier New"/>
-              <a:sym typeface="Courier New"/>
-            </a:endParaRPr>
-          </a:p>
-          <a:p>
-            <a:pPr indent="457200" lvl="0" marL="0" rtl="0" algn="l">
-              <a:spcBef>
-                <a:spcPts val="0"/>
-              </a:spcBef>
-              <a:spcAft>
-                <a:spcPts val="0"/>
-              </a:spcAft>
-              <a:buNone/>
-            </a:pPr>
-            <a:r>
-              <a:rPr lang="en" sz="1133">
-                <a:latin typeface="Courier New"/>
-                <a:ea typeface="Courier New"/>
-                <a:cs typeface="Courier New"/>
-                <a:sym typeface="Courier New"/>
-              </a:rPr>
-              <a:t>$ ./solrdora settings.json</a:t>
-            </a:r>
-            <a:endParaRPr sz="1133">
-              <a:latin typeface="Courier New"/>
-              <a:ea typeface="Courier New"/>
-              <a:cs typeface="Courier New"/>
-              <a:sym typeface="Courier New"/>
-            </a:endParaRPr>
-          </a:p>
-          <a:p>
-            <a:pPr indent="0" lvl="0" marL="0" rtl="0" algn="l">
-              <a:spcBef>
-                <a:spcPts val="0"/>
-              </a:spcBef>
-              <a:spcAft>
-                <a:spcPts val="0"/>
-              </a:spcAft>
-              <a:buNone/>
-            </a:pPr>
-            <a:r>
-              <a:t/>
-            </a:r>
-            <a:endParaRPr sz="1433"/>
-          </a:p>
-          <a:p>
-            <a:pPr indent="0" lvl="0" marL="0" rtl="0" algn="l">
-              <a:spcBef>
-                <a:spcPts val="0"/>
-              </a:spcBef>
-              <a:spcAft>
-                <a:spcPts val="0"/>
-              </a:spcAft>
-              <a:buNone/>
-            </a:pPr>
-            <a:r>
-              <a:rPr lang="en" sz="1433"/>
-              <a:t>…and point your browser to </a:t>
-            </a:r>
+              <a:buNone/>
+            </a:pPr>
             <a:r>
               <a:rPr lang="en" sz="1433" u="sng">
                 <a:solidFill>
-                  <a:schemeClr val="hlink"/>
+                  <a:schemeClr val="accent5"/>
                 </a:solidFill>
-                <a:hlinkClick r:id="rId4"/>
+                <a:hlinkClick r:id="rId4">
+                  <a:extLst>
+                    <a:ext uri="{A12FA001-AC4F-418D-AE19-62706E023703}">
+                      <ahyp:hlinkClr val="tx"/>
+                    </a:ext>
+                  </a:extLst>
+                </a:hlinkClick>
               </a:rPr>
-              <a:t>http://localhost:9001/</a:t>
+              <a:t>https://github.com/hectorcorrea/solr-for-newbies/blob/main/tutorial.md#searching-for-documents</a:t>
             </a:r>
             <a:r>
               <a:rPr lang="en" sz="1433"/>
@@ -9720,6 +9863,23 @@
             <a:endParaRPr sz="1433"/>
           </a:p>
           <a:p>
+            <a:pPr indent="-319616" lvl="0" marL="457200" rtl="0" algn="l">
+              <a:spcBef>
+                <a:spcPts val="0"/>
+              </a:spcBef>
+              <a:spcAft>
+                <a:spcPts val="0"/>
+              </a:spcAft>
+              <a:buSzPts val="1433"/>
+              <a:buChar char="●"/>
+            </a:pPr>
+            <a:r>
+              <a:rPr lang="en" sz="1433"/>
+              <a:t>If don’t want to install Solr</a:t>
+            </a:r>
+            <a:endParaRPr sz="1433"/>
+          </a:p>
+          <a:p>
             <a:pPr indent="0" lvl="0" marL="0" rtl="0" algn="l">
               <a:spcBef>
                 <a:spcPts val="0"/>
@@ -9731,117 +9891,6 @@
             </a:pPr>
             <a:r>
               <a:t/>
-            </a:r>
-            <a:endParaRPr sz="1433"/>
-          </a:p>
-          <a:p>
-            <a:pPr indent="0" lvl="0" marL="0" rtl="0" algn="l">
-              <a:spcBef>
-                <a:spcPts val="0"/>
-              </a:spcBef>
-              <a:spcAft>
-                <a:spcPts val="0"/>
-              </a:spcAft>
-              <a:buNone/>
-            </a:pPr>
-            <a:r>
-              <a:t/>
-            </a:r>
-            <a:endParaRPr sz="1433"/>
-          </a:p>
-          <a:p>
-            <a:pPr indent="0" lvl="0" marL="0" rtl="0" algn="l">
-              <a:spcBef>
-                <a:spcPts val="0"/>
-              </a:spcBef>
-              <a:spcAft>
-                <a:spcPts val="0"/>
-              </a:spcAft>
-              <a:buNone/>
-            </a:pPr>
-            <a:r>
-              <a:rPr lang="en" sz="1300"/>
-              <a:t>Note</a:t>
-            </a:r>
-            <a:endParaRPr sz="1300"/>
-          </a:p>
-          <a:p>
-            <a:pPr indent="-311150" lvl="0" marL="457200" rtl="0" algn="l">
-              <a:spcBef>
-                <a:spcPts val="0"/>
-              </a:spcBef>
-              <a:spcAft>
-                <a:spcPts val="0"/>
-              </a:spcAft>
-              <a:buSzPts val="1300"/>
-              <a:buChar char="●"/>
-            </a:pPr>
-            <a:r>
-              <a:rPr lang="en" sz="1400"/>
-              <a:t>On </a:t>
-            </a:r>
-            <a:r>
-              <a:rPr b="1" i="1" lang="en" sz="1400"/>
-              <a:t>Windows</a:t>
-            </a:r>
-            <a:r>
-              <a:rPr lang="en" sz="1400"/>
-              <a:t> download </a:t>
-            </a:r>
-            <a:r>
-              <a:rPr lang="en" sz="1400" u="sng">
-                <a:solidFill>
-                  <a:schemeClr val="hlink"/>
-                </a:solidFill>
-                <a:hlinkClick r:id="rId5"/>
-              </a:rPr>
-              <a:t>solrdora_win.zip</a:t>
-            </a:r>
-            <a:r>
-              <a:rPr lang="en" sz="1400" u="sng">
-                <a:solidFill>
-                  <a:schemeClr val="hlink"/>
-                </a:solidFill>
-              </a:rPr>
-              <a:t> </a:t>
-            </a:r>
-            <a:endParaRPr sz="1400"/>
-          </a:p>
-          <a:p>
-            <a:pPr indent="-311150" lvl="0" marL="457200" rtl="0" algn="l">
-              <a:spcBef>
-                <a:spcPts val="0"/>
-              </a:spcBef>
-              <a:spcAft>
-                <a:spcPts val="0"/>
-              </a:spcAft>
-              <a:buSzPts val="1300"/>
-              <a:buChar char="●"/>
-            </a:pPr>
-            <a:r>
-              <a:rPr lang="en" sz="1433"/>
-              <a:t>On </a:t>
-            </a:r>
-            <a:r>
-              <a:rPr b="1" i="1" lang="en" sz="1433"/>
-              <a:t>Linux</a:t>
-            </a:r>
-            <a:r>
-              <a:rPr lang="en" sz="1433"/>
-              <a:t> download </a:t>
-            </a:r>
-            <a:r>
-              <a:rPr lang="en" sz="1433" u="sng">
-                <a:solidFill>
-                  <a:schemeClr val="hlink"/>
-                </a:solidFill>
-                <a:hlinkClick r:id="rId6"/>
-              </a:rPr>
-              <a:t>solrdora_linux.zip</a:t>
-            </a:r>
-            <a:r>
-              <a:rPr lang="en" sz="1433"/>
-              <a:t> </a:t>
             </a:r>
             <a:endParaRPr sz="1433"/>
           </a:p>
@@ -9857,7 +9906,7 @@
         </p:nvSpPr>
         <p:spPr>
           <a:xfrm>
-            <a:off x="196125" y="97375"/>
+            <a:off x="311700" y="445025"/>
             <a:ext cx="8520600" cy="572700"/>
           </a:xfrm>
           <a:prstGeom prst="rect">
@@ -9885,44 +9934,16 @@
                   <a:schemeClr val="accent4"/>
                 </a:highlight>
               </a:rPr>
-              <a:t>Your turn (optional):</a:t>
+              <a:t>Your turn:</a:t>
             </a:r>
             <a:r>
               <a:rPr lang="en"/>
-              <a:t> Use SolrDora to view the data</a:t>
+              <a:t> Installing Solr</a:t>
             </a:r>
             <a:endParaRPr/>
           </a:p>
         </p:txBody>
       </p:sp>
-      <p:pic>
-        <p:nvPicPr>
-          <p:cNvPr id="149" name="Google Shape;149;p25"/>
-          <p:cNvPicPr preferRelativeResize="0"/>
-          <p:nvPr/>
-        </p:nvPicPr>
-        <p:blipFill>
-          <a:blip r:embed="rId7">
-            <a:alphaModFix/>
-          </a:blip>
-          <a:stretch>
-            <a:fillRect/>
-          </a:stretch>
-        </p:blipFill>
-        <p:spPr>
-          <a:xfrm>
-            <a:off x="4894425" y="1999950"/>
-            <a:ext cx="4116151" cy="2992024"/>
-          </a:xfrm>
-          <a:prstGeom prst="rect">
-            <a:avLst/>
-          </a:prstGeom>
-          <a:noFill/>
-          <a:ln>
-            <a:noFill/>
-          </a:ln>
-        </p:spPr>
-      </p:pic>
     </p:spTree>
   </p:cSld>
   <p:clrMapOvr>
@@ -9936,7 +9957,7 @@
   <p:cSld>
     <p:spTree>
       <p:nvGrpSpPr>
-        <p:cNvPr id="153" name="Shape 153"/>
+        <p:cNvPr id="152" name="Shape 152"/>
         <p:cNvGrpSpPr/>
         <p:nvPr/>
       </p:nvGrpSpPr>
@@ -9950,7 +9971,7 @@
       </p:grpSpPr>
       <p:sp>
         <p:nvSpPr>
-          <p:cNvPr id="154" name="Google Shape;154;p26"/>
+          <p:cNvPr id="153" name="Google Shape;153;p26"/>
           <p:cNvSpPr txBox="1"/>
           <p:nvPr>
             <p:ph type="title"/>
@@ -9990,7 +10011,7 @@
       </p:sp>
       <p:sp>
         <p:nvSpPr>
-          <p:cNvPr id="155" name="Google Shape;155;p26"/>
+          <p:cNvPr id="154" name="Google Shape;154;p26"/>
           <p:cNvSpPr txBox="1"/>
           <p:nvPr/>
         </p:nvSpPr>
@@ -10052,7 +10073,7 @@
   <p:cSld>
     <p:spTree>
       <p:nvGrpSpPr>
-        <p:cNvPr id="159" name="Shape 159"/>
+        <p:cNvPr id="158" name="Shape 158"/>
         <p:cNvGrpSpPr/>
         <p:nvPr/>
       </p:nvGrpSpPr>
@@ -10066,7 +10087,7 @@
       </p:grpSpPr>
       <p:sp>
         <p:nvSpPr>
-          <p:cNvPr id="160" name="Google Shape;160;p27"/>
+          <p:cNvPr id="159" name="Google Shape;159;p27"/>
           <p:cNvSpPr txBox="1"/>
           <p:nvPr>
             <p:ph type="title"/>
@@ -10106,7 +10127,7 @@
       </p:sp>
       <p:sp>
         <p:nvSpPr>
-          <p:cNvPr id="161" name="Google Shape;161;p27"/>
+          <p:cNvPr id="160" name="Google Shape;160;p27"/>
           <p:cNvSpPr txBox="1"/>
           <p:nvPr>
             <p:ph idx="1" type="body"/>
@@ -10114,7 +10135,7 @@
         </p:nvSpPr>
         <p:spPr>
           <a:xfrm>
-            <a:off x="4844375" y="2916600"/>
+            <a:off x="4844400" y="2874350"/>
             <a:ext cx="3987900" cy="2083500"/>
           </a:xfrm>
           <a:prstGeom prst="rect">
@@ -10322,7 +10343,7 @@
       </p:sp>
       <p:graphicFrame>
         <p:nvGraphicFramePr>
-          <p:cNvPr id="162" name="Google Shape;162;p27"/>
+          <p:cNvPr id="161" name="Google Shape;161;p27"/>
           <p:cNvGraphicFramePr/>
           <p:nvPr/>
         </p:nvGraphicFramePr>
@@ -10335,7 +10356,7 @@
             <a:tbl>
               <a:tblPr>
                 <a:noFill/>
-                <a:tableStyleId>{07F8FA79-375C-4942-9514-DAE7A422A89D}</a:tableStyleId>
+                <a:tableStyleId>{A5B411A0-B9E0-4ABD-AB06-0DFFEDD1AD35}</a:tableStyleId>
               </a:tblPr>
               <a:tblGrid>
                 <a:gridCol w="764400"/>
@@ -10632,7 +10653,7 @@
       </p:graphicFrame>
       <p:sp>
         <p:nvSpPr>
-          <p:cNvPr id="163" name="Google Shape;163;p27"/>
+          <p:cNvPr id="162" name="Google Shape;162;p27"/>
           <p:cNvSpPr txBox="1"/>
           <p:nvPr>
             <p:ph idx="1" type="body"/>
@@ -10740,7 +10761,7 @@
       </p:sp>
       <p:sp>
         <p:nvSpPr>
-          <p:cNvPr id="164" name="Google Shape;164;p27"/>
+          <p:cNvPr id="163" name="Google Shape;163;p27"/>
           <p:cNvSpPr/>
           <p:nvPr/>
         </p:nvSpPr>
@@ -10790,7 +10811,7 @@
       </p:sp>
       <p:sp>
         <p:nvSpPr>
-          <p:cNvPr id="165" name="Google Shape;165;p27"/>
+          <p:cNvPr id="164" name="Google Shape;164;p27"/>
           <p:cNvSpPr/>
           <p:nvPr/>
         </p:nvSpPr>
@@ -10840,7 +10861,7 @@
       </p:sp>
       <p:sp>
         <p:nvSpPr>
-          <p:cNvPr id="166" name="Google Shape;166;p27"/>
+          <p:cNvPr id="165" name="Google Shape;165;p27"/>
           <p:cNvSpPr/>
           <p:nvPr/>
         </p:nvSpPr>
@@ -10894,10 +10915,10 @@
       </p:sp>
       <p:cxnSp>
         <p:nvCxnSpPr>
-          <p:cNvPr id="167" name="Google Shape;167;p27"/>
+          <p:cNvPr id="166" name="Google Shape;166;p27"/>
           <p:cNvCxnSpPr>
-            <a:stCxn id="164" idx="2"/>
-            <a:endCxn id="166" idx="1"/>
+            <a:stCxn id="163" idx="2"/>
+            <a:endCxn id="165" idx="1"/>
           </p:cNvCxnSpPr>
           <p:nvPr/>
         </p:nvCxnSpPr>
@@ -10923,10 +10944,10 @@
       </p:cxnSp>
       <p:cxnSp>
         <p:nvCxnSpPr>
-          <p:cNvPr id="168" name="Google Shape;168;p27"/>
+          <p:cNvPr id="167" name="Google Shape;167;p27"/>
           <p:cNvCxnSpPr>
-            <a:stCxn id="165" idx="2"/>
-            <a:endCxn id="166" idx="3"/>
+            <a:stCxn id="164" idx="2"/>
+            <a:endCxn id="165" idx="3"/>
           </p:cNvCxnSpPr>
           <p:nvPr/>
         </p:nvCxnSpPr>
@@ -10963,7 +10984,7 @@
   <p:cSld>
     <p:spTree>
       <p:nvGrpSpPr>
-        <p:cNvPr id="172" name="Shape 172"/>
+        <p:cNvPr id="171" name="Shape 171"/>
         <p:cNvGrpSpPr/>
         <p:nvPr/>
       </p:nvGrpSpPr>
@@ -10977,7 +10998,7 @@
       </p:grpSpPr>
       <p:sp>
         <p:nvSpPr>
-          <p:cNvPr id="173" name="Google Shape;173;p28"/>
+          <p:cNvPr id="172" name="Google Shape;172;p28"/>
           <p:cNvSpPr txBox="1"/>
           <p:nvPr>
             <p:ph type="title"/>
@@ -11017,7 +11038,7 @@
       </p:sp>
       <p:graphicFrame>
         <p:nvGraphicFramePr>
-          <p:cNvPr id="174" name="Google Shape;174;p28"/>
+          <p:cNvPr id="173" name="Google Shape;173;p28"/>
           <p:cNvGraphicFramePr/>
           <p:nvPr/>
         </p:nvGraphicFramePr>
@@ -11030,7 +11051,7 @@
             <a:tbl>
               <a:tblPr>
                 <a:noFill/>
-                <a:tableStyleId>{07F8FA79-375C-4942-9514-DAE7A422A89D}</a:tableStyleId>
+                <a:tableStyleId>{A5B411A0-B9E0-4ABD-AB06-0DFFEDD1AD35}</a:tableStyleId>
               </a:tblPr>
               <a:tblGrid>
                 <a:gridCol w="394725"/>
@@ -11335,7 +11356,7 @@
       </p:graphicFrame>
       <p:graphicFrame>
         <p:nvGraphicFramePr>
-          <p:cNvPr id="175" name="Google Shape;175;p28"/>
+          <p:cNvPr id="174" name="Google Shape;174;p28"/>
           <p:cNvGraphicFramePr/>
           <p:nvPr/>
         </p:nvGraphicFramePr>
@@ -11348,7 +11369,7 @@
             <a:tbl>
               <a:tblPr>
                 <a:noFill/>
-                <a:tableStyleId>{07F8FA79-375C-4942-9514-DAE7A422A89D}</a:tableStyleId>
+                <a:tableStyleId>{A5B411A0-B9E0-4ABD-AB06-0DFFEDD1AD35}</a:tableStyleId>
               </a:tblPr>
               <a:tblGrid>
                 <a:gridCol w="463500"/>
@@ -11601,7 +11622,7 @@
       </p:graphicFrame>
       <p:graphicFrame>
         <p:nvGraphicFramePr>
-          <p:cNvPr id="176" name="Google Shape;176;p28"/>
+          <p:cNvPr id="175" name="Google Shape;175;p28"/>
           <p:cNvGraphicFramePr/>
           <p:nvPr/>
         </p:nvGraphicFramePr>
@@ -11614,7 +11635,7 @@
             <a:tbl>
               <a:tblPr>
                 <a:noFill/>
-                <a:tableStyleId>{07F8FA79-375C-4942-9514-DAE7A422A89D}</a:tableStyleId>
+                <a:tableStyleId>{A5B411A0-B9E0-4ABD-AB06-0DFFEDD1AD35}</a:tableStyleId>
               </a:tblPr>
               <a:tblGrid>
                 <a:gridCol w="1195950"/>
@@ -11996,7 +12017,7 @@
       </p:graphicFrame>
       <p:sp>
         <p:nvSpPr>
-          <p:cNvPr id="177" name="Google Shape;177;p28"/>
+          <p:cNvPr id="176" name="Google Shape;176;p28"/>
           <p:cNvSpPr txBox="1"/>
           <p:nvPr/>
         </p:nvSpPr>
@@ -12038,7 +12059,7 @@
       </p:sp>
       <p:sp>
         <p:nvSpPr>
-          <p:cNvPr id="178" name="Google Shape;178;p28"/>
+          <p:cNvPr id="177" name="Google Shape;177;p28"/>
           <p:cNvSpPr txBox="1"/>
           <p:nvPr/>
         </p:nvSpPr>
@@ -12095,7 +12116,7 @@
   <p:cSld>
     <p:spTree>
       <p:nvGrpSpPr>
-        <p:cNvPr id="182" name="Shape 182"/>
+        <p:cNvPr id="181" name="Shape 181"/>
         <p:cNvGrpSpPr/>
         <p:nvPr/>
       </p:nvGrpSpPr>
@@ -12109,7 +12130,7 @@
       </p:grpSpPr>
       <p:sp>
         <p:nvSpPr>
-          <p:cNvPr id="183" name="Google Shape;183;p29"/>
+          <p:cNvPr id="182" name="Google Shape;182;p29"/>
           <p:cNvSpPr txBox="1"/>
           <p:nvPr>
             <p:ph type="title"/>
@@ -12149,7 +12170,7 @@
       </p:sp>
       <p:sp>
         <p:nvSpPr>
-          <p:cNvPr id="184" name="Google Shape;184;p29"/>
+          <p:cNvPr id="183" name="Google Shape;183;p29"/>
           <p:cNvSpPr txBox="1"/>
           <p:nvPr>
             <p:ph idx="1" type="body"/>
@@ -12293,7 +12314,7 @@
   <p:cSld>
     <p:spTree>
       <p:nvGrpSpPr>
-        <p:cNvPr id="188" name="Shape 188"/>
+        <p:cNvPr id="187" name="Shape 187"/>
         <p:cNvGrpSpPr/>
         <p:nvPr/>
       </p:nvGrpSpPr>
@@ -12307,7 +12328,7 @@
       </p:grpSpPr>
       <p:sp>
         <p:nvSpPr>
-          <p:cNvPr id="189" name="Google Shape;189;p30"/>
+          <p:cNvPr id="188" name="Google Shape;188;p30"/>
           <p:cNvSpPr txBox="1"/>
           <p:nvPr>
             <p:ph type="title"/>
@@ -12347,7 +12368,7 @@
       </p:sp>
       <p:sp>
         <p:nvSpPr>
-          <p:cNvPr id="190" name="Google Shape;190;p30"/>
+          <p:cNvPr id="189" name="Google Shape;189;p30"/>
           <p:cNvSpPr txBox="1"/>
           <p:nvPr>
             <p:ph idx="1" type="body"/>
@@ -12771,7 +12792,7 @@
   <p:cSld>
     <p:spTree>
       <p:nvGrpSpPr>
-        <p:cNvPr id="194" name="Shape 194"/>
+        <p:cNvPr id="193" name="Shape 193"/>
         <p:cNvGrpSpPr/>
         <p:nvPr/>
       </p:nvGrpSpPr>
@@ -12785,7 +12806,7 @@
       </p:grpSpPr>
       <p:sp>
         <p:nvSpPr>
-          <p:cNvPr id="195" name="Google Shape;195;p31"/>
+          <p:cNvPr id="194" name="Google Shape;194;p31"/>
           <p:cNvSpPr txBox="1"/>
           <p:nvPr>
             <p:ph type="title"/>
@@ -12853,7 +12874,7 @@
       </p:sp>
       <p:sp>
         <p:nvSpPr>
-          <p:cNvPr id="196" name="Google Shape;196;p31"/>
+          <p:cNvPr id="195" name="Google Shape;195;p31"/>
           <p:cNvSpPr txBox="1"/>
           <p:nvPr>
             <p:ph idx="1" type="body"/>
@@ -13550,7 +13571,7 @@
   <p:cSld>
     <p:spTree>
       <p:nvGrpSpPr>
-        <p:cNvPr id="200" name="Shape 200"/>
+        <p:cNvPr id="199" name="Shape 199"/>
         <p:cNvGrpSpPr/>
         <p:nvPr/>
       </p:nvGrpSpPr>
@@ -13564,7 +13585,7 @@
       </p:grpSpPr>
       <p:sp>
         <p:nvSpPr>
-          <p:cNvPr id="201" name="Google Shape;201;p32"/>
+          <p:cNvPr id="200" name="Google Shape;200;p32"/>
           <p:cNvSpPr txBox="1"/>
           <p:nvPr>
             <p:ph type="title"/>
@@ -13604,7 +13625,7 @@
       </p:sp>
       <p:graphicFrame>
         <p:nvGraphicFramePr>
-          <p:cNvPr id="202" name="Google Shape;202;p32"/>
+          <p:cNvPr id="201" name="Google Shape;201;p32"/>
           <p:cNvGraphicFramePr/>
           <p:nvPr/>
         </p:nvGraphicFramePr>
@@ -13617,7 +13638,7 @@
             <a:tbl>
               <a:tblPr>
                 <a:noFill/>
-                <a:tableStyleId>{07F8FA79-375C-4942-9514-DAE7A422A89D}</a:tableStyleId>
+                <a:tableStyleId>{A5B411A0-B9E0-4ABD-AB06-0DFFEDD1AD35}</a:tableStyleId>
               </a:tblPr>
               <a:tblGrid>
                 <a:gridCol w="1808500"/>
@@ -14179,7 +14200,7 @@
   <p:cSld>
     <p:spTree>
       <p:nvGrpSpPr>
-        <p:cNvPr id="206" name="Shape 206"/>
+        <p:cNvPr id="205" name="Shape 205"/>
         <p:cNvGrpSpPr/>
         <p:nvPr/>
       </p:nvGrpSpPr>
@@ -14193,7 +14214,7 @@
       </p:grpSpPr>
       <p:sp>
         <p:nvSpPr>
-          <p:cNvPr id="207" name="Google Shape;207;p33"/>
+          <p:cNvPr id="206" name="Google Shape;206;p33"/>
           <p:cNvSpPr txBox="1"/>
           <p:nvPr>
             <p:ph type="title"/>
@@ -14246,7 +14267,7 @@
       </p:sp>
       <p:sp>
         <p:nvSpPr>
-          <p:cNvPr id="208" name="Google Shape;208;p33"/>
+          <p:cNvPr id="207" name="Google Shape;207;p33"/>
           <p:cNvSpPr txBox="1"/>
           <p:nvPr>
             <p:ph idx="1" type="body"/>
@@ -14399,7 +14420,7 @@
   <p:cSld>
     <p:spTree>
       <p:nvGrpSpPr>
-        <p:cNvPr id="212" name="Shape 212"/>
+        <p:cNvPr id="211" name="Shape 211"/>
         <p:cNvGrpSpPr/>
         <p:nvPr/>
       </p:nvGrpSpPr>
@@ -14413,7 +14434,7 @@
       </p:grpSpPr>
       <p:sp>
         <p:nvSpPr>
-          <p:cNvPr id="213" name="Google Shape;213;p34"/>
+          <p:cNvPr id="212" name="Google Shape;212;p34"/>
           <p:cNvSpPr txBox="1"/>
           <p:nvPr>
             <p:ph type="title"/>
@@ -14466,7 +14487,7 @@
       </p:sp>
       <p:sp>
         <p:nvSpPr>
-          <p:cNvPr id="214" name="Google Shape;214;p34"/>
+          <p:cNvPr id="213" name="Google Shape;213;p34"/>
           <p:cNvSpPr txBox="1"/>
           <p:nvPr>
             <p:ph idx="1" type="body"/>
@@ -14741,7 +14762,7 @@
   <p:cSld>
     <p:spTree>
       <p:nvGrpSpPr>
-        <p:cNvPr id="218" name="Shape 218"/>
+        <p:cNvPr id="217" name="Shape 217"/>
         <p:cNvGrpSpPr/>
         <p:nvPr/>
       </p:nvGrpSpPr>
@@ -14755,7 +14776,7 @@
       </p:grpSpPr>
       <p:sp>
         <p:nvSpPr>
-          <p:cNvPr id="219" name="Google Shape;219;p35"/>
+          <p:cNvPr id="218" name="Google Shape;218;p35"/>
           <p:cNvSpPr txBox="1"/>
           <p:nvPr>
             <p:ph type="title"/>
@@ -14808,7 +14829,7 @@
       </p:sp>
       <p:graphicFrame>
         <p:nvGraphicFramePr>
-          <p:cNvPr id="220" name="Google Shape;220;p35"/>
+          <p:cNvPr id="219" name="Google Shape;219;p35"/>
           <p:cNvGraphicFramePr/>
           <p:nvPr/>
         </p:nvGraphicFramePr>
@@ -14821,11 +14842,11 @@
             <a:tbl>
               <a:tblPr>
                 <a:noFill/>
-                <a:tableStyleId>{07F8FA79-375C-4942-9514-DAE7A422A89D}</a:tableStyleId>
+                <a:tableStyleId>{A5B411A0-B9E0-4ABD-AB06-0DFFEDD1AD35}</a:tableStyleId>
               </a:tblPr>
               <a:tblGrid>
-                <a:gridCol w="1701050"/>
-                <a:gridCol w="2260900"/>
+                <a:gridCol w="2536375"/>
+                <a:gridCol w="1425575"/>
                 <a:gridCol w="2143050"/>
                 <a:gridCol w="1649775"/>
               </a:tblGrid>
@@ -15903,7 +15924,7 @@
   <p:cSld>
     <p:spTree>
       <p:nvGrpSpPr>
-        <p:cNvPr id="224" name="Shape 224"/>
+        <p:cNvPr id="223" name="Shape 223"/>
         <p:cNvGrpSpPr/>
         <p:nvPr/>
       </p:nvGrpSpPr>
@@ -15917,7 +15938,7 @@
       </p:grpSpPr>
       <p:sp>
         <p:nvSpPr>
-          <p:cNvPr id="225" name="Google Shape;225;p36"/>
+          <p:cNvPr id="224" name="Google Shape;224;p36"/>
           <p:cNvSpPr txBox="1"/>
           <p:nvPr>
             <p:ph type="title"/>
@@ -16221,7 +16242,7 @@
       </p:sp>
       <p:sp>
         <p:nvSpPr>
-          <p:cNvPr id="226" name="Google Shape;226;p36"/>
+          <p:cNvPr id="225" name="Google Shape;225;p36"/>
           <p:cNvSpPr txBox="1"/>
           <p:nvPr>
             <p:ph type="title"/>
@@ -16280,7 +16301,7 @@
   <p:cSld>
     <p:spTree>
       <p:nvGrpSpPr>
-        <p:cNvPr id="230" name="Shape 230"/>
+        <p:cNvPr id="229" name="Shape 229"/>
         <p:cNvGrpSpPr/>
         <p:nvPr/>
       </p:nvGrpSpPr>
@@ -16294,7 +16315,7 @@
       </p:grpSpPr>
       <p:sp>
         <p:nvSpPr>
-          <p:cNvPr id="231" name="Google Shape;231;p37"/>
+          <p:cNvPr id="230" name="Google Shape;230;p37"/>
           <p:cNvSpPr txBox="1"/>
           <p:nvPr>
             <p:ph type="title"/>
@@ -16334,7 +16355,7 @@
       </p:sp>
       <p:sp>
         <p:nvSpPr>
-          <p:cNvPr id="232" name="Google Shape;232;p37"/>
+          <p:cNvPr id="231" name="Google Shape;231;p37"/>
           <p:cNvSpPr txBox="1"/>
           <p:nvPr/>
         </p:nvSpPr>
@@ -16396,7 +16417,7 @@
   <p:cSld>
     <p:spTree>
       <p:nvGrpSpPr>
-        <p:cNvPr id="236" name="Shape 236"/>
+        <p:cNvPr id="235" name="Shape 235"/>
         <p:cNvGrpSpPr/>
         <p:nvPr/>
       </p:nvGrpSpPr>
@@ -16410,7 +16431,7 @@
       </p:grpSpPr>
       <p:sp>
         <p:nvSpPr>
-          <p:cNvPr id="237" name="Google Shape;237;p38"/>
+          <p:cNvPr id="236" name="Google Shape;236;p38"/>
           <p:cNvSpPr txBox="1"/>
           <p:nvPr>
             <p:ph idx="1" type="body"/>
@@ -16674,7 +16695,7 @@
   <p:cSld>
     <p:spTree>
       <p:nvGrpSpPr>
-        <p:cNvPr id="241" name="Shape 241"/>
+        <p:cNvPr id="240" name="Shape 240"/>
         <p:cNvGrpSpPr/>
         <p:nvPr/>
       </p:nvGrpSpPr>
@@ -16688,7 +16709,7 @@
       </p:grpSpPr>
       <p:sp>
         <p:nvSpPr>
-          <p:cNvPr id="242" name="Google Shape;242;p39"/>
+          <p:cNvPr id="241" name="Google Shape;241;p39"/>
           <p:cNvSpPr txBox="1"/>
           <p:nvPr>
             <p:ph idx="1" type="body"/>
@@ -16898,7 +16919,7 @@
       </p:sp>
       <p:sp>
         <p:nvSpPr>
-          <p:cNvPr id="243" name="Google Shape;243;p39"/>
+          <p:cNvPr id="242" name="Google Shape;242;p39"/>
           <p:cNvSpPr txBox="1"/>
           <p:nvPr/>
         </p:nvSpPr>
@@ -17024,7 +17045,7 @@
   <p:cSld>
     <p:spTree>
       <p:nvGrpSpPr>
-        <p:cNvPr id="247" name="Shape 247"/>
+        <p:cNvPr id="246" name="Shape 246"/>
         <p:cNvGrpSpPr/>
         <p:nvPr/>
       </p:nvGrpSpPr>
@@ -17038,7 +17059,7 @@
       </p:grpSpPr>
       <p:sp>
         <p:nvSpPr>
-          <p:cNvPr id="248" name="Google Shape;248;p40"/>
+          <p:cNvPr id="247" name="Google Shape;247;p40"/>
           <p:cNvSpPr txBox="1"/>
           <p:nvPr>
             <p:ph type="title"/>
@@ -17078,7 +17099,7 @@
       </p:sp>
       <p:sp>
         <p:nvSpPr>
-          <p:cNvPr id="249" name="Google Shape;249;p40"/>
+          <p:cNvPr id="248" name="Google Shape;248;p40"/>
           <p:cNvSpPr txBox="1"/>
           <p:nvPr/>
         </p:nvSpPr>
@@ -17140,7 +17161,7 @@
   <p:cSld>
     <p:spTree>
       <p:nvGrpSpPr>
-        <p:cNvPr id="253" name="Shape 253"/>
+        <p:cNvPr id="252" name="Shape 252"/>
         <p:cNvGrpSpPr/>
         <p:nvPr/>
       </p:nvGrpSpPr>
@@ -17154,7 +17175,7 @@
       </p:grpSpPr>
       <p:sp>
         <p:nvSpPr>
-          <p:cNvPr id="254" name="Google Shape;254;p41"/>
+          <p:cNvPr id="253" name="Google Shape;253;p41"/>
           <p:cNvSpPr txBox="1"/>
           <p:nvPr>
             <p:ph idx="1" type="body"/>
@@ -17320,7 +17341,7 @@
             </a:pPr>
             <a:r>
               <a:rPr lang="en"/>
-              <a:t>Code4Lib Community Code of Conduct</a:t>
+              <a:t>Helping hands</a:t>
             </a:r>
             <a:endParaRPr/>
           </a:p>
@@ -17349,28 +17370,87 @@
           </a:bodyPr>
           <a:lstStyle/>
           <a:p>
+            <a:pPr indent="-342900" lvl="0" marL="457200" rtl="0" algn="l">
+              <a:spcBef>
+                <a:spcPts val="0"/>
+              </a:spcBef>
+              <a:spcAft>
+                <a:spcPts val="0"/>
+              </a:spcAft>
+              <a:buSzPts val="1800"/>
+              <a:buChar char="●"/>
+            </a:pPr>
+            <a:r>
+              <a:rPr lang="en"/>
+              <a:t>Bess Sadler</a:t>
+            </a:r>
+            <a:endParaRPr/>
+          </a:p>
+          <a:p>
+            <a:pPr indent="-342900" lvl="0" marL="457200" rtl="0" algn="l">
+              <a:spcBef>
+                <a:spcPts val="0"/>
+              </a:spcBef>
+              <a:spcAft>
+                <a:spcPts val="0"/>
+              </a:spcAft>
+              <a:buSzPts val="1800"/>
+              <a:buChar char="●"/>
+            </a:pPr>
+            <a:r>
+              <a:rPr lang="en"/>
+              <a:t>Carolyn Cole</a:t>
+            </a:r>
+            <a:endParaRPr/>
+          </a:p>
+          <a:p>
+            <a:pPr indent="-342900" lvl="0" marL="457200" rtl="0" algn="l">
+              <a:spcBef>
+                <a:spcPts val="0"/>
+              </a:spcBef>
+              <a:spcAft>
+                <a:spcPts val="0"/>
+              </a:spcAft>
+              <a:buSzPts val="1800"/>
+              <a:buChar char="●"/>
+            </a:pPr>
+            <a:r>
+              <a:rPr lang="en"/>
+              <a:t>Francis Kayiwa</a:t>
+            </a:r>
+            <a:endParaRPr/>
+          </a:p>
+          <a:p>
+            <a:pPr indent="-342900" lvl="0" marL="457200" rtl="0" algn="l">
+              <a:spcBef>
+                <a:spcPts val="0"/>
+              </a:spcBef>
+              <a:spcAft>
+                <a:spcPts val="0"/>
+              </a:spcAft>
+              <a:buSzPts val="1800"/>
+              <a:buChar char="●"/>
+            </a:pPr>
+            <a:r>
+              <a:rPr lang="en"/>
+              <a:t>James Griffin</a:t>
+            </a:r>
+            <a:endParaRPr/>
+          </a:p>
+          <a:p>
             <a:pPr indent="0" lvl="0" marL="0" rtl="0" algn="l">
               <a:spcBef>
-                <a:spcPts val="0"/>
-              </a:spcBef>
-              <a:spcAft>
-                <a:spcPts val="0"/>
-              </a:spcAft>
-              <a:buNone/>
-            </a:pPr>
-            <a:r>
-              <a:rPr lang="en" sz="1900">
-                <a:solidFill>
-                  <a:schemeClr val="dk1"/>
-                </a:solidFill>
-              </a:rPr>
-              <a:t>Code4Lib seeks to provide a welcoming, fun, and safe community and conference experience and ongoing community for everyone. We do not tolerate harassment in any form. Discriminatory language and imagery (including sexual) is not appropriate for any event venue, including talks, or any community channel such as the chatroom or mailing list.</a:t>
-            </a:r>
-            <a:endParaRPr sz="1900">
-              <a:solidFill>
-                <a:schemeClr val="dk1"/>
-              </a:solidFill>
-            </a:endParaRPr>
+                <a:spcPts val="1200"/>
+              </a:spcBef>
+              <a:spcAft>
+                <a:spcPts val="0"/>
+              </a:spcAft>
+              <a:buNone/>
+            </a:pPr>
+            <a:r>
+              <a:t/>
+            </a:r>
+            <a:endParaRPr/>
           </a:p>
           <a:p>
             <a:pPr indent="0" lvl="0" marL="0" rtl="0" algn="l">
@@ -17378,51 +17458,15 @@
                 <a:spcPts val="1200"/>
               </a:spcBef>
               <a:spcAft>
-                <a:spcPts val="0"/>
-              </a:spcAft>
-              <a:buNone/>
-            </a:pPr>
-            <a:r>
-              <a:t/>
-            </a:r>
-            <a:endParaRPr sz="1900">
-              <a:solidFill>
-                <a:schemeClr val="dk1"/>
-              </a:solidFill>
-            </a:endParaRPr>
-          </a:p>
-          <a:p>
-            <a:pPr indent="0" lvl="0" marL="0" rtl="0" algn="l">
-              <a:spcBef>
                 <a:spcPts val="1200"/>
-              </a:spcBef>
-              <a:spcAft>
-                <a:spcPts val="1200"/>
-              </a:spcAft>
-              <a:buNone/>
-            </a:pPr>
-            <a:r>
-              <a:rPr lang="en" sz="1900" u="sng">
-                <a:solidFill>
-                  <a:schemeClr val="hlink"/>
-                </a:solidFill>
-                <a:hlinkClick r:id="rId3"/>
-              </a:rPr>
-              <a:t>https://2023.code4lib.org/conduct/</a:t>
-            </a:r>
-            <a:r>
-              <a:rPr lang="en" sz="1900">
-                <a:solidFill>
-                  <a:schemeClr val="dk1"/>
-                </a:solidFill>
-              </a:rPr>
-              <a:t> </a:t>
-            </a:r>
-            <a:endParaRPr sz="1900">
-              <a:solidFill>
-                <a:schemeClr val="dk1"/>
-              </a:solidFill>
-            </a:endParaRPr>
+              </a:spcAft>
+              <a:buNone/>
+            </a:pPr>
+            <a:r>
+              <a:rPr lang="en"/>
+              <a:t>Thank you Bess, Carolyn, Francis, and James!</a:t>
+            </a:r>
+            <a:endParaRPr/>
           </a:p>
         </p:txBody>
       </p:sp>
@@ -17439,7 +17483,7 @@
   <p:cSld>
     <p:spTree>
       <p:nvGrpSpPr>
-        <p:cNvPr id="258" name="Shape 258"/>
+        <p:cNvPr id="257" name="Shape 257"/>
         <p:cNvGrpSpPr/>
         <p:nvPr/>
       </p:nvGrpSpPr>
@@ -17453,7 +17497,7 @@
       </p:grpSpPr>
       <p:sp>
         <p:nvSpPr>
-          <p:cNvPr id="259" name="Google Shape;259;p42"/>
+          <p:cNvPr id="258" name="Google Shape;258;p42"/>
           <p:cNvSpPr txBox="1"/>
           <p:nvPr>
             <p:ph type="title"/>
@@ -17493,7 +17537,7 @@
       </p:sp>
       <p:sp>
         <p:nvSpPr>
-          <p:cNvPr id="260" name="Google Shape;260;p42"/>
+          <p:cNvPr id="259" name="Google Shape;259;p42"/>
           <p:cNvSpPr txBox="1"/>
           <p:nvPr>
             <p:ph idx="1" type="body"/>
@@ -17700,7 +17744,7 @@
   <p:cSld>
     <p:spTree>
       <p:nvGrpSpPr>
-        <p:cNvPr id="264" name="Shape 264"/>
+        <p:cNvPr id="263" name="Shape 263"/>
         <p:cNvGrpSpPr/>
         <p:nvPr/>
       </p:nvGrpSpPr>
@@ -17714,7 +17758,7 @@
       </p:grpSpPr>
       <p:sp>
         <p:nvSpPr>
-          <p:cNvPr id="265" name="Google Shape;265;p43"/>
+          <p:cNvPr id="264" name="Google Shape;264;p43"/>
           <p:cNvSpPr txBox="1"/>
           <p:nvPr>
             <p:ph type="title"/>
@@ -17754,7 +17798,7 @@
       </p:sp>
       <p:sp>
         <p:nvSpPr>
-          <p:cNvPr id="266" name="Google Shape;266;p43"/>
+          <p:cNvPr id="265" name="Google Shape;265;p43"/>
           <p:cNvSpPr txBox="1"/>
           <p:nvPr>
             <p:ph idx="1" type="body"/>
@@ -17970,20 +18014,20 @@
         </p:nvSpPr>
         <p:spPr>
           <a:xfrm>
-            <a:off x="311700" y="2150850"/>
-            <a:ext cx="8520600" cy="841800"/>
+            <a:off x="311700" y="445025"/>
+            <a:ext cx="8520600" cy="572700"/>
           </a:xfrm>
           <a:prstGeom prst="rect">
             <a:avLst/>
           </a:prstGeom>
         </p:spPr>
         <p:txBody>
-          <a:bodyPr anchorCtr="0" anchor="ctr" bIns="91425" lIns="91425" spcFirstLastPara="1" rIns="91425" wrap="square" tIns="91425">
-            <a:normAutofit/>
+          <a:bodyPr anchorCtr="0" anchor="t" bIns="91425" lIns="91425" spcFirstLastPara="1" rIns="91425" wrap="square" tIns="91425">
+            <a:normAutofit fontScale="90000"/>
           </a:bodyPr>
           <a:lstStyle/>
           <a:p>
-            <a:pPr indent="0" lvl="0" marL="0" rtl="0" algn="ctr">
+            <a:pPr indent="0" lvl="0" marL="0" rtl="0" algn="l">
               <a:spcBef>
                 <a:spcPts val="0"/>
               </a:spcBef>
@@ -17994,11 +18038,7 @@
             </a:pPr>
             <a:r>
               <a:rPr lang="en"/>
-              <a:t>I. </a:t>
-            </a:r>
-            <a:r>
-              <a:rPr lang="en"/>
-              <a:t>Introduction</a:t>
+              <a:t>Code4Lib Community Code of Conduct</a:t>
             </a:r>
             <a:endParaRPr/>
           </a:p>
@@ -18008,24 +18048,22 @@
         <p:nvSpPr>
           <p:cNvPr id="74" name="Google Shape;74;p16"/>
           <p:cNvSpPr txBox="1"/>
-          <p:nvPr/>
+          <p:nvPr>
+            <p:ph idx="1" type="body"/>
+          </p:nvPr>
         </p:nvSpPr>
         <p:spPr>
           <a:xfrm>
-            <a:off x="1003050" y="4512400"/>
-            <a:ext cx="7137900" cy="400200"/>
+            <a:off x="311700" y="1152475"/>
+            <a:ext cx="8520600" cy="3416400"/>
           </a:xfrm>
           <a:prstGeom prst="rect">
             <a:avLst/>
           </a:prstGeom>
-          <a:noFill/>
-          <a:ln>
-            <a:noFill/>
-          </a:ln>
         </p:spPr>
         <p:txBody>
           <a:bodyPr anchorCtr="0" anchor="t" bIns="91425" lIns="91425" spcFirstLastPara="1" rIns="91425" wrap="square" tIns="91425">
-            <a:spAutoFit/>
+            <a:normAutofit/>
           </a:bodyPr>
           <a:lstStyle/>
           <a:p>
@@ -18039,19 +18077,70 @@
               <a:buNone/>
             </a:pPr>
             <a:r>
-              <a:rPr lang="en" u="sng">
+              <a:rPr lang="en" sz="1900">
+                <a:solidFill>
+                  <a:schemeClr val="dk1"/>
+                </a:solidFill>
+              </a:rPr>
+              <a:t>Code4Lib seeks to provide a welcoming, fun, and safe community and conference experience and ongoing community for everyone. We do not tolerate harassment in any form. Discriminatory language and imagery (including sexual) is not appropriate for any event venue, including talks, or any community channel such as the chatroom or mailing list.</a:t>
+            </a:r>
+            <a:endParaRPr sz="1900">
+              <a:solidFill>
+                <a:schemeClr val="dk1"/>
+              </a:solidFill>
+            </a:endParaRPr>
+          </a:p>
+          <a:p>
+            <a:pPr indent="0" lvl="0" marL="0" rtl="0" algn="l">
+              <a:spcBef>
+                <a:spcPts val="1200"/>
+              </a:spcBef>
+              <a:spcAft>
+                <a:spcPts val="0"/>
+              </a:spcAft>
+              <a:buNone/>
+            </a:pPr>
+            <a:r>
+              <a:t/>
+            </a:r>
+            <a:endParaRPr sz="1900">
+              <a:solidFill>
+                <a:schemeClr val="dk1"/>
+              </a:solidFill>
+            </a:endParaRPr>
+          </a:p>
+          <a:p>
+            <a:pPr indent="0" lvl="0" marL="0" rtl="0" algn="l">
+              <a:spcBef>
+                <a:spcPts val="1200"/>
+              </a:spcBef>
+              <a:spcAft>
+                <a:spcPts val="1200"/>
+              </a:spcAft>
+              <a:buNone/>
+            </a:pPr>
+            <a:r>
+              <a:rPr lang="en" sz="1900" u="sng">
                 <a:solidFill>
                   <a:schemeClr val="hlink"/>
                 </a:solidFill>
                 <a:hlinkClick r:id="rId3"/>
               </a:rPr>
-              <a:t>https://github.com/hectorcorrea/solr-for-newbies/blob/main/tutorial.md#part-i-introduction</a:t>
-            </a:r>
-            <a:r>
-              <a:rPr lang="en"/>
+              <a:t>https://2023.code4lib.org/conduct/</a:t>
+            </a:r>
+            <a:r>
+              <a:rPr lang="en" sz="1900">
+                <a:solidFill>
+                  <a:schemeClr val="dk1"/>
+                </a:solidFill>
+              </a:rPr>
               <a:t> </a:t>
             </a:r>
-            <a:endParaRPr/>
+            <a:endParaRPr sz="1900">
+              <a:solidFill>
+                <a:schemeClr val="dk1"/>
+              </a:solidFill>
+            </a:endParaRPr>
           </a:p>
         </p:txBody>
       </p:sp>
@@ -18090,20 +18179,20 @@
         </p:nvSpPr>
         <p:spPr>
           <a:xfrm>
-            <a:off x="311700" y="445025"/>
-            <a:ext cx="8520600" cy="572700"/>
+            <a:off x="311700" y="2150850"/>
+            <a:ext cx="8520600" cy="841800"/>
           </a:xfrm>
           <a:prstGeom prst="rect">
             <a:avLst/>
           </a:prstGeom>
         </p:spPr>
         <p:txBody>
-          <a:bodyPr anchorCtr="0" anchor="t" bIns="91425" lIns="91425" spcFirstLastPara="1" rIns="91425" wrap="square" tIns="91425">
-            <a:normAutofit fontScale="90000"/>
+          <a:bodyPr anchorCtr="0" anchor="ctr" bIns="91425" lIns="91425" spcFirstLastPara="1" rIns="91425" wrap="square" tIns="91425">
+            <a:normAutofit/>
           </a:bodyPr>
           <a:lstStyle/>
           <a:p>
-            <a:pPr indent="0" lvl="0" marL="0" rtl="0" algn="l">
+            <a:pPr indent="0" lvl="0" marL="0" rtl="0" algn="ctr">
               <a:spcBef>
                 <a:spcPts val="0"/>
               </a:spcBef>
@@ -18114,7 +18203,11 @@
             </a:pPr>
             <a:r>
               <a:rPr lang="en"/>
-              <a:t>What is Solr?</a:t>
+              <a:t>I. </a:t>
+            </a:r>
+            <a:r>
+              <a:rPr lang="en"/>
+              <a:t>Introduction</a:t>
             </a:r>
             <a:endParaRPr/>
           </a:p>
@@ -18124,22 +18217,24 @@
         <p:nvSpPr>
           <p:cNvPr id="80" name="Google Shape;80;p17"/>
           <p:cNvSpPr txBox="1"/>
-          <p:nvPr>
-            <p:ph idx="1" type="body"/>
-          </p:nvPr>
+          <p:nvPr/>
         </p:nvSpPr>
         <p:spPr>
           <a:xfrm>
-            <a:off x="311700" y="1152475"/>
-            <a:ext cx="8520600" cy="3416400"/>
+            <a:off x="1003050" y="4512400"/>
+            <a:ext cx="7137900" cy="400200"/>
           </a:xfrm>
           <a:prstGeom prst="rect">
             <a:avLst/>
           </a:prstGeom>
+          <a:noFill/>
+          <a:ln>
+            <a:noFill/>
+          </a:ln>
         </p:spPr>
         <p:txBody>
           <a:bodyPr anchorCtr="0" anchor="t" bIns="91425" lIns="91425" spcFirstLastPara="1" rIns="91425" wrap="square" tIns="91425">
-            <a:normAutofit lnSpcReduction="10000"/>
+            <a:spAutoFit/>
           </a:bodyPr>
           <a:lstStyle/>
           <a:p>
@@ -18153,177 +18248,19 @@
               <a:buNone/>
             </a:pPr>
             <a:r>
-              <a:rPr lang="en" sz="2300">
+              <a:rPr lang="en" u="sng">
                 <a:solidFill>
-                  <a:schemeClr val="dk1"/>
+                  <a:schemeClr val="hlink"/>
                 </a:solidFill>
-                <a:latin typeface="Courier New"/>
-                <a:ea typeface="Courier New"/>
-                <a:cs typeface="Courier New"/>
-                <a:sym typeface="Courier New"/>
+                <a:hlinkClick r:id="rId3"/>
               </a:rPr>
-              <a:t>“Solr is the popular, blazing-fast, open source enterprise </a:t>
-            </a:r>
-            <a:r>
-              <a:rPr b="1" lang="en" sz="2300">
-                <a:solidFill>
-                  <a:schemeClr val="dk1"/>
-                </a:solidFill>
-                <a:latin typeface="Courier New"/>
-                <a:ea typeface="Courier New"/>
-                <a:cs typeface="Courier New"/>
-                <a:sym typeface="Courier New"/>
-              </a:rPr>
-              <a:t>search platform </a:t>
-            </a:r>
-            <a:r>
-              <a:rPr lang="en" sz="2300">
-                <a:solidFill>
-                  <a:schemeClr val="dk1"/>
-                </a:solidFill>
-                <a:latin typeface="Courier New"/>
-                <a:ea typeface="Courier New"/>
-                <a:cs typeface="Courier New"/>
-                <a:sym typeface="Courier New"/>
-              </a:rPr>
-              <a:t>built on Apache Lucene.” - Solr’s Home Page</a:t>
-            </a:r>
-            <a:endParaRPr sz="2300">
-              <a:solidFill>
-                <a:schemeClr val="dk1"/>
-              </a:solidFill>
-              <a:latin typeface="Courier New"/>
-              <a:ea typeface="Courier New"/>
-              <a:cs typeface="Courier New"/>
-              <a:sym typeface="Courier New"/>
-            </a:endParaRPr>
-          </a:p>
-          <a:p>
-            <a:pPr indent="0" lvl="0" marL="0" rtl="0" algn="l">
-              <a:spcBef>
-                <a:spcPts val="1200"/>
-              </a:spcBef>
-              <a:spcAft>
-                <a:spcPts val="0"/>
-              </a:spcAft>
-              <a:buNone/>
-            </a:pPr>
-            <a:r>
-              <a:t/>
-            </a:r>
-            <a:endParaRPr sz="2300">
-              <a:solidFill>
-                <a:schemeClr val="dk1"/>
-              </a:solidFill>
-              <a:latin typeface="Courier New"/>
-              <a:ea typeface="Courier New"/>
-              <a:cs typeface="Courier New"/>
-              <a:sym typeface="Courier New"/>
-            </a:endParaRPr>
-          </a:p>
-          <a:p>
-            <a:pPr indent="0" lvl="0" marL="0" rtl="0" algn="l">
-              <a:spcBef>
-                <a:spcPts val="1200"/>
-              </a:spcBef>
-              <a:spcAft>
-                <a:spcPts val="1200"/>
-              </a:spcAft>
-              <a:buNone/>
-            </a:pPr>
-            <a:r>
-              <a:rPr lang="en" sz="2300">
-                <a:solidFill>
-                  <a:schemeClr val="dk1"/>
-                </a:solidFill>
-                <a:latin typeface="Courier New"/>
-                <a:ea typeface="Courier New"/>
-                <a:cs typeface="Courier New"/>
-                <a:sym typeface="Courier New"/>
-              </a:rPr>
-              <a:t>“Solr is a scalable, ready-to-deploy enterprise </a:t>
-            </a:r>
-            <a:r>
-              <a:rPr b="1" lang="en" sz="2300">
-                <a:solidFill>
-                  <a:schemeClr val="dk1"/>
-                </a:solidFill>
-                <a:latin typeface="Courier New"/>
-                <a:ea typeface="Courier New"/>
-                <a:cs typeface="Courier New"/>
-                <a:sym typeface="Courier New"/>
-              </a:rPr>
-              <a:t>search engine</a:t>
-            </a:r>
-            <a:r>
-              <a:rPr lang="en" sz="2300">
-                <a:solidFill>
-                  <a:schemeClr val="dk1"/>
-                </a:solidFill>
-                <a:latin typeface="Courier New"/>
-                <a:ea typeface="Courier New"/>
-                <a:cs typeface="Courier New"/>
-                <a:sym typeface="Courier New"/>
-              </a:rPr>
-              <a:t> that’s optimized to search large volumes of </a:t>
-            </a:r>
-            <a:r>
-              <a:rPr b="1" lang="en" sz="2300">
-                <a:solidFill>
-                  <a:schemeClr val="dk1"/>
-                </a:solidFill>
-                <a:latin typeface="Courier New"/>
-                <a:ea typeface="Courier New"/>
-                <a:cs typeface="Courier New"/>
-                <a:sym typeface="Courier New"/>
-              </a:rPr>
-              <a:t>text-centric data </a:t>
-            </a:r>
-            <a:r>
-              <a:rPr lang="en" sz="2300">
-                <a:solidFill>
-                  <a:schemeClr val="dk1"/>
-                </a:solidFill>
-                <a:latin typeface="Courier New"/>
-                <a:ea typeface="Courier New"/>
-                <a:cs typeface="Courier New"/>
-                <a:sym typeface="Courier New"/>
-              </a:rPr>
-              <a:t>and return </a:t>
-            </a:r>
-            <a:r>
-              <a:rPr b="1" lang="en" sz="2300">
-                <a:solidFill>
-                  <a:schemeClr val="dk1"/>
-                </a:solidFill>
-                <a:latin typeface="Courier New"/>
-                <a:ea typeface="Courier New"/>
-                <a:cs typeface="Courier New"/>
-                <a:sym typeface="Courier New"/>
-              </a:rPr>
-              <a:t>results sorted by relevance</a:t>
-            </a:r>
-            <a:r>
-              <a:rPr lang="en" sz="2300">
-                <a:solidFill>
-                  <a:schemeClr val="dk1"/>
-                </a:solidFill>
-                <a:latin typeface="Courier New"/>
-                <a:ea typeface="Courier New"/>
-                <a:cs typeface="Courier New"/>
-                <a:sym typeface="Courier New"/>
-              </a:rPr>
-              <a:t>.” - Solr in Action [p. 4]</a:t>
-            </a:r>
-            <a:endParaRPr sz="2300">
-              <a:solidFill>
-                <a:schemeClr val="dk1"/>
-              </a:solidFill>
-              <a:latin typeface="Courier New"/>
-              <a:ea typeface="Courier New"/>
-              <a:cs typeface="Courier New"/>
-              <a:sym typeface="Courier New"/>
-            </a:endParaRPr>
+              <a:t>https://github.com/hectorcorrea/solr-for-newbies/blob/main/tutorial.md#part-i-introduction</a:t>
+            </a:r>
+            <a:r>
+              <a:rPr lang="en"/>
+              <a:t> </a:t>
+            </a:r>
+            <a:endParaRPr/>
           </a:p>
         </p:txBody>
       </p:sp>
@@ -18386,7 +18323,7 @@
             </a:pPr>
             <a:r>
               <a:rPr lang="en"/>
-              <a:t>Why Solr is popular in libraries?</a:t>
+              <a:t>What is Solr?</a:t>
             </a:r>
             <a:endParaRPr/>
           </a:p>
@@ -18402,8 +18339,8 @@
         </p:nvSpPr>
         <p:spPr>
           <a:xfrm>
-            <a:off x="278400" y="1152475"/>
-            <a:ext cx="8520600" cy="3458400"/>
+            <a:off x="311700" y="1152475"/>
+            <a:ext cx="8520600" cy="3416400"/>
           </a:xfrm>
           <a:prstGeom prst="rect">
             <a:avLst/>
@@ -18411,80 +18348,68 @@
         </p:spPr>
         <p:txBody>
           <a:bodyPr anchorCtr="0" anchor="t" bIns="91425" lIns="91425" spcFirstLastPara="1" rIns="91425" wrap="square" tIns="91425">
-            <a:normAutofit/>
+            <a:normAutofit lnSpcReduction="10000"/>
           </a:bodyPr>
           <a:lstStyle/>
           <a:p>
-            <a:pPr indent="-342900" lvl="0" marL="457200" rtl="0" algn="l">
-              <a:spcBef>
-                <a:spcPts val="0"/>
-              </a:spcBef>
-              <a:spcAft>
-                <a:spcPts val="0"/>
-              </a:spcAft>
-              <a:buSzPts val="1800"/>
-              <a:buChar char="●"/>
-            </a:pPr>
-            <a:r>
-              <a:rPr lang="en"/>
-              <a:t>We have lots of text centric searches</a:t>
-            </a:r>
-            <a:endParaRPr/>
-          </a:p>
-          <a:p>
-            <a:pPr indent="-342900" lvl="0" marL="457200" rtl="0" algn="l">
-              <a:spcBef>
-                <a:spcPts val="0"/>
-              </a:spcBef>
-              <a:spcAft>
-                <a:spcPts val="0"/>
-              </a:spcAft>
-              <a:buSzPts val="1800"/>
-              <a:buChar char="●"/>
-            </a:pPr>
-            <a:r>
-              <a:rPr lang="en"/>
-              <a:t>Relevance in results is important to us</a:t>
-            </a:r>
-            <a:endParaRPr/>
-          </a:p>
-          <a:p>
-            <a:pPr indent="-342900" lvl="0" marL="457200" rtl="0" algn="l">
-              <a:spcBef>
-                <a:spcPts val="0"/>
-              </a:spcBef>
-              <a:spcAft>
-                <a:spcPts val="0"/>
-              </a:spcAft>
-              <a:buSzPts val="1800"/>
-              <a:buChar char="●"/>
-            </a:pPr>
-            <a:r>
-              <a:rPr lang="en"/>
-              <a:t>Solr is free and open-source</a:t>
-            </a:r>
-            <a:endParaRPr/>
-          </a:p>
-          <a:p>
-            <a:pPr indent="-342900" lvl="0" marL="457200" rtl="0" algn="l">
-              <a:spcBef>
-                <a:spcPts val="0"/>
-              </a:spcBef>
-              <a:spcAft>
-                <a:spcPts val="0"/>
-              </a:spcAft>
-              <a:buSzPts val="1800"/>
-              <a:buChar char="●"/>
-            </a:pPr>
-            <a:r>
-              <a:rPr lang="en"/>
-              <a:t>Facets </a:t>
-            </a:r>
-            <a:endParaRPr/>
-          </a:p>
-          <a:p>
             <a:pPr indent="0" lvl="0" marL="0" rtl="0" algn="l">
               <a:spcBef>
+                <a:spcPts val="0"/>
+              </a:spcBef>
+              <a:spcAft>
+                <a:spcPts val="0"/>
+              </a:spcAft>
+              <a:buNone/>
+            </a:pPr>
+            <a:r>
+              <a:rPr lang="en" sz="2300">
+                <a:solidFill>
+                  <a:schemeClr val="dk1"/>
+                </a:solidFill>
+                <a:latin typeface="Courier New"/>
+                <a:ea typeface="Courier New"/>
+                <a:cs typeface="Courier New"/>
+                <a:sym typeface="Courier New"/>
+              </a:rPr>
+              <a:t>“Solr is the popular, blazing-fast, open source enterprise </a:t>
+            </a:r>
+            <a:r>
+              <a:rPr b="1" lang="en" sz="2300">
+                <a:solidFill>
+                  <a:schemeClr val="dk1"/>
+                </a:solidFill>
+                <a:latin typeface="Courier New"/>
+                <a:ea typeface="Courier New"/>
+                <a:cs typeface="Courier New"/>
+                <a:sym typeface="Courier New"/>
+              </a:rPr>
+              <a:t>search platform </a:t>
+            </a:r>
+            <a:r>
+              <a:rPr lang="en" sz="2300">
+                <a:solidFill>
+                  <a:schemeClr val="dk1"/>
+                </a:solidFill>
+                <a:latin typeface="Courier New"/>
+                <a:ea typeface="Courier New"/>
+                <a:cs typeface="Courier New"/>
+                <a:sym typeface="Courier New"/>
+              </a:rPr>
+              <a:t>built on Apache Lucene.” - Solr’s Home Page</a:t>
+            </a:r>
+            <a:endParaRPr sz="2300">
+              <a:solidFill>
+                <a:schemeClr val="dk1"/>
+              </a:solidFill>
+              <a:latin typeface="Courier New"/>
+              <a:ea typeface="Courier New"/>
+              <a:cs typeface="Courier New"/>
+              <a:sym typeface="Courier New"/>
+            </a:endParaRPr>
+          </a:p>
+          <a:p>
+            <a:pPr indent="0" lvl="0" marL="0" rtl="0" algn="l">
+              <a:spcBef>
                 <a:spcPts val="1200"/>
               </a:spcBef>
               <a:spcAft>
@@ -18493,127 +18418,121 @@
               <a:buNone/>
             </a:pPr>
             <a:r>
-              <a:rPr b="1" lang="en"/>
-              <a:t>A few examples:</a:t>
-            </a:r>
-            <a:endParaRPr b="1"/>
-          </a:p>
-          <a:p>
-            <a:pPr indent="-342900" lvl="0" marL="457200" rtl="0" algn="l">
+              <a:t/>
+            </a:r>
+            <a:endParaRPr sz="2300">
+              <a:solidFill>
+                <a:schemeClr val="dk1"/>
+              </a:solidFill>
+              <a:latin typeface="Courier New"/>
+              <a:ea typeface="Courier New"/>
+              <a:cs typeface="Courier New"/>
+              <a:sym typeface="Courier New"/>
+            </a:endParaRPr>
+          </a:p>
+          <a:p>
+            <a:pPr indent="0" lvl="0" marL="0" rtl="0" algn="l">
               <a:spcBef>
                 <a:spcPts val="1200"/>
               </a:spcBef>
               <a:spcAft>
-                <a:spcPts val="0"/>
-              </a:spcAft>
-              <a:buSzPts val="1800"/>
-              <a:buChar char="●"/>
-            </a:pPr>
-            <a:r>
-              <a:rPr lang="en"/>
-              <a:t>Library Catalogs: </a:t>
-            </a:r>
-            <a:r>
-              <a:rPr lang="en" u="sng">
+                <a:spcPts val="1200"/>
+              </a:spcAft>
+              <a:buNone/>
+            </a:pPr>
+            <a:r>
+              <a:rPr lang="en" sz="2300">
                 <a:solidFill>
-                  <a:schemeClr val="hlink"/>
+                  <a:schemeClr val="dk1"/>
                 </a:solidFill>
-                <a:hlinkClick r:id="rId3"/>
+                <a:latin typeface="Courier New"/>
+                <a:ea typeface="Courier New"/>
+                <a:cs typeface="Courier New"/>
+                <a:sym typeface="Courier New"/>
               </a:rPr>
-              <a:t>Princeton</a:t>
-            </a:r>
-            <a:r>
-              <a:rPr lang="en"/>
-              <a:t> and </a:t>
-            </a:r>
-            <a:r>
-              <a:rPr lang="en" u="sng">
+              <a:t>“Solr is a scalable, ready-to-deploy enterprise </a:t>
+            </a:r>
+            <a:r>
+              <a:rPr b="1" lang="en" sz="2300">
                 <a:solidFill>
-                  <a:schemeClr val="hlink"/>
+                  <a:schemeClr val="dk1"/>
                 </a:solidFill>
-                <a:hlinkClick r:id="rId4"/>
+                <a:latin typeface="Courier New"/>
+                <a:ea typeface="Courier New"/>
+                <a:cs typeface="Courier New"/>
+                <a:sym typeface="Courier New"/>
               </a:rPr>
-              <a:t>Stanford</a:t>
-            </a:r>
-            <a:endParaRPr/>
-          </a:p>
-          <a:p>
-            <a:pPr indent="-342900" lvl="0" marL="457200" rtl="0" algn="l">
-              <a:spcBef>
-                <a:spcPts val="0"/>
-              </a:spcBef>
-              <a:spcAft>
-                <a:spcPts val="0"/>
-              </a:spcAft>
-              <a:buSzPts val="1800"/>
-              <a:buChar char="●"/>
-            </a:pPr>
-            <a:r>
-              <a:rPr lang="en"/>
-              <a:t>Institutional Repositories: </a:t>
-            </a:r>
-            <a:r>
-              <a:rPr lang="en" u="sng">
+              <a:t>search engine</a:t>
+            </a:r>
+            <a:r>
+              <a:rPr lang="en" sz="2300">
                 <a:solidFill>
-                  <a:schemeClr val="hlink"/>
+                  <a:schemeClr val="dk1"/>
                 </a:solidFill>
-                <a:hlinkClick r:id="rId5"/>
+                <a:latin typeface="Courier New"/>
+                <a:ea typeface="Courier New"/>
+                <a:cs typeface="Courier New"/>
+                <a:sym typeface="Courier New"/>
               </a:rPr>
-              <a:t>Penn State</a:t>
-            </a:r>
-            <a:r>
-              <a:rPr lang="en"/>
-              <a:t> and </a:t>
-            </a:r>
-            <a:r>
-              <a:rPr lang="en" u="sng">
+              <a:t> that’s optimized to search large volumes of </a:t>
+            </a:r>
+            <a:r>
+              <a:rPr b="1" lang="en" sz="2300">
                 <a:solidFill>
-                  <a:schemeClr val="hlink"/>
+                  <a:schemeClr val="dk1"/>
                 </a:solidFill>
-                <a:hlinkClick r:id="rId6"/>
+                <a:latin typeface="Courier New"/>
+                <a:ea typeface="Courier New"/>
+                <a:cs typeface="Courier New"/>
+                <a:sym typeface="Courier New"/>
               </a:rPr>
-              <a:t>Brown</a:t>
-            </a:r>
-            <a:endParaRPr/>
-          </a:p>
-          <a:p>
-            <a:pPr indent="-342900" lvl="0" marL="457200" rtl="0" algn="l">
-              <a:spcBef>
-                <a:spcPts val="0"/>
-              </a:spcBef>
-              <a:spcAft>
-                <a:spcPts val="0"/>
-              </a:spcAft>
-              <a:buSzPts val="1800"/>
-              <a:buChar char="●"/>
-            </a:pPr>
-            <a:r>
-              <a:rPr lang="en"/>
-              <a:t>Finding Aids: </a:t>
-            </a:r>
-            <a:r>
-              <a:rPr lang="en" u="sng">
+              <a:t>text-centric data </a:t>
+            </a:r>
+            <a:r>
+              <a:rPr lang="en" sz="2300">
                 <a:solidFill>
-                  <a:schemeClr val="hlink"/>
+                  <a:schemeClr val="dk1"/>
                 </a:solidFill>
-                <a:hlinkClick r:id="rId7"/>
+                <a:latin typeface="Courier New"/>
+                <a:ea typeface="Courier New"/>
+                <a:cs typeface="Courier New"/>
+                <a:sym typeface="Courier New"/>
               </a:rPr>
-              <a:t>Princeton</a:t>
-            </a:r>
-            <a:r>
-              <a:rPr lang="en"/>
-              <a:t> and </a:t>
-            </a:r>
-            <a:r>
-              <a:rPr lang="en" u="sng">
+              <a:t>and return </a:t>
+            </a:r>
+            <a:r>
+              <a:rPr b="1" lang="en" sz="2300">
                 <a:solidFill>
-                  <a:schemeClr val="hlink"/>
+                  <a:schemeClr val="dk1"/>
                 </a:solidFill>
-                <a:hlinkClick r:id="rId8"/>
+                <a:latin typeface="Courier New"/>
+                <a:ea typeface="Courier New"/>
+                <a:cs typeface="Courier New"/>
+                <a:sym typeface="Courier New"/>
               </a:rPr>
-              <a:t>NYU</a:t>
-            </a:r>
-            <a:endParaRPr/>
+              <a:t>results sorted by relevance</a:t>
+            </a:r>
+            <a:r>
+              <a:rPr lang="en" sz="2300">
+                <a:solidFill>
+                  <a:schemeClr val="dk1"/>
+                </a:solidFill>
+                <a:latin typeface="Courier New"/>
+                <a:ea typeface="Courier New"/>
+                <a:cs typeface="Courier New"/>
+                <a:sym typeface="Courier New"/>
+              </a:rPr>
+              <a:t>.” - Solr in Action [p. 4]</a:t>
+            </a:r>
+            <a:endParaRPr sz="2300">
+              <a:solidFill>
+                <a:schemeClr val="dk1"/>
+              </a:solidFill>
+              <a:latin typeface="Courier New"/>
+              <a:ea typeface="Courier New"/>
+              <a:cs typeface="Courier New"/>
+              <a:sym typeface="Courier New"/>
+            </a:endParaRPr>
           </a:p>
         </p:txBody>
       </p:sp>
@@ -18676,7 +18595,7 @@
             </a:pPr>
             <a:r>
               <a:rPr lang="en"/>
-              <a:t>Related tools and concepts</a:t>
+              <a:t>Why Solr is popular in libraries?</a:t>
             </a:r>
             <a:endParaRPr/>
           </a:p>
@@ -18685,6 +18604,296 @@
       <p:sp>
         <p:nvSpPr>
           <p:cNvPr id="92" name="Google Shape;92;p19"/>
+          <p:cNvSpPr txBox="1"/>
+          <p:nvPr>
+            <p:ph idx="1" type="body"/>
+          </p:nvPr>
+        </p:nvSpPr>
+        <p:spPr>
+          <a:xfrm>
+            <a:off x="278400" y="1152475"/>
+            <a:ext cx="8520600" cy="3458400"/>
+          </a:xfrm>
+          <a:prstGeom prst="rect">
+            <a:avLst/>
+          </a:prstGeom>
+        </p:spPr>
+        <p:txBody>
+          <a:bodyPr anchorCtr="0" anchor="t" bIns="91425" lIns="91425" spcFirstLastPara="1" rIns="91425" wrap="square" tIns="91425">
+            <a:normAutofit/>
+          </a:bodyPr>
+          <a:lstStyle/>
+          <a:p>
+            <a:pPr indent="-342900" lvl="0" marL="457200" rtl="0" algn="l">
+              <a:spcBef>
+                <a:spcPts val="0"/>
+              </a:spcBef>
+              <a:spcAft>
+                <a:spcPts val="0"/>
+              </a:spcAft>
+              <a:buSzPts val="1800"/>
+              <a:buChar char="●"/>
+            </a:pPr>
+            <a:r>
+              <a:rPr lang="en"/>
+              <a:t>We have lots of text centric searches</a:t>
+            </a:r>
+            <a:endParaRPr/>
+          </a:p>
+          <a:p>
+            <a:pPr indent="-342900" lvl="0" marL="457200" rtl="0" algn="l">
+              <a:spcBef>
+                <a:spcPts val="0"/>
+              </a:spcBef>
+              <a:spcAft>
+                <a:spcPts val="0"/>
+              </a:spcAft>
+              <a:buSzPts val="1800"/>
+              <a:buChar char="●"/>
+            </a:pPr>
+            <a:r>
+              <a:rPr lang="en"/>
+              <a:t>Relevance in results is important to us</a:t>
+            </a:r>
+            <a:endParaRPr/>
+          </a:p>
+          <a:p>
+            <a:pPr indent="-342900" lvl="0" marL="457200" rtl="0" algn="l">
+              <a:spcBef>
+                <a:spcPts val="0"/>
+              </a:spcBef>
+              <a:spcAft>
+                <a:spcPts val="0"/>
+              </a:spcAft>
+              <a:buSzPts val="1800"/>
+              <a:buChar char="●"/>
+            </a:pPr>
+            <a:r>
+              <a:rPr lang="en"/>
+              <a:t>Solr is free and open-source</a:t>
+            </a:r>
+            <a:endParaRPr/>
+          </a:p>
+          <a:p>
+            <a:pPr indent="-342900" lvl="0" marL="457200" rtl="0" algn="l">
+              <a:spcBef>
+                <a:spcPts val="0"/>
+              </a:spcBef>
+              <a:spcAft>
+                <a:spcPts val="0"/>
+              </a:spcAft>
+              <a:buSzPts val="1800"/>
+              <a:buChar char="●"/>
+            </a:pPr>
+            <a:r>
+              <a:rPr lang="en"/>
+              <a:t>Facets </a:t>
+            </a:r>
+            <a:endParaRPr/>
+          </a:p>
+          <a:p>
+            <a:pPr indent="0" lvl="0" marL="0" rtl="0" algn="l">
+              <a:spcBef>
+                <a:spcPts val="1200"/>
+              </a:spcBef>
+              <a:spcAft>
+                <a:spcPts val="0"/>
+              </a:spcAft>
+              <a:buNone/>
+            </a:pPr>
+            <a:r>
+              <a:rPr b="1" lang="en"/>
+              <a:t>A few examples:</a:t>
+            </a:r>
+            <a:endParaRPr b="1"/>
+          </a:p>
+          <a:p>
+            <a:pPr indent="-342900" lvl="0" marL="457200" rtl="0" algn="l">
+              <a:spcBef>
+                <a:spcPts val="1200"/>
+              </a:spcBef>
+              <a:spcAft>
+                <a:spcPts val="0"/>
+              </a:spcAft>
+              <a:buSzPts val="1800"/>
+              <a:buChar char="●"/>
+            </a:pPr>
+            <a:r>
+              <a:rPr lang="en"/>
+              <a:t>Library Catalogs: </a:t>
+            </a:r>
+            <a:r>
+              <a:rPr lang="en" u="sng">
+                <a:solidFill>
+                  <a:schemeClr val="hlink"/>
+                </a:solidFill>
+                <a:hlinkClick r:id="rId3"/>
+              </a:rPr>
+              <a:t>Princeton</a:t>
+            </a:r>
+            <a:r>
+              <a:rPr lang="en"/>
+              <a:t> and </a:t>
+            </a:r>
+            <a:r>
+              <a:rPr lang="en" u="sng">
+                <a:solidFill>
+                  <a:schemeClr val="hlink"/>
+                </a:solidFill>
+                <a:hlinkClick r:id="rId4"/>
+              </a:rPr>
+              <a:t>Stanford</a:t>
+            </a:r>
+            <a:endParaRPr/>
+          </a:p>
+          <a:p>
+            <a:pPr indent="-342900" lvl="0" marL="457200" rtl="0" algn="l">
+              <a:spcBef>
+                <a:spcPts val="0"/>
+              </a:spcBef>
+              <a:spcAft>
+                <a:spcPts val="0"/>
+              </a:spcAft>
+              <a:buSzPts val="1800"/>
+              <a:buChar char="●"/>
+            </a:pPr>
+            <a:r>
+              <a:rPr lang="en"/>
+              <a:t>Institutional Repositories: </a:t>
+            </a:r>
+            <a:r>
+              <a:rPr lang="en" u="sng">
+                <a:solidFill>
+                  <a:schemeClr val="hlink"/>
+                </a:solidFill>
+                <a:hlinkClick r:id="rId5"/>
+              </a:rPr>
+              <a:t>Penn State</a:t>
+            </a:r>
+            <a:r>
+              <a:rPr lang="en"/>
+              <a:t> and </a:t>
+            </a:r>
+            <a:r>
+              <a:rPr lang="en" u="sng">
+                <a:solidFill>
+                  <a:schemeClr val="hlink"/>
+                </a:solidFill>
+                <a:hlinkClick r:id="rId6"/>
+              </a:rPr>
+              <a:t>Brown</a:t>
+            </a:r>
+            <a:endParaRPr/>
+          </a:p>
+          <a:p>
+            <a:pPr indent="-342900" lvl="0" marL="457200" rtl="0" algn="l">
+              <a:spcBef>
+                <a:spcPts val="0"/>
+              </a:spcBef>
+              <a:spcAft>
+                <a:spcPts val="0"/>
+              </a:spcAft>
+              <a:buSzPts val="1800"/>
+              <a:buChar char="●"/>
+            </a:pPr>
+            <a:r>
+              <a:rPr lang="en"/>
+              <a:t>Finding Aids: </a:t>
+            </a:r>
+            <a:r>
+              <a:rPr lang="en" u="sng">
+                <a:solidFill>
+                  <a:schemeClr val="hlink"/>
+                </a:solidFill>
+                <a:hlinkClick r:id="rId7"/>
+              </a:rPr>
+              <a:t>Princeton</a:t>
+            </a:r>
+            <a:r>
+              <a:rPr lang="en"/>
+              <a:t> and </a:t>
+            </a:r>
+            <a:r>
+              <a:rPr lang="en" u="sng">
+                <a:solidFill>
+                  <a:schemeClr val="hlink"/>
+                </a:solidFill>
+                <a:hlinkClick r:id="rId8"/>
+              </a:rPr>
+              <a:t>NYU</a:t>
+            </a:r>
+            <a:endParaRPr/>
+          </a:p>
+        </p:txBody>
+      </p:sp>
+    </p:spTree>
+  </p:cSld>
+  <p:clrMapOvr>
+    <a:masterClrMapping/>
+  </p:clrMapOvr>
+</p:sld>
+</file>
+
+<file path=ppt/slides/slide8.xml><?xml version="1.0" encoding="utf-8"?>
+<p:sld xmlns:a="http://schemas.openxmlformats.org/drawingml/2006/main" xmlns:r="http://schemas.openxmlformats.org/officeDocument/2006/relationships" xmlns:mc="http://schemas.openxmlformats.org/markup-compatibility/2006" xmlns:mv="urn:schemas-microsoft-com:mac:vml" xmlns:p="http://schemas.openxmlformats.org/presentationml/2006/main" xmlns:c="http://schemas.openxmlformats.org/drawingml/2006/chart" xmlns:dgm="http://schemas.openxmlformats.org/drawingml/2006/diagram" xmlns:o="urn:schemas-microsoft-com:office:office" xmlns:v="urn:schemas-microsoft-com:vml" xmlns:pvml="urn:schemas-microsoft-com:office:powerpoint" xmlns:com="http://schemas.openxmlformats.org/drawingml/2006/compatibility" xmlns:p14="http://schemas.microsoft.com/office/powerpoint/2010/main" xmlns:p15="http://schemas.microsoft.com/office/powerpoint/2012/main" xmlns:ahyp="http://schemas.microsoft.com/office/drawing/2018/hyperlinkcolor">
+  <p:cSld>
+    <p:spTree>
+      <p:nvGrpSpPr>
+        <p:cNvPr id="96" name="Shape 96"/>
+        <p:cNvGrpSpPr/>
+        <p:nvPr/>
+      </p:nvGrpSpPr>
+      <p:grpSpPr>
+        <a:xfrm>
+          <a:off x="0" y="0"/>
+          <a:ext cx="0" cy="0"/>
+          <a:chOff x="0" y="0"/>
+          <a:chExt cx="0" cy="0"/>
+        </a:xfrm>
+      </p:grpSpPr>
+      <p:sp>
+        <p:nvSpPr>
+          <p:cNvPr id="97" name="Google Shape;97;p20"/>
+          <p:cNvSpPr txBox="1"/>
+          <p:nvPr>
+            <p:ph type="title"/>
+          </p:nvPr>
+        </p:nvSpPr>
+        <p:spPr>
+          <a:xfrm>
+            <a:off x="311700" y="445025"/>
+            <a:ext cx="8520600" cy="572700"/>
+          </a:xfrm>
+          <a:prstGeom prst="rect">
+            <a:avLst/>
+          </a:prstGeom>
+        </p:spPr>
+        <p:txBody>
+          <a:bodyPr anchorCtr="0" anchor="t" bIns="91425" lIns="91425" spcFirstLastPara="1" rIns="91425" wrap="square" tIns="91425">
+            <a:normAutofit fontScale="90000"/>
+          </a:bodyPr>
+          <a:lstStyle/>
+          <a:p>
+            <a:pPr indent="0" lvl="0" marL="0" rtl="0" algn="l">
+              <a:spcBef>
+                <a:spcPts val="0"/>
+              </a:spcBef>
+              <a:spcAft>
+                <a:spcPts val="0"/>
+              </a:spcAft>
+              <a:buNone/>
+            </a:pPr>
+            <a:r>
+              <a:rPr lang="en"/>
+              <a:t>Related tools and concepts</a:t>
+            </a:r>
+            <a:endParaRPr/>
+          </a:p>
+        </p:txBody>
+      </p:sp>
+      <p:sp>
+        <p:nvSpPr>
+          <p:cNvPr id="98" name="Google Shape;98;p20"/>
           <p:cNvSpPr txBox="1"/>
           <p:nvPr>
             <p:ph idx="1" type="body"/>
@@ -18988,7 +19197,7 @@
       </p:sp>
       <p:sp>
         <p:nvSpPr>
-          <p:cNvPr id="93" name="Google Shape;93;p19"/>
+          <p:cNvPr id="99" name="Google Shape;99;p20"/>
           <p:cNvSpPr txBox="1"/>
           <p:nvPr/>
         </p:nvSpPr>
@@ -19051,7 +19260,7 @@
                 </a:solidFill>
                 <a:hlinkClick r:id="rId7"/>
               </a:rPr>
-              <a:t>https://blog.nativesintech.org/apache-appropriation/</a:t>
+              <a:t>https://www.endasfmascotry.com/</a:t>
             </a:r>
             <a:r>
               <a:rPr i="1" lang="en" sz="1200">
@@ -19077,12 +19286,12 @@
 </p:sld>
 </file>
 
-<file path=ppt/slides/slide8.xml><?xml version="1.0" encoding="utf-8"?>
+<file path=ppt/slides/slide9.xml><?xml version="1.0" encoding="utf-8"?>
 <p:sld xmlns:a="http://schemas.openxmlformats.org/drawingml/2006/main" xmlns:r="http://schemas.openxmlformats.org/officeDocument/2006/relationships" xmlns:mc="http://schemas.openxmlformats.org/markup-compatibility/2006" xmlns:mv="urn:schemas-microsoft-com:mac:vml" xmlns:p="http://schemas.openxmlformats.org/presentationml/2006/main" xmlns:c="http://schemas.openxmlformats.org/drawingml/2006/chart" xmlns:dgm="http://schemas.openxmlformats.org/drawingml/2006/diagram" xmlns:o="urn:schemas-microsoft-com:office:office" xmlns:v="urn:schemas-microsoft-com:vml" xmlns:pvml="urn:schemas-microsoft-com:office:powerpoint" xmlns:com="http://schemas.openxmlformats.org/drawingml/2006/compatibility" xmlns:p14="http://schemas.microsoft.com/office/powerpoint/2010/main" xmlns:p15="http://schemas.microsoft.com/office/powerpoint/2012/main" xmlns:ahyp="http://schemas.microsoft.com/office/drawing/2018/hyperlinkcolor">
   <p:cSld>
     <p:spTree>
       <p:nvGrpSpPr>
-        <p:cNvPr id="97" name="Shape 97"/>
+        <p:cNvPr id="103" name="Shape 103"/>
         <p:cNvGrpSpPr/>
         <p:nvPr/>
       </p:nvGrpSpPr>
@@ -19096,7 +19305,7 @@
       </p:grpSpPr>
       <p:sp>
         <p:nvSpPr>
-          <p:cNvPr id="98" name="Google Shape;98;p20"/>
+          <p:cNvPr id="104" name="Google Shape;104;p21"/>
           <p:cNvSpPr txBox="1"/>
           <p:nvPr>
             <p:ph type="title"/>
@@ -19136,7 +19345,7 @@
       </p:sp>
       <p:sp>
         <p:nvSpPr>
-          <p:cNvPr id="99" name="Google Shape;99;p20"/>
+          <p:cNvPr id="105" name="Google Shape;105;p21"/>
           <p:cNvSpPr/>
           <p:nvPr/>
         </p:nvSpPr>
@@ -19194,7 +19403,7 @@
       </p:sp>
       <p:sp>
         <p:nvSpPr>
-          <p:cNvPr id="100" name="Google Shape;100;p20"/>
+          <p:cNvPr id="106" name="Google Shape;106;p21"/>
           <p:cNvSpPr/>
           <p:nvPr/>
         </p:nvSpPr>
@@ -19260,10 +19469,10 @@
       </p:sp>
       <p:cxnSp>
         <p:nvCxnSpPr>
-          <p:cNvPr id="101" name="Google Shape;101;p20"/>
+          <p:cNvPr id="107" name="Google Shape;107;p21"/>
           <p:cNvCxnSpPr>
-            <a:stCxn id="99" idx="2"/>
-            <a:endCxn id="102" idx="0"/>
+            <a:stCxn id="105" idx="2"/>
+            <a:endCxn id="108" idx="0"/>
           </p:cNvCxnSpPr>
           <p:nvPr/>
         </p:nvCxnSpPr>
@@ -19289,10 +19498,10 @@
       </p:cxnSp>
       <p:cxnSp>
         <p:nvCxnSpPr>
-          <p:cNvPr id="103" name="Google Shape;103;p20"/>
+          <p:cNvPr id="109" name="Google Shape;109;p21"/>
           <p:cNvCxnSpPr>
-            <a:stCxn id="100" idx="3"/>
-            <a:endCxn id="102" idx="1"/>
+            <a:stCxn id="106" idx="3"/>
+            <a:endCxn id="108" idx="1"/>
           </p:cNvCxnSpPr>
           <p:nvPr/>
         </p:nvCxnSpPr>
@@ -19318,7 +19527,7 @@
       </p:cxnSp>
       <p:sp>
         <p:nvSpPr>
-          <p:cNvPr id="104" name="Google Shape;104;p20"/>
+          <p:cNvPr id="110" name="Google Shape;110;p21"/>
           <p:cNvSpPr txBox="1"/>
           <p:nvPr/>
         </p:nvSpPr>
@@ -19360,7 +19569,7 @@
       </p:sp>
       <p:sp>
         <p:nvSpPr>
-          <p:cNvPr id="105" name="Google Shape;105;p20"/>
+          <p:cNvPr id="111" name="Google Shape;111;p21"/>
           <p:cNvSpPr txBox="1"/>
           <p:nvPr/>
         </p:nvSpPr>
@@ -19402,7 +19611,7 @@
       </p:sp>
       <p:pic>
         <p:nvPicPr>
-          <p:cNvPr id="102" name="Google Shape;102;p20"/>
+          <p:cNvPr id="108" name="Google Shape;108;p21"/>
           <p:cNvPicPr preferRelativeResize="0"/>
           <p:nvPr/>
         </p:nvPicPr>
@@ -19430,7 +19639,7 @@
       </p:pic>
       <p:sp>
         <p:nvSpPr>
-          <p:cNvPr id="106" name="Google Shape;106;p20"/>
+          <p:cNvPr id="112" name="Google Shape;112;p21"/>
           <p:cNvSpPr txBox="1"/>
           <p:nvPr/>
         </p:nvSpPr>
@@ -19480,7 +19689,7 @@
       </p:sp>
       <p:sp>
         <p:nvSpPr>
-          <p:cNvPr id="107" name="Google Shape;107;p20"/>
+          <p:cNvPr id="113" name="Google Shape;113;p21"/>
           <p:cNvSpPr txBox="1"/>
           <p:nvPr/>
         </p:nvSpPr>
@@ -19530,7 +19739,7 @@
       </p:sp>
       <p:sp>
         <p:nvSpPr>
-          <p:cNvPr id="108" name="Google Shape;108;p20"/>
+          <p:cNvPr id="114" name="Google Shape;114;p21"/>
           <p:cNvSpPr txBox="1"/>
           <p:nvPr/>
         </p:nvSpPr>
@@ -19586,541 +19795,286 @@
 </p:sld>
 </file>
 
-<file path=ppt/slides/slide9.xml><?xml version="1.0" encoding="utf-8"?>
-<p:sld xmlns:a="http://schemas.openxmlformats.org/drawingml/2006/main" xmlns:r="http://schemas.openxmlformats.org/officeDocument/2006/relationships" xmlns:mc="http://schemas.openxmlformats.org/markup-compatibility/2006" xmlns:mv="urn:schemas-microsoft-com:mac:vml" xmlns:p="http://schemas.openxmlformats.org/presentationml/2006/main" xmlns:c="http://schemas.openxmlformats.org/drawingml/2006/chart" xmlns:dgm="http://schemas.openxmlformats.org/drawingml/2006/diagram" xmlns:o="urn:schemas-microsoft-com:office:office" xmlns:v="urn:schemas-microsoft-com:vml" xmlns:pvml="urn:schemas-microsoft-com:office:powerpoint" xmlns:com="http://schemas.openxmlformats.org/drawingml/2006/compatibility" xmlns:p14="http://schemas.microsoft.com/office/powerpoint/2010/main" xmlns:p15="http://schemas.microsoft.com/office/powerpoint/2012/main" xmlns:ahyp="http://schemas.microsoft.com/office/drawing/2018/hyperlinkcolor">
-  <p:cSld>
-    <p:spTree>
-      <p:nvGrpSpPr>
-        <p:cNvPr id="112" name="Shape 112"/>
-        <p:cNvGrpSpPr/>
-        <p:nvPr/>
-      </p:nvGrpSpPr>
-      <p:grpSpPr>
-        <a:xfrm>
-          <a:off x="0" y="0"/>
-          <a:ext cx="0" cy="0"/>
-          <a:chOff x="0" y="0"/>
-          <a:chExt cx="0" cy="0"/>
-        </a:xfrm>
-      </p:grpSpPr>
-      <p:sp>
-        <p:nvSpPr>
-          <p:cNvPr id="113" name="Google Shape;113;p21"/>
-          <p:cNvSpPr txBox="1"/>
-          <p:nvPr>
-            <p:ph type="title"/>
-          </p:nvPr>
-        </p:nvSpPr>
-        <p:spPr>
-          <a:xfrm>
-            <a:off x="311700" y="445025"/>
-            <a:ext cx="8520600" cy="572700"/>
-          </a:xfrm>
-          <a:prstGeom prst="rect">
-            <a:avLst/>
-          </a:prstGeom>
-        </p:spPr>
-        <p:txBody>
-          <a:bodyPr anchorCtr="0" anchor="t" bIns="91425" lIns="91425" spcFirstLastPara="1" rIns="91425" wrap="square" tIns="91425">
-            <a:normAutofit fontScale="90000"/>
-          </a:bodyPr>
-          <a:lstStyle/>
-          <a:p>
-            <a:pPr indent="0" lvl="0" marL="0" rtl="0" algn="l">
-              <a:spcBef>
-                <a:spcPts val="0"/>
-              </a:spcBef>
-              <a:spcAft>
-                <a:spcPts val="0"/>
-              </a:spcAft>
-              <a:buNone/>
-            </a:pPr>
-            <a:r>
-              <a:rPr lang="en"/>
-              <a:t>Solr in our apps (cont.)</a:t>
-            </a:r>
-            <a:endParaRPr/>
-          </a:p>
-        </p:txBody>
-      </p:sp>
-      <p:sp>
-        <p:nvSpPr>
-          <p:cNvPr id="114" name="Google Shape;114;p21"/>
-          <p:cNvSpPr/>
-          <p:nvPr/>
-        </p:nvSpPr>
-        <p:spPr>
-          <a:xfrm>
-            <a:off x="3886750" y="1647925"/>
-            <a:ext cx="2838000" cy="740700"/>
-          </a:xfrm>
-          <a:prstGeom prst="rect">
-            <a:avLst/>
-          </a:prstGeom>
+<file path=ppt/theme/theme1.xml><?xml version="1.0" encoding="utf-8"?>
+<a:theme xmlns:a="http://schemas.openxmlformats.org/drawingml/2006/main" xmlns:r="http://schemas.openxmlformats.org/officeDocument/2006/relationships" name="Simple Light">
+  <a:themeElements>
+    <a:clrScheme name="Simple Light">
+      <a:dk1>
+        <a:srgbClr val="000000"/>
+      </a:dk1>
+      <a:lt1>
+        <a:srgbClr val="FFFFFF"/>
+      </a:lt1>
+      <a:dk2>
+        <a:srgbClr val="595959"/>
+      </a:dk2>
+      <a:lt2>
+        <a:srgbClr val="EEEEEE"/>
+      </a:lt2>
+      <a:accent1>
+        <a:srgbClr val="4285F4"/>
+      </a:accent1>
+      <a:accent2>
+        <a:srgbClr val="212121"/>
+      </a:accent2>
+      <a:accent3>
+        <a:srgbClr val="78909C"/>
+      </a:accent3>
+      <a:accent4>
+        <a:srgbClr val="FFAB40"/>
+      </a:accent4>
+      <a:accent5>
+        <a:srgbClr val="0097A7"/>
+      </a:accent5>
+      <a:accent6>
+        <a:srgbClr val="EEFF41"/>
+      </a:accent6>
+      <a:hlink>
+        <a:srgbClr val="0097A7"/>
+      </a:hlink>
+      <a:folHlink>
+        <a:srgbClr val="0097A7"/>
+      </a:folHlink>
+    </a:clrScheme>
+    <a:fontScheme name="Office">
+      <a:majorFont>
+        <a:latin typeface="Arial"/>
+        <a:ea typeface=""/>
+        <a:cs typeface=""/>
+        <a:font script="Jpan" typeface="ＭＳ Ｐゴシック"/>
+        <a:font script="Hang" typeface="맑은 고딕"/>
+        <a:font script="Hans" typeface="宋体"/>
+        <a:font script="Hant" typeface="新細明體"/>
+        <a:font script="Arab" typeface="Times New Roman"/>
+        <a:font script="Hebr" typeface="Times New Roman"/>
+        <a:font script="Thai" typeface="Angsana New"/>
+        <a:font script="Ethi" typeface="Nyala"/>
+        <a:font script="Beng" typeface="Vrinda"/>
+        <a:font script="Gujr" typeface="Shruti"/>
+        <a:font script="Khmr" typeface="MoolBoran"/>
+        <a:font script="Knda" typeface="Tunga"/>
+        <a:font script="Guru" typeface="Raavi"/>
+        <a:font script="Cans" typeface="Euphemia"/>
+        <a:font script="Cher" typeface="Plantagenet Cherokee"/>
+        <a:font script="Yiii" typeface="Microsoft Yi Baiti"/>
+        <a:font script="Tibt" typeface="Microsoft Himalaya"/>
+        <a:font script="Thaa" typeface="MV Boli"/>
+        <a:font script="Deva" typeface="Mangal"/>
+        <a:font script="Telu" typeface="Gautami"/>
+        <a:font script="Taml" typeface="Latha"/>
+        <a:font script="Syrc" typeface="Estrangelo Edessa"/>
+        <a:font script="Orya" typeface="Kalinga"/>
+        <a:font script="Mlym" typeface="Kartika"/>
+        <a:font script="Laoo" typeface="DokChampa"/>
+        <a:font script="Sinh" typeface="Iskoola Pota"/>
+        <a:font script="Mong" typeface="Mongolian Baiti"/>
+        <a:font script="Viet" typeface="Times New Roman"/>
+        <a:font script="Uigh" typeface="Microsoft Uighur"/>
+        <a:font script="Geor" typeface="Sylfaen"/>
+      </a:majorFont>
+      <a:minorFont>
+        <a:latin typeface="Arial"/>
+        <a:ea typeface=""/>
+        <a:cs typeface=""/>
+        <a:font script="Jpan" typeface="ＭＳ Ｐゴシック"/>
+        <a:font script="Hang" typeface="맑은 고딕"/>
+        <a:font script="Hans" typeface="宋体"/>
+        <a:font script="Hant" typeface="新細明體"/>
+        <a:font script="Arab" typeface="Arial"/>
+        <a:font script="Hebr" typeface="Arial"/>
+        <a:font script="Thai" typeface="Cordia New"/>
+        <a:font script="Ethi" typeface="Nyala"/>
+        <a:font script="Beng" typeface="Vrinda"/>
+        <a:font script="Gujr" typeface="Shruti"/>
+        <a:font script="Khmr" typeface="DaunPenh"/>
+        <a:font script="Knda" typeface="Tunga"/>
+        <a:font script="Guru" typeface="Raavi"/>
+        <a:font script="Cans" typeface="Euphemia"/>
+        <a:font script="Cher" typeface="Plantagenet Cherokee"/>
+        <a:font script="Yiii" typeface="Microsoft Yi Baiti"/>
+        <a:font script="Tibt" typeface="Microsoft Himalaya"/>
+        <a:font script="Thaa" typeface="MV Boli"/>
+        <a:font script="Deva" typeface="Mangal"/>
+        <a:font script="Telu" typeface="Gautami"/>
+        <a:font script="Taml" typeface="Latha"/>
+        <a:font script="Syrc" typeface="Estrangelo Edessa"/>
+        <a:font script="Orya" typeface="Kalinga"/>
+        <a:font script="Mlym" typeface="Kartika"/>
+        <a:font script="Laoo" typeface="DokChampa"/>
+        <a:font script="Sinh" typeface="Iskoola Pota"/>
+        <a:font script="Mong" typeface="Mongolian Baiti"/>
+        <a:font script="Viet" typeface="Arial"/>
+        <a:font script="Uigh" typeface="Microsoft Uighur"/>
+        <a:font script="Geor" typeface="Sylfaen"/>
+      </a:minorFont>
+    </a:fontScheme>
+    <a:fmtScheme name="Office">
+      <a:fillStyleLst>
+        <a:solidFill>
+          <a:schemeClr val="phClr"/>
+        </a:solidFill>
+        <a:gradFill rotWithShape="1">
+          <a:gsLst>
+            <a:gs pos="0">
+              <a:schemeClr val="phClr">
+                <a:tint val="50000"/>
+                <a:satMod val="300000"/>
+              </a:schemeClr>
+            </a:gs>
+            <a:gs pos="35000">
+              <a:schemeClr val="phClr">
+                <a:tint val="37000"/>
+                <a:satMod val="300000"/>
+              </a:schemeClr>
+            </a:gs>
+            <a:gs pos="100000">
+              <a:schemeClr val="phClr">
+                <a:tint val="15000"/>
+                <a:satMod val="350000"/>
+              </a:schemeClr>
+            </a:gs>
+          </a:gsLst>
+          <a:lin ang="16200000" scaled="1"/>
+        </a:gradFill>
+        <a:gradFill rotWithShape="1">
+          <a:gsLst>
+            <a:gs pos="0">
+              <a:schemeClr val="phClr">
+                <a:tint val="100000"/>
+                <a:shade val="100000"/>
+                <a:satMod val="130000"/>
+              </a:schemeClr>
+            </a:gs>
+            <a:gs pos="100000">
+              <a:schemeClr val="phClr">
+                <a:tint val="50000"/>
+                <a:shade val="100000"/>
+                <a:satMod val="350000"/>
+              </a:schemeClr>
+            </a:gs>
+          </a:gsLst>
+          <a:lin ang="16200000" scaled="0"/>
+        </a:gradFill>
+      </a:fillStyleLst>
+      <a:lnStyleLst>
+        <a:ln w="9525" cap="flat" cmpd="sng" algn="ctr">
           <a:solidFill>
-            <a:schemeClr val="lt2"/>
+            <a:schemeClr val="phClr">
+              <a:shade val="95000"/>
+              <a:satMod val="105000"/>
+            </a:schemeClr>
           </a:solidFill>
-          <a:ln cap="flat" cmpd="sng" w="9525">
-            <a:solidFill>
-              <a:schemeClr val="dk2"/>
-            </a:solidFill>
-            <a:prstDash val="solid"/>
-            <a:round/>
-            <a:headEnd len="sm" w="sm" type="none"/>
-            <a:tailEnd len="sm" w="sm" type="none"/>
-          </a:ln>
-        </p:spPr>
-        <p:txBody>
-          <a:bodyPr anchorCtr="0" anchor="ctr" bIns="91425" lIns="91425" spcFirstLastPara="1" rIns="91425" wrap="square" tIns="91425">
-            <a:noAutofit/>
-          </a:bodyPr>
-          <a:lstStyle/>
-          <a:p>
-            <a:pPr indent="0" lvl="0" marL="0" rtl="0" algn="ctr">
-              <a:spcBef>
-                <a:spcPts val="0"/>
-              </a:spcBef>
-              <a:spcAft>
-                <a:spcPts val="0"/>
-              </a:spcAft>
-              <a:buNone/>
-            </a:pPr>
-            <a:r>
-              <a:rPr lang="en"/>
-              <a:t>Our</a:t>
-            </a:r>
-            <a:r>
-              <a:rPr lang="en"/>
-              <a:t> </a:t>
-            </a:r>
-            <a:r>
-              <a:rPr i="1" lang="en"/>
-              <a:t>read-write</a:t>
-            </a:r>
-            <a:r>
-              <a:rPr lang="en"/>
-              <a:t> app </a:t>
-            </a:r>
-            <a:endParaRPr/>
-          </a:p>
-        </p:txBody>
-      </p:sp>
-      <p:sp>
-        <p:nvSpPr>
-          <p:cNvPr id="115" name="Google Shape;115;p21"/>
-          <p:cNvSpPr/>
-          <p:nvPr/>
-        </p:nvSpPr>
-        <p:spPr>
-          <a:xfrm>
-            <a:off x="668400" y="3151225"/>
-            <a:ext cx="2402700" cy="740700"/>
-          </a:xfrm>
-          <a:prstGeom prst="rect">
-            <a:avLst/>
-          </a:prstGeom>
+          <a:prstDash val="solid"/>
+        </a:ln>
+        <a:ln w="25400" cap="flat" cmpd="sng" algn="ctr">
           <a:solidFill>
-            <a:schemeClr val="lt2"/>
+            <a:schemeClr val="phClr"/>
           </a:solidFill>
-          <a:ln cap="flat" cmpd="sng" w="9525">
-            <a:solidFill>
-              <a:schemeClr val="dk2"/>
-            </a:solidFill>
-            <a:prstDash val="solid"/>
-            <a:round/>
-            <a:headEnd len="sm" w="sm" type="none"/>
-            <a:tailEnd len="sm" w="sm" type="none"/>
-          </a:ln>
-        </p:spPr>
-        <p:txBody>
-          <a:bodyPr anchorCtr="0" anchor="ctr" bIns="91425" lIns="91425" spcFirstLastPara="1" rIns="91425" wrap="square" tIns="91425">
-            <a:noAutofit/>
-          </a:bodyPr>
-          <a:lstStyle/>
-          <a:p>
-            <a:pPr indent="0" lvl="0" marL="0" rtl="0" algn="ctr">
-              <a:spcBef>
-                <a:spcPts val="0"/>
-              </a:spcBef>
-              <a:spcAft>
-                <a:spcPts val="0"/>
-              </a:spcAft>
-              <a:buNone/>
-            </a:pPr>
-            <a:r>
-              <a:rPr lang="en"/>
-              <a:t>PostgreSQL</a:t>
-            </a:r>
-            <a:endParaRPr/>
-          </a:p>
-        </p:txBody>
-      </p:sp>
-      <p:cxnSp>
-        <p:nvCxnSpPr>
-          <p:cNvPr id="116" name="Google Shape;116;p21"/>
-          <p:cNvCxnSpPr>
-            <a:stCxn id="114" idx="2"/>
-            <a:endCxn id="117" idx="0"/>
-          </p:cNvCxnSpPr>
-          <p:nvPr/>
-        </p:nvCxnSpPr>
-        <p:spPr>
-          <a:xfrm flipH="1">
-            <a:off x="5302150" y="2388625"/>
-            <a:ext cx="3600" cy="762600"/>
-          </a:xfrm>
-          <a:prstGeom prst="straightConnector1">
-            <a:avLst/>
-          </a:prstGeom>
-          <a:noFill/>
-          <a:ln cap="flat" cmpd="sng" w="38100">
-            <a:solidFill>
-              <a:schemeClr val="dk2"/>
-            </a:solidFill>
-            <a:prstDash val="solid"/>
-            <a:round/>
-            <a:headEnd len="med" w="med" type="none"/>
-            <a:tailEnd len="med" w="med" type="triangle"/>
-          </a:ln>
-        </p:spPr>
-      </p:cxnSp>
-      <p:cxnSp>
-        <p:nvCxnSpPr>
-          <p:cNvPr id="118" name="Google Shape;118;p21"/>
-          <p:cNvCxnSpPr>
-            <a:stCxn id="114" idx="1"/>
-            <a:endCxn id="115" idx="0"/>
-          </p:cNvCxnSpPr>
-          <p:nvPr/>
-        </p:nvCxnSpPr>
-        <p:spPr>
-          <a:xfrm flipH="1">
-            <a:off x="1869850" y="2018275"/>
-            <a:ext cx="2016900" cy="1133100"/>
-          </a:xfrm>
-          <a:prstGeom prst="straightConnector1">
-            <a:avLst/>
-          </a:prstGeom>
-          <a:noFill/>
-          <a:ln cap="flat" cmpd="sng" w="38100">
-            <a:solidFill>
-              <a:schemeClr val="dk2"/>
-            </a:solidFill>
-            <a:prstDash val="solid"/>
-            <a:round/>
-            <a:headEnd len="med" w="med" type="none"/>
-            <a:tailEnd len="med" w="med" type="triangle"/>
-          </a:ln>
-        </p:spPr>
-      </p:cxnSp>
-      <p:sp>
-        <p:nvSpPr>
-          <p:cNvPr id="119" name="Google Shape;119;p21"/>
-          <p:cNvSpPr txBox="1"/>
-          <p:nvPr/>
-        </p:nvSpPr>
-        <p:spPr>
-          <a:xfrm>
-            <a:off x="2929650" y="2523625"/>
-            <a:ext cx="1071000" cy="646500"/>
-          </a:xfrm>
-          <a:prstGeom prst="rect">
-            <a:avLst/>
-          </a:prstGeom>
-          <a:noFill/>
-          <a:ln>
-            <a:noFill/>
-          </a:ln>
-        </p:spPr>
-        <p:txBody>
-          <a:bodyPr anchorCtr="0" anchor="t" bIns="91425" lIns="91425" spcFirstLastPara="1" rIns="91425" wrap="square" tIns="91425">
-            <a:spAutoFit/>
-          </a:bodyPr>
-          <a:lstStyle/>
-          <a:p>
-            <a:pPr indent="0" lvl="0" marL="0" rtl="0" algn="l">
-              <a:spcBef>
-                <a:spcPts val="0"/>
-              </a:spcBef>
-              <a:spcAft>
-                <a:spcPts val="0"/>
-              </a:spcAft>
-              <a:buNone/>
-            </a:pPr>
-            <a:r>
-              <a:rPr lang="en" sz="1000"/>
-              <a:t>App saves data in database </a:t>
-            </a:r>
-            <a:r>
-              <a:rPr b="1" i="1" lang="en" sz="1000"/>
-              <a:t>and</a:t>
-            </a:r>
-            <a:r>
-              <a:rPr lang="en" sz="1000"/>
-              <a:t> in Solr …</a:t>
-            </a:r>
-            <a:endParaRPr sz="1000"/>
-          </a:p>
-        </p:txBody>
-      </p:sp>
-      <p:cxnSp>
-        <p:nvCxnSpPr>
-          <p:cNvPr id="120" name="Google Shape;120;p21"/>
-          <p:cNvCxnSpPr>
-            <a:stCxn id="114" idx="1"/>
-            <a:endCxn id="117" idx="1"/>
-          </p:cNvCxnSpPr>
-          <p:nvPr/>
-        </p:nvCxnSpPr>
-        <p:spPr>
-          <a:xfrm>
-            <a:off x="3886750" y="2018275"/>
-            <a:ext cx="660900" cy="1514400"/>
-          </a:xfrm>
-          <a:prstGeom prst="straightConnector1">
-            <a:avLst/>
-          </a:prstGeom>
-          <a:noFill/>
-          <a:ln cap="flat" cmpd="sng" w="38100">
-            <a:solidFill>
-              <a:schemeClr val="dk2"/>
-            </a:solidFill>
-            <a:prstDash val="solid"/>
-            <a:round/>
-            <a:headEnd len="med" w="med" type="none"/>
-            <a:tailEnd len="med" w="med" type="triangle"/>
-          </a:ln>
-        </p:spPr>
-      </p:cxnSp>
-      <p:sp>
-        <p:nvSpPr>
-          <p:cNvPr id="121" name="Google Shape;121;p21"/>
-          <p:cNvSpPr txBox="1"/>
-          <p:nvPr/>
-        </p:nvSpPr>
-        <p:spPr>
-          <a:xfrm>
-            <a:off x="5398350" y="2523625"/>
-            <a:ext cx="1553700" cy="492600"/>
-          </a:xfrm>
-          <a:prstGeom prst="rect">
-            <a:avLst/>
-          </a:prstGeom>
-          <a:noFill/>
-          <a:ln>
-            <a:noFill/>
-          </a:ln>
-        </p:spPr>
-        <p:txBody>
-          <a:bodyPr anchorCtr="0" anchor="t" bIns="91425" lIns="91425" spcFirstLastPara="1" rIns="91425" wrap="square" tIns="91425">
-            <a:spAutoFit/>
-          </a:bodyPr>
-          <a:lstStyle/>
-          <a:p>
-            <a:pPr indent="0" lvl="0" marL="0" rtl="0" algn="l">
-              <a:spcBef>
-                <a:spcPts val="0"/>
-              </a:spcBef>
-              <a:spcAft>
-                <a:spcPts val="0"/>
-              </a:spcAft>
-              <a:buNone/>
-            </a:pPr>
-            <a:r>
-              <a:rPr lang="en" sz="1000"/>
-              <a:t>App searches for data in Solr </a:t>
-            </a:r>
-            <a:endParaRPr sz="1000"/>
-          </a:p>
-        </p:txBody>
-      </p:sp>
-      <p:pic>
-        <p:nvPicPr>
-          <p:cNvPr id="117" name="Google Shape;117;p21"/>
-          <p:cNvPicPr preferRelativeResize="0"/>
-          <p:nvPr/>
-        </p:nvPicPr>
-        <p:blipFill>
-          <a:blip r:embed="rId3">
-            <a:alphaModFix/>
-          </a:blip>
-          <a:stretch>
-            <a:fillRect/>
-          </a:stretch>
-        </p:blipFill>
-        <p:spPr>
-          <a:xfrm>
-            <a:off x="4547678" y="3151225"/>
-            <a:ext cx="1509120" cy="762600"/>
-          </a:xfrm>
-          <a:prstGeom prst="rect">
-            <a:avLst/>
-          </a:prstGeom>
-          <a:noFill/>
-          <a:ln>
-            <a:noFill/>
-          </a:ln>
-        </p:spPr>
-      </p:pic>
-      <p:sp>
-        <p:nvSpPr>
-          <p:cNvPr id="122" name="Google Shape;122;p21"/>
-          <p:cNvSpPr txBox="1"/>
-          <p:nvPr/>
-        </p:nvSpPr>
-        <p:spPr>
-          <a:xfrm>
-            <a:off x="4012850" y="2473750"/>
-            <a:ext cx="1277100" cy="338700"/>
-          </a:xfrm>
-          <a:prstGeom prst="rect">
-            <a:avLst/>
-          </a:prstGeom>
-          <a:noFill/>
-          <a:ln>
-            <a:noFill/>
-          </a:ln>
-        </p:spPr>
-        <p:txBody>
-          <a:bodyPr anchorCtr="0" anchor="t" bIns="91425" lIns="91425" spcFirstLastPara="1" rIns="91425" wrap="square" tIns="91425">
-            <a:spAutoFit/>
-          </a:bodyPr>
-          <a:lstStyle/>
-          <a:p>
-            <a:pPr indent="0" lvl="0" marL="0" rtl="0" algn="r">
-              <a:spcBef>
-                <a:spcPts val="0"/>
-              </a:spcBef>
-              <a:spcAft>
-                <a:spcPts val="0"/>
-              </a:spcAft>
-              <a:buNone/>
-            </a:pPr>
-            <a:r>
-              <a:rPr i="1" lang="en" sz="1000">
-                <a:solidFill>
-                  <a:srgbClr val="B7B7B7"/>
-                </a:solidFill>
-              </a:rPr>
-              <a:t>HTTP requests</a:t>
-            </a:r>
-            <a:endParaRPr i="1" sz="1000">
-              <a:solidFill>
-                <a:srgbClr val="B7B7B7"/>
-              </a:solidFill>
-            </a:endParaRPr>
-          </a:p>
-        </p:txBody>
-      </p:sp>
-      <p:sp>
-        <p:nvSpPr>
-          <p:cNvPr id="123" name="Google Shape;123;p21"/>
-          <p:cNvSpPr txBox="1"/>
-          <p:nvPr/>
-        </p:nvSpPr>
-        <p:spPr>
-          <a:xfrm>
-            <a:off x="3121050" y="3113975"/>
-            <a:ext cx="1277100" cy="338700"/>
-          </a:xfrm>
-          <a:prstGeom prst="rect">
-            <a:avLst/>
-          </a:prstGeom>
-          <a:noFill/>
-          <a:ln>
-            <a:noFill/>
-          </a:ln>
-        </p:spPr>
-        <p:txBody>
-          <a:bodyPr anchorCtr="0" anchor="t" bIns="91425" lIns="91425" spcFirstLastPara="1" rIns="91425" wrap="square" tIns="91425">
-            <a:spAutoFit/>
-          </a:bodyPr>
-          <a:lstStyle/>
-          <a:p>
-            <a:pPr indent="0" lvl="0" marL="0" rtl="0" algn="r">
-              <a:spcBef>
-                <a:spcPts val="0"/>
-              </a:spcBef>
-              <a:spcAft>
-                <a:spcPts val="0"/>
-              </a:spcAft>
-              <a:buNone/>
-            </a:pPr>
-            <a:r>
-              <a:rPr i="1" lang="en" sz="1000">
-                <a:solidFill>
-                  <a:srgbClr val="B7B7B7"/>
-                </a:solidFill>
-              </a:rPr>
-              <a:t>HTTP requests</a:t>
-            </a:r>
-            <a:endParaRPr i="1" sz="1000">
-              <a:solidFill>
-                <a:srgbClr val="B7B7B7"/>
-              </a:solidFill>
-            </a:endParaRPr>
-          </a:p>
-        </p:txBody>
-      </p:sp>
-      <p:sp>
-        <p:nvSpPr>
-          <p:cNvPr id="124" name="Google Shape;124;p21"/>
-          <p:cNvSpPr txBox="1"/>
-          <p:nvPr/>
-        </p:nvSpPr>
-        <p:spPr>
-          <a:xfrm>
-            <a:off x="4635825" y="3970000"/>
-            <a:ext cx="1681200" cy="461700"/>
-          </a:xfrm>
-          <a:prstGeom prst="rect">
-            <a:avLst/>
-          </a:prstGeom>
-          <a:noFill/>
-          <a:ln>
-            <a:noFill/>
-          </a:ln>
-        </p:spPr>
-        <p:txBody>
-          <a:bodyPr anchorCtr="0" anchor="t" bIns="91425" lIns="91425" spcFirstLastPara="1" rIns="91425" wrap="square" tIns="91425">
-            <a:spAutoFit/>
-          </a:bodyPr>
-          <a:lstStyle/>
-          <a:p>
-            <a:pPr indent="0" lvl="0" marL="0" rtl="0" algn="l">
-              <a:spcBef>
-                <a:spcPts val="0"/>
-              </a:spcBef>
-              <a:spcAft>
-                <a:spcPts val="0"/>
-              </a:spcAft>
-              <a:buNone/>
-            </a:pPr>
-            <a:r>
-              <a:rPr lang="en" sz="900">
-                <a:solidFill>
-                  <a:srgbClr val="999999"/>
-                </a:solidFill>
-              </a:rPr>
-              <a:t>Java only needed on the server where Solr runs</a:t>
-            </a:r>
-            <a:endParaRPr sz="900">
-              <a:solidFill>
-                <a:srgbClr val="999999"/>
-              </a:solidFill>
-            </a:endParaRPr>
-          </a:p>
-        </p:txBody>
-      </p:sp>
-    </p:spTree>
-  </p:cSld>
-  <p:clrMapOvr>
-    <a:masterClrMapping/>
-  </p:clrMapOvr>
-</p:sld>
+          <a:prstDash val="solid"/>
+        </a:ln>
+        <a:ln w="38100" cap="flat" cmpd="sng" algn="ctr">
+          <a:solidFill>
+            <a:schemeClr val="phClr"/>
+          </a:solidFill>
+          <a:prstDash val="solid"/>
+        </a:ln>
+      </a:lnStyleLst>
+      <a:effectStyleLst>
+        <a:effectStyle>
+          <a:effectLst>
+            <a:outerShdw blurRad="40000" dist="20000" dir="5400000" rotWithShape="0">
+              <a:srgbClr val="000000">
+                <a:alpha val="38000"/>
+              </a:srgbClr>
+            </a:outerShdw>
+          </a:effectLst>
+        </a:effectStyle>
+        <a:effectStyle>
+          <a:effectLst>
+            <a:outerShdw blurRad="40000" dist="23000" dir="5400000" rotWithShape="0">
+              <a:srgbClr val="000000">
+                <a:alpha val="35000"/>
+              </a:srgbClr>
+            </a:outerShdw>
+          </a:effectLst>
+        </a:effectStyle>
+        <a:effectStyle>
+          <a:effectLst>
+            <a:outerShdw blurRad="40000" dist="23000" dir="5400000" rotWithShape="0">
+              <a:srgbClr val="000000">
+                <a:alpha val="35000"/>
+              </a:srgbClr>
+            </a:outerShdw>
+          </a:effectLst>
+          <a:scene3d>
+            <a:camera prst="orthographicFront">
+              <a:rot lat="0" lon="0" rev="0"/>
+            </a:camera>
+            <a:lightRig rig="threePt" dir="t">
+              <a:rot lat="0" lon="0" rev="1200000"/>
+            </a:lightRig>
+          </a:scene3d>
+          <a:sp3d>
+            <a:bevelT w="63500" h="25400"/>
+          </a:sp3d>
+        </a:effectStyle>
+      </a:effectStyleLst>
+      <a:bgFillStyleLst>
+        <a:solidFill>
+          <a:schemeClr val="phClr"/>
+        </a:solidFill>
+        <a:gradFill rotWithShape="1">
+          <a:gsLst>
+            <a:gs pos="0">
+              <a:schemeClr val="phClr">
+                <a:tint val="40000"/>
+                <a:satMod val="350000"/>
+              </a:schemeClr>
+            </a:gs>
+            <a:gs pos="40000">
+              <a:schemeClr val="phClr">
+                <a:tint val="45000"/>
+                <a:shade val="99000"/>
+                <a:satMod val="350000"/>
+              </a:schemeClr>
+            </a:gs>
+            <a:gs pos="100000">
+              <a:schemeClr val="phClr">
+                <a:shade val="20000"/>
+                <a:satMod val="255000"/>
+              </a:schemeClr>
+            </a:gs>
+          </a:gsLst>
+          <a:path path="circle">
+            <a:fillToRect l="50000" t="-80000" r="50000" b="180000"/>
+          </a:path>
+        </a:gradFill>
+        <a:gradFill rotWithShape="1">
+          <a:gsLst>
+            <a:gs pos="0">
+              <a:schemeClr val="phClr">
+                <a:tint val="80000"/>
+                <a:satMod val="300000"/>
+              </a:schemeClr>
+            </a:gs>
+            <a:gs pos="100000">
+              <a:schemeClr val="phClr">
+                <a:shade val="30000"/>
+                <a:satMod val="200000"/>
+              </a:schemeClr>
+            </a:gs>
+          </a:gsLst>
+          <a:path path="circle">
+            <a:fillToRect l="50000" t="50000" r="50000" b="50000"/>
+          </a:path>
+        </a:gradFill>
+      </a:bgFillStyleLst>
+    </a:fmtScheme>
+  </a:themeElements>
+</a:theme>
 </file>
 
-<file path=ppt/theme/theme1.xml><?xml version="1.0" encoding="utf-8"?>
+<file path=ppt/theme/theme2.xml><?xml version="1.0" encoding="utf-8"?>
 <a:theme xmlns:a="http://schemas.openxmlformats.org/drawingml/2006/main" xmlns:r="http://schemas.openxmlformats.org/officeDocument/2006/relationships">
   <a:themeElements>
     <a:clrScheme name="Default">
@@ -20397,283 +20351,4 @@
     </a:fmtScheme>
   </a:themeElements>
 </a:theme>
-</file>
-
-<file path=ppt/theme/theme2.xml><?xml version="1.0" encoding="utf-8"?>
-<a:theme xmlns:a="http://schemas.openxmlformats.org/drawingml/2006/main" xmlns:r="http://schemas.openxmlformats.org/officeDocument/2006/relationships" name="Simple Light">
-  <a:themeElements>
-    <a:clrScheme name="Simple Light">
-      <a:dk1>
-        <a:srgbClr val="000000"/>
-      </a:dk1>
-      <a:lt1>
-        <a:srgbClr val="FFFFFF"/>
-      </a:lt1>
-      <a:dk2>
-        <a:srgbClr val="595959"/>
-      </a:dk2>
-      <a:lt2>
-        <a:srgbClr val="EEEEEE"/>
-      </a:lt2>
-      <a:accent1>
-        <a:srgbClr val="4285F4"/>
-      </a:accent1>
-      <a:accent2>
-        <a:srgbClr val="212121"/>
-      </a:accent2>
-      <a:accent3>
-        <a:srgbClr val="78909C"/>
-      </a:accent3>
-      <a:accent4>
-        <a:srgbClr val="FFAB40"/>
-      </a:accent4>
-      <a:accent5>
-        <a:srgbClr val="0097A7"/>
-      </a:accent5>
-      <a:accent6>
-        <a:srgbClr val="EEFF41"/>
-      </a:accent6>
-      <a:hlink>
-        <a:srgbClr val="0097A7"/>
-      </a:hlink>
-      <a:folHlink>
-        <a:srgbClr val="0097A7"/>
-      </a:folHlink>
-    </a:clrScheme>
-    <a:fontScheme name="Office">
-      <a:majorFont>
-        <a:latin typeface="Arial"/>
-        <a:ea typeface=""/>
-        <a:cs typeface=""/>
-        <a:font script="Jpan" typeface="ＭＳ Ｐゴシック"/>
-        <a:font script="Hang" typeface="맑은 고딕"/>
-        <a:font script="Hans" typeface="宋体"/>
-        <a:font script="Hant" typeface="新細明體"/>
-        <a:font script="Arab" typeface="Times New Roman"/>
-        <a:font script="Hebr" typeface="Times New Roman"/>
-        <a:font script="Thai" typeface="Angsana New"/>
-        <a:font script="Ethi" typeface="Nyala"/>
-        <a:font script="Beng" typeface="Vrinda"/>
-        <a:font script="Gujr" typeface="Shruti"/>
-        <a:font script="Khmr" typeface="MoolBoran"/>
-        <a:font script="Knda" typeface="Tunga"/>
-        <a:font script="Guru" typeface="Raavi"/>
-        <a:font script="Cans" typeface="Euphemia"/>
-        <a:font script="Cher" typeface="Plantagenet Cherokee"/>
-        <a:font script="Yiii" typeface="Microsoft Yi Baiti"/>
-        <a:font script="Tibt" typeface="Microsoft Himalaya"/>
-        <a:font script="Thaa" typeface="MV Boli"/>
-        <a:font script="Deva" typeface="Mangal"/>
-        <a:font script="Telu" typeface="Gautami"/>
-        <a:font script="Taml" typeface="Latha"/>
-        <a:font script="Syrc" typeface="Estrangelo Edessa"/>
-        <a:font script="Orya" typeface="Kalinga"/>
-        <a:font script="Mlym" typeface="Kartika"/>
-        <a:font script="Laoo" typeface="DokChampa"/>
-        <a:font script="Sinh" typeface="Iskoola Pota"/>
-        <a:font script="Mong" typeface="Mongolian Baiti"/>
-        <a:font script="Viet" typeface="Times New Roman"/>
-        <a:font script="Uigh" typeface="Microsoft Uighur"/>
-        <a:font script="Geor" typeface="Sylfaen"/>
-      </a:majorFont>
-      <a:minorFont>
-        <a:latin typeface="Arial"/>
-        <a:ea typeface=""/>
-        <a:cs typeface=""/>
-        <a:font script="Jpan" typeface="ＭＳ Ｐゴシック"/>
-        <a:font script="Hang" typeface="맑은 고딕"/>
-        <a:font script="Hans" typeface="宋体"/>
-        <a:font script="Hant" typeface="新細明體"/>
-        <a:font script="Arab" typeface="Arial"/>
-        <a:font script="Hebr" typeface="Arial"/>
-        <a:font script="Thai" typeface="Cordia New"/>
-        <a:font script="Ethi" typeface="Nyala"/>
-        <a:font script="Beng" typeface="Vrinda"/>
-        <a:font script="Gujr" typeface="Shruti"/>
-        <a:font script="Khmr" typeface="DaunPenh"/>
-        <a:font script="Knda" typeface="Tunga"/>
-        <a:font script="Guru" typeface="Raavi"/>
-        <a:font script="Cans" typeface="Euphemia"/>
-        <a:font script="Cher" typeface="Plantagenet Cherokee"/>
-        <a:font script="Yiii" typeface="Microsoft Yi Baiti"/>
-        <a:font script="Tibt" typeface="Microsoft Himalaya"/>
-        <a:font script="Thaa" typeface="MV Boli"/>
-        <a:font script="Deva" typeface="Mangal"/>
-        <a:font script="Telu" typeface="Gautami"/>
-        <a:font script="Taml" typeface="Latha"/>
-        <a:font script="Syrc" typeface="Estrangelo Edessa"/>
-        <a:font script="Orya" typeface="Kalinga"/>
-        <a:font script="Mlym" typeface="Kartika"/>
-        <a:font script="Laoo" typeface="DokChampa"/>
-        <a:font script="Sinh" typeface="Iskoola Pota"/>
-        <a:font script="Mong" typeface="Mongolian Baiti"/>
-        <a:font script="Viet" typeface="Arial"/>
-        <a:font script="Uigh" typeface="Microsoft Uighur"/>
-        <a:font script="Geor" typeface="Sylfaen"/>
-      </a:minorFont>
-    </a:fontScheme>
-    <a:fmtScheme name="Office">
-      <a:fillStyleLst>
-        <a:solidFill>
-          <a:schemeClr val="phClr"/>
-        </a:solidFill>
-        <a:gradFill rotWithShape="1">
-          <a:gsLst>
-            <a:gs pos="0">
-              <a:schemeClr val="phClr">
-                <a:tint val="50000"/>
-                <a:satMod val="300000"/>
-              </a:schemeClr>
-            </a:gs>
-            <a:gs pos="35000">
-              <a:schemeClr val="phClr">
-                <a:tint val="37000"/>
-                <a:satMod val="300000"/>
-              </a:schemeClr>
-            </a:gs>
-            <a:gs pos="100000">
-              <a:schemeClr val="phClr">
-                <a:tint val="15000"/>
-                <a:satMod val="350000"/>
-              </a:schemeClr>
-            </a:gs>
-          </a:gsLst>
-          <a:lin ang="16200000" scaled="1"/>
-        </a:gradFill>
-        <a:gradFill rotWithShape="1">
-          <a:gsLst>
-            <a:gs pos="0">
-              <a:schemeClr val="phClr">
-                <a:tint val="100000"/>
-                <a:shade val="100000"/>
-                <a:satMod val="130000"/>
-              </a:schemeClr>
-            </a:gs>
-            <a:gs pos="100000">
-              <a:schemeClr val="phClr">
-                <a:tint val="50000"/>
-                <a:shade val="100000"/>
-                <a:satMod val="350000"/>
-              </a:schemeClr>
-            </a:gs>
-          </a:gsLst>
-          <a:lin ang="16200000" scaled="0"/>
-        </a:gradFill>
-      </a:fillStyleLst>
-      <a:lnStyleLst>
-        <a:ln w="9525" cap="flat" cmpd="sng" algn="ctr">
-          <a:solidFill>
-            <a:schemeClr val="phClr">
-              <a:shade val="95000"/>
-              <a:satMod val="105000"/>
-            </a:schemeClr>
-          </a:solidFill>
-          <a:prstDash val="solid"/>
-        </a:ln>
-        <a:ln w="25400" cap="flat" cmpd="sng" algn="ctr">
-          <a:solidFill>
-            <a:schemeClr val="phClr"/>
-          </a:solidFill>
-          <a:prstDash val="solid"/>
-        </a:ln>
-        <a:ln w="38100" cap="flat" cmpd="sng" algn="ctr">
-          <a:solidFill>
-            <a:schemeClr val="phClr"/>
-          </a:solidFill>
-          <a:prstDash val="solid"/>
-        </a:ln>
-      </a:lnStyleLst>
-      <a:effectStyleLst>
-        <a:effectStyle>
-          <a:effectLst>
-            <a:outerShdw blurRad="40000" dist="20000" dir="5400000" rotWithShape="0">
-              <a:srgbClr val="000000">
-                <a:alpha val="38000"/>
-              </a:srgbClr>
-            </a:outerShdw>
-          </a:effectLst>
-        </a:effectStyle>
-        <a:effectStyle>
-          <a:effectLst>
-            <a:outerShdw blurRad="40000" dist="23000" dir="5400000" rotWithShape="0">
-              <a:srgbClr val="000000">
-                <a:alpha val="35000"/>
-              </a:srgbClr>
-            </a:outerShdw>
-          </a:effectLst>
-        </a:effectStyle>
-        <a:effectStyle>
-          <a:effectLst>
-            <a:outerShdw blurRad="40000" dist="23000" dir="5400000" rotWithShape="0">
-              <a:srgbClr val="000000">
-                <a:alpha val="35000"/>
-              </a:srgbClr>
-            </a:outerShdw>
-          </a:effectLst>
-          <a:scene3d>
-            <a:camera prst="orthographicFront">
-              <a:rot lat="0" lon="0" rev="0"/>
-            </a:camera>
-            <a:lightRig rig="threePt" dir="t">
-              <a:rot lat="0" lon="0" rev="1200000"/>
-            </a:lightRig>
-          </a:scene3d>
-          <a:sp3d>
-            <a:bevelT w="63500" h="25400"/>
-          </a:sp3d>
-        </a:effectStyle>
-      </a:effectStyleLst>
-      <a:bgFillStyleLst>
-        <a:solidFill>
-          <a:schemeClr val="phClr"/>
-        </a:solidFill>
-        <a:gradFill rotWithShape="1">
-          <a:gsLst>
-            <a:gs pos="0">
-              <a:schemeClr val="phClr">
-                <a:tint val="40000"/>
-                <a:satMod val="350000"/>
-              </a:schemeClr>
-            </a:gs>
-            <a:gs pos="40000">
-              <a:schemeClr val="phClr">
-                <a:tint val="45000"/>
-                <a:shade val="99000"/>
-                <a:satMod val="350000"/>
-              </a:schemeClr>
-            </a:gs>
-            <a:gs pos="100000">
-              <a:schemeClr val="phClr">
-                <a:shade val="20000"/>
-                <a:satMod val="255000"/>
-              </a:schemeClr>
-            </a:gs>
-          </a:gsLst>
-          <a:path path="circle">
-            <a:fillToRect l="50000" t="-80000" r="50000" b="180000"/>
-          </a:path>
-        </a:gradFill>
-        <a:gradFill rotWithShape="1">
-          <a:gsLst>
-            <a:gs pos="0">
-              <a:schemeClr val="phClr">
-                <a:tint val="80000"/>
-                <a:satMod val="300000"/>
-              </a:schemeClr>
-            </a:gs>
-            <a:gs pos="100000">
-              <a:schemeClr val="phClr">
-                <a:shade val="30000"/>
-                <a:satMod val="200000"/>
-              </a:schemeClr>
-            </a:gs>
-          </a:gsLst>
-          <a:path path="circle">
-            <a:fillToRect l="50000" t="50000" r="50000" b="50000"/>
-          </a:path>
-        </a:gradFill>
-      </a:bgFillStyleLst>
-    </a:fmtScheme>
-  </a:themeElements>
-</a:theme>
 </file>